--- a/Chapitre_01_Energetique/Révisions/TransmetteursPuissance/images/Figures.pptx
+++ b/Chapitre_01_Energetique/Révisions/TransmetteursPuissance/images/Figures.pptx
@@ -7063,7 +7063,7 @@
         </p:nvSpPr>
         <p:spPr>
           <a:xfrm>
-            <a:off x="2459990" y="2345739"/>
+            <a:off x="2633300" y="1219908"/>
             <a:ext cx="276999" cy="276999"/>
           </a:xfrm>
           <a:prstGeom prst="ellipse">
@@ -9926,7 +9926,7 @@
         </p:nvSpPr>
         <p:spPr>
           <a:xfrm>
-            <a:off x="880090" y="2498412"/>
+            <a:off x="1135770" y="2478071"/>
             <a:ext cx="276999" cy="276999"/>
           </a:xfrm>
           <a:prstGeom prst="ellipse">
@@ -10754,7 +10754,7 @@
         </p:nvSpPr>
         <p:spPr>
           <a:xfrm>
-            <a:off x="4938568" y="1645692"/>
+            <a:off x="3551653" y="1848351"/>
             <a:ext cx="276999" cy="276999"/>
           </a:xfrm>
           <a:prstGeom prst="ellipse">
@@ -10810,8 +10810,8 @@
           </a:p>
         </p:txBody>
       </p:sp>
-      <mc:AlternateContent xmlns:mc="http://schemas.openxmlformats.org/markup-compatibility/2006">
-        <mc:Choice xmlns:a14="http://schemas.microsoft.com/office/drawing/2010/main" Requires="a14">
+      <mc:AlternateContent xmlns:mc="http://schemas.openxmlformats.org/markup-compatibility/2006" xmlns:a14="http://schemas.microsoft.com/office/drawing/2010/main">
+        <mc:Choice Requires="a14">
           <p:sp>
             <p:nvSpPr>
               <p:cNvPr id="51" name="ZoneTexte 50">
@@ -10880,7 +10880,7 @@
             </p:txBody>
           </p:sp>
         </mc:Choice>
-        <mc:Fallback>
+        <mc:Fallback xmlns="">
           <p:sp>
             <p:nvSpPr>
               <p:cNvPr id="51" name="ZoneTexte 50">
@@ -10925,8 +10925,8 @@
           </p:sp>
         </mc:Fallback>
       </mc:AlternateContent>
-      <mc:AlternateContent xmlns:mc="http://schemas.openxmlformats.org/markup-compatibility/2006">
-        <mc:Choice xmlns:a14="http://schemas.microsoft.com/office/drawing/2010/main" Requires="a14">
+      <mc:AlternateContent xmlns:mc="http://schemas.openxmlformats.org/markup-compatibility/2006" xmlns:a14="http://schemas.microsoft.com/office/drawing/2010/main">
+        <mc:Choice Requires="a14">
           <p:sp>
             <p:nvSpPr>
               <p:cNvPr id="53" name="ZoneTexte 52">
@@ -10995,7 +10995,7 @@
             </p:txBody>
           </p:sp>
         </mc:Choice>
-        <mc:Fallback>
+        <mc:Fallback xmlns="">
           <p:sp>
             <p:nvSpPr>
               <p:cNvPr id="53" name="ZoneTexte 52">
@@ -11040,8 +11040,8 @@
           </p:sp>
         </mc:Fallback>
       </mc:AlternateContent>
-      <mc:AlternateContent xmlns:mc="http://schemas.openxmlformats.org/markup-compatibility/2006">
-        <mc:Choice xmlns:a14="http://schemas.microsoft.com/office/drawing/2010/main" Requires="a14">
+      <mc:AlternateContent xmlns:mc="http://schemas.openxmlformats.org/markup-compatibility/2006" xmlns:a14="http://schemas.microsoft.com/office/drawing/2010/main">
+        <mc:Choice Requires="a14">
           <p:sp>
             <p:nvSpPr>
               <p:cNvPr id="57" name="ZoneTexte 56">
@@ -11110,7 +11110,7 @@
             </p:txBody>
           </p:sp>
         </mc:Choice>
-        <mc:Fallback>
+        <mc:Fallback xmlns="">
           <p:sp>
             <p:nvSpPr>
               <p:cNvPr id="57" name="ZoneTexte 56">
@@ -11155,8 +11155,8 @@
           </p:sp>
         </mc:Fallback>
       </mc:AlternateContent>
-      <mc:AlternateContent xmlns:mc="http://schemas.openxmlformats.org/markup-compatibility/2006">
-        <mc:Choice xmlns:a14="http://schemas.microsoft.com/office/drawing/2010/main" Requires="a14">
+      <mc:AlternateContent xmlns:mc="http://schemas.openxmlformats.org/markup-compatibility/2006" xmlns:a14="http://schemas.microsoft.com/office/drawing/2010/main">
+        <mc:Choice Requires="a14">
           <p:sp>
             <p:nvSpPr>
               <p:cNvPr id="58" name="ZoneTexte 57">
@@ -11225,7 +11225,7 @@
             </p:txBody>
           </p:sp>
         </mc:Choice>
-        <mc:Fallback>
+        <mc:Fallback xmlns="">
           <p:sp>
             <p:nvSpPr>
               <p:cNvPr id="58" name="ZoneTexte 57">
@@ -17399,7 +17399,7 @@
         </p:nvCxnSpPr>
         <p:spPr>
           <a:xfrm>
-            <a:off x="3851920" y="1982962"/>
+            <a:off x="1035439" y="3752278"/>
             <a:ext cx="720080" cy="0"/>
           </a:xfrm>
           <a:prstGeom prst="line">
@@ -17438,7 +17438,7 @@
         </p:nvCxnSpPr>
         <p:spPr>
           <a:xfrm rot="16200000">
-            <a:off x="3491880" y="1628800"/>
+            <a:off x="675399" y="3398116"/>
             <a:ext cx="720080" cy="0"/>
           </a:xfrm>
           <a:prstGeom prst="line">
@@ -17469,8 +17469,8 @@
           </a:fontRef>
         </p:style>
       </p:cxnSp>
-      <mc:AlternateContent xmlns:mc="http://schemas.openxmlformats.org/markup-compatibility/2006" xmlns:a14="http://schemas.microsoft.com/office/drawing/2010/main">
-        <mc:Choice Requires="a14">
+      <mc:AlternateContent xmlns:mc="http://schemas.openxmlformats.org/markup-compatibility/2006">
+        <mc:Choice xmlns:a14="http://schemas.microsoft.com/office/drawing/2010/main" Requires="a14">
           <p:sp>
             <p:nvSpPr>
               <p:cNvPr id="64" name="ZoneTexte 63"/>
@@ -17479,7 +17479,7 @@
             </p:nvSpPr>
             <p:spPr>
               <a:xfrm>
-                <a:off x="4309357" y="1705963"/>
+                <a:off x="1492876" y="3475279"/>
                 <a:ext cx="362022" cy="276999"/>
               </a:xfrm>
               <a:prstGeom prst="rect">
@@ -17545,7 +17545,7 @@
             </p:txBody>
           </p:sp>
         </mc:Choice>
-        <mc:Fallback xmlns="">
+        <mc:Fallback>
           <p:sp>
             <p:nvSpPr>
               <p:cNvPr id="64" name="ZoneTexte 63"/>
@@ -17556,13 +17556,13 @@
             </p:nvSpPr>
             <p:spPr>
               <a:xfrm>
-                <a:off x="4309357" y="1705963"/>
+                <a:off x="1492876" y="3475279"/>
                 <a:ext cx="362022" cy="276999"/>
               </a:xfrm>
               <a:prstGeom prst="rect">
                 <a:avLst/>
               </a:prstGeom>
-              <a:blipFill rotWithShape="1">
+              <a:blipFill>
                 <a:blip r:embed="rId2"/>
                 <a:stretch>
                   <a:fillRect/>
@@ -17584,8 +17584,8 @@
           </p:sp>
         </mc:Fallback>
       </mc:AlternateContent>
-      <mc:AlternateContent xmlns:mc="http://schemas.openxmlformats.org/markup-compatibility/2006" xmlns:a14="http://schemas.microsoft.com/office/drawing/2010/main">
-        <mc:Choice Requires="a14">
+      <mc:AlternateContent xmlns:mc="http://schemas.openxmlformats.org/markup-compatibility/2006">
+        <mc:Choice xmlns:a14="http://schemas.microsoft.com/office/drawing/2010/main" Requires="a14">
           <p:sp>
             <p:nvSpPr>
               <p:cNvPr id="65" name="ZoneTexte 64"/>
@@ -17594,7 +17594,7 @@
             </p:nvSpPr>
             <p:spPr>
               <a:xfrm>
-                <a:off x="3779912" y="1130260"/>
+                <a:off x="963431" y="2899576"/>
                 <a:ext cx="372346" cy="276999"/>
               </a:xfrm>
               <a:prstGeom prst="rect">
@@ -17660,7 +17660,7 @@
             </p:txBody>
           </p:sp>
         </mc:Choice>
-        <mc:Fallback xmlns="">
+        <mc:Fallback>
           <p:sp>
             <p:nvSpPr>
               <p:cNvPr id="65" name="ZoneTexte 64"/>
@@ -17671,13 +17671,13 @@
             </p:nvSpPr>
             <p:spPr>
               <a:xfrm>
-                <a:off x="3779912" y="1130260"/>
+                <a:off x="963431" y="2899576"/>
                 <a:ext cx="372346" cy="276999"/>
               </a:xfrm>
               <a:prstGeom prst="rect">
                 <a:avLst/>
               </a:prstGeom>
-              <a:blipFill rotWithShape="1">
+              <a:blipFill>
                 <a:blip r:embed="rId3"/>
                 <a:stretch>
                   <a:fillRect/>
@@ -19747,8 +19747,8 @@
           </a:fontRef>
         </p:style>
       </p:cxnSp>
-      <mc:AlternateContent xmlns:mc="http://schemas.openxmlformats.org/markup-compatibility/2006">
-        <mc:Choice xmlns:a14="http://schemas.microsoft.com/office/drawing/2010/main" Requires="a14">
+      <mc:AlternateContent xmlns:mc="http://schemas.openxmlformats.org/markup-compatibility/2006" xmlns:a14="http://schemas.microsoft.com/office/drawing/2010/main">
+        <mc:Choice Requires="a14">
           <p:sp>
             <p:nvSpPr>
               <p:cNvPr id="64" name="ZoneTexte 63"/>
@@ -19823,7 +19823,7 @@
             </p:txBody>
           </p:sp>
         </mc:Choice>
-        <mc:Fallback>
+        <mc:Fallback xmlns="">
           <p:sp>
             <p:nvSpPr>
               <p:cNvPr id="64" name="ZoneTexte 63"/>
@@ -19862,8 +19862,8 @@
           </p:sp>
         </mc:Fallback>
       </mc:AlternateContent>
-      <mc:AlternateContent xmlns:mc="http://schemas.openxmlformats.org/markup-compatibility/2006">
-        <mc:Choice xmlns:a14="http://schemas.microsoft.com/office/drawing/2010/main" Requires="a14">
+      <mc:AlternateContent xmlns:mc="http://schemas.openxmlformats.org/markup-compatibility/2006" xmlns:a14="http://schemas.microsoft.com/office/drawing/2010/main">
+        <mc:Choice Requires="a14">
           <p:sp>
             <p:nvSpPr>
               <p:cNvPr id="65" name="ZoneTexte 64"/>
@@ -19938,7 +19938,7 @@
             </p:txBody>
           </p:sp>
         </mc:Choice>
-        <mc:Fallback>
+        <mc:Fallback xmlns="">
           <p:sp>
             <p:nvSpPr>
               <p:cNvPr id="65" name="ZoneTexte 64"/>
@@ -20262,8 +20262,8 @@
           </a:fontRef>
         </p:style>
       </p:cxnSp>
-      <mc:AlternateContent xmlns:mc="http://schemas.openxmlformats.org/markup-compatibility/2006">
-        <mc:Choice xmlns:a14="http://schemas.microsoft.com/office/drawing/2010/main" Requires="a14">
+      <mc:AlternateContent xmlns:mc="http://schemas.openxmlformats.org/markup-compatibility/2006" xmlns:a14="http://schemas.microsoft.com/office/drawing/2010/main">
+        <mc:Choice Requires="a14">
           <p:sp>
             <p:nvSpPr>
               <p:cNvPr id="59" name="ZoneTexte 58">
@@ -20332,7 +20332,7 @@
             </p:txBody>
           </p:sp>
         </mc:Choice>
-        <mc:Fallback>
+        <mc:Fallback xmlns="">
           <p:sp>
             <p:nvSpPr>
               <p:cNvPr id="59" name="ZoneTexte 58">
@@ -20377,8 +20377,8 @@
           </p:sp>
         </mc:Fallback>
       </mc:AlternateContent>
-      <mc:AlternateContent xmlns:mc="http://schemas.openxmlformats.org/markup-compatibility/2006">
-        <mc:Choice xmlns:a14="http://schemas.microsoft.com/office/drawing/2010/main" Requires="a14">
+      <mc:AlternateContent xmlns:mc="http://schemas.openxmlformats.org/markup-compatibility/2006" xmlns:a14="http://schemas.microsoft.com/office/drawing/2010/main">
+        <mc:Choice Requires="a14">
           <p:sp>
             <p:nvSpPr>
               <p:cNvPr id="61" name="ZoneTexte 60">
@@ -20447,7 +20447,7 @@
             </p:txBody>
           </p:sp>
         </mc:Choice>
-        <mc:Fallback>
+        <mc:Fallback xmlns="">
           <p:sp>
             <p:nvSpPr>
               <p:cNvPr id="61" name="ZoneTexte 60">
@@ -20492,8 +20492,8 @@
           </p:sp>
         </mc:Fallback>
       </mc:AlternateContent>
-      <mc:AlternateContent xmlns:mc="http://schemas.openxmlformats.org/markup-compatibility/2006">
-        <mc:Choice xmlns:a14="http://schemas.microsoft.com/office/drawing/2010/main" Requires="a14">
+      <mc:AlternateContent xmlns:mc="http://schemas.openxmlformats.org/markup-compatibility/2006" xmlns:a14="http://schemas.microsoft.com/office/drawing/2010/main">
+        <mc:Choice Requires="a14">
           <p:sp>
             <p:nvSpPr>
               <p:cNvPr id="62" name="ZoneTexte 61">
@@ -20562,7 +20562,7 @@
             </p:txBody>
           </p:sp>
         </mc:Choice>
-        <mc:Fallback>
+        <mc:Fallback xmlns="">
           <p:sp>
             <p:nvSpPr>
               <p:cNvPr id="62" name="ZoneTexte 61">
@@ -23483,8 +23483,8 @@
           </p:sp>
         </mc:Fallback>
       </mc:AlternateContent>
-      <mc:AlternateContent xmlns:mc="http://schemas.openxmlformats.org/markup-compatibility/2006">
-        <mc:Choice xmlns:a14="http://schemas.microsoft.com/office/drawing/2010/main" Requires="a14">
+      <mc:AlternateContent xmlns:mc="http://schemas.openxmlformats.org/markup-compatibility/2006" xmlns:a14="http://schemas.microsoft.com/office/drawing/2010/main">
+        <mc:Choice Requires="a14">
           <p:sp>
             <p:nvSpPr>
               <p:cNvPr id="58" name="ZoneTexte 57">
@@ -23553,7 +23553,7 @@
             </p:txBody>
           </p:sp>
         </mc:Choice>
-        <mc:Fallback>
+        <mc:Fallback xmlns="">
           <p:sp>
             <p:nvSpPr>
               <p:cNvPr id="58" name="ZoneTexte 57">
@@ -25982,8 +25982,8 @@
           </p:sp>
         </mc:Fallback>
       </mc:AlternateContent>
-      <mc:AlternateContent xmlns:mc="http://schemas.openxmlformats.org/markup-compatibility/2006">
-        <mc:Choice xmlns:a14="http://schemas.microsoft.com/office/drawing/2010/main" Requires="a14">
+      <mc:AlternateContent xmlns:mc="http://schemas.openxmlformats.org/markup-compatibility/2006" xmlns:a14="http://schemas.microsoft.com/office/drawing/2010/main">
+        <mc:Choice Requires="a14">
           <p:sp>
             <p:nvSpPr>
               <p:cNvPr id="53" name="ZoneTexte 52">
@@ -26052,7 +26052,7 @@
             </p:txBody>
           </p:sp>
         </mc:Choice>
-        <mc:Fallback>
+        <mc:Fallback xmlns="">
           <p:sp>
             <p:nvSpPr>
               <p:cNvPr id="53" name="ZoneTexte 52">
@@ -26097,8 +26097,8 @@
           </p:sp>
         </mc:Fallback>
       </mc:AlternateContent>
-      <mc:AlternateContent xmlns:mc="http://schemas.openxmlformats.org/markup-compatibility/2006">
-        <mc:Choice xmlns:a14="http://schemas.microsoft.com/office/drawing/2010/main" Requires="a14">
+      <mc:AlternateContent xmlns:mc="http://schemas.openxmlformats.org/markup-compatibility/2006" xmlns:a14="http://schemas.microsoft.com/office/drawing/2010/main">
+        <mc:Choice Requires="a14">
           <p:sp>
             <p:nvSpPr>
               <p:cNvPr id="57" name="ZoneTexte 56">
@@ -26167,7 +26167,7 @@
             </p:txBody>
           </p:sp>
         </mc:Choice>
-        <mc:Fallback>
+        <mc:Fallback xmlns="">
           <p:sp>
             <p:nvSpPr>
               <p:cNvPr id="57" name="ZoneTexte 56">
@@ -26212,8 +26212,8 @@
           </p:sp>
         </mc:Fallback>
       </mc:AlternateContent>
-      <mc:AlternateContent xmlns:mc="http://schemas.openxmlformats.org/markup-compatibility/2006">
-        <mc:Choice xmlns:a14="http://schemas.microsoft.com/office/drawing/2010/main" Requires="a14">
+      <mc:AlternateContent xmlns:mc="http://schemas.openxmlformats.org/markup-compatibility/2006" xmlns:a14="http://schemas.microsoft.com/office/drawing/2010/main">
+        <mc:Choice Requires="a14">
           <p:sp>
             <p:nvSpPr>
               <p:cNvPr id="58" name="ZoneTexte 57">
@@ -26282,7 +26282,7 @@
             </p:txBody>
           </p:sp>
         </mc:Choice>
-        <mc:Fallback>
+        <mc:Fallback xmlns="">
           <p:sp>
             <p:nvSpPr>
               <p:cNvPr id="58" name="ZoneTexte 57">
@@ -27485,7 +27485,7 @@
         </p:blipFill>
         <p:spPr>
           <a:xfrm>
-            <a:off x="4959658" y="584102"/>
+            <a:off x="6621358" y="1570010"/>
             <a:ext cx="4254212" cy="1971817"/>
           </a:xfrm>
           <a:prstGeom prst="rect">
@@ -27835,7 +27835,7 @@
         </p:nvSpPr>
         <p:spPr>
           <a:xfrm>
-            <a:off x="4687358" y="3483405"/>
+            <a:off x="4441457" y="2510900"/>
             <a:ext cx="276999" cy="276999"/>
           </a:xfrm>
           <a:prstGeom prst="ellipse">
@@ -31896,8 +31896,8 @@
           </p:sp>
         </mc:Fallback>
       </mc:AlternateContent>
-      <mc:AlternateContent xmlns:mc="http://schemas.openxmlformats.org/markup-compatibility/2006">
-        <mc:Choice xmlns:a14="http://schemas.microsoft.com/office/drawing/2010/main" Requires="a14">
+      <mc:AlternateContent xmlns:mc="http://schemas.openxmlformats.org/markup-compatibility/2006" xmlns:a14="http://schemas.microsoft.com/office/drawing/2010/main">
+        <mc:Choice Requires="a14">
           <p:sp>
             <p:nvSpPr>
               <p:cNvPr id="53" name="ZoneTexte 52">
@@ -31966,7 +31966,7 @@
             </p:txBody>
           </p:sp>
         </mc:Choice>
-        <mc:Fallback>
+        <mc:Fallback xmlns="">
           <p:sp>
             <p:nvSpPr>
               <p:cNvPr id="53" name="ZoneTexte 52">
@@ -32011,8 +32011,8 @@
           </p:sp>
         </mc:Fallback>
       </mc:AlternateContent>
-      <mc:AlternateContent xmlns:mc="http://schemas.openxmlformats.org/markup-compatibility/2006">
-        <mc:Choice xmlns:a14="http://schemas.microsoft.com/office/drawing/2010/main" Requires="a14">
+      <mc:AlternateContent xmlns:mc="http://schemas.openxmlformats.org/markup-compatibility/2006" xmlns:a14="http://schemas.microsoft.com/office/drawing/2010/main">
+        <mc:Choice Requires="a14">
           <p:sp>
             <p:nvSpPr>
               <p:cNvPr id="57" name="ZoneTexte 56">
@@ -32081,7 +32081,7 @@
             </p:txBody>
           </p:sp>
         </mc:Choice>
-        <mc:Fallback>
+        <mc:Fallback xmlns="">
           <p:sp>
             <p:nvSpPr>
               <p:cNvPr id="57" name="ZoneTexte 56">
@@ -32126,8 +32126,8 @@
           </p:sp>
         </mc:Fallback>
       </mc:AlternateContent>
-      <mc:AlternateContent xmlns:mc="http://schemas.openxmlformats.org/markup-compatibility/2006">
-        <mc:Choice xmlns:a14="http://schemas.microsoft.com/office/drawing/2010/main" Requires="a14">
+      <mc:AlternateContent xmlns:mc="http://schemas.openxmlformats.org/markup-compatibility/2006" xmlns:a14="http://schemas.microsoft.com/office/drawing/2010/main">
+        <mc:Choice Requires="a14">
           <p:sp>
             <p:nvSpPr>
               <p:cNvPr id="58" name="ZoneTexte 57">
@@ -32196,7 +32196,7 @@
             </p:txBody>
           </p:sp>
         </mc:Choice>
-        <mc:Fallback>
+        <mc:Fallback xmlns="">
           <p:sp>
             <p:nvSpPr>
               <p:cNvPr id="58" name="ZoneTexte 57">

--- a/Chapitre_01_Energetique/Révisions/TransmetteursPuissance/images/Figures.pptx
+++ b/Chapitre_01_Energetique/Révisions/TransmetteursPuissance/images/Figures.pptx
@@ -5,20 +5,21 @@
     <p:sldMasterId id="2147483648" r:id="rId1"/>
   </p:sldMasterIdLst>
   <p:notesMasterIdLst>
-    <p:notesMasterId r:id="rId13"/>
+    <p:notesMasterId r:id="rId14"/>
   </p:notesMasterIdLst>
   <p:sldIdLst>
-    <p:sldId id="269" r:id="rId2"/>
-    <p:sldId id="271" r:id="rId3"/>
-    <p:sldId id="270" r:id="rId4"/>
-    <p:sldId id="272" r:id="rId5"/>
-    <p:sldId id="276" r:id="rId6"/>
-    <p:sldId id="275" r:id="rId7"/>
-    <p:sldId id="277" r:id="rId8"/>
-    <p:sldId id="274" r:id="rId9"/>
-    <p:sldId id="278" r:id="rId10"/>
-    <p:sldId id="273" r:id="rId11"/>
-    <p:sldId id="279" r:id="rId12"/>
+    <p:sldId id="280" r:id="rId2"/>
+    <p:sldId id="269" r:id="rId3"/>
+    <p:sldId id="271" r:id="rId4"/>
+    <p:sldId id="270" r:id="rId5"/>
+    <p:sldId id="272" r:id="rId6"/>
+    <p:sldId id="276" r:id="rId7"/>
+    <p:sldId id="275" r:id="rId8"/>
+    <p:sldId id="277" r:id="rId9"/>
+    <p:sldId id="274" r:id="rId10"/>
+    <p:sldId id="278" r:id="rId11"/>
+    <p:sldId id="273" r:id="rId12"/>
+    <p:sldId id="279" r:id="rId13"/>
   </p:sldIdLst>
   <p:sldSz cx="9144000" cy="6858000" type="screen4x3"/>
   <p:notesSz cx="6858000" cy="9144000"/>
@@ -218,7 +219,7 @@
           <a:p>
             <a:fld id="{549FEEA7-4413-463C-9325-6E80A7BF54C3}" type="datetimeFigureOut">
               <a:rPr lang="fr-FR" smtClean="0"/>
-              <a:t>12/02/2019</a:t>
+              <a:t>13/02/2019</a:t>
             </a:fld>
             <a:endParaRPr lang="fr-FR"/>
           </a:p>
@@ -550,7 +551,7 @@
           <a:p>
             <a:fld id="{8815428D-954C-45A1-8680-5DDEA4A88236}" type="slidenum">
               <a:rPr lang="fr-FR" smtClean="0"/>
-              <a:t>6</a:t>
+              <a:t>7</a:t>
             </a:fld>
             <a:endParaRPr lang="fr-FR"/>
           </a:p>
@@ -634,7 +635,7 @@
           <a:p>
             <a:fld id="{8815428D-954C-45A1-8680-5DDEA4A88236}" type="slidenum">
               <a:rPr lang="fr-FR" smtClean="0"/>
-              <a:t>7</a:t>
+              <a:t>8</a:t>
             </a:fld>
             <a:endParaRPr lang="fr-FR"/>
           </a:p>
@@ -718,7 +719,7 @@
           <a:p>
             <a:fld id="{8815428D-954C-45A1-8680-5DDEA4A88236}" type="slidenum">
               <a:rPr lang="fr-FR" smtClean="0"/>
-              <a:t>10</a:t>
+              <a:t>11</a:t>
             </a:fld>
             <a:endParaRPr lang="fr-FR"/>
           </a:p>
@@ -802,7 +803,7 @@
           <a:p>
             <a:fld id="{8815428D-954C-45A1-8680-5DDEA4A88236}" type="slidenum">
               <a:rPr lang="fr-FR" smtClean="0"/>
-              <a:t>11</a:t>
+              <a:t>12</a:t>
             </a:fld>
             <a:endParaRPr lang="fr-FR"/>
           </a:p>
@@ -1002,7 +1003,7 @@
           <a:p>
             <a:fld id="{AA309A6D-C09C-4548-B29A-6CF363A7E532}" type="datetimeFigureOut">
               <a:rPr lang="fr-FR" smtClean="0"/>
-              <a:t>12/02/2019</a:t>
+              <a:t>13/02/2019</a:t>
             </a:fld>
             <a:endParaRPr lang="fr-BE"/>
           </a:p>
@@ -1167,7 +1168,7 @@
           <a:p>
             <a:fld id="{AA309A6D-C09C-4548-B29A-6CF363A7E532}" type="datetimeFigureOut">
               <a:rPr lang="fr-FR" smtClean="0"/>
-              <a:t>12/02/2019</a:t>
+              <a:t>13/02/2019</a:t>
             </a:fld>
             <a:endParaRPr lang="fr-BE"/>
           </a:p>
@@ -1342,7 +1343,7 @@
           <a:p>
             <a:fld id="{AA309A6D-C09C-4548-B29A-6CF363A7E532}" type="datetimeFigureOut">
               <a:rPr lang="fr-FR" smtClean="0"/>
-              <a:t>12/02/2019</a:t>
+              <a:t>13/02/2019</a:t>
             </a:fld>
             <a:endParaRPr lang="fr-BE"/>
           </a:p>
@@ -1507,7 +1508,7 @@
           <a:p>
             <a:fld id="{AA309A6D-C09C-4548-B29A-6CF363A7E532}" type="datetimeFigureOut">
               <a:rPr lang="fr-FR" smtClean="0"/>
-              <a:t>12/02/2019</a:t>
+              <a:t>13/02/2019</a:t>
             </a:fld>
             <a:endParaRPr lang="fr-BE"/>
           </a:p>
@@ -1748,7 +1749,7 @@
           <a:p>
             <a:fld id="{AA309A6D-C09C-4548-B29A-6CF363A7E532}" type="datetimeFigureOut">
               <a:rPr lang="fr-FR" smtClean="0"/>
-              <a:t>12/02/2019</a:t>
+              <a:t>13/02/2019</a:t>
             </a:fld>
             <a:endParaRPr lang="fr-BE"/>
           </a:p>
@@ -2031,7 +2032,7 @@
           <a:p>
             <a:fld id="{AA309A6D-C09C-4548-B29A-6CF363A7E532}" type="datetimeFigureOut">
               <a:rPr lang="fr-FR" smtClean="0"/>
-              <a:t>12/02/2019</a:t>
+              <a:t>13/02/2019</a:t>
             </a:fld>
             <a:endParaRPr lang="fr-BE"/>
           </a:p>
@@ -2448,7 +2449,7 @@
           <a:p>
             <a:fld id="{AA309A6D-C09C-4548-B29A-6CF363A7E532}" type="datetimeFigureOut">
               <a:rPr lang="fr-FR" smtClean="0"/>
-              <a:t>12/02/2019</a:t>
+              <a:t>13/02/2019</a:t>
             </a:fld>
             <a:endParaRPr lang="fr-BE"/>
           </a:p>
@@ -2561,7 +2562,7 @@
           <a:p>
             <a:fld id="{AA309A6D-C09C-4548-B29A-6CF363A7E532}" type="datetimeFigureOut">
               <a:rPr lang="fr-FR" smtClean="0"/>
-              <a:t>12/02/2019</a:t>
+              <a:t>13/02/2019</a:t>
             </a:fld>
             <a:endParaRPr lang="fr-BE"/>
           </a:p>
@@ -2651,7 +2652,7 @@
           <a:p>
             <a:fld id="{AA309A6D-C09C-4548-B29A-6CF363A7E532}" type="datetimeFigureOut">
               <a:rPr lang="fr-FR" smtClean="0"/>
-              <a:t>12/02/2019</a:t>
+              <a:t>13/02/2019</a:t>
             </a:fld>
             <a:endParaRPr lang="fr-BE"/>
           </a:p>
@@ -2923,7 +2924,7 @@
           <a:p>
             <a:fld id="{AA309A6D-C09C-4548-B29A-6CF363A7E532}" type="datetimeFigureOut">
               <a:rPr lang="fr-FR" smtClean="0"/>
-              <a:t>12/02/2019</a:t>
+              <a:t>13/02/2019</a:t>
             </a:fld>
             <a:endParaRPr lang="fr-BE"/>
           </a:p>
@@ -3171,7 +3172,7 @@
           <a:p>
             <a:fld id="{AA309A6D-C09C-4548-B29A-6CF363A7E532}" type="datetimeFigureOut">
               <a:rPr lang="fr-FR" smtClean="0"/>
-              <a:t>12/02/2019</a:t>
+              <a:t>13/02/2019</a:t>
             </a:fld>
             <a:endParaRPr lang="fr-BE"/>
           </a:p>
@@ -3379,7 +3380,7 @@
           <a:p>
             <a:fld id="{AA309A6D-C09C-4548-B29A-6CF363A7E532}" type="datetimeFigureOut">
               <a:rPr lang="fr-FR" smtClean="0"/>
-              <a:t>12/02/2019</a:t>
+              <a:t>13/02/2019</a:t>
             </a:fld>
             <a:endParaRPr lang="fr-BE"/>
           </a:p>
@@ -3749,6 +3750,1116 @@
           <a:chExt cx="0" cy="0"/>
         </a:xfrm>
       </p:grpSpPr>
+      <p:pic>
+        <p:nvPicPr>
+          <p:cNvPr id="4" name="Image 3"/>
+          <p:cNvPicPr>
+            <a:picLocks noChangeAspect="1"/>
+          </p:cNvPicPr>
+          <p:nvPr/>
+        </p:nvPicPr>
+        <p:blipFill>
+          <a:blip r:embed="rId2" cstate="print">
+            <a:extLst>
+              <a:ext uri="{28A0092B-C50C-407E-A947-70E740481C1C}">
+                <a14:useLocalDpi xmlns:a14="http://schemas.microsoft.com/office/drawing/2010/main" val="0"/>
+              </a:ext>
+            </a:extLst>
+          </a:blip>
+          <a:stretch>
+            <a:fillRect/>
+          </a:stretch>
+        </p:blipFill>
+        <p:spPr>
+          <a:xfrm>
+            <a:off x="1547663" y="-264845"/>
+            <a:ext cx="6048674" cy="7387690"/>
+          </a:xfrm>
+          <a:prstGeom prst="rect">
+            <a:avLst/>
+          </a:prstGeom>
+        </p:spPr>
+      </p:pic>
+      <p:cxnSp>
+        <p:nvCxnSpPr>
+          <p:cNvPr id="5" name="Connecteur droit 4"/>
+          <p:cNvCxnSpPr/>
+          <p:nvPr/>
+        </p:nvCxnSpPr>
+        <p:spPr>
+          <a:xfrm>
+            <a:off x="5076056" y="831767"/>
+            <a:ext cx="720080" cy="0"/>
+          </a:xfrm>
+          <a:prstGeom prst="line">
+            <a:avLst/>
+          </a:prstGeom>
+          <a:noFill/>
+          <a:ln w="28575">
+            <a:solidFill>
+              <a:schemeClr val="tx1"/>
+            </a:solidFill>
+            <a:tailEnd type="stealth" w="med" len="lg"/>
+          </a:ln>
+        </p:spPr>
+        <p:style>
+          <a:lnRef idx="2">
+            <a:schemeClr val="accent1">
+              <a:shade val="50000"/>
+            </a:schemeClr>
+          </a:lnRef>
+          <a:fillRef idx="1">
+            <a:schemeClr val="accent1"/>
+          </a:fillRef>
+          <a:effectRef idx="0">
+            <a:schemeClr val="accent1"/>
+          </a:effectRef>
+          <a:fontRef idx="minor">
+            <a:schemeClr val="lt1"/>
+          </a:fontRef>
+        </p:style>
+      </p:cxnSp>
+      <p:cxnSp>
+        <p:nvCxnSpPr>
+          <p:cNvPr id="6" name="Connecteur droit 5"/>
+          <p:cNvCxnSpPr/>
+          <p:nvPr/>
+        </p:nvCxnSpPr>
+        <p:spPr>
+          <a:xfrm rot="16200000">
+            <a:off x="4716016" y="477605"/>
+            <a:ext cx="720080" cy="0"/>
+          </a:xfrm>
+          <a:prstGeom prst="line">
+            <a:avLst/>
+          </a:prstGeom>
+          <a:noFill/>
+          <a:ln w="28575">
+            <a:solidFill>
+              <a:schemeClr val="tx1"/>
+            </a:solidFill>
+            <a:tailEnd type="stealth" w="med" len="lg"/>
+          </a:ln>
+        </p:spPr>
+        <p:style>
+          <a:lnRef idx="2">
+            <a:schemeClr val="accent1">
+              <a:shade val="50000"/>
+            </a:schemeClr>
+          </a:lnRef>
+          <a:fillRef idx="1">
+            <a:schemeClr val="accent1"/>
+          </a:fillRef>
+          <a:effectRef idx="0">
+            <a:schemeClr val="accent1"/>
+          </a:effectRef>
+          <a:fontRef idx="minor">
+            <a:schemeClr val="lt1"/>
+          </a:fontRef>
+        </p:style>
+      </p:cxnSp>
+      <mc:AlternateContent xmlns:mc="http://schemas.openxmlformats.org/markup-compatibility/2006">
+        <mc:Choice xmlns:a14="http://schemas.microsoft.com/office/drawing/2010/main" Requires="a14">
+          <p:sp>
+            <p:nvSpPr>
+              <p:cNvPr id="7" name="ZoneTexte 6"/>
+              <p:cNvSpPr txBox="1"/>
+              <p:nvPr/>
+            </p:nvSpPr>
+            <p:spPr>
+              <a:xfrm>
+                <a:off x="5533493" y="554768"/>
+                <a:ext cx="372346" cy="276999"/>
+              </a:xfrm>
+              <a:prstGeom prst="rect">
+                <a:avLst/>
+              </a:prstGeom>
+              <a:noFill/>
+            </p:spPr>
+            <p:txBody>
+              <a:bodyPr wrap="none" rtlCol="0">
+                <a:spAutoFit/>
+              </a:bodyPr>
+              <a:lstStyle/>
+              <a:p>
+                <a:pPr/>
+                <a14:m>
+                  <m:oMathPara xmlns:m="http://schemas.openxmlformats.org/officeDocument/2006/math">
+                    <m:oMathParaPr>
+                      <m:jc m:val="centerGroup"/>
+                    </m:oMathParaPr>
+                    <m:oMath xmlns:m="http://schemas.openxmlformats.org/officeDocument/2006/math">
+                      <m:acc>
+                        <m:accPr>
+                          <m:chr m:val="⃗"/>
+                          <m:ctrlPr>
+                            <a:rPr lang="fr-FR" sz="1200" i="1" smtClean="0">
+                              <a:latin typeface="Cambria Math" panose="02040503050406030204" pitchFamily="18" charset="0"/>
+                            </a:rPr>
+                          </m:ctrlPr>
+                        </m:accPr>
+                        <m:e>
+                          <m:sSub>
+                            <m:sSubPr>
+                              <m:ctrlPr>
+                                <a:rPr lang="fr-FR" sz="1200" b="0" i="1" smtClean="0">
+                                  <a:latin typeface="Cambria Math" panose="02040503050406030204" pitchFamily="18" charset="0"/>
+                                </a:rPr>
+                              </m:ctrlPr>
+                            </m:sSubPr>
+                            <m:e>
+                              <m:r>
+                                <a:rPr lang="fr-FR" sz="1200" b="0" i="1" smtClean="0">
+                                  <a:latin typeface="Cambria Math" panose="02040503050406030204" pitchFamily="18" charset="0"/>
+                                </a:rPr>
+                                <m:t>𝑥</m:t>
+                              </m:r>
+                            </m:e>
+                            <m:sub>
+                              <m:r>
+                                <a:rPr lang="fr-FR" sz="1200" b="0" i="1" smtClean="0">
+                                  <a:latin typeface="Cambria Math"/>
+                                </a:rPr>
+                                <m:t>0</m:t>
+                              </m:r>
+                            </m:sub>
+                          </m:sSub>
+                        </m:e>
+                      </m:acc>
+                    </m:oMath>
+                  </m:oMathPara>
+                </a14:m>
+                <a:endParaRPr lang="fr-FR" sz="1200" dirty="0"/>
+              </a:p>
+            </p:txBody>
+          </p:sp>
+        </mc:Choice>
+        <mc:Fallback>
+          <p:sp>
+            <p:nvSpPr>
+              <p:cNvPr id="7" name="ZoneTexte 6"/>
+              <p:cNvSpPr txBox="1">
+                <a:spLocks noRot="1" noChangeAspect="1" noMove="1" noResize="1" noEditPoints="1" noAdjustHandles="1" noChangeArrowheads="1" noChangeShapeType="1" noTextEdit="1"/>
+              </p:cNvSpPr>
+              <p:nvPr/>
+            </p:nvSpPr>
+            <p:spPr>
+              <a:xfrm>
+                <a:off x="5533493" y="554768"/>
+                <a:ext cx="372346" cy="276999"/>
+              </a:xfrm>
+              <a:prstGeom prst="rect">
+                <a:avLst/>
+              </a:prstGeom>
+              <a:blipFill>
+                <a:blip r:embed="rId3"/>
+                <a:stretch>
+                  <a:fillRect/>
+                </a:stretch>
+              </a:blipFill>
+            </p:spPr>
+            <p:txBody>
+              <a:bodyPr/>
+              <a:lstStyle/>
+              <a:p>
+                <a:r>
+                  <a:rPr lang="fr-FR">
+                    <a:noFill/>
+                  </a:rPr>
+                  <a:t> </a:t>
+                </a:r>
+              </a:p>
+            </p:txBody>
+          </p:sp>
+        </mc:Fallback>
+      </mc:AlternateContent>
+      <mc:AlternateContent xmlns:mc="http://schemas.openxmlformats.org/markup-compatibility/2006">
+        <mc:Choice xmlns:a14="http://schemas.microsoft.com/office/drawing/2010/main" Requires="a14">
+          <p:sp>
+            <p:nvSpPr>
+              <p:cNvPr id="8" name="ZoneTexte 7"/>
+              <p:cNvSpPr txBox="1"/>
+              <p:nvPr/>
+            </p:nvSpPr>
+            <p:spPr>
+              <a:xfrm>
+                <a:off x="5004048" y="-20935"/>
+                <a:ext cx="373949" cy="276999"/>
+              </a:xfrm>
+              <a:prstGeom prst="rect">
+                <a:avLst/>
+              </a:prstGeom>
+              <a:noFill/>
+            </p:spPr>
+            <p:txBody>
+              <a:bodyPr wrap="none" rtlCol="0">
+                <a:spAutoFit/>
+              </a:bodyPr>
+              <a:lstStyle/>
+              <a:p>
+                <a:pPr/>
+                <a14:m>
+                  <m:oMathPara xmlns:m="http://schemas.openxmlformats.org/officeDocument/2006/math">
+                    <m:oMathParaPr>
+                      <m:jc m:val="centerGroup"/>
+                    </m:oMathParaPr>
+                    <m:oMath xmlns:m="http://schemas.openxmlformats.org/officeDocument/2006/math">
+                      <m:acc>
+                        <m:accPr>
+                          <m:chr m:val="⃗"/>
+                          <m:ctrlPr>
+                            <a:rPr lang="fr-FR" sz="1200" i="1" smtClean="0">
+                              <a:latin typeface="Cambria Math" panose="02040503050406030204" pitchFamily="18" charset="0"/>
+                            </a:rPr>
+                          </m:ctrlPr>
+                        </m:accPr>
+                        <m:e>
+                          <m:sSub>
+                            <m:sSubPr>
+                              <m:ctrlPr>
+                                <a:rPr lang="fr-FR" sz="1200" b="0" i="1" smtClean="0">
+                                  <a:latin typeface="Cambria Math" panose="02040503050406030204" pitchFamily="18" charset="0"/>
+                                </a:rPr>
+                              </m:ctrlPr>
+                            </m:sSubPr>
+                            <m:e>
+                              <m:r>
+                                <a:rPr lang="fr-FR" sz="1200" b="0" i="1" smtClean="0">
+                                  <a:latin typeface="Cambria Math" panose="02040503050406030204" pitchFamily="18" charset="0"/>
+                                </a:rPr>
+                                <m:t>𝑦</m:t>
+                              </m:r>
+                            </m:e>
+                            <m:sub>
+                              <m:r>
+                                <a:rPr lang="fr-FR" sz="1200" b="0" i="1" smtClean="0">
+                                  <a:latin typeface="Cambria Math"/>
+                                </a:rPr>
+                                <m:t>0</m:t>
+                              </m:r>
+                            </m:sub>
+                          </m:sSub>
+                        </m:e>
+                      </m:acc>
+                    </m:oMath>
+                  </m:oMathPara>
+                </a14:m>
+                <a:endParaRPr lang="fr-FR" sz="1200" dirty="0"/>
+              </a:p>
+            </p:txBody>
+          </p:sp>
+        </mc:Choice>
+        <mc:Fallback>
+          <p:sp>
+            <p:nvSpPr>
+              <p:cNvPr id="8" name="ZoneTexte 7"/>
+              <p:cNvSpPr txBox="1">
+                <a:spLocks noRot="1" noChangeAspect="1" noMove="1" noResize="1" noEditPoints="1" noAdjustHandles="1" noChangeArrowheads="1" noChangeShapeType="1" noTextEdit="1"/>
+              </p:cNvSpPr>
+              <p:nvPr/>
+            </p:nvSpPr>
+            <p:spPr>
+              <a:xfrm>
+                <a:off x="5004048" y="-20935"/>
+                <a:ext cx="373949" cy="276999"/>
+              </a:xfrm>
+              <a:prstGeom prst="rect">
+                <a:avLst/>
+              </a:prstGeom>
+              <a:blipFill>
+                <a:blip r:embed="rId4"/>
+                <a:stretch>
+                  <a:fillRect/>
+                </a:stretch>
+              </a:blipFill>
+            </p:spPr>
+            <p:txBody>
+              <a:bodyPr/>
+              <a:lstStyle/>
+              <a:p>
+                <a:r>
+                  <a:rPr lang="fr-FR">
+                    <a:noFill/>
+                  </a:rPr>
+                  <a:t> </a:t>
+                </a:r>
+              </a:p>
+            </p:txBody>
+          </p:sp>
+        </mc:Fallback>
+      </mc:AlternateContent>
+      <p:grpSp>
+        <p:nvGrpSpPr>
+          <p:cNvPr id="12" name="Groupe 11"/>
+          <p:cNvGrpSpPr/>
+          <p:nvPr/>
+        </p:nvGrpSpPr>
+        <p:grpSpPr>
+          <a:xfrm>
+            <a:off x="3743909" y="820735"/>
+            <a:ext cx="288032" cy="288032"/>
+            <a:chOff x="-540568" y="1108767"/>
+            <a:chExt cx="288032" cy="288032"/>
+          </a:xfrm>
+        </p:grpSpPr>
+        <p:sp>
+          <p:nvSpPr>
+            <p:cNvPr id="13" name="Ellipse 12"/>
+            <p:cNvSpPr/>
+            <p:nvPr/>
+          </p:nvSpPr>
+          <p:spPr>
+            <a:xfrm>
+              <a:off x="-540568" y="1108767"/>
+              <a:ext cx="288032" cy="288032"/>
+            </a:xfrm>
+            <a:prstGeom prst="ellipse">
+              <a:avLst/>
+            </a:prstGeom>
+            <a:solidFill>
+              <a:schemeClr val="bg1"/>
+            </a:solidFill>
+            <a:ln>
+              <a:solidFill>
+                <a:schemeClr val="tx1"/>
+              </a:solidFill>
+            </a:ln>
+          </p:spPr>
+          <p:style>
+            <a:lnRef idx="2">
+              <a:schemeClr val="accent1">
+                <a:shade val="50000"/>
+              </a:schemeClr>
+            </a:lnRef>
+            <a:fillRef idx="1">
+              <a:schemeClr val="accent1"/>
+            </a:fillRef>
+            <a:effectRef idx="0">
+              <a:schemeClr val="accent1"/>
+            </a:effectRef>
+            <a:fontRef idx="minor">
+              <a:schemeClr val="lt1"/>
+            </a:fontRef>
+          </p:style>
+          <p:txBody>
+            <a:bodyPr rtlCol="0" anchor="ctr"/>
+            <a:lstStyle/>
+            <a:p>
+              <a:pPr algn="ctr"/>
+              <a:endParaRPr lang="fr-FR"/>
+            </a:p>
+          </p:txBody>
+        </p:sp>
+        <p:sp>
+          <p:nvSpPr>
+            <p:cNvPr id="14" name="Ellipse 13"/>
+            <p:cNvSpPr/>
+            <p:nvPr/>
+          </p:nvSpPr>
+          <p:spPr>
+            <a:xfrm flipV="1">
+              <a:off x="-419412" y="1229923"/>
+              <a:ext cx="45720" cy="45720"/>
+            </a:xfrm>
+            <a:prstGeom prst="ellipse">
+              <a:avLst/>
+            </a:prstGeom>
+            <a:solidFill>
+              <a:schemeClr val="tx1"/>
+            </a:solidFill>
+            <a:ln>
+              <a:solidFill>
+                <a:schemeClr val="tx1"/>
+              </a:solidFill>
+            </a:ln>
+          </p:spPr>
+          <p:style>
+            <a:lnRef idx="2">
+              <a:schemeClr val="accent1">
+                <a:shade val="50000"/>
+              </a:schemeClr>
+            </a:lnRef>
+            <a:fillRef idx="1">
+              <a:schemeClr val="accent1"/>
+            </a:fillRef>
+            <a:effectRef idx="0">
+              <a:schemeClr val="accent1"/>
+            </a:effectRef>
+            <a:fontRef idx="minor">
+              <a:schemeClr val="lt1"/>
+            </a:fontRef>
+          </p:style>
+          <p:txBody>
+            <a:bodyPr rtlCol="0" anchor="ctr"/>
+            <a:lstStyle/>
+            <a:p>
+              <a:pPr algn="ctr"/>
+              <a:endParaRPr lang="fr-FR"/>
+            </a:p>
+          </p:txBody>
+        </p:sp>
+      </p:grpSp>
+      <p:grpSp>
+        <p:nvGrpSpPr>
+          <p:cNvPr id="22" name="Groupe 21"/>
+          <p:cNvGrpSpPr/>
+          <p:nvPr/>
+        </p:nvGrpSpPr>
+        <p:grpSpPr>
+          <a:xfrm>
+            <a:off x="4499993" y="843595"/>
+            <a:ext cx="288032" cy="288032"/>
+            <a:chOff x="827584" y="1296377"/>
+            <a:chExt cx="288032" cy="288032"/>
+          </a:xfrm>
+        </p:grpSpPr>
+        <p:sp>
+          <p:nvSpPr>
+            <p:cNvPr id="9" name="Ellipse 8"/>
+            <p:cNvSpPr/>
+            <p:nvPr/>
+          </p:nvSpPr>
+          <p:spPr>
+            <a:xfrm>
+              <a:off x="827584" y="1296377"/>
+              <a:ext cx="288032" cy="288032"/>
+            </a:xfrm>
+            <a:prstGeom prst="ellipse">
+              <a:avLst/>
+            </a:prstGeom>
+            <a:solidFill>
+              <a:schemeClr val="bg1"/>
+            </a:solidFill>
+            <a:ln>
+              <a:solidFill>
+                <a:schemeClr val="tx1"/>
+              </a:solidFill>
+            </a:ln>
+          </p:spPr>
+          <p:style>
+            <a:lnRef idx="2">
+              <a:schemeClr val="accent1">
+                <a:shade val="50000"/>
+              </a:schemeClr>
+            </a:lnRef>
+            <a:fillRef idx="1">
+              <a:schemeClr val="accent1"/>
+            </a:fillRef>
+            <a:effectRef idx="0">
+              <a:schemeClr val="accent1"/>
+            </a:effectRef>
+            <a:fontRef idx="minor">
+              <a:schemeClr val="lt1"/>
+            </a:fontRef>
+          </p:style>
+          <p:txBody>
+            <a:bodyPr rtlCol="0" anchor="ctr"/>
+            <a:lstStyle/>
+            <a:p>
+              <a:pPr algn="ctr"/>
+              <a:endParaRPr lang="fr-FR"/>
+            </a:p>
+          </p:txBody>
+        </p:sp>
+        <p:cxnSp>
+          <p:nvCxnSpPr>
+            <p:cNvPr id="16" name="Connecteur droit 15"/>
+            <p:cNvCxnSpPr>
+              <a:stCxn id="9" idx="1"/>
+              <a:endCxn id="9" idx="5"/>
+            </p:cNvCxnSpPr>
+            <p:nvPr/>
+          </p:nvCxnSpPr>
+          <p:spPr>
+            <a:xfrm>
+              <a:off x="869765" y="1338558"/>
+              <a:ext cx="203670" cy="203670"/>
+            </a:xfrm>
+            <a:prstGeom prst="line">
+              <a:avLst/>
+            </a:prstGeom>
+            <a:solidFill>
+              <a:schemeClr val="bg1"/>
+            </a:solidFill>
+            <a:ln>
+              <a:solidFill>
+                <a:schemeClr val="tx1"/>
+              </a:solidFill>
+            </a:ln>
+          </p:spPr>
+          <p:style>
+            <a:lnRef idx="2">
+              <a:schemeClr val="accent1">
+                <a:shade val="50000"/>
+              </a:schemeClr>
+            </a:lnRef>
+            <a:fillRef idx="1">
+              <a:schemeClr val="accent1"/>
+            </a:fillRef>
+            <a:effectRef idx="0">
+              <a:schemeClr val="accent1"/>
+            </a:effectRef>
+            <a:fontRef idx="minor">
+              <a:schemeClr val="lt1"/>
+            </a:fontRef>
+          </p:style>
+        </p:cxnSp>
+        <p:cxnSp>
+          <p:nvCxnSpPr>
+            <p:cNvPr id="19" name="Connecteur droit 18"/>
+            <p:cNvCxnSpPr>
+              <a:stCxn id="9" idx="3"/>
+              <a:endCxn id="9" idx="7"/>
+            </p:cNvCxnSpPr>
+            <p:nvPr/>
+          </p:nvCxnSpPr>
+          <p:spPr>
+            <a:xfrm flipV="1">
+              <a:off x="869765" y="1338558"/>
+              <a:ext cx="203670" cy="203670"/>
+            </a:xfrm>
+            <a:prstGeom prst="line">
+              <a:avLst/>
+            </a:prstGeom>
+            <a:solidFill>
+              <a:schemeClr val="bg1"/>
+            </a:solidFill>
+            <a:ln>
+              <a:solidFill>
+                <a:schemeClr val="tx1"/>
+              </a:solidFill>
+            </a:ln>
+          </p:spPr>
+          <p:style>
+            <a:lnRef idx="2">
+              <a:schemeClr val="accent1">
+                <a:shade val="50000"/>
+              </a:schemeClr>
+            </a:lnRef>
+            <a:fillRef idx="1">
+              <a:schemeClr val="accent1"/>
+            </a:fillRef>
+            <a:effectRef idx="0">
+              <a:schemeClr val="accent1"/>
+            </a:effectRef>
+            <a:fontRef idx="minor">
+              <a:schemeClr val="lt1"/>
+            </a:fontRef>
+          </p:style>
+        </p:cxnSp>
+      </p:grpSp>
+      <p:grpSp>
+        <p:nvGrpSpPr>
+          <p:cNvPr id="23" name="Groupe 22"/>
+          <p:cNvGrpSpPr/>
+          <p:nvPr/>
+        </p:nvGrpSpPr>
+        <p:grpSpPr>
+          <a:xfrm>
+            <a:off x="4499993" y="2492896"/>
+            <a:ext cx="288032" cy="288032"/>
+            <a:chOff x="-540568" y="1108767"/>
+            <a:chExt cx="288032" cy="288032"/>
+          </a:xfrm>
+        </p:grpSpPr>
+        <p:sp>
+          <p:nvSpPr>
+            <p:cNvPr id="24" name="Ellipse 23"/>
+            <p:cNvSpPr/>
+            <p:nvPr/>
+          </p:nvSpPr>
+          <p:spPr>
+            <a:xfrm>
+              <a:off x="-540568" y="1108767"/>
+              <a:ext cx="288032" cy="288032"/>
+            </a:xfrm>
+            <a:prstGeom prst="ellipse">
+              <a:avLst/>
+            </a:prstGeom>
+            <a:solidFill>
+              <a:schemeClr val="bg1"/>
+            </a:solidFill>
+            <a:ln>
+              <a:solidFill>
+                <a:schemeClr val="tx1"/>
+              </a:solidFill>
+            </a:ln>
+          </p:spPr>
+          <p:style>
+            <a:lnRef idx="2">
+              <a:schemeClr val="accent1">
+                <a:shade val="50000"/>
+              </a:schemeClr>
+            </a:lnRef>
+            <a:fillRef idx="1">
+              <a:schemeClr val="accent1"/>
+            </a:fillRef>
+            <a:effectRef idx="0">
+              <a:schemeClr val="accent1"/>
+            </a:effectRef>
+            <a:fontRef idx="minor">
+              <a:schemeClr val="lt1"/>
+            </a:fontRef>
+          </p:style>
+          <p:txBody>
+            <a:bodyPr rtlCol="0" anchor="ctr"/>
+            <a:lstStyle/>
+            <a:p>
+              <a:pPr algn="ctr"/>
+              <a:endParaRPr lang="fr-FR"/>
+            </a:p>
+          </p:txBody>
+        </p:sp>
+        <p:sp>
+          <p:nvSpPr>
+            <p:cNvPr id="25" name="Ellipse 24"/>
+            <p:cNvSpPr/>
+            <p:nvPr/>
+          </p:nvSpPr>
+          <p:spPr>
+            <a:xfrm flipV="1">
+              <a:off x="-419412" y="1229923"/>
+              <a:ext cx="45720" cy="45720"/>
+            </a:xfrm>
+            <a:prstGeom prst="ellipse">
+              <a:avLst/>
+            </a:prstGeom>
+            <a:solidFill>
+              <a:schemeClr val="tx1"/>
+            </a:solidFill>
+            <a:ln>
+              <a:solidFill>
+                <a:schemeClr val="tx1"/>
+              </a:solidFill>
+            </a:ln>
+          </p:spPr>
+          <p:style>
+            <a:lnRef idx="2">
+              <a:schemeClr val="accent1">
+                <a:shade val="50000"/>
+              </a:schemeClr>
+            </a:lnRef>
+            <a:fillRef idx="1">
+              <a:schemeClr val="accent1"/>
+            </a:fillRef>
+            <a:effectRef idx="0">
+              <a:schemeClr val="accent1"/>
+            </a:effectRef>
+            <a:fontRef idx="minor">
+              <a:schemeClr val="lt1"/>
+            </a:fontRef>
+          </p:style>
+          <p:txBody>
+            <a:bodyPr rtlCol="0" anchor="ctr"/>
+            <a:lstStyle/>
+            <a:p>
+              <a:pPr algn="ctr"/>
+              <a:endParaRPr lang="fr-FR"/>
+            </a:p>
+          </p:txBody>
+        </p:sp>
+      </p:grpSp>
+      <p:grpSp>
+        <p:nvGrpSpPr>
+          <p:cNvPr id="27" name="Groupe 26"/>
+          <p:cNvGrpSpPr/>
+          <p:nvPr/>
+        </p:nvGrpSpPr>
+        <p:grpSpPr>
+          <a:xfrm>
+            <a:off x="2915816" y="1844824"/>
+            <a:ext cx="288032" cy="288032"/>
+            <a:chOff x="-540568" y="1108767"/>
+            <a:chExt cx="288032" cy="288032"/>
+          </a:xfrm>
+        </p:grpSpPr>
+        <p:sp>
+          <p:nvSpPr>
+            <p:cNvPr id="28" name="Ellipse 27"/>
+            <p:cNvSpPr/>
+            <p:nvPr/>
+          </p:nvSpPr>
+          <p:spPr>
+            <a:xfrm>
+              <a:off x="-540568" y="1108767"/>
+              <a:ext cx="288032" cy="288032"/>
+            </a:xfrm>
+            <a:prstGeom prst="ellipse">
+              <a:avLst/>
+            </a:prstGeom>
+            <a:solidFill>
+              <a:schemeClr val="bg1"/>
+            </a:solidFill>
+            <a:ln>
+              <a:solidFill>
+                <a:schemeClr val="tx1"/>
+              </a:solidFill>
+            </a:ln>
+          </p:spPr>
+          <p:style>
+            <a:lnRef idx="2">
+              <a:schemeClr val="accent1">
+                <a:shade val="50000"/>
+              </a:schemeClr>
+            </a:lnRef>
+            <a:fillRef idx="1">
+              <a:schemeClr val="accent1"/>
+            </a:fillRef>
+            <a:effectRef idx="0">
+              <a:schemeClr val="accent1"/>
+            </a:effectRef>
+            <a:fontRef idx="minor">
+              <a:schemeClr val="lt1"/>
+            </a:fontRef>
+          </p:style>
+          <p:txBody>
+            <a:bodyPr rtlCol="0" anchor="ctr"/>
+            <a:lstStyle/>
+            <a:p>
+              <a:pPr algn="ctr"/>
+              <a:endParaRPr lang="fr-FR"/>
+            </a:p>
+          </p:txBody>
+        </p:sp>
+        <p:sp>
+          <p:nvSpPr>
+            <p:cNvPr id="29" name="Ellipse 28"/>
+            <p:cNvSpPr/>
+            <p:nvPr/>
+          </p:nvSpPr>
+          <p:spPr>
+            <a:xfrm flipV="1">
+              <a:off x="-419412" y="1229923"/>
+              <a:ext cx="45720" cy="45720"/>
+            </a:xfrm>
+            <a:prstGeom prst="ellipse">
+              <a:avLst/>
+            </a:prstGeom>
+            <a:solidFill>
+              <a:schemeClr val="tx1"/>
+            </a:solidFill>
+            <a:ln>
+              <a:solidFill>
+                <a:schemeClr val="tx1"/>
+              </a:solidFill>
+            </a:ln>
+          </p:spPr>
+          <p:style>
+            <a:lnRef idx="2">
+              <a:schemeClr val="accent1">
+                <a:shade val="50000"/>
+              </a:schemeClr>
+            </a:lnRef>
+            <a:fillRef idx="1">
+              <a:schemeClr val="accent1"/>
+            </a:fillRef>
+            <a:effectRef idx="0">
+              <a:schemeClr val="accent1"/>
+            </a:effectRef>
+            <a:fontRef idx="minor">
+              <a:schemeClr val="lt1"/>
+            </a:fontRef>
+          </p:style>
+          <p:txBody>
+            <a:bodyPr rtlCol="0" anchor="ctr"/>
+            <a:lstStyle/>
+            <a:p>
+              <a:pPr algn="ctr"/>
+              <a:endParaRPr lang="fr-FR"/>
+            </a:p>
+          </p:txBody>
+        </p:sp>
+      </p:grpSp>
+      <p:grpSp>
+        <p:nvGrpSpPr>
+          <p:cNvPr id="30" name="Groupe 29"/>
+          <p:cNvGrpSpPr/>
+          <p:nvPr/>
+        </p:nvGrpSpPr>
+        <p:grpSpPr>
+          <a:xfrm>
+            <a:off x="3577033" y="3685085"/>
+            <a:ext cx="288032" cy="288032"/>
+            <a:chOff x="827584" y="1296377"/>
+            <a:chExt cx="288032" cy="288032"/>
+          </a:xfrm>
+        </p:grpSpPr>
+        <p:sp>
+          <p:nvSpPr>
+            <p:cNvPr id="31" name="Ellipse 30"/>
+            <p:cNvSpPr/>
+            <p:nvPr/>
+          </p:nvSpPr>
+          <p:spPr>
+            <a:xfrm>
+              <a:off x="827584" y="1296377"/>
+              <a:ext cx="288032" cy="288032"/>
+            </a:xfrm>
+            <a:prstGeom prst="ellipse">
+              <a:avLst/>
+            </a:prstGeom>
+            <a:solidFill>
+              <a:schemeClr val="bg1"/>
+            </a:solidFill>
+            <a:ln>
+              <a:solidFill>
+                <a:schemeClr val="tx1"/>
+              </a:solidFill>
+            </a:ln>
+          </p:spPr>
+          <p:style>
+            <a:lnRef idx="2">
+              <a:schemeClr val="accent1">
+                <a:shade val="50000"/>
+              </a:schemeClr>
+            </a:lnRef>
+            <a:fillRef idx="1">
+              <a:schemeClr val="accent1"/>
+            </a:fillRef>
+            <a:effectRef idx="0">
+              <a:schemeClr val="accent1"/>
+            </a:effectRef>
+            <a:fontRef idx="minor">
+              <a:schemeClr val="lt1"/>
+            </a:fontRef>
+          </p:style>
+          <p:txBody>
+            <a:bodyPr rtlCol="0" anchor="ctr"/>
+            <a:lstStyle/>
+            <a:p>
+              <a:pPr algn="ctr"/>
+              <a:endParaRPr lang="fr-FR"/>
+            </a:p>
+          </p:txBody>
+        </p:sp>
+        <p:cxnSp>
+          <p:nvCxnSpPr>
+            <p:cNvPr id="32" name="Connecteur droit 31"/>
+            <p:cNvCxnSpPr>
+              <a:stCxn id="31" idx="1"/>
+              <a:endCxn id="31" idx="5"/>
+            </p:cNvCxnSpPr>
+            <p:nvPr/>
+          </p:nvCxnSpPr>
+          <p:spPr>
+            <a:xfrm>
+              <a:off x="869765" y="1338558"/>
+              <a:ext cx="203670" cy="203670"/>
+            </a:xfrm>
+            <a:prstGeom prst="line">
+              <a:avLst/>
+            </a:prstGeom>
+            <a:solidFill>
+              <a:schemeClr val="bg1"/>
+            </a:solidFill>
+            <a:ln>
+              <a:solidFill>
+                <a:schemeClr val="tx1"/>
+              </a:solidFill>
+            </a:ln>
+          </p:spPr>
+          <p:style>
+            <a:lnRef idx="2">
+              <a:schemeClr val="accent1">
+                <a:shade val="50000"/>
+              </a:schemeClr>
+            </a:lnRef>
+            <a:fillRef idx="1">
+              <a:schemeClr val="accent1"/>
+            </a:fillRef>
+            <a:effectRef idx="0">
+              <a:schemeClr val="accent1"/>
+            </a:effectRef>
+            <a:fontRef idx="minor">
+              <a:schemeClr val="lt1"/>
+            </a:fontRef>
+          </p:style>
+        </p:cxnSp>
+        <p:cxnSp>
+          <p:nvCxnSpPr>
+            <p:cNvPr id="33" name="Connecteur droit 32"/>
+            <p:cNvCxnSpPr>
+              <a:stCxn id="31" idx="3"/>
+              <a:endCxn id="31" idx="7"/>
+            </p:cNvCxnSpPr>
+            <p:nvPr/>
+          </p:nvCxnSpPr>
+          <p:spPr>
+            <a:xfrm flipV="1">
+              <a:off x="869765" y="1338558"/>
+              <a:ext cx="203670" cy="203670"/>
+            </a:xfrm>
+            <a:prstGeom prst="line">
+              <a:avLst/>
+            </a:prstGeom>
+            <a:solidFill>
+              <a:schemeClr val="bg1"/>
+            </a:solidFill>
+            <a:ln>
+              <a:solidFill>
+                <a:schemeClr val="tx1"/>
+              </a:solidFill>
+            </a:ln>
+          </p:spPr>
+          <p:style>
+            <a:lnRef idx="2">
+              <a:schemeClr val="accent1">
+                <a:shade val="50000"/>
+              </a:schemeClr>
+            </a:lnRef>
+            <a:fillRef idx="1">
+              <a:schemeClr val="accent1"/>
+            </a:fillRef>
+            <a:effectRef idx="0">
+              <a:schemeClr val="accent1"/>
+            </a:effectRef>
+            <a:fontRef idx="minor">
+              <a:schemeClr val="lt1"/>
+            </a:fontRef>
+          </p:style>
+        </p:cxnSp>
+      </p:grpSp>
+      <p:grpSp>
+        <p:nvGrpSpPr>
+          <p:cNvPr id="34" name="Groupe 33"/>
+          <p:cNvGrpSpPr/>
+          <p:nvPr/>
+        </p:nvGrpSpPr>
+        <p:grpSpPr>
+          <a:xfrm>
+            <a:off x="3534852" y="5877272"/>
+            <a:ext cx="288032" cy="288032"/>
+            <a:chOff x="-540568" y="1108767"/>
+            <a:chExt cx="288032" cy="288032"/>
+          </a:xfrm>
+        </p:grpSpPr>
+        <p:sp>
+          <p:nvSpPr>
+            <p:cNvPr id="35" name="Ellipse 34"/>
+            <p:cNvSpPr/>
+            <p:nvPr/>
+          </p:nvSpPr>
+          <p:spPr>
+            <a:xfrm>
+              <a:off x="-540568" y="1108767"/>
+              <a:ext cx="288032" cy="288032"/>
+            </a:xfrm>
+            <a:prstGeom prst="ellipse">
+              <a:avLst/>
+            </a:prstGeom>
+            <a:solidFill>
+              <a:schemeClr val="bg1"/>
+            </a:solidFill>
+            <a:ln>
+              <a:solidFill>
+                <a:schemeClr val="tx1"/>
+              </a:solidFill>
+            </a:ln>
+          </p:spPr>
+          <p:style>
+            <a:lnRef idx="2">
+              <a:schemeClr val="accent1">
+                <a:shade val="50000"/>
+              </a:schemeClr>
+            </a:lnRef>
+            <a:fillRef idx="1">
+              <a:schemeClr val="accent1"/>
+            </a:fillRef>
+            <a:effectRef idx="0">
+              <a:schemeClr val="accent1"/>
+            </a:effectRef>
+            <a:fontRef idx="minor">
+              <a:schemeClr val="lt1"/>
+            </a:fontRef>
+          </p:style>
+          <p:txBody>
+            <a:bodyPr rtlCol="0" anchor="ctr"/>
+            <a:lstStyle/>
+            <a:p>
+              <a:pPr algn="ctr"/>
+              <a:endParaRPr lang="fr-FR"/>
+            </a:p>
+          </p:txBody>
+        </p:sp>
+        <p:sp>
+          <p:nvSpPr>
+            <p:cNvPr id="36" name="Ellipse 35"/>
+            <p:cNvSpPr/>
+            <p:nvPr/>
+          </p:nvSpPr>
+          <p:spPr>
+            <a:xfrm flipV="1">
+              <a:off x="-419412" y="1229923"/>
+              <a:ext cx="45720" cy="45720"/>
+            </a:xfrm>
+            <a:prstGeom prst="ellipse">
+              <a:avLst/>
+            </a:prstGeom>
+            <a:solidFill>
+              <a:schemeClr val="tx1"/>
+            </a:solidFill>
+            <a:ln>
+              <a:solidFill>
+                <a:schemeClr val="tx1"/>
+              </a:solidFill>
+            </a:ln>
+          </p:spPr>
+          <p:style>
+            <a:lnRef idx="2">
+              <a:schemeClr val="accent1">
+                <a:shade val="50000"/>
+              </a:schemeClr>
+            </a:lnRef>
+            <a:fillRef idx="1">
+              <a:schemeClr val="accent1"/>
+            </a:fillRef>
+            <a:effectRef idx="0">
+              <a:schemeClr val="accent1"/>
+            </a:effectRef>
+            <a:fontRef idx="minor">
+              <a:schemeClr val="lt1"/>
+            </a:fontRef>
+          </p:style>
+          <p:txBody>
+            <a:bodyPr rtlCol="0" anchor="ctr"/>
+            <a:lstStyle/>
+            <a:p>
+              <a:pPr algn="ctr"/>
+              <a:endParaRPr lang="fr-FR"/>
+            </a:p>
+          </p:txBody>
+        </p:sp>
+      </p:grpSp>
+    </p:spTree>
+    <p:extLst>
+      <p:ext uri="{BB962C8B-B14F-4D97-AF65-F5344CB8AC3E}">
+        <p14:creationId xmlns:p14="http://schemas.microsoft.com/office/powerpoint/2010/main" val="4253733387"/>
+      </p:ext>
+    </p:extLst>
+  </p:cSld>
+  <p:clrMapOvr>
+    <a:masterClrMapping/>
+  </p:clrMapOvr>
+</p:sld>
+</file>
+
+<file path=ppt/slides/slide10.xml><?xml version="1.0" encoding="utf-8"?>
+<p:sld xmlns:a="http://schemas.openxmlformats.org/drawingml/2006/main" xmlns:r="http://schemas.openxmlformats.org/officeDocument/2006/relationships" xmlns:p="http://schemas.openxmlformats.org/presentationml/2006/main">
+  <p:cSld>
+    <p:spTree>
+      <p:nvGrpSpPr>
+        <p:cNvPr id="1" name=""/>
+        <p:cNvGrpSpPr/>
+        <p:nvPr/>
+      </p:nvGrpSpPr>
+      <p:grpSpPr>
+        <a:xfrm>
+          <a:off x="0" y="0"/>
+          <a:ext cx="0" cy="0"/>
+          <a:chOff x="0" y="0"/>
+          <a:chExt cx="0" cy="0"/>
+        </a:xfrm>
+      </p:grpSpPr>
       <p:sp>
         <p:nvSpPr>
           <p:cNvPr id="16" name="Forme libre 15"/>
@@ -3757,7 +4868,7 @@
         </p:nvSpPr>
         <p:spPr>
           <a:xfrm>
-            <a:off x="971600" y="2312876"/>
+            <a:off x="323528" y="2312876"/>
             <a:ext cx="576064" cy="140596"/>
           </a:xfrm>
           <a:custGeom>
@@ -3951,7 +5062,7 @@
         </p:nvCxnSpPr>
         <p:spPr>
           <a:xfrm>
-            <a:off x="899592" y="1988840"/>
+            <a:off x="251520" y="1988840"/>
             <a:ext cx="1080120" cy="0"/>
           </a:xfrm>
           <a:prstGeom prst="line">
@@ -3989,7 +5100,7 @@
         </p:nvSpPr>
         <p:spPr>
           <a:xfrm>
-            <a:off x="1043608" y="1880828"/>
+            <a:off x="395536" y="1880828"/>
             <a:ext cx="432048" cy="216024"/>
           </a:xfrm>
           <a:prstGeom prst="rect">
@@ -4035,7 +5146,7 @@
         </p:nvCxnSpPr>
         <p:spPr>
           <a:xfrm>
-            <a:off x="971600" y="1880828"/>
+            <a:off x="323528" y="1880828"/>
             <a:ext cx="0" cy="216024"/>
           </a:xfrm>
           <a:prstGeom prst="line">
@@ -4073,7 +5184,7 @@
         </p:nvCxnSpPr>
         <p:spPr>
           <a:xfrm>
-            <a:off x="1547664" y="1880828"/>
+            <a:off x="899592" y="1880828"/>
             <a:ext cx="0" cy="216024"/>
           </a:xfrm>
           <a:prstGeom prst="line">
@@ -4111,7 +5222,7 @@
         </p:nvCxnSpPr>
         <p:spPr>
           <a:xfrm>
-            <a:off x="1259632" y="2096852"/>
+            <a:off x="611560" y="2096852"/>
             <a:ext cx="0" cy="216024"/>
           </a:xfrm>
           <a:prstGeom prst="line">
@@ -4149,7 +5260,7 @@
         </p:nvCxnSpPr>
         <p:spPr>
           <a:xfrm>
-            <a:off x="971600" y="2312876"/>
+            <a:off x="323528" y="2312876"/>
             <a:ext cx="576064" cy="0"/>
           </a:xfrm>
           <a:prstGeom prst="line">
@@ -4182,13 +5293,15 @@
       <p:cxnSp>
         <p:nvCxnSpPr>
           <p:cNvPr id="17" name="Connecteur droit 16"/>
-          <p:cNvCxnSpPr/>
+          <p:cNvCxnSpPr>
+            <a:cxnSpLocks/>
+          </p:cNvCxnSpPr>
           <p:nvPr/>
         </p:nvCxnSpPr>
         <p:spPr>
           <a:xfrm>
-            <a:off x="1979712" y="1268760"/>
-            <a:ext cx="0" cy="1440160"/>
+            <a:off x="1331640" y="97177"/>
+            <a:ext cx="0" cy="3771464"/>
           </a:xfrm>
           <a:prstGeom prst="line">
             <a:avLst/>
@@ -4225,7 +5338,7 @@
         </p:nvSpPr>
         <p:spPr>
           <a:xfrm>
-            <a:off x="1763688" y="692696"/>
+            <a:off x="2339752" y="692696"/>
             <a:ext cx="432048" cy="216024"/>
           </a:xfrm>
           <a:prstGeom prst="rect">
@@ -4234,7 +5347,7 @@
           <a:noFill/>
           <a:ln w="28575">
             <a:solidFill>
-              <a:srgbClr val="C00000"/>
+              <a:schemeClr val="tx1"/>
             </a:solidFill>
           </a:ln>
         </p:spPr>
@@ -4271,7 +5384,7 @@
         </p:nvCxnSpPr>
         <p:spPr>
           <a:xfrm>
-            <a:off x="1691680" y="692696"/>
+            <a:off x="2267744" y="692696"/>
             <a:ext cx="0" cy="216024"/>
           </a:xfrm>
           <a:prstGeom prst="line">
@@ -4280,9 +5393,7 @@
           <a:noFill/>
           <a:ln w="28575">
             <a:solidFill>
-              <a:schemeClr val="accent5">
-                <a:lumMod val="50000"/>
-              </a:schemeClr>
+              <a:srgbClr val="C00000"/>
             </a:solidFill>
           </a:ln>
         </p:spPr>
@@ -4311,48 +5422,8 @@
         </p:nvCxnSpPr>
         <p:spPr>
           <a:xfrm>
-            <a:off x="2267744" y="692696"/>
+            <a:off x="2843808" y="692696"/>
             <a:ext cx="0" cy="216024"/>
-          </a:xfrm>
-          <a:prstGeom prst="line">
-            <a:avLst/>
-          </a:prstGeom>
-          <a:noFill/>
-          <a:ln w="28575">
-            <a:solidFill>
-              <a:schemeClr val="accent5">
-                <a:lumMod val="50000"/>
-              </a:schemeClr>
-            </a:solidFill>
-          </a:ln>
-        </p:spPr>
-        <p:style>
-          <a:lnRef idx="2">
-            <a:schemeClr val="accent1">
-              <a:shade val="50000"/>
-            </a:schemeClr>
-          </a:lnRef>
-          <a:fillRef idx="1">
-            <a:schemeClr val="accent1"/>
-          </a:fillRef>
-          <a:effectRef idx="0">
-            <a:schemeClr val="accent1"/>
-          </a:effectRef>
-          <a:fontRef idx="minor">
-            <a:schemeClr val="lt1"/>
-          </a:fontRef>
-        </p:style>
-      </p:cxnSp>
-      <p:cxnSp>
-        <p:nvCxnSpPr>
-          <p:cNvPr id="24" name="Connecteur droit 23"/>
-          <p:cNvCxnSpPr/>
-          <p:nvPr/>
-        </p:nvCxnSpPr>
-        <p:spPr>
-          <a:xfrm>
-            <a:off x="1979712" y="908720"/>
-            <a:ext cx="0" cy="360040"/>
           </a:xfrm>
           <a:prstGeom prst="line">
             <a:avLst/>
@@ -4384,13 +5455,15 @@
       <p:cxnSp>
         <p:nvCxnSpPr>
           <p:cNvPr id="26" name="Connecteur droit 25"/>
-          <p:cNvCxnSpPr/>
+          <p:cNvCxnSpPr>
+            <a:cxnSpLocks/>
+          </p:cNvCxnSpPr>
           <p:nvPr/>
         </p:nvCxnSpPr>
         <p:spPr>
           <a:xfrm>
             <a:off x="1979712" y="332656"/>
-            <a:ext cx="0" cy="360040"/>
+            <a:ext cx="0" cy="936104"/>
           </a:xfrm>
           <a:prstGeom prst="line">
             <a:avLst/>
@@ -4422,13 +5495,15 @@
       <p:cxnSp>
         <p:nvCxnSpPr>
           <p:cNvPr id="27" name="Connecteur droit 26"/>
-          <p:cNvCxnSpPr/>
+          <p:cNvCxnSpPr>
+            <a:cxnSpLocks/>
+          </p:cNvCxnSpPr>
           <p:nvPr/>
         </p:nvCxnSpPr>
         <p:spPr>
           <a:xfrm>
-            <a:off x="1592052" y="806586"/>
-            <a:ext cx="819708" cy="0"/>
+            <a:off x="1979712" y="806586"/>
+            <a:ext cx="1152128" cy="0"/>
           </a:xfrm>
           <a:prstGeom prst="line">
             <a:avLst/>
@@ -4436,9 +5511,7 @@
           <a:noFill/>
           <a:ln w="28575">
             <a:solidFill>
-              <a:schemeClr val="accent5">
-                <a:lumMod val="50000"/>
-              </a:schemeClr>
+              <a:srgbClr val="C00000"/>
             </a:solidFill>
           </a:ln>
         </p:spPr>
@@ -4462,13 +5535,15 @@
       <p:cxnSp>
         <p:nvCxnSpPr>
           <p:cNvPr id="35" name="Connecteur droit 34"/>
-          <p:cNvCxnSpPr/>
+          <p:cNvCxnSpPr>
+            <a:cxnSpLocks/>
+          </p:cNvCxnSpPr>
           <p:nvPr/>
         </p:nvCxnSpPr>
         <p:spPr>
           <a:xfrm>
-            <a:off x="1895379" y="1268760"/>
-            <a:ext cx="168666" cy="0"/>
+            <a:off x="1331640" y="97177"/>
+            <a:ext cx="648072" cy="0"/>
           </a:xfrm>
           <a:prstGeom prst="line">
             <a:avLst/>
@@ -4477,122 +5552,6 @@
           <a:ln w="28575">
             <a:solidFill>
               <a:srgbClr val="7030A0"/>
-            </a:solidFill>
-          </a:ln>
-        </p:spPr>
-        <p:style>
-          <a:lnRef idx="2">
-            <a:schemeClr val="accent1">
-              <a:shade val="50000"/>
-            </a:schemeClr>
-          </a:lnRef>
-          <a:fillRef idx="1">
-            <a:schemeClr val="accent1"/>
-          </a:fillRef>
-          <a:effectRef idx="0">
-            <a:schemeClr val="accent1"/>
-          </a:effectRef>
-          <a:fontRef idx="minor">
-            <a:schemeClr val="lt1"/>
-          </a:fontRef>
-        </p:style>
-      </p:cxnSp>
-      <p:cxnSp>
-        <p:nvCxnSpPr>
-          <p:cNvPr id="36" name="Connecteur droit 35"/>
-          <p:cNvCxnSpPr/>
-          <p:nvPr/>
-        </p:nvCxnSpPr>
-        <p:spPr>
-          <a:xfrm>
-            <a:off x="1979712" y="188640"/>
-            <a:ext cx="0" cy="144016"/>
-          </a:xfrm>
-          <a:prstGeom prst="line">
-            <a:avLst/>
-          </a:prstGeom>
-          <a:noFill/>
-          <a:ln w="28575">
-            <a:solidFill>
-              <a:schemeClr val="tx1"/>
-            </a:solidFill>
-          </a:ln>
-        </p:spPr>
-        <p:style>
-          <a:lnRef idx="2">
-            <a:schemeClr val="accent1">
-              <a:shade val="50000"/>
-            </a:schemeClr>
-          </a:lnRef>
-          <a:fillRef idx="1">
-            <a:schemeClr val="accent1"/>
-          </a:fillRef>
-          <a:effectRef idx="0">
-            <a:schemeClr val="accent1"/>
-          </a:effectRef>
-          <a:fontRef idx="minor">
-            <a:schemeClr val="lt1"/>
-          </a:fontRef>
-        </p:style>
-      </p:cxnSp>
-      <p:cxnSp>
-        <p:nvCxnSpPr>
-          <p:cNvPr id="38" name="Connecteur droit 37"/>
-          <p:cNvCxnSpPr/>
-          <p:nvPr/>
-        </p:nvCxnSpPr>
-        <p:spPr>
-          <a:xfrm flipH="1">
-            <a:off x="1259632" y="188640"/>
-            <a:ext cx="1872208" cy="0"/>
-          </a:xfrm>
-          <a:prstGeom prst="line">
-            <a:avLst/>
-          </a:prstGeom>
-          <a:noFill/>
-          <a:ln w="28575">
-            <a:solidFill>
-              <a:schemeClr val="tx1"/>
-            </a:solidFill>
-          </a:ln>
-        </p:spPr>
-        <p:style>
-          <a:lnRef idx="2">
-            <a:schemeClr val="accent1">
-              <a:shade val="50000"/>
-            </a:schemeClr>
-          </a:lnRef>
-          <a:fillRef idx="1">
-            <a:schemeClr val="accent1"/>
-          </a:fillRef>
-          <a:effectRef idx="0">
-            <a:schemeClr val="accent1"/>
-          </a:effectRef>
-          <a:fontRef idx="minor">
-            <a:schemeClr val="lt1"/>
-          </a:fontRef>
-        </p:style>
-      </p:cxnSp>
-      <p:cxnSp>
-        <p:nvCxnSpPr>
-          <p:cNvPr id="41" name="Connecteur droit 40"/>
-          <p:cNvCxnSpPr>
-            <a:endCxn id="46" idx="0"/>
-          </p:cNvCxnSpPr>
-          <p:nvPr/>
-        </p:nvCxnSpPr>
-        <p:spPr>
-          <a:xfrm>
-            <a:off x="3131840" y="188640"/>
-            <a:ext cx="0" cy="1692188"/>
-          </a:xfrm>
-          <a:prstGeom prst="line">
-            <a:avLst/>
-          </a:prstGeom>
-          <a:noFill/>
-          <a:ln w="28575">
-            <a:solidFill>
-              <a:schemeClr val="tx1"/>
             </a:solidFill>
           </a:ln>
         </p:spPr>
@@ -4653,717 +5612,13 @@
       </p:cxnSp>
       <p:sp>
         <p:nvSpPr>
-          <p:cNvPr id="46" name="Rectangle 45"/>
-          <p:cNvSpPr/>
-          <p:nvPr/>
-        </p:nvSpPr>
-        <p:spPr>
-          <a:xfrm>
-            <a:off x="2915816" y="1880828"/>
-            <a:ext cx="432048" cy="216024"/>
-          </a:xfrm>
-          <a:prstGeom prst="rect">
-            <a:avLst/>
-          </a:prstGeom>
-          <a:noFill/>
-          <a:ln w="28575">
-            <a:solidFill>
-              <a:schemeClr val="tx1"/>
-            </a:solidFill>
-          </a:ln>
-        </p:spPr>
-        <p:style>
-          <a:lnRef idx="2">
-            <a:schemeClr val="accent1">
-              <a:shade val="50000"/>
-            </a:schemeClr>
-          </a:lnRef>
-          <a:fillRef idx="1">
-            <a:schemeClr val="accent1"/>
-          </a:fillRef>
-          <a:effectRef idx="0">
-            <a:schemeClr val="accent1"/>
-          </a:effectRef>
-          <a:fontRef idx="minor">
-            <a:schemeClr val="lt1"/>
-          </a:fontRef>
-        </p:style>
-        <p:txBody>
-          <a:bodyPr rtlCol="0" anchor="ctr"/>
-          <a:lstStyle/>
-          <a:p>
-            <a:pPr algn="ctr"/>
-            <a:endParaRPr lang="fr-FR"/>
-          </a:p>
-        </p:txBody>
-      </p:sp>
-      <p:cxnSp>
-        <p:nvCxnSpPr>
-          <p:cNvPr id="48" name="Connecteur droit 47"/>
-          <p:cNvCxnSpPr/>
-          <p:nvPr/>
-        </p:nvCxnSpPr>
-        <p:spPr>
-          <a:xfrm>
-            <a:off x="3131840" y="2096852"/>
-            <a:ext cx="0" cy="1692188"/>
-          </a:xfrm>
-          <a:prstGeom prst="line">
-            <a:avLst/>
-          </a:prstGeom>
-          <a:noFill/>
-          <a:ln w="28575">
-            <a:solidFill>
-              <a:schemeClr val="tx1"/>
-            </a:solidFill>
-          </a:ln>
-        </p:spPr>
-        <p:style>
-          <a:lnRef idx="2">
-            <a:schemeClr val="accent1">
-              <a:shade val="50000"/>
-            </a:schemeClr>
-          </a:lnRef>
-          <a:fillRef idx="1">
-            <a:schemeClr val="accent1"/>
-          </a:fillRef>
-          <a:effectRef idx="0">
-            <a:schemeClr val="accent1"/>
-          </a:effectRef>
-          <a:fontRef idx="minor">
-            <a:schemeClr val="lt1"/>
-          </a:fontRef>
-        </p:style>
-      </p:cxnSp>
-      <p:cxnSp>
-        <p:nvCxnSpPr>
-          <p:cNvPr id="49" name="Connecteur droit 48"/>
-          <p:cNvCxnSpPr/>
-          <p:nvPr/>
-        </p:nvCxnSpPr>
-        <p:spPr>
-          <a:xfrm>
-            <a:off x="1979712" y="3637218"/>
-            <a:ext cx="0" cy="144016"/>
-          </a:xfrm>
-          <a:prstGeom prst="line">
-            <a:avLst/>
-          </a:prstGeom>
-          <a:noFill/>
-          <a:ln w="28575">
-            <a:solidFill>
-              <a:schemeClr val="tx1"/>
-            </a:solidFill>
-          </a:ln>
-        </p:spPr>
-        <p:style>
-          <a:lnRef idx="2">
-            <a:schemeClr val="accent1">
-              <a:shade val="50000"/>
-            </a:schemeClr>
-          </a:lnRef>
-          <a:fillRef idx="1">
-            <a:schemeClr val="accent1"/>
-          </a:fillRef>
-          <a:effectRef idx="0">
-            <a:schemeClr val="accent1"/>
-          </a:effectRef>
-          <a:fontRef idx="minor">
-            <a:schemeClr val="lt1"/>
-          </a:fontRef>
-        </p:style>
-      </p:cxnSp>
-      <p:cxnSp>
-        <p:nvCxnSpPr>
-          <p:cNvPr id="50" name="Connecteur droit 49"/>
-          <p:cNvCxnSpPr/>
-          <p:nvPr/>
-        </p:nvCxnSpPr>
-        <p:spPr>
-          <a:xfrm flipH="1">
-            <a:off x="1979712" y="3781234"/>
-            <a:ext cx="1152128" cy="0"/>
-          </a:xfrm>
-          <a:prstGeom prst="line">
-            <a:avLst/>
-          </a:prstGeom>
-          <a:noFill/>
-          <a:ln w="28575">
-            <a:solidFill>
-              <a:schemeClr val="tx1"/>
-            </a:solidFill>
-          </a:ln>
-        </p:spPr>
-        <p:style>
-          <a:lnRef idx="2">
-            <a:schemeClr val="accent1">
-              <a:shade val="50000"/>
-            </a:schemeClr>
-          </a:lnRef>
-          <a:fillRef idx="1">
-            <a:schemeClr val="accent1"/>
-          </a:fillRef>
-          <a:effectRef idx="0">
-            <a:schemeClr val="accent1"/>
-          </a:effectRef>
-          <a:fontRef idx="minor">
-            <a:schemeClr val="lt1"/>
-          </a:fontRef>
-        </p:style>
-      </p:cxnSp>
-      <p:cxnSp>
-        <p:nvCxnSpPr>
-          <p:cNvPr id="51" name="Connecteur droit 50"/>
-          <p:cNvCxnSpPr/>
-          <p:nvPr/>
-        </p:nvCxnSpPr>
-        <p:spPr>
-          <a:xfrm>
-            <a:off x="1895379" y="3637218"/>
-            <a:ext cx="168666" cy="0"/>
-          </a:xfrm>
-          <a:prstGeom prst="line">
-            <a:avLst/>
-          </a:prstGeom>
-          <a:noFill/>
-          <a:ln w="28575">
-            <a:solidFill>
-              <a:schemeClr val="tx1"/>
-            </a:solidFill>
-          </a:ln>
-        </p:spPr>
-        <p:style>
-          <a:lnRef idx="2">
-            <a:schemeClr val="accent1">
-              <a:shade val="50000"/>
-            </a:schemeClr>
-          </a:lnRef>
-          <a:fillRef idx="1">
-            <a:schemeClr val="accent1"/>
-          </a:fillRef>
-          <a:effectRef idx="0">
-            <a:schemeClr val="accent1"/>
-          </a:effectRef>
-          <a:fontRef idx="minor">
-            <a:schemeClr val="lt1"/>
-          </a:fontRef>
-        </p:style>
-      </p:cxnSp>
-      <p:cxnSp>
-        <p:nvCxnSpPr>
-          <p:cNvPr id="52" name="Connecteur droit 51"/>
-          <p:cNvCxnSpPr/>
-          <p:nvPr/>
-        </p:nvCxnSpPr>
-        <p:spPr>
-          <a:xfrm>
-            <a:off x="1895379" y="2702982"/>
-            <a:ext cx="168666" cy="0"/>
-          </a:xfrm>
-          <a:prstGeom prst="line">
-            <a:avLst/>
-          </a:prstGeom>
-          <a:noFill/>
-          <a:ln w="28575">
-            <a:solidFill>
-              <a:srgbClr val="7030A0"/>
-            </a:solidFill>
-          </a:ln>
-        </p:spPr>
-        <p:style>
-          <a:lnRef idx="2">
-            <a:schemeClr val="accent1">
-              <a:shade val="50000"/>
-            </a:schemeClr>
-          </a:lnRef>
-          <a:fillRef idx="1">
-            <a:schemeClr val="accent1"/>
-          </a:fillRef>
-          <a:effectRef idx="0">
-            <a:schemeClr val="accent1"/>
-          </a:effectRef>
-          <a:fontRef idx="minor">
-            <a:schemeClr val="lt1"/>
-          </a:fontRef>
-        </p:style>
-      </p:cxnSp>
-      <p:cxnSp>
-        <p:nvCxnSpPr>
-          <p:cNvPr id="54" name="Connecteur droit 53"/>
-          <p:cNvCxnSpPr/>
-          <p:nvPr/>
-        </p:nvCxnSpPr>
-        <p:spPr>
-          <a:xfrm>
-            <a:off x="2845845" y="1874950"/>
-            <a:ext cx="0" cy="216024"/>
-          </a:xfrm>
-          <a:prstGeom prst="line">
-            <a:avLst/>
-          </a:prstGeom>
-          <a:noFill/>
-          <a:ln w="28575">
-            <a:solidFill>
-              <a:schemeClr val="accent5">
-                <a:lumMod val="50000"/>
-              </a:schemeClr>
-            </a:solidFill>
-          </a:ln>
-        </p:spPr>
-        <p:style>
-          <a:lnRef idx="2">
-            <a:schemeClr val="accent1">
-              <a:shade val="50000"/>
-            </a:schemeClr>
-          </a:lnRef>
-          <a:fillRef idx="1">
-            <a:schemeClr val="accent1"/>
-          </a:fillRef>
-          <a:effectRef idx="0">
-            <a:schemeClr val="accent1"/>
-          </a:effectRef>
-          <a:fontRef idx="minor">
-            <a:schemeClr val="lt1"/>
-          </a:fontRef>
-        </p:style>
-      </p:cxnSp>
-      <p:cxnSp>
-        <p:nvCxnSpPr>
-          <p:cNvPr id="55" name="Connecteur droit 54"/>
-          <p:cNvCxnSpPr/>
-          <p:nvPr/>
-        </p:nvCxnSpPr>
-        <p:spPr>
-          <a:xfrm>
-            <a:off x="3421909" y="1874950"/>
-            <a:ext cx="0" cy="216024"/>
-          </a:xfrm>
-          <a:prstGeom prst="line">
-            <a:avLst/>
-          </a:prstGeom>
-          <a:noFill/>
-          <a:ln w="28575">
-            <a:solidFill>
-              <a:schemeClr val="accent5">
-                <a:lumMod val="50000"/>
-              </a:schemeClr>
-            </a:solidFill>
-          </a:ln>
-        </p:spPr>
-        <p:style>
-          <a:lnRef idx="2">
-            <a:schemeClr val="accent1">
-              <a:shade val="50000"/>
-            </a:schemeClr>
-          </a:lnRef>
-          <a:fillRef idx="1">
-            <a:schemeClr val="accent1"/>
-          </a:fillRef>
-          <a:effectRef idx="0">
-            <a:schemeClr val="accent1"/>
-          </a:effectRef>
-          <a:fontRef idx="minor">
-            <a:schemeClr val="lt1"/>
-          </a:fontRef>
-        </p:style>
-      </p:cxnSp>
-      <p:cxnSp>
-        <p:nvCxnSpPr>
-          <p:cNvPr id="56" name="Connecteur droit 55"/>
-          <p:cNvCxnSpPr/>
-          <p:nvPr/>
-        </p:nvCxnSpPr>
-        <p:spPr>
-          <a:xfrm>
-            <a:off x="2411760" y="1982962"/>
-            <a:ext cx="1154165" cy="0"/>
-          </a:xfrm>
-          <a:prstGeom prst="line">
-            <a:avLst/>
-          </a:prstGeom>
-          <a:noFill/>
-          <a:ln w="28575">
-            <a:solidFill>
-              <a:schemeClr val="accent5">
-                <a:lumMod val="50000"/>
-              </a:schemeClr>
-            </a:solidFill>
-          </a:ln>
-        </p:spPr>
-        <p:style>
-          <a:lnRef idx="2">
-            <a:schemeClr val="accent1">
-              <a:shade val="50000"/>
-            </a:schemeClr>
-          </a:lnRef>
-          <a:fillRef idx="1">
-            <a:schemeClr val="accent1"/>
-          </a:fillRef>
-          <a:effectRef idx="0">
-            <a:schemeClr val="accent1"/>
-          </a:effectRef>
-          <a:fontRef idx="minor">
-            <a:schemeClr val="lt1"/>
-          </a:fontRef>
-        </p:style>
-      </p:cxnSp>
-      <p:cxnSp>
-        <p:nvCxnSpPr>
-          <p:cNvPr id="57" name="Connecteur droit 56"/>
-          <p:cNvCxnSpPr/>
-          <p:nvPr/>
-        </p:nvCxnSpPr>
-        <p:spPr>
-          <a:xfrm>
-            <a:off x="2400551" y="800708"/>
-            <a:ext cx="0" cy="1188132"/>
-          </a:xfrm>
-          <a:prstGeom prst="line">
-            <a:avLst/>
-          </a:prstGeom>
-          <a:noFill/>
-          <a:ln w="28575">
-            <a:solidFill>
-              <a:schemeClr val="accent5">
-                <a:lumMod val="50000"/>
-              </a:schemeClr>
-            </a:solidFill>
-          </a:ln>
-        </p:spPr>
-        <p:style>
-          <a:lnRef idx="2">
-            <a:schemeClr val="accent1">
-              <a:shade val="50000"/>
-            </a:schemeClr>
-          </a:lnRef>
-          <a:fillRef idx="1">
-            <a:schemeClr val="accent1"/>
-          </a:fillRef>
-          <a:effectRef idx="0">
-            <a:schemeClr val="accent1"/>
-          </a:effectRef>
-          <a:fontRef idx="minor">
-            <a:schemeClr val="lt1"/>
-          </a:fontRef>
-        </p:style>
-      </p:cxnSp>
-      <p:cxnSp>
-        <p:nvCxnSpPr>
-          <p:cNvPr id="60" name="Connecteur droit 59"/>
-          <p:cNvCxnSpPr/>
-          <p:nvPr/>
-        </p:nvCxnSpPr>
-        <p:spPr>
-          <a:xfrm>
-            <a:off x="3851920" y="1982962"/>
-            <a:ext cx="720080" cy="0"/>
-          </a:xfrm>
-          <a:prstGeom prst="line">
-            <a:avLst/>
-          </a:prstGeom>
-          <a:noFill/>
-          <a:ln w="28575">
-            <a:solidFill>
-              <a:schemeClr val="tx1"/>
-            </a:solidFill>
-            <a:tailEnd type="stealth" w="med" len="lg"/>
-          </a:ln>
-        </p:spPr>
-        <p:style>
-          <a:lnRef idx="2">
-            <a:schemeClr val="accent1">
-              <a:shade val="50000"/>
-            </a:schemeClr>
-          </a:lnRef>
-          <a:fillRef idx="1">
-            <a:schemeClr val="accent1"/>
-          </a:fillRef>
-          <a:effectRef idx="0">
-            <a:schemeClr val="accent1"/>
-          </a:effectRef>
-          <a:fontRef idx="minor">
-            <a:schemeClr val="lt1"/>
-          </a:fontRef>
-        </p:style>
-      </p:cxnSp>
-      <p:cxnSp>
-        <p:nvCxnSpPr>
-          <p:cNvPr id="63" name="Connecteur droit 62"/>
-          <p:cNvCxnSpPr/>
-          <p:nvPr/>
-        </p:nvCxnSpPr>
-        <p:spPr>
-          <a:xfrm rot="16200000">
-            <a:off x="3491880" y="1628800"/>
-            <a:ext cx="720080" cy="0"/>
-          </a:xfrm>
-          <a:prstGeom prst="line">
-            <a:avLst/>
-          </a:prstGeom>
-          <a:noFill/>
-          <a:ln w="28575">
-            <a:solidFill>
-              <a:schemeClr val="tx1"/>
-            </a:solidFill>
-            <a:tailEnd type="stealth" w="med" len="lg"/>
-          </a:ln>
-        </p:spPr>
-        <p:style>
-          <a:lnRef idx="2">
-            <a:schemeClr val="accent1">
-              <a:shade val="50000"/>
-            </a:schemeClr>
-          </a:lnRef>
-          <a:fillRef idx="1">
-            <a:schemeClr val="accent1"/>
-          </a:fillRef>
-          <a:effectRef idx="0">
-            <a:schemeClr val="accent1"/>
-          </a:effectRef>
-          <a:fontRef idx="minor">
-            <a:schemeClr val="lt1"/>
-          </a:fontRef>
-        </p:style>
-      </p:cxnSp>
-      <mc:AlternateContent xmlns:mc="http://schemas.openxmlformats.org/markup-compatibility/2006" xmlns:a14="http://schemas.microsoft.com/office/drawing/2010/main">
-        <mc:Choice Requires="a14">
-          <p:sp>
-            <p:nvSpPr>
-              <p:cNvPr id="64" name="ZoneTexte 63"/>
-              <p:cNvSpPr txBox="1"/>
-              <p:nvPr/>
-            </p:nvSpPr>
-            <p:spPr>
-              <a:xfrm>
-                <a:off x="4309357" y="1705963"/>
-                <a:ext cx="362022" cy="276999"/>
-              </a:xfrm>
-              <a:prstGeom prst="rect">
-                <a:avLst/>
-              </a:prstGeom>
-              <a:noFill/>
-            </p:spPr>
-            <p:txBody>
-              <a:bodyPr wrap="none" rtlCol="0">
-                <a:spAutoFit/>
-              </a:bodyPr>
-              <a:lstStyle/>
-              <a:p>
-                <a:pPr/>
-                <a14:m>
-                  <m:oMathPara xmlns:m="http://schemas.openxmlformats.org/officeDocument/2006/math">
-                    <m:oMathParaPr>
-                      <m:jc m:val="centerGroup"/>
-                    </m:oMathParaPr>
-                    <m:oMath xmlns:m="http://schemas.openxmlformats.org/officeDocument/2006/math">
-                      <m:acc>
-                        <m:accPr>
-                          <m:chr m:val="⃗"/>
-                          <m:ctrlPr>
-                            <a:rPr lang="fr-FR" sz="1200" i="1" smtClean="0">
-                              <a:latin typeface="Cambria Math" panose="02040503050406030204" pitchFamily="18" charset="0"/>
-                            </a:rPr>
-                          </m:ctrlPr>
-                        </m:accPr>
-                        <m:e>
-                          <m:sSub>
-                            <m:sSubPr>
-                              <m:ctrlPr>
-                                <a:rPr lang="fr-FR" sz="1200" b="0" i="1" smtClean="0">
-                                  <a:latin typeface="Cambria Math" panose="02040503050406030204" pitchFamily="18" charset="0"/>
-                                </a:rPr>
-                              </m:ctrlPr>
-                            </m:sSubPr>
-                            <m:e>
-                              <m:r>
-                                <a:rPr lang="fr-FR" sz="1200" b="0" i="1" smtClean="0">
-                                  <a:latin typeface="Cambria Math"/>
-                                </a:rPr>
-                                <m:t>𝑧</m:t>
-                              </m:r>
-                            </m:e>
-                            <m:sub>
-                              <m:r>
-                                <a:rPr lang="fr-FR" sz="1200" b="0" i="1" smtClean="0">
-                                  <a:latin typeface="Cambria Math"/>
-                                </a:rPr>
-                                <m:t>0</m:t>
-                              </m:r>
-                            </m:sub>
-                          </m:sSub>
-                        </m:e>
-                      </m:acc>
-                    </m:oMath>
-                  </m:oMathPara>
-                </a14:m>
-                <a:endParaRPr lang="fr-FR" sz="1200" dirty="0"/>
-              </a:p>
-            </p:txBody>
-          </p:sp>
-        </mc:Choice>
-        <mc:Fallback xmlns="">
-          <p:sp>
-            <p:nvSpPr>
-              <p:cNvPr id="64" name="ZoneTexte 63"/>
-              <p:cNvSpPr txBox="1">
-                <a:spLocks noRot="1" noChangeAspect="1" noMove="1" noResize="1" noEditPoints="1" noAdjustHandles="1" noChangeArrowheads="1" noChangeShapeType="1" noTextEdit="1"/>
-              </p:cNvSpPr>
-              <p:nvPr/>
-            </p:nvSpPr>
-            <p:spPr>
-              <a:xfrm>
-                <a:off x="4309357" y="1705963"/>
-                <a:ext cx="362022" cy="276999"/>
-              </a:xfrm>
-              <a:prstGeom prst="rect">
-                <a:avLst/>
-              </a:prstGeom>
-              <a:blipFill rotWithShape="1">
-                <a:blip r:embed="rId2"/>
-                <a:stretch>
-                  <a:fillRect/>
-                </a:stretch>
-              </a:blipFill>
-            </p:spPr>
-            <p:txBody>
-              <a:bodyPr/>
-              <a:lstStyle/>
-              <a:p>
-                <a:r>
-                  <a:rPr lang="fr-FR">
-                    <a:noFill/>
-                  </a:rPr>
-                  <a:t> </a:t>
-                </a:r>
-              </a:p>
-            </p:txBody>
-          </p:sp>
-        </mc:Fallback>
-      </mc:AlternateContent>
-      <mc:AlternateContent xmlns:mc="http://schemas.openxmlformats.org/markup-compatibility/2006" xmlns:a14="http://schemas.microsoft.com/office/drawing/2010/main">
-        <mc:Choice Requires="a14">
-          <p:sp>
-            <p:nvSpPr>
-              <p:cNvPr id="65" name="ZoneTexte 64"/>
-              <p:cNvSpPr txBox="1"/>
-              <p:nvPr/>
-            </p:nvSpPr>
-            <p:spPr>
-              <a:xfrm>
-                <a:off x="3779912" y="1130260"/>
-                <a:ext cx="372346" cy="276999"/>
-              </a:xfrm>
-              <a:prstGeom prst="rect">
-                <a:avLst/>
-              </a:prstGeom>
-              <a:noFill/>
-            </p:spPr>
-            <p:txBody>
-              <a:bodyPr wrap="none" rtlCol="0">
-                <a:spAutoFit/>
-              </a:bodyPr>
-              <a:lstStyle/>
-              <a:p>
-                <a:pPr/>
-                <a14:m>
-                  <m:oMathPara xmlns:m="http://schemas.openxmlformats.org/officeDocument/2006/math">
-                    <m:oMathParaPr>
-                      <m:jc m:val="centerGroup"/>
-                    </m:oMathParaPr>
-                    <m:oMath xmlns:m="http://schemas.openxmlformats.org/officeDocument/2006/math">
-                      <m:acc>
-                        <m:accPr>
-                          <m:chr m:val="⃗"/>
-                          <m:ctrlPr>
-                            <a:rPr lang="fr-FR" sz="1200" i="1" smtClean="0">
-                              <a:latin typeface="Cambria Math" panose="02040503050406030204" pitchFamily="18" charset="0"/>
-                            </a:rPr>
-                          </m:ctrlPr>
-                        </m:accPr>
-                        <m:e>
-                          <m:sSub>
-                            <m:sSubPr>
-                              <m:ctrlPr>
-                                <a:rPr lang="fr-FR" sz="1200" b="0" i="1" smtClean="0">
-                                  <a:latin typeface="Cambria Math" panose="02040503050406030204" pitchFamily="18" charset="0"/>
-                                </a:rPr>
-                              </m:ctrlPr>
-                            </m:sSubPr>
-                            <m:e>
-                              <m:r>
-                                <a:rPr lang="fr-FR" sz="1200" b="0" i="1" smtClean="0">
-                                  <a:latin typeface="Cambria Math"/>
-                                </a:rPr>
-                                <m:t>𝑥</m:t>
-                              </m:r>
-                            </m:e>
-                            <m:sub>
-                              <m:r>
-                                <a:rPr lang="fr-FR" sz="1200" b="0" i="1" smtClean="0">
-                                  <a:latin typeface="Cambria Math"/>
-                                </a:rPr>
-                                <m:t>0</m:t>
-                              </m:r>
-                            </m:sub>
-                          </m:sSub>
-                        </m:e>
-                      </m:acc>
-                    </m:oMath>
-                  </m:oMathPara>
-                </a14:m>
-                <a:endParaRPr lang="fr-FR" sz="1200" dirty="0"/>
-              </a:p>
-            </p:txBody>
-          </p:sp>
-        </mc:Choice>
-        <mc:Fallback xmlns="">
-          <p:sp>
-            <p:nvSpPr>
-              <p:cNvPr id="65" name="ZoneTexte 64"/>
-              <p:cNvSpPr txBox="1">
-                <a:spLocks noRot="1" noChangeAspect="1" noMove="1" noResize="1" noEditPoints="1" noAdjustHandles="1" noChangeArrowheads="1" noChangeShapeType="1" noTextEdit="1"/>
-              </p:cNvSpPr>
-              <p:nvPr/>
-            </p:nvSpPr>
-            <p:spPr>
-              <a:xfrm>
-                <a:off x="3779912" y="1130260"/>
-                <a:ext cx="372346" cy="276999"/>
-              </a:xfrm>
-              <a:prstGeom prst="rect">
-                <a:avLst/>
-              </a:prstGeom>
-              <a:blipFill rotWithShape="1">
-                <a:blip r:embed="rId3"/>
-                <a:stretch>
-                  <a:fillRect/>
-                </a:stretch>
-              </a:blipFill>
-            </p:spPr>
-            <p:txBody>
-              <a:bodyPr/>
-              <a:lstStyle/>
-              <a:p>
-                <a:r>
-                  <a:rPr lang="fr-FR">
-                    <a:noFill/>
-                  </a:rPr>
-                  <a:t> </a:t>
-                </a:r>
-              </a:p>
-            </p:txBody>
-          </p:sp>
-        </mc:Fallback>
-      </mc:AlternateContent>
-      <p:sp>
-        <p:nvSpPr>
           <p:cNvPr id="66" name="Ellipse 65"/>
           <p:cNvSpPr/>
           <p:nvPr/>
         </p:nvSpPr>
         <p:spPr>
           <a:xfrm>
-            <a:off x="1666176" y="1680136"/>
+            <a:off x="1018104" y="1680136"/>
             <a:ext cx="276999" cy="276999"/>
           </a:xfrm>
           <a:prstGeom prst="ellipse">
@@ -5471,235 +5726,349 @@
           </a:p>
         </p:txBody>
       </p:sp>
+      <p:cxnSp>
+        <p:nvCxnSpPr>
+          <p:cNvPr id="75" name="Connecteur droit 74">
+            <a:extLst>
+              <a:ext uri="{FF2B5EF4-FFF2-40B4-BE49-F238E27FC236}">
+                <a16:creationId xmlns:a16="http://schemas.microsoft.com/office/drawing/2014/main" id="{3F8967EB-105C-409D-96E8-BC462C29694E}"/>
+              </a:ext>
+            </a:extLst>
+          </p:cNvPr>
+          <p:cNvCxnSpPr/>
+          <p:nvPr/>
+        </p:nvCxnSpPr>
+        <p:spPr>
+          <a:xfrm>
+            <a:off x="3131840" y="-99392"/>
+            <a:ext cx="0" cy="144016"/>
+          </a:xfrm>
+          <a:prstGeom prst="line">
+            <a:avLst/>
+          </a:prstGeom>
+          <a:noFill/>
+          <a:ln w="28575">
+            <a:solidFill>
+              <a:schemeClr val="accent6">
+                <a:lumMod val="75000"/>
+              </a:schemeClr>
+            </a:solidFill>
+          </a:ln>
+        </p:spPr>
+        <p:style>
+          <a:lnRef idx="2">
+            <a:schemeClr val="accent1">
+              <a:shade val="50000"/>
+            </a:schemeClr>
+          </a:lnRef>
+          <a:fillRef idx="1">
+            <a:schemeClr val="accent1"/>
+          </a:fillRef>
+          <a:effectRef idx="0">
+            <a:schemeClr val="accent1"/>
+          </a:effectRef>
+          <a:fontRef idx="minor">
+            <a:schemeClr val="lt1"/>
+          </a:fontRef>
+        </p:style>
+      </p:cxnSp>
+      <p:cxnSp>
+        <p:nvCxnSpPr>
+          <p:cNvPr id="76" name="Connecteur droit 75">
+            <a:extLst>
+              <a:ext uri="{FF2B5EF4-FFF2-40B4-BE49-F238E27FC236}">
+                <a16:creationId xmlns:a16="http://schemas.microsoft.com/office/drawing/2014/main" id="{9AF9A335-E1BF-4CDC-BE59-D93351626F54}"/>
+              </a:ext>
+            </a:extLst>
+          </p:cNvPr>
+          <p:cNvCxnSpPr>
+            <a:cxnSpLocks/>
+          </p:cNvCxnSpPr>
+          <p:nvPr/>
+        </p:nvCxnSpPr>
+        <p:spPr>
+          <a:xfrm flipH="1">
+            <a:off x="3131840" y="-99392"/>
+            <a:ext cx="842247" cy="0"/>
+          </a:xfrm>
+          <a:prstGeom prst="line">
+            <a:avLst/>
+          </a:prstGeom>
+          <a:noFill/>
+          <a:ln w="28575">
+            <a:solidFill>
+              <a:schemeClr val="accent6">
+                <a:lumMod val="75000"/>
+              </a:schemeClr>
+            </a:solidFill>
+          </a:ln>
+        </p:spPr>
+        <p:style>
+          <a:lnRef idx="2">
+            <a:schemeClr val="accent1">
+              <a:shade val="50000"/>
+            </a:schemeClr>
+          </a:lnRef>
+          <a:fillRef idx="1">
+            <a:schemeClr val="accent1"/>
+          </a:fillRef>
+          <a:effectRef idx="0">
+            <a:schemeClr val="accent1"/>
+          </a:effectRef>
+          <a:fontRef idx="minor">
+            <a:schemeClr val="lt1"/>
+          </a:fontRef>
+        </p:style>
+      </p:cxnSp>
+      <p:cxnSp>
+        <p:nvCxnSpPr>
+          <p:cNvPr id="77" name="Connecteur droit 76">
+            <a:extLst>
+              <a:ext uri="{FF2B5EF4-FFF2-40B4-BE49-F238E27FC236}">
+                <a16:creationId xmlns:a16="http://schemas.microsoft.com/office/drawing/2014/main" id="{184EEF88-87F6-4980-94B9-16876CFE36F6}"/>
+              </a:ext>
+            </a:extLst>
+          </p:cNvPr>
+          <p:cNvCxnSpPr>
+            <a:cxnSpLocks/>
+          </p:cNvCxnSpPr>
+          <p:nvPr/>
+        </p:nvCxnSpPr>
+        <p:spPr>
+          <a:xfrm>
+            <a:off x="3974087" y="-99392"/>
+            <a:ext cx="0" cy="4180617"/>
+          </a:xfrm>
+          <a:prstGeom prst="line">
+            <a:avLst/>
+          </a:prstGeom>
+          <a:noFill/>
+          <a:ln w="28575">
+            <a:solidFill>
+              <a:schemeClr val="accent6">
+                <a:lumMod val="75000"/>
+              </a:schemeClr>
+            </a:solidFill>
+          </a:ln>
+        </p:spPr>
+        <p:style>
+          <a:lnRef idx="2">
+            <a:schemeClr val="accent1">
+              <a:shade val="50000"/>
+            </a:schemeClr>
+          </a:lnRef>
+          <a:fillRef idx="1">
+            <a:schemeClr val="accent1"/>
+          </a:fillRef>
+          <a:effectRef idx="0">
+            <a:schemeClr val="accent1"/>
+          </a:effectRef>
+          <a:fontRef idx="minor">
+            <a:schemeClr val="lt1"/>
+          </a:fontRef>
+        </p:style>
+      </p:cxnSp>
+      <p:cxnSp>
+        <p:nvCxnSpPr>
+          <p:cNvPr id="80" name="Connecteur droit 79">
+            <a:extLst>
+              <a:ext uri="{FF2B5EF4-FFF2-40B4-BE49-F238E27FC236}">
+                <a16:creationId xmlns:a16="http://schemas.microsoft.com/office/drawing/2014/main" id="{80ABA409-87F6-4A52-ADFC-6403C8404094}"/>
+              </a:ext>
+            </a:extLst>
+          </p:cNvPr>
+          <p:cNvCxnSpPr>
+            <a:cxnSpLocks/>
+          </p:cNvCxnSpPr>
+          <p:nvPr/>
+        </p:nvCxnSpPr>
+        <p:spPr>
+          <a:xfrm>
+            <a:off x="3993899" y="1986851"/>
+            <a:ext cx="970458" cy="0"/>
+          </a:xfrm>
+          <a:prstGeom prst="line">
+            <a:avLst/>
+          </a:prstGeom>
+          <a:noFill/>
+          <a:ln w="28575">
+            <a:solidFill>
+              <a:schemeClr val="accent6">
+                <a:lumMod val="75000"/>
+              </a:schemeClr>
+            </a:solidFill>
+          </a:ln>
+        </p:spPr>
+        <p:style>
+          <a:lnRef idx="2">
+            <a:schemeClr val="accent1">
+              <a:shade val="50000"/>
+            </a:schemeClr>
+          </a:lnRef>
+          <a:fillRef idx="1">
+            <a:schemeClr val="accent1"/>
+          </a:fillRef>
+          <a:effectRef idx="0">
+            <a:schemeClr val="accent1"/>
+          </a:effectRef>
+          <a:fontRef idx="minor">
+            <a:schemeClr val="lt1"/>
+          </a:fontRef>
+        </p:style>
+      </p:cxnSp>
+      <p:cxnSp>
+        <p:nvCxnSpPr>
+          <p:cNvPr id="81" name="Connecteur droit 80">
+            <a:extLst>
+              <a:ext uri="{FF2B5EF4-FFF2-40B4-BE49-F238E27FC236}">
+                <a16:creationId xmlns:a16="http://schemas.microsoft.com/office/drawing/2014/main" id="{CE17D896-B7AA-4928-96C2-AC195A77EF85}"/>
+              </a:ext>
+            </a:extLst>
+          </p:cNvPr>
+          <p:cNvCxnSpPr/>
+          <p:nvPr/>
+        </p:nvCxnSpPr>
+        <p:spPr>
+          <a:xfrm>
+            <a:off x="3133532" y="3933056"/>
+            <a:ext cx="0" cy="144016"/>
+          </a:xfrm>
+          <a:prstGeom prst="line">
+            <a:avLst/>
+          </a:prstGeom>
+          <a:noFill/>
+          <a:ln w="28575">
+            <a:solidFill>
+              <a:schemeClr val="accent6">
+                <a:lumMod val="75000"/>
+              </a:schemeClr>
+            </a:solidFill>
+          </a:ln>
+        </p:spPr>
+        <p:style>
+          <a:lnRef idx="2">
+            <a:schemeClr val="accent1">
+              <a:shade val="50000"/>
+            </a:schemeClr>
+          </a:lnRef>
+          <a:fillRef idx="1">
+            <a:schemeClr val="accent1"/>
+          </a:fillRef>
+          <a:effectRef idx="0">
+            <a:schemeClr val="accent1"/>
+          </a:effectRef>
+          <a:fontRef idx="minor">
+            <a:schemeClr val="lt1"/>
+          </a:fontRef>
+        </p:style>
+      </p:cxnSp>
+      <p:cxnSp>
+        <p:nvCxnSpPr>
+          <p:cNvPr id="83" name="Connecteur droit 82">
+            <a:extLst>
+              <a:ext uri="{FF2B5EF4-FFF2-40B4-BE49-F238E27FC236}">
+                <a16:creationId xmlns:a16="http://schemas.microsoft.com/office/drawing/2014/main" id="{CE6C03A5-8572-464F-B322-99C0F59C3643}"/>
+              </a:ext>
+            </a:extLst>
+          </p:cNvPr>
+          <p:cNvCxnSpPr/>
+          <p:nvPr/>
+        </p:nvCxnSpPr>
+        <p:spPr>
+          <a:xfrm>
+            <a:off x="3049199" y="3933056"/>
+            <a:ext cx="168666" cy="0"/>
+          </a:xfrm>
+          <a:prstGeom prst="line">
+            <a:avLst/>
+          </a:prstGeom>
+          <a:noFill/>
+          <a:ln w="28575">
+            <a:solidFill>
+              <a:schemeClr val="accent6">
+                <a:lumMod val="75000"/>
+              </a:schemeClr>
+            </a:solidFill>
+          </a:ln>
+        </p:spPr>
+        <p:style>
+          <a:lnRef idx="2">
+            <a:schemeClr val="accent1">
+              <a:shade val="50000"/>
+            </a:schemeClr>
+          </a:lnRef>
+          <a:fillRef idx="1">
+            <a:schemeClr val="accent1"/>
+          </a:fillRef>
+          <a:effectRef idx="0">
+            <a:schemeClr val="accent1"/>
+          </a:effectRef>
+          <a:fontRef idx="minor">
+            <a:schemeClr val="lt1"/>
+          </a:fontRef>
+        </p:style>
+      </p:cxnSp>
+      <p:cxnSp>
+        <p:nvCxnSpPr>
+          <p:cNvPr id="86" name="Connecteur droit 85">
+            <a:extLst>
+              <a:ext uri="{FF2B5EF4-FFF2-40B4-BE49-F238E27FC236}">
+                <a16:creationId xmlns:a16="http://schemas.microsoft.com/office/drawing/2014/main" id="{9C527A9F-C628-4EC6-860F-55B7698BB189}"/>
+              </a:ext>
+            </a:extLst>
+          </p:cNvPr>
+          <p:cNvCxnSpPr/>
+          <p:nvPr/>
+        </p:nvCxnSpPr>
+        <p:spPr>
+          <a:xfrm>
+            <a:off x="4283968" y="1884466"/>
+            <a:ext cx="0" cy="216024"/>
+          </a:xfrm>
+          <a:prstGeom prst="line">
+            <a:avLst/>
+          </a:prstGeom>
+          <a:noFill/>
+          <a:ln w="28575">
+            <a:solidFill>
+              <a:schemeClr val="accent6">
+                <a:lumMod val="75000"/>
+              </a:schemeClr>
+            </a:solidFill>
+          </a:ln>
+        </p:spPr>
+        <p:style>
+          <a:lnRef idx="2">
+            <a:schemeClr val="accent1">
+              <a:shade val="50000"/>
+            </a:schemeClr>
+          </a:lnRef>
+          <a:fillRef idx="1">
+            <a:schemeClr val="accent1"/>
+          </a:fillRef>
+          <a:effectRef idx="0">
+            <a:schemeClr val="accent1"/>
+          </a:effectRef>
+          <a:fontRef idx="minor">
+            <a:schemeClr val="lt1"/>
+          </a:fontRef>
+        </p:style>
+      </p:cxnSp>
       <p:sp>
         <p:nvSpPr>
-          <p:cNvPr id="68" name="Ellipse 67"/>
+          <p:cNvPr id="94" name="Ellipse 93">
+            <a:extLst>
+              <a:ext uri="{FF2B5EF4-FFF2-40B4-BE49-F238E27FC236}">
+                <a16:creationId xmlns:a16="http://schemas.microsoft.com/office/drawing/2014/main" id="{B40A9982-5BF9-49B9-8E9E-736FB699A6BF}"/>
+              </a:ext>
+            </a:extLst>
+          </p:cNvPr>
           <p:cNvSpPr/>
           <p:nvPr/>
         </p:nvSpPr>
         <p:spPr>
           <a:xfrm>
-            <a:off x="2434691" y="1668296"/>
-            <a:ext cx="276999" cy="276999"/>
-          </a:xfrm>
-          <a:prstGeom prst="ellipse">
-            <a:avLst/>
-          </a:prstGeom>
-          <a:noFill/>
-          <a:ln w="28575">
-            <a:solidFill>
-              <a:schemeClr val="accent5">
-                <a:lumMod val="50000"/>
-              </a:schemeClr>
-            </a:solidFill>
-          </a:ln>
-        </p:spPr>
-        <p:style>
-          <a:lnRef idx="2">
-            <a:schemeClr val="accent1">
-              <a:shade val="50000"/>
-            </a:schemeClr>
-          </a:lnRef>
-          <a:fillRef idx="1">
-            <a:schemeClr val="accent1"/>
-          </a:fillRef>
-          <a:effectRef idx="0">
-            <a:schemeClr val="accent1"/>
-          </a:effectRef>
-          <a:fontRef idx="minor">
-            <a:schemeClr val="lt1"/>
-          </a:fontRef>
-        </p:style>
-        <p:txBody>
-          <a:bodyPr lIns="0" tIns="0" rIns="0" bIns="0" rtlCol="0" anchor="ctr"/>
-          <a:lstStyle/>
-          <a:p>
-            <a:pPr algn="ctr"/>
-            <a:r>
-              <a:rPr lang="fr-FR" sz="1400" dirty="0">
-                <a:ln>
-                  <a:solidFill>
-                    <a:schemeClr val="accent5">
-                      <a:lumMod val="50000"/>
-                    </a:schemeClr>
-                  </a:solidFill>
-                </a:ln>
-                <a:solidFill>
-                  <a:schemeClr val="accent5">
-                    <a:lumMod val="50000"/>
-                  </a:schemeClr>
-                </a:solidFill>
-              </a:rPr>
-              <a:t>3</a:t>
-            </a:r>
-          </a:p>
-        </p:txBody>
-      </p:sp>
-      <p:cxnSp>
-        <p:nvCxnSpPr>
-          <p:cNvPr id="69" name="Connecteur droit 68"/>
-          <p:cNvCxnSpPr/>
-          <p:nvPr/>
-        </p:nvCxnSpPr>
-        <p:spPr>
-          <a:xfrm rot="16200000">
-            <a:off x="2040511" y="908720"/>
-            <a:ext cx="720080" cy="0"/>
-          </a:xfrm>
-          <a:prstGeom prst="line">
-            <a:avLst/>
-          </a:prstGeom>
-          <a:noFill/>
-          <a:ln w="28575">
-            <a:solidFill>
-              <a:schemeClr val="accent5">
-                <a:lumMod val="50000"/>
-              </a:schemeClr>
-            </a:solidFill>
-            <a:tailEnd type="stealth" w="med" len="lg"/>
-          </a:ln>
-        </p:spPr>
-        <p:style>
-          <a:lnRef idx="2">
-            <a:schemeClr val="accent1">
-              <a:shade val="50000"/>
-            </a:schemeClr>
-          </a:lnRef>
-          <a:fillRef idx="1">
-            <a:schemeClr val="accent1"/>
-          </a:fillRef>
-          <a:effectRef idx="0">
-            <a:schemeClr val="accent1"/>
-          </a:effectRef>
-          <a:fontRef idx="minor">
-            <a:schemeClr val="lt1"/>
-          </a:fontRef>
-        </p:style>
-      </p:cxnSp>
-      <mc:AlternateContent xmlns:mc="http://schemas.openxmlformats.org/markup-compatibility/2006" xmlns:a14="http://schemas.microsoft.com/office/drawing/2010/main">
-        <mc:Choice Requires="a14">
-          <p:sp>
-            <p:nvSpPr>
-              <p:cNvPr id="70" name="ZoneTexte 69"/>
-              <p:cNvSpPr txBox="1"/>
-              <p:nvPr/>
-            </p:nvSpPr>
-            <p:spPr>
-              <a:xfrm>
-                <a:off x="2434691" y="662208"/>
-                <a:ext cx="372345" cy="276999"/>
-              </a:xfrm>
-              <a:prstGeom prst="rect">
-                <a:avLst/>
-              </a:prstGeom>
-              <a:noFill/>
-            </p:spPr>
-            <p:txBody>
-              <a:bodyPr wrap="none" rtlCol="0">
-                <a:spAutoFit/>
-              </a:bodyPr>
-              <a:lstStyle/>
-              <a:p>
-                <a:pPr/>
-                <a14:m>
-                  <m:oMathPara xmlns:m="http://schemas.openxmlformats.org/officeDocument/2006/math">
-                    <m:oMathParaPr>
-                      <m:jc m:val="centerGroup"/>
-                    </m:oMathParaPr>
-                    <m:oMath xmlns:m="http://schemas.openxmlformats.org/officeDocument/2006/math">
-                      <m:acc>
-                        <m:accPr>
-                          <m:chr m:val="⃗"/>
-                          <m:ctrlPr>
-                            <a:rPr lang="fr-FR" sz="1200" i="1" smtClean="0">
-                              <a:latin typeface="Cambria Math" panose="02040503050406030204" pitchFamily="18" charset="0"/>
-                            </a:rPr>
-                          </m:ctrlPr>
-                        </m:accPr>
-                        <m:e>
-                          <m:sSub>
-                            <m:sSubPr>
-                              <m:ctrlPr>
-                                <a:rPr lang="fr-FR" sz="1200" b="0" i="1" smtClean="0">
-                                  <a:latin typeface="Cambria Math" panose="02040503050406030204" pitchFamily="18" charset="0"/>
-                                </a:rPr>
-                              </m:ctrlPr>
-                            </m:sSubPr>
-                            <m:e>
-                              <m:r>
-                                <a:rPr lang="fr-FR" sz="1200" b="0" i="1" smtClean="0">
-                                  <a:latin typeface="Cambria Math"/>
-                                </a:rPr>
-                                <m:t>𝑥</m:t>
-                              </m:r>
-                            </m:e>
-                            <m:sub>
-                              <m:r>
-                                <a:rPr lang="fr-FR" sz="1200" b="0" i="1" smtClean="0">
-                                  <a:latin typeface="Cambria Math"/>
-                                </a:rPr>
-                                <m:t>2</m:t>
-                              </m:r>
-                            </m:sub>
-                          </m:sSub>
-                        </m:e>
-                      </m:acc>
-                    </m:oMath>
-                  </m:oMathPara>
-                </a14:m>
-                <a:endParaRPr lang="fr-FR" sz="1200" dirty="0"/>
-              </a:p>
-            </p:txBody>
-          </p:sp>
-        </mc:Choice>
-        <mc:Fallback xmlns="">
-          <p:sp>
-            <p:nvSpPr>
-              <p:cNvPr id="70" name="ZoneTexte 69"/>
-              <p:cNvSpPr txBox="1">
-                <a:spLocks noRot="1" noChangeAspect="1" noMove="1" noResize="1" noEditPoints="1" noAdjustHandles="1" noChangeArrowheads="1" noChangeShapeType="1" noTextEdit="1"/>
-              </p:cNvSpPr>
-              <p:nvPr/>
-            </p:nvSpPr>
-            <p:spPr>
-              <a:xfrm>
-                <a:off x="2434691" y="662208"/>
-                <a:ext cx="372345" cy="276999"/>
-              </a:xfrm>
-              <a:prstGeom prst="rect">
-                <a:avLst/>
-              </a:prstGeom>
-              <a:blipFill rotWithShape="1">
-                <a:blip r:embed="rId4"/>
-                <a:stretch>
-                  <a:fillRect/>
-                </a:stretch>
-              </a:blipFill>
-            </p:spPr>
-            <p:txBody>
-              <a:bodyPr/>
-              <a:lstStyle/>
-              <a:p>
-                <a:r>
-                  <a:rPr lang="fr-FR">
-                    <a:noFill/>
-                  </a:rPr>
-                  <a:t> </a:t>
-                </a:r>
-              </a:p>
-            </p:txBody>
-          </p:sp>
-        </mc:Fallback>
-      </mc:AlternateContent>
-      <p:sp>
-        <p:nvSpPr>
-          <p:cNvPr id="40" name="Ellipse 39"/>
-          <p:cNvSpPr/>
-          <p:nvPr/>
-        </p:nvSpPr>
-        <p:spPr>
-          <a:xfrm>
-            <a:off x="2777316" y="3483405"/>
+            <a:off x="4687358" y="3483405"/>
             <a:ext cx="276999" cy="276999"/>
           </a:xfrm>
           <a:prstGeom prst="ellipse">
@@ -5751,14 +6120,66 @@
       </p:sp>
       <p:cxnSp>
         <p:nvCxnSpPr>
-          <p:cNvPr id="42" name="Connecteur droit 41"/>
+          <p:cNvPr id="96" name="Connecteur droit 95">
+            <a:extLst>
+              <a:ext uri="{FF2B5EF4-FFF2-40B4-BE49-F238E27FC236}">
+                <a16:creationId xmlns:a16="http://schemas.microsoft.com/office/drawing/2014/main" id="{D626BD88-C594-4BF6-B9D0-D030C690CB36}"/>
+              </a:ext>
+            </a:extLst>
+          </p:cNvPr>
+          <p:cNvCxnSpPr>
+            <a:cxnSpLocks/>
+          </p:cNvCxnSpPr>
+          <p:nvPr/>
+        </p:nvCxnSpPr>
+        <p:spPr>
+          <a:xfrm>
+            <a:off x="3131840" y="44624"/>
+            <a:ext cx="0" cy="1512168"/>
+          </a:xfrm>
+          <a:prstGeom prst="line">
+            <a:avLst/>
+          </a:prstGeom>
+          <a:noFill/>
+          <a:ln w="28575">
+            <a:solidFill>
+              <a:srgbClr val="C00000"/>
+            </a:solidFill>
+          </a:ln>
+        </p:spPr>
+        <p:style>
+          <a:lnRef idx="2">
+            <a:schemeClr val="accent1">
+              <a:shade val="50000"/>
+            </a:schemeClr>
+          </a:lnRef>
+          <a:fillRef idx="1">
+            <a:schemeClr val="accent1"/>
+          </a:fillRef>
+          <a:effectRef idx="0">
+            <a:schemeClr val="accent1"/>
+          </a:effectRef>
+          <a:fontRef idx="minor">
+            <a:schemeClr val="lt1"/>
+          </a:fontRef>
+        </p:style>
+      </p:cxnSp>
+      <p:cxnSp>
+        <p:nvCxnSpPr>
+          <p:cNvPr id="98" name="Connecteur droit 97">
+            <a:extLst>
+              <a:ext uri="{FF2B5EF4-FFF2-40B4-BE49-F238E27FC236}">
+                <a16:creationId xmlns:a16="http://schemas.microsoft.com/office/drawing/2014/main" id="{04A19BE6-DF28-4819-9345-EC1A93EFBFBD}"/>
+              </a:ext>
+            </a:extLst>
+          </p:cNvPr>
           <p:cNvCxnSpPr/>
           <p:nvPr/>
         </p:nvCxnSpPr>
         <p:spPr>
           <a:xfrm>
-            <a:off x="1259632" y="188640"/>
-            <a:ext cx="0" cy="1686310"/>
+            <a:off x="3047965" y="44624"/>
+            <a:ext cx="168666" cy="0"/>
           </a:xfrm>
           <a:prstGeom prst="line">
             <a:avLst/>
@@ -5766,7 +6187,506 @@
           <a:noFill/>
           <a:ln w="28575">
             <a:solidFill>
+              <a:srgbClr val="C00000"/>
+            </a:solidFill>
+          </a:ln>
+        </p:spPr>
+        <p:style>
+          <a:lnRef idx="2">
+            <a:schemeClr val="accent1">
+              <a:shade val="50000"/>
+            </a:schemeClr>
+          </a:lnRef>
+          <a:fillRef idx="1">
+            <a:schemeClr val="accent1"/>
+          </a:fillRef>
+          <a:effectRef idx="0">
+            <a:schemeClr val="accent1"/>
+          </a:effectRef>
+          <a:fontRef idx="minor">
+            <a:schemeClr val="lt1"/>
+          </a:fontRef>
+        </p:style>
+      </p:cxnSp>
+      <p:cxnSp>
+        <p:nvCxnSpPr>
+          <p:cNvPr id="99" name="Connecteur droit 98">
+            <a:extLst>
+              <a:ext uri="{FF2B5EF4-FFF2-40B4-BE49-F238E27FC236}">
+                <a16:creationId xmlns:a16="http://schemas.microsoft.com/office/drawing/2014/main" id="{330DCDE1-A8E4-4CC9-90B2-2901968C4C06}"/>
+              </a:ext>
+            </a:extLst>
+          </p:cNvPr>
+          <p:cNvCxnSpPr/>
+          <p:nvPr/>
+        </p:nvCxnSpPr>
+        <p:spPr>
+          <a:xfrm>
+            <a:off x="3047965" y="1556792"/>
+            <a:ext cx="168666" cy="0"/>
+          </a:xfrm>
+          <a:prstGeom prst="line">
+            <a:avLst/>
+          </a:prstGeom>
+          <a:noFill/>
+          <a:ln w="28575">
+            <a:solidFill>
+              <a:srgbClr val="C00000"/>
+            </a:solidFill>
+          </a:ln>
+        </p:spPr>
+        <p:style>
+          <a:lnRef idx="2">
+            <a:schemeClr val="accent1">
+              <a:shade val="50000"/>
+            </a:schemeClr>
+          </a:lnRef>
+          <a:fillRef idx="1">
+            <a:schemeClr val="accent1"/>
+          </a:fillRef>
+          <a:effectRef idx="0">
+            <a:schemeClr val="accent1"/>
+          </a:effectRef>
+          <a:fontRef idx="minor">
+            <a:schemeClr val="lt1"/>
+          </a:fontRef>
+        </p:style>
+      </p:cxnSp>
+      <p:cxnSp>
+        <p:nvCxnSpPr>
+          <p:cNvPr id="102" name="Connecteur droit 101">
+            <a:extLst>
+              <a:ext uri="{FF2B5EF4-FFF2-40B4-BE49-F238E27FC236}">
+                <a16:creationId xmlns:a16="http://schemas.microsoft.com/office/drawing/2014/main" id="{8FDB9439-E197-4C7B-9067-B894BAEE9439}"/>
+              </a:ext>
+            </a:extLst>
+          </p:cNvPr>
+          <p:cNvCxnSpPr>
+            <a:cxnSpLocks/>
+          </p:cNvCxnSpPr>
+          <p:nvPr/>
+        </p:nvCxnSpPr>
+        <p:spPr>
+          <a:xfrm flipH="1">
+            <a:off x="3121207" y="4081225"/>
+            <a:ext cx="862060" cy="0"/>
+          </a:xfrm>
+          <a:prstGeom prst="line">
+            <a:avLst/>
+          </a:prstGeom>
+          <a:noFill/>
+          <a:ln w="28575">
+            <a:solidFill>
+              <a:schemeClr val="accent6">
+                <a:lumMod val="75000"/>
+              </a:schemeClr>
+            </a:solidFill>
+          </a:ln>
+        </p:spPr>
+        <p:style>
+          <a:lnRef idx="2">
+            <a:schemeClr val="accent1">
+              <a:shade val="50000"/>
+            </a:schemeClr>
+          </a:lnRef>
+          <a:fillRef idx="1">
+            <a:schemeClr val="accent1"/>
+          </a:fillRef>
+          <a:effectRef idx="0">
+            <a:schemeClr val="accent1"/>
+          </a:effectRef>
+          <a:fontRef idx="minor">
+            <a:schemeClr val="lt1"/>
+          </a:fontRef>
+        </p:style>
+      </p:cxnSp>
+      <p:grpSp>
+        <p:nvGrpSpPr>
+          <p:cNvPr id="2" name="Groupe 1">
+            <a:extLst>
+              <a:ext uri="{FF2B5EF4-FFF2-40B4-BE49-F238E27FC236}">
+                <a16:creationId xmlns:a16="http://schemas.microsoft.com/office/drawing/2014/main" id="{4C184993-780B-49C5-A401-9486098A27BE}"/>
+              </a:ext>
+            </a:extLst>
+          </p:cNvPr>
+          <p:cNvGrpSpPr/>
+          <p:nvPr/>
+        </p:nvGrpSpPr>
+        <p:grpSpPr>
+          <a:xfrm>
+            <a:off x="2267744" y="908720"/>
+            <a:ext cx="576064" cy="356620"/>
+            <a:chOff x="2842378" y="2096852"/>
+            <a:chExt cx="576064" cy="356620"/>
+          </a:xfrm>
+        </p:grpSpPr>
+        <p:sp>
+          <p:nvSpPr>
+            <p:cNvPr id="103" name="Forme libre 15">
+              <a:extLst>
+                <a:ext uri="{FF2B5EF4-FFF2-40B4-BE49-F238E27FC236}">
+                  <a16:creationId xmlns:a16="http://schemas.microsoft.com/office/drawing/2014/main" id="{E6D51E83-7EAD-440C-AE9C-BA61911BB1D2}"/>
+                </a:ext>
+              </a:extLst>
+            </p:cNvPr>
+            <p:cNvSpPr/>
+            <p:nvPr/>
+          </p:nvSpPr>
+          <p:spPr>
+            <a:xfrm>
+              <a:off x="2842378" y="2312876"/>
+              <a:ext cx="576064" cy="140596"/>
+            </a:xfrm>
+            <a:custGeom>
+              <a:avLst/>
+              <a:gdLst>
+                <a:gd name="connsiteX0" fmla="*/ 0 w 729276"/>
+                <a:gd name="connsiteY0" fmla="*/ 0 h 152951"/>
+                <a:gd name="connsiteX1" fmla="*/ 168294 w 729276"/>
+                <a:gd name="connsiteY1" fmla="*/ 134635 h 152951"/>
+                <a:gd name="connsiteX2" fmla="*/ 381467 w 729276"/>
+                <a:gd name="connsiteY2" fmla="*/ 84147 h 152951"/>
+                <a:gd name="connsiteX3" fmla="*/ 594640 w 729276"/>
+                <a:gd name="connsiteY3" fmla="*/ 151465 h 152951"/>
+                <a:gd name="connsiteX4" fmla="*/ 729276 w 729276"/>
+                <a:gd name="connsiteY4" fmla="*/ 5610 h 152951"/>
+                <a:gd name="connsiteX0" fmla="*/ 0 w 732876"/>
+                <a:gd name="connsiteY0" fmla="*/ 7459 h 160523"/>
+                <a:gd name="connsiteX1" fmla="*/ 168294 w 732876"/>
+                <a:gd name="connsiteY1" fmla="*/ 142094 h 160523"/>
+                <a:gd name="connsiteX2" fmla="*/ 381467 w 732876"/>
+                <a:gd name="connsiteY2" fmla="*/ 91606 h 160523"/>
+                <a:gd name="connsiteX3" fmla="*/ 594640 w 732876"/>
+                <a:gd name="connsiteY3" fmla="*/ 158924 h 160523"/>
+                <a:gd name="connsiteX4" fmla="*/ 719996 w 732876"/>
+                <a:gd name="connsiteY4" fmla="*/ 9693 h 160523"/>
+                <a:gd name="connsiteX5" fmla="*/ 729276 w 732876"/>
+                <a:gd name="connsiteY5" fmla="*/ 13069 h 160523"/>
+                <a:gd name="connsiteX0" fmla="*/ 0 w 732876"/>
+                <a:gd name="connsiteY0" fmla="*/ 7459 h 144116"/>
+                <a:gd name="connsiteX1" fmla="*/ 168294 w 732876"/>
+                <a:gd name="connsiteY1" fmla="*/ 142094 h 144116"/>
+                <a:gd name="connsiteX2" fmla="*/ 381467 w 732876"/>
+                <a:gd name="connsiteY2" fmla="*/ 91606 h 144116"/>
+                <a:gd name="connsiteX3" fmla="*/ 589488 w 732876"/>
+                <a:gd name="connsiteY3" fmla="*/ 135742 h 144116"/>
+                <a:gd name="connsiteX4" fmla="*/ 719996 w 732876"/>
+                <a:gd name="connsiteY4" fmla="*/ 9693 h 144116"/>
+                <a:gd name="connsiteX5" fmla="*/ 729276 w 732876"/>
+                <a:gd name="connsiteY5" fmla="*/ 13069 h 144116"/>
+                <a:gd name="connsiteX0" fmla="*/ 0 w 731506"/>
+                <a:gd name="connsiteY0" fmla="*/ 0 h 136657"/>
+                <a:gd name="connsiteX1" fmla="*/ 168294 w 731506"/>
+                <a:gd name="connsiteY1" fmla="*/ 134635 h 136657"/>
+                <a:gd name="connsiteX2" fmla="*/ 381467 w 731506"/>
+                <a:gd name="connsiteY2" fmla="*/ 84147 h 136657"/>
+                <a:gd name="connsiteX3" fmla="*/ 589488 w 731506"/>
+                <a:gd name="connsiteY3" fmla="*/ 128283 h 136657"/>
+                <a:gd name="connsiteX4" fmla="*/ 717420 w 731506"/>
+                <a:gd name="connsiteY4" fmla="*/ 35719 h 136657"/>
+                <a:gd name="connsiteX5" fmla="*/ 729276 w 731506"/>
+                <a:gd name="connsiteY5" fmla="*/ 5610 h 136657"/>
+                <a:gd name="connsiteX0" fmla="*/ 0 w 729276"/>
+                <a:gd name="connsiteY0" fmla="*/ 0 h 136657"/>
+                <a:gd name="connsiteX1" fmla="*/ 168294 w 729276"/>
+                <a:gd name="connsiteY1" fmla="*/ 134635 h 136657"/>
+                <a:gd name="connsiteX2" fmla="*/ 381467 w 729276"/>
+                <a:gd name="connsiteY2" fmla="*/ 84147 h 136657"/>
+                <a:gd name="connsiteX3" fmla="*/ 589488 w 729276"/>
+                <a:gd name="connsiteY3" fmla="*/ 128283 h 136657"/>
+                <a:gd name="connsiteX4" fmla="*/ 631695 w 729276"/>
+                <a:gd name="connsiteY4" fmla="*/ 59532 h 136657"/>
+                <a:gd name="connsiteX5" fmla="*/ 729276 w 729276"/>
+                <a:gd name="connsiteY5" fmla="*/ 5610 h 136657"/>
+                <a:gd name="connsiteX0" fmla="*/ 0 w 729276"/>
+                <a:gd name="connsiteY0" fmla="*/ 0 h 136657"/>
+                <a:gd name="connsiteX1" fmla="*/ 168294 w 729276"/>
+                <a:gd name="connsiteY1" fmla="*/ 134635 h 136657"/>
+                <a:gd name="connsiteX2" fmla="*/ 381467 w 729276"/>
+                <a:gd name="connsiteY2" fmla="*/ 84147 h 136657"/>
+                <a:gd name="connsiteX3" fmla="*/ 589488 w 729276"/>
+                <a:gd name="connsiteY3" fmla="*/ 128283 h 136657"/>
+                <a:gd name="connsiteX4" fmla="*/ 729276 w 729276"/>
+                <a:gd name="connsiteY4" fmla="*/ 5610 h 136657"/>
+                <a:gd name="connsiteX0" fmla="*/ 0 w 729276"/>
+                <a:gd name="connsiteY0" fmla="*/ 0 h 136657"/>
+                <a:gd name="connsiteX1" fmla="*/ 168294 w 729276"/>
+                <a:gd name="connsiteY1" fmla="*/ 134635 h 136657"/>
+                <a:gd name="connsiteX2" fmla="*/ 381467 w 729276"/>
+                <a:gd name="connsiteY2" fmla="*/ 84147 h 136657"/>
+                <a:gd name="connsiteX3" fmla="*/ 589488 w 729276"/>
+                <a:gd name="connsiteY3" fmla="*/ 128283 h 136657"/>
+                <a:gd name="connsiteX4" fmla="*/ 729276 w 729276"/>
+                <a:gd name="connsiteY4" fmla="*/ 5610 h 136657"/>
+                <a:gd name="connsiteX0" fmla="*/ 0 w 729276"/>
+                <a:gd name="connsiteY0" fmla="*/ 0 h 141857"/>
+                <a:gd name="connsiteX1" fmla="*/ 168294 w 729276"/>
+                <a:gd name="connsiteY1" fmla="*/ 134635 h 141857"/>
+                <a:gd name="connsiteX2" fmla="*/ 381467 w 729276"/>
+                <a:gd name="connsiteY2" fmla="*/ 84147 h 141857"/>
+                <a:gd name="connsiteX3" fmla="*/ 577581 w 729276"/>
+                <a:gd name="connsiteY3" fmla="*/ 140189 h 141857"/>
+                <a:gd name="connsiteX4" fmla="*/ 729276 w 729276"/>
+                <a:gd name="connsiteY4" fmla="*/ 5610 h 141857"/>
+                <a:gd name="connsiteX0" fmla="*/ 0 w 729276"/>
+                <a:gd name="connsiteY0" fmla="*/ 0 h 140596"/>
+                <a:gd name="connsiteX1" fmla="*/ 168294 w 729276"/>
+                <a:gd name="connsiteY1" fmla="*/ 134635 h 140596"/>
+                <a:gd name="connsiteX2" fmla="*/ 381467 w 729276"/>
+                <a:gd name="connsiteY2" fmla="*/ 84147 h 140596"/>
+                <a:gd name="connsiteX3" fmla="*/ 577581 w 729276"/>
+                <a:gd name="connsiteY3" fmla="*/ 140189 h 140596"/>
+                <a:gd name="connsiteX4" fmla="*/ 729276 w 729276"/>
+                <a:gd name="connsiteY4" fmla="*/ 5610 h 140596"/>
+              </a:gdLst>
+              <a:ahLst/>
+              <a:cxnLst>
+                <a:cxn ang="0">
+                  <a:pos x="connsiteX0" y="connsiteY0"/>
+                </a:cxn>
+                <a:cxn ang="0">
+                  <a:pos x="connsiteX1" y="connsiteY1"/>
+                </a:cxn>
+                <a:cxn ang="0">
+                  <a:pos x="connsiteX2" y="connsiteY2"/>
+                </a:cxn>
+                <a:cxn ang="0">
+                  <a:pos x="connsiteX3" y="connsiteY3"/>
+                </a:cxn>
+                <a:cxn ang="0">
+                  <a:pos x="connsiteX4" y="connsiteY4"/>
+                </a:cxn>
+              </a:cxnLst>
+              <a:rect l="l" t="t" r="r" b="b"/>
+              <a:pathLst>
+                <a:path w="729276" h="140596">
+                  <a:moveTo>
+                    <a:pt x="0" y="0"/>
+                  </a:moveTo>
+                  <a:cubicBezTo>
+                    <a:pt x="52358" y="60305"/>
+                    <a:pt x="104716" y="120611"/>
+                    <a:pt x="168294" y="134635"/>
+                  </a:cubicBezTo>
+                  <a:cubicBezTo>
+                    <a:pt x="231872" y="148659"/>
+                    <a:pt x="313253" y="83221"/>
+                    <a:pt x="381467" y="84147"/>
+                  </a:cubicBezTo>
+                  <a:cubicBezTo>
+                    <a:pt x="449681" y="85073"/>
+                    <a:pt x="526757" y="146134"/>
+                    <a:pt x="577581" y="140189"/>
+                  </a:cubicBezTo>
+                  <a:cubicBezTo>
+                    <a:pt x="628405" y="134244"/>
+                    <a:pt x="673961" y="78792"/>
+                    <a:pt x="729276" y="5610"/>
+                  </a:cubicBezTo>
+                </a:path>
+              </a:pathLst>
+            </a:custGeom>
+            <a:solidFill>
+              <a:schemeClr val="bg1">
+                <a:lumMod val="85000"/>
+              </a:schemeClr>
+            </a:solidFill>
+            <a:ln w="12700">
+              <a:solidFill>
+                <a:schemeClr val="tx1"/>
+              </a:solidFill>
+            </a:ln>
+          </p:spPr>
+          <p:style>
+            <a:lnRef idx="1">
+              <a:schemeClr val="accent1"/>
+            </a:lnRef>
+            <a:fillRef idx="0">
+              <a:schemeClr val="accent1"/>
+            </a:fillRef>
+            <a:effectRef idx="0">
+              <a:schemeClr val="accent1"/>
+            </a:effectRef>
+            <a:fontRef idx="minor">
               <a:schemeClr val="tx1"/>
+            </a:fontRef>
+          </p:style>
+          <p:txBody>
+            <a:bodyPr rtlCol="0" anchor="ctr"/>
+            <a:lstStyle/>
+            <a:p>
+              <a:pPr algn="ctr"/>
+              <a:endParaRPr lang="fr-FR"/>
+            </a:p>
+          </p:txBody>
+        </p:sp>
+        <p:cxnSp>
+          <p:nvCxnSpPr>
+            <p:cNvPr id="104" name="Connecteur droit 103">
+              <a:extLst>
+                <a:ext uri="{FF2B5EF4-FFF2-40B4-BE49-F238E27FC236}">
+                  <a16:creationId xmlns:a16="http://schemas.microsoft.com/office/drawing/2014/main" id="{3F508943-A7A2-42B5-84B0-CA948799282A}"/>
+                </a:ext>
+              </a:extLst>
+            </p:cNvPr>
+            <p:cNvCxnSpPr/>
+            <p:nvPr/>
+          </p:nvCxnSpPr>
+          <p:spPr>
+            <a:xfrm>
+              <a:off x="3130410" y="2096852"/>
+              <a:ext cx="0" cy="216024"/>
+            </a:xfrm>
+            <a:prstGeom prst="line">
+              <a:avLst/>
+            </a:prstGeom>
+            <a:noFill/>
+            <a:ln w="28575">
+              <a:solidFill>
+                <a:schemeClr val="tx1"/>
+              </a:solidFill>
+            </a:ln>
+          </p:spPr>
+          <p:style>
+            <a:lnRef idx="2">
+              <a:schemeClr val="accent1">
+                <a:shade val="50000"/>
+              </a:schemeClr>
+            </a:lnRef>
+            <a:fillRef idx="1">
+              <a:schemeClr val="accent1"/>
+            </a:fillRef>
+            <a:effectRef idx="0">
+              <a:schemeClr val="accent1"/>
+            </a:effectRef>
+            <a:fontRef idx="minor">
+              <a:schemeClr val="lt1"/>
+            </a:fontRef>
+          </p:style>
+        </p:cxnSp>
+        <p:cxnSp>
+          <p:nvCxnSpPr>
+            <p:cNvPr id="105" name="Connecteur droit 104">
+              <a:extLst>
+                <a:ext uri="{FF2B5EF4-FFF2-40B4-BE49-F238E27FC236}">
+                  <a16:creationId xmlns:a16="http://schemas.microsoft.com/office/drawing/2014/main" id="{C7B430BD-0825-4ED6-9C27-92E7003022CA}"/>
+                </a:ext>
+              </a:extLst>
+            </p:cNvPr>
+            <p:cNvCxnSpPr/>
+            <p:nvPr/>
+          </p:nvCxnSpPr>
+          <p:spPr>
+            <a:xfrm>
+              <a:off x="2842378" y="2312876"/>
+              <a:ext cx="576064" cy="0"/>
+            </a:xfrm>
+            <a:prstGeom prst="line">
+              <a:avLst/>
+            </a:prstGeom>
+            <a:noFill/>
+            <a:ln w="28575">
+              <a:solidFill>
+                <a:schemeClr val="tx1"/>
+              </a:solidFill>
+            </a:ln>
+          </p:spPr>
+          <p:style>
+            <a:lnRef idx="2">
+              <a:schemeClr val="accent1">
+                <a:shade val="50000"/>
+              </a:schemeClr>
+            </a:lnRef>
+            <a:fillRef idx="1">
+              <a:schemeClr val="accent1"/>
+            </a:fillRef>
+            <a:effectRef idx="0">
+              <a:schemeClr val="accent1"/>
+            </a:effectRef>
+            <a:fontRef idx="minor">
+              <a:schemeClr val="lt1"/>
+            </a:fontRef>
+          </p:style>
+        </p:cxnSp>
+      </p:grpSp>
+      <p:sp>
+        <p:nvSpPr>
+          <p:cNvPr id="106" name="Rectangle 105">
+            <a:extLst>
+              <a:ext uri="{FF2B5EF4-FFF2-40B4-BE49-F238E27FC236}">
+                <a16:creationId xmlns:a16="http://schemas.microsoft.com/office/drawing/2014/main" id="{CD5C1286-5B9E-4B23-BAC5-7598E3A493ED}"/>
+              </a:ext>
+            </a:extLst>
+          </p:cNvPr>
+          <p:cNvSpPr/>
+          <p:nvPr/>
+        </p:nvSpPr>
+        <p:spPr>
+          <a:xfrm>
+            <a:off x="4356035" y="1886078"/>
+            <a:ext cx="432048" cy="216024"/>
+          </a:xfrm>
+          <a:prstGeom prst="rect">
+            <a:avLst/>
+          </a:prstGeom>
+          <a:noFill/>
+          <a:ln w="28575">
+            <a:solidFill>
+              <a:schemeClr val="tx1"/>
+            </a:solidFill>
+          </a:ln>
+        </p:spPr>
+        <p:style>
+          <a:lnRef idx="2">
+            <a:schemeClr val="accent1">
+              <a:shade val="50000"/>
+            </a:schemeClr>
+          </a:lnRef>
+          <a:fillRef idx="1">
+            <a:schemeClr val="accent1"/>
+          </a:fillRef>
+          <a:effectRef idx="0">
+            <a:schemeClr val="accent1"/>
+          </a:effectRef>
+          <a:fontRef idx="minor">
+            <a:schemeClr val="lt1"/>
+          </a:fontRef>
+        </p:style>
+        <p:txBody>
+          <a:bodyPr rtlCol="0" anchor="ctr"/>
+          <a:lstStyle/>
+          <a:p>
+            <a:pPr algn="ctr"/>
+            <a:endParaRPr lang="fr-FR"/>
+          </a:p>
+        </p:txBody>
+      </p:sp>
+      <p:cxnSp>
+        <p:nvCxnSpPr>
+          <p:cNvPr id="108" name="Connecteur droit 107">
+            <a:extLst>
+              <a:ext uri="{FF2B5EF4-FFF2-40B4-BE49-F238E27FC236}">
+                <a16:creationId xmlns:a16="http://schemas.microsoft.com/office/drawing/2014/main" id="{36269014-04E4-4726-8E8F-7FE958D310B5}"/>
+              </a:ext>
+            </a:extLst>
+          </p:cNvPr>
+          <p:cNvCxnSpPr/>
+          <p:nvPr/>
+        </p:nvCxnSpPr>
+        <p:spPr>
+          <a:xfrm>
+            <a:off x="4860150" y="1883549"/>
+            <a:ext cx="0" cy="216024"/>
+          </a:xfrm>
+          <a:prstGeom prst="line">
+            <a:avLst/>
+          </a:prstGeom>
+          <a:noFill/>
+          <a:ln w="28575">
+            <a:solidFill>
+              <a:schemeClr val="accent6">
+                <a:lumMod val="75000"/>
+              </a:schemeClr>
             </a:solidFill>
           </a:ln>
         </p:spPr>
@@ -5787,18 +6707,382 @@
           </a:fontRef>
         </p:style>
       </p:cxnSp>
+      <p:sp>
+        <p:nvSpPr>
+          <p:cNvPr id="109" name="Forme libre 15">
+            <a:extLst>
+              <a:ext uri="{FF2B5EF4-FFF2-40B4-BE49-F238E27FC236}">
+                <a16:creationId xmlns:a16="http://schemas.microsoft.com/office/drawing/2014/main" id="{3258170A-3F00-4CE1-9109-15F651C2C2FC}"/>
+              </a:ext>
+            </a:extLst>
+          </p:cNvPr>
+          <p:cNvSpPr/>
+          <p:nvPr/>
+        </p:nvSpPr>
+        <p:spPr>
+          <a:xfrm>
+            <a:off x="4283968" y="2318126"/>
+            <a:ext cx="576064" cy="140596"/>
+          </a:xfrm>
+          <a:custGeom>
+            <a:avLst/>
+            <a:gdLst>
+              <a:gd name="connsiteX0" fmla="*/ 0 w 729276"/>
+              <a:gd name="connsiteY0" fmla="*/ 0 h 152951"/>
+              <a:gd name="connsiteX1" fmla="*/ 168294 w 729276"/>
+              <a:gd name="connsiteY1" fmla="*/ 134635 h 152951"/>
+              <a:gd name="connsiteX2" fmla="*/ 381467 w 729276"/>
+              <a:gd name="connsiteY2" fmla="*/ 84147 h 152951"/>
+              <a:gd name="connsiteX3" fmla="*/ 594640 w 729276"/>
+              <a:gd name="connsiteY3" fmla="*/ 151465 h 152951"/>
+              <a:gd name="connsiteX4" fmla="*/ 729276 w 729276"/>
+              <a:gd name="connsiteY4" fmla="*/ 5610 h 152951"/>
+              <a:gd name="connsiteX0" fmla="*/ 0 w 732876"/>
+              <a:gd name="connsiteY0" fmla="*/ 7459 h 160523"/>
+              <a:gd name="connsiteX1" fmla="*/ 168294 w 732876"/>
+              <a:gd name="connsiteY1" fmla="*/ 142094 h 160523"/>
+              <a:gd name="connsiteX2" fmla="*/ 381467 w 732876"/>
+              <a:gd name="connsiteY2" fmla="*/ 91606 h 160523"/>
+              <a:gd name="connsiteX3" fmla="*/ 594640 w 732876"/>
+              <a:gd name="connsiteY3" fmla="*/ 158924 h 160523"/>
+              <a:gd name="connsiteX4" fmla="*/ 719996 w 732876"/>
+              <a:gd name="connsiteY4" fmla="*/ 9693 h 160523"/>
+              <a:gd name="connsiteX5" fmla="*/ 729276 w 732876"/>
+              <a:gd name="connsiteY5" fmla="*/ 13069 h 160523"/>
+              <a:gd name="connsiteX0" fmla="*/ 0 w 732876"/>
+              <a:gd name="connsiteY0" fmla="*/ 7459 h 144116"/>
+              <a:gd name="connsiteX1" fmla="*/ 168294 w 732876"/>
+              <a:gd name="connsiteY1" fmla="*/ 142094 h 144116"/>
+              <a:gd name="connsiteX2" fmla="*/ 381467 w 732876"/>
+              <a:gd name="connsiteY2" fmla="*/ 91606 h 144116"/>
+              <a:gd name="connsiteX3" fmla="*/ 589488 w 732876"/>
+              <a:gd name="connsiteY3" fmla="*/ 135742 h 144116"/>
+              <a:gd name="connsiteX4" fmla="*/ 719996 w 732876"/>
+              <a:gd name="connsiteY4" fmla="*/ 9693 h 144116"/>
+              <a:gd name="connsiteX5" fmla="*/ 729276 w 732876"/>
+              <a:gd name="connsiteY5" fmla="*/ 13069 h 144116"/>
+              <a:gd name="connsiteX0" fmla="*/ 0 w 731506"/>
+              <a:gd name="connsiteY0" fmla="*/ 0 h 136657"/>
+              <a:gd name="connsiteX1" fmla="*/ 168294 w 731506"/>
+              <a:gd name="connsiteY1" fmla="*/ 134635 h 136657"/>
+              <a:gd name="connsiteX2" fmla="*/ 381467 w 731506"/>
+              <a:gd name="connsiteY2" fmla="*/ 84147 h 136657"/>
+              <a:gd name="connsiteX3" fmla="*/ 589488 w 731506"/>
+              <a:gd name="connsiteY3" fmla="*/ 128283 h 136657"/>
+              <a:gd name="connsiteX4" fmla="*/ 717420 w 731506"/>
+              <a:gd name="connsiteY4" fmla="*/ 35719 h 136657"/>
+              <a:gd name="connsiteX5" fmla="*/ 729276 w 731506"/>
+              <a:gd name="connsiteY5" fmla="*/ 5610 h 136657"/>
+              <a:gd name="connsiteX0" fmla="*/ 0 w 729276"/>
+              <a:gd name="connsiteY0" fmla="*/ 0 h 136657"/>
+              <a:gd name="connsiteX1" fmla="*/ 168294 w 729276"/>
+              <a:gd name="connsiteY1" fmla="*/ 134635 h 136657"/>
+              <a:gd name="connsiteX2" fmla="*/ 381467 w 729276"/>
+              <a:gd name="connsiteY2" fmla="*/ 84147 h 136657"/>
+              <a:gd name="connsiteX3" fmla="*/ 589488 w 729276"/>
+              <a:gd name="connsiteY3" fmla="*/ 128283 h 136657"/>
+              <a:gd name="connsiteX4" fmla="*/ 631695 w 729276"/>
+              <a:gd name="connsiteY4" fmla="*/ 59532 h 136657"/>
+              <a:gd name="connsiteX5" fmla="*/ 729276 w 729276"/>
+              <a:gd name="connsiteY5" fmla="*/ 5610 h 136657"/>
+              <a:gd name="connsiteX0" fmla="*/ 0 w 729276"/>
+              <a:gd name="connsiteY0" fmla="*/ 0 h 136657"/>
+              <a:gd name="connsiteX1" fmla="*/ 168294 w 729276"/>
+              <a:gd name="connsiteY1" fmla="*/ 134635 h 136657"/>
+              <a:gd name="connsiteX2" fmla="*/ 381467 w 729276"/>
+              <a:gd name="connsiteY2" fmla="*/ 84147 h 136657"/>
+              <a:gd name="connsiteX3" fmla="*/ 589488 w 729276"/>
+              <a:gd name="connsiteY3" fmla="*/ 128283 h 136657"/>
+              <a:gd name="connsiteX4" fmla="*/ 729276 w 729276"/>
+              <a:gd name="connsiteY4" fmla="*/ 5610 h 136657"/>
+              <a:gd name="connsiteX0" fmla="*/ 0 w 729276"/>
+              <a:gd name="connsiteY0" fmla="*/ 0 h 136657"/>
+              <a:gd name="connsiteX1" fmla="*/ 168294 w 729276"/>
+              <a:gd name="connsiteY1" fmla="*/ 134635 h 136657"/>
+              <a:gd name="connsiteX2" fmla="*/ 381467 w 729276"/>
+              <a:gd name="connsiteY2" fmla="*/ 84147 h 136657"/>
+              <a:gd name="connsiteX3" fmla="*/ 589488 w 729276"/>
+              <a:gd name="connsiteY3" fmla="*/ 128283 h 136657"/>
+              <a:gd name="connsiteX4" fmla="*/ 729276 w 729276"/>
+              <a:gd name="connsiteY4" fmla="*/ 5610 h 136657"/>
+              <a:gd name="connsiteX0" fmla="*/ 0 w 729276"/>
+              <a:gd name="connsiteY0" fmla="*/ 0 h 141857"/>
+              <a:gd name="connsiteX1" fmla="*/ 168294 w 729276"/>
+              <a:gd name="connsiteY1" fmla="*/ 134635 h 141857"/>
+              <a:gd name="connsiteX2" fmla="*/ 381467 w 729276"/>
+              <a:gd name="connsiteY2" fmla="*/ 84147 h 141857"/>
+              <a:gd name="connsiteX3" fmla="*/ 577581 w 729276"/>
+              <a:gd name="connsiteY3" fmla="*/ 140189 h 141857"/>
+              <a:gd name="connsiteX4" fmla="*/ 729276 w 729276"/>
+              <a:gd name="connsiteY4" fmla="*/ 5610 h 141857"/>
+              <a:gd name="connsiteX0" fmla="*/ 0 w 729276"/>
+              <a:gd name="connsiteY0" fmla="*/ 0 h 140596"/>
+              <a:gd name="connsiteX1" fmla="*/ 168294 w 729276"/>
+              <a:gd name="connsiteY1" fmla="*/ 134635 h 140596"/>
+              <a:gd name="connsiteX2" fmla="*/ 381467 w 729276"/>
+              <a:gd name="connsiteY2" fmla="*/ 84147 h 140596"/>
+              <a:gd name="connsiteX3" fmla="*/ 577581 w 729276"/>
+              <a:gd name="connsiteY3" fmla="*/ 140189 h 140596"/>
+              <a:gd name="connsiteX4" fmla="*/ 729276 w 729276"/>
+              <a:gd name="connsiteY4" fmla="*/ 5610 h 140596"/>
+            </a:gdLst>
+            <a:ahLst/>
+            <a:cxnLst>
+              <a:cxn ang="0">
+                <a:pos x="connsiteX0" y="connsiteY0"/>
+              </a:cxn>
+              <a:cxn ang="0">
+                <a:pos x="connsiteX1" y="connsiteY1"/>
+              </a:cxn>
+              <a:cxn ang="0">
+                <a:pos x="connsiteX2" y="connsiteY2"/>
+              </a:cxn>
+              <a:cxn ang="0">
+                <a:pos x="connsiteX3" y="connsiteY3"/>
+              </a:cxn>
+              <a:cxn ang="0">
+                <a:pos x="connsiteX4" y="connsiteY4"/>
+              </a:cxn>
+            </a:cxnLst>
+            <a:rect l="l" t="t" r="r" b="b"/>
+            <a:pathLst>
+              <a:path w="729276" h="140596">
+                <a:moveTo>
+                  <a:pt x="0" y="0"/>
+                </a:moveTo>
+                <a:cubicBezTo>
+                  <a:pt x="52358" y="60305"/>
+                  <a:pt x="104716" y="120611"/>
+                  <a:pt x="168294" y="134635"/>
+                </a:cubicBezTo>
+                <a:cubicBezTo>
+                  <a:pt x="231872" y="148659"/>
+                  <a:pt x="313253" y="83221"/>
+                  <a:pt x="381467" y="84147"/>
+                </a:cubicBezTo>
+                <a:cubicBezTo>
+                  <a:pt x="449681" y="85073"/>
+                  <a:pt x="526757" y="146134"/>
+                  <a:pt x="577581" y="140189"/>
+                </a:cubicBezTo>
+                <a:cubicBezTo>
+                  <a:pt x="628405" y="134244"/>
+                  <a:pt x="673961" y="78792"/>
+                  <a:pt x="729276" y="5610"/>
+                </a:cubicBezTo>
+              </a:path>
+            </a:pathLst>
+          </a:custGeom>
+          <a:solidFill>
+            <a:schemeClr val="bg1">
+              <a:lumMod val="85000"/>
+            </a:schemeClr>
+          </a:solidFill>
+          <a:ln w="12700">
+            <a:solidFill>
+              <a:schemeClr val="tx1"/>
+            </a:solidFill>
+          </a:ln>
+        </p:spPr>
+        <p:style>
+          <a:lnRef idx="1">
+            <a:schemeClr val="accent1"/>
+          </a:lnRef>
+          <a:fillRef idx="0">
+            <a:schemeClr val="accent1"/>
+          </a:fillRef>
+          <a:effectRef idx="0">
+            <a:schemeClr val="accent1"/>
+          </a:effectRef>
+          <a:fontRef idx="minor">
+            <a:schemeClr val="tx1"/>
+          </a:fontRef>
+        </p:style>
+        <p:txBody>
+          <a:bodyPr rtlCol="0" anchor="ctr"/>
+          <a:lstStyle/>
+          <a:p>
+            <a:pPr algn="ctr"/>
+            <a:endParaRPr lang="fr-FR"/>
+          </a:p>
+        </p:txBody>
+      </p:sp>
+      <p:cxnSp>
+        <p:nvCxnSpPr>
+          <p:cNvPr id="110" name="Connecteur droit 109">
+            <a:extLst>
+              <a:ext uri="{FF2B5EF4-FFF2-40B4-BE49-F238E27FC236}">
+                <a16:creationId xmlns:a16="http://schemas.microsoft.com/office/drawing/2014/main" id="{7B1C8CA4-EDF0-45DE-A7E7-DD49B97320CF}"/>
+              </a:ext>
+            </a:extLst>
+          </p:cNvPr>
+          <p:cNvCxnSpPr/>
+          <p:nvPr/>
+        </p:nvCxnSpPr>
+        <p:spPr>
+          <a:xfrm>
+            <a:off x="4572000" y="2102102"/>
+            <a:ext cx="0" cy="216024"/>
+          </a:xfrm>
+          <a:prstGeom prst="line">
+            <a:avLst/>
+          </a:prstGeom>
+          <a:noFill/>
+          <a:ln w="28575">
+            <a:solidFill>
+              <a:schemeClr val="tx1"/>
+            </a:solidFill>
+          </a:ln>
+        </p:spPr>
+        <p:style>
+          <a:lnRef idx="2">
+            <a:schemeClr val="accent1">
+              <a:shade val="50000"/>
+            </a:schemeClr>
+          </a:lnRef>
+          <a:fillRef idx="1">
+            <a:schemeClr val="accent1"/>
+          </a:fillRef>
+          <a:effectRef idx="0">
+            <a:schemeClr val="accent1"/>
+          </a:effectRef>
+          <a:fontRef idx="minor">
+            <a:schemeClr val="lt1"/>
+          </a:fontRef>
+        </p:style>
+      </p:cxnSp>
+      <p:cxnSp>
+        <p:nvCxnSpPr>
+          <p:cNvPr id="111" name="Connecteur droit 110">
+            <a:extLst>
+              <a:ext uri="{FF2B5EF4-FFF2-40B4-BE49-F238E27FC236}">
+                <a16:creationId xmlns:a16="http://schemas.microsoft.com/office/drawing/2014/main" id="{A6A41C51-2B30-41AA-B976-717AB0919A64}"/>
+              </a:ext>
+            </a:extLst>
+          </p:cNvPr>
+          <p:cNvCxnSpPr/>
+          <p:nvPr/>
+        </p:nvCxnSpPr>
+        <p:spPr>
+          <a:xfrm>
+            <a:off x="4283968" y="2318126"/>
+            <a:ext cx="576064" cy="0"/>
+          </a:xfrm>
+          <a:prstGeom prst="line">
+            <a:avLst/>
+          </a:prstGeom>
+          <a:noFill/>
+          <a:ln w="28575">
+            <a:solidFill>
+              <a:schemeClr val="tx1"/>
+            </a:solidFill>
+          </a:ln>
+        </p:spPr>
+        <p:style>
+          <a:lnRef idx="2">
+            <a:schemeClr val="accent1">
+              <a:shade val="50000"/>
+            </a:schemeClr>
+          </a:lnRef>
+          <a:fillRef idx="1">
+            <a:schemeClr val="accent1"/>
+          </a:fillRef>
+          <a:effectRef idx="0">
+            <a:schemeClr val="accent1"/>
+          </a:effectRef>
+          <a:fontRef idx="minor">
+            <a:schemeClr val="lt1"/>
+          </a:fontRef>
+        </p:style>
+      </p:cxnSp>
+      <p:sp>
+        <p:nvSpPr>
+          <p:cNvPr id="113" name="Ellipse 112">
+            <a:extLst>
+              <a:ext uri="{FF2B5EF4-FFF2-40B4-BE49-F238E27FC236}">
+                <a16:creationId xmlns:a16="http://schemas.microsoft.com/office/drawing/2014/main" id="{479406BC-B134-4B34-8DBC-5930291CC0E7}"/>
+              </a:ext>
+            </a:extLst>
+          </p:cNvPr>
+          <p:cNvSpPr/>
+          <p:nvPr/>
+        </p:nvSpPr>
+        <p:spPr>
+          <a:xfrm>
+            <a:off x="3562142" y="3730142"/>
+            <a:ext cx="276999" cy="276999"/>
+          </a:xfrm>
+          <a:prstGeom prst="ellipse">
+            <a:avLst/>
+          </a:prstGeom>
+          <a:noFill/>
+          <a:ln w="28575">
+            <a:solidFill>
+              <a:schemeClr val="accent6">
+                <a:lumMod val="75000"/>
+              </a:schemeClr>
+            </a:solidFill>
+          </a:ln>
+        </p:spPr>
+        <p:style>
+          <a:lnRef idx="2">
+            <a:schemeClr val="accent1">
+              <a:shade val="50000"/>
+            </a:schemeClr>
+          </a:lnRef>
+          <a:fillRef idx="1">
+            <a:schemeClr val="accent1"/>
+          </a:fillRef>
+          <a:effectRef idx="0">
+            <a:schemeClr val="accent1"/>
+          </a:effectRef>
+          <a:fontRef idx="minor">
+            <a:schemeClr val="lt1"/>
+          </a:fontRef>
+        </p:style>
+        <p:txBody>
+          <a:bodyPr lIns="0" tIns="0" rIns="0" bIns="0" rtlCol="0" anchor="ctr"/>
+          <a:lstStyle/>
+          <a:p>
+            <a:pPr algn="ctr"/>
+            <a:r>
+              <a:rPr lang="fr-FR" sz="1400" dirty="0">
+                <a:ln>
+                  <a:solidFill>
+                    <a:schemeClr val="accent6">
+                      <a:lumMod val="75000"/>
+                    </a:schemeClr>
+                  </a:solidFill>
+                </a:ln>
+                <a:solidFill>
+                  <a:schemeClr val="accent6">
+                    <a:lumMod val="75000"/>
+                  </a:schemeClr>
+                </a:solidFill>
+              </a:rPr>
+              <a:t>4</a:t>
+            </a:r>
+          </a:p>
+        </p:txBody>
+      </p:sp>
       <mc:AlternateContent xmlns:mc="http://schemas.openxmlformats.org/markup-compatibility/2006" xmlns:a14="http://schemas.microsoft.com/office/drawing/2010/main">
         <mc:Choice Requires="a14">
           <p:sp>
             <p:nvSpPr>
-              <p:cNvPr id="44" name="ZoneTexte 43"/>
+              <p:cNvPr id="51" name="ZoneTexte 50">
+                <a:extLst>
+                  <a:ext uri="{FF2B5EF4-FFF2-40B4-BE49-F238E27FC236}">
+                    <a16:creationId xmlns:a16="http://schemas.microsoft.com/office/drawing/2014/main" id="{12B7179E-29B0-4C3C-B4A3-DA7396DC0A73}"/>
+                  </a:ext>
+                </a:extLst>
+              </p:cNvPr>
               <p:cNvSpPr txBox="1"/>
               <p:nvPr/>
             </p:nvSpPr>
             <p:spPr>
               <a:xfrm>
-                <a:off x="2021480" y="1850340"/>
-                <a:ext cx="322524" cy="276999"/>
+                <a:off x="1792550" y="3356992"/>
+                <a:ext cx="391454" cy="276999"/>
               </a:xfrm>
               <a:prstGeom prst="rect">
                 <a:avLst/>
@@ -5818,12 +7102,31 @@
                       <m:jc m:val="centerGroup"/>
                     </m:oMathParaPr>
                     <m:oMath xmlns:m="http://schemas.openxmlformats.org/officeDocument/2006/math">
-                      <m:r>
-                        <a:rPr lang="fr-FR" sz="1200" b="1" i="1" smtClean="0">
-                          <a:latin typeface="Cambria Math"/>
-                        </a:rPr>
-                        <m:t>𝑨</m:t>
-                      </m:r>
+                      <m:sSub>
+                        <m:sSubPr>
+                          <m:ctrlPr>
+                            <a:rPr lang="fr-FR" sz="1200" b="1" i="1" smtClean="0">
+                              <a:latin typeface="Cambria Math" panose="02040503050406030204" pitchFamily="18" charset="0"/>
+                            </a:rPr>
+                          </m:ctrlPr>
+                        </m:sSubPr>
+                        <m:e>
+                          <m:r>
+                            <a:rPr lang="fr-FR" sz="1200" b="1" i="1" smtClean="0">
+                              <a:latin typeface="Cambria Math" panose="02040503050406030204" pitchFamily="18" charset="0"/>
+                            </a:rPr>
+                            <m:t>𝒁</m:t>
+                          </m:r>
+                        </m:e>
+                        <m:sub>
+                          <m:r>
+                            <a:rPr lang="fr-FR" sz="1200" b="1" i="1" smtClean="0">
+                              <a:latin typeface="Cambria Math" panose="02040503050406030204" pitchFamily="18" charset="0"/>
+                            </a:rPr>
+                            <m:t>𝟏</m:t>
+                          </m:r>
+                        </m:sub>
+                      </m:sSub>
                     </m:oMath>
                   </m:oMathPara>
                 </a14:m>
@@ -5835,7 +7138,13 @@
         <mc:Fallback xmlns="">
           <p:sp>
             <p:nvSpPr>
-              <p:cNvPr id="44" name="ZoneTexte 43"/>
+              <p:cNvPr id="51" name="ZoneTexte 50">
+                <a:extLst>
+                  <a:ext uri="{FF2B5EF4-FFF2-40B4-BE49-F238E27FC236}">
+                    <a16:creationId xmlns:a16="http://schemas.microsoft.com/office/drawing/2014/main" id="{12B7179E-29B0-4C3C-B4A3-DA7396DC0A73}"/>
+                  </a:ext>
+                </a:extLst>
+              </p:cNvPr>
               <p:cNvSpPr txBox="1">
                 <a:spLocks noRot="1" noChangeAspect="1" noMove="1" noResize="1" noEditPoints="1" noAdjustHandles="1" noChangeArrowheads="1" noChangeShapeType="1" noTextEdit="1"/>
               </p:cNvSpPr>
@@ -5843,13 +7152,128 @@
             </p:nvSpPr>
             <p:spPr>
               <a:xfrm>
-                <a:off x="2021480" y="1850340"/>
-                <a:ext cx="322524" cy="276999"/>
+                <a:off x="1792550" y="3356992"/>
+                <a:ext cx="391454" cy="276999"/>
               </a:xfrm>
               <a:prstGeom prst="rect">
                 <a:avLst/>
               </a:prstGeom>
-              <a:blipFill rotWithShape="1">
+              <a:blipFill>
+                <a:blip r:embed="rId4"/>
+                <a:stretch>
+                  <a:fillRect/>
+                </a:stretch>
+              </a:blipFill>
+            </p:spPr>
+            <p:txBody>
+              <a:bodyPr/>
+              <a:lstStyle/>
+              <a:p>
+                <a:r>
+                  <a:rPr lang="fr-FR">
+                    <a:noFill/>
+                  </a:rPr>
+                  <a:t> </a:t>
+                </a:r>
+              </a:p>
+            </p:txBody>
+          </p:sp>
+        </mc:Fallback>
+      </mc:AlternateContent>
+      <mc:AlternateContent xmlns:mc="http://schemas.openxmlformats.org/markup-compatibility/2006" xmlns:a14="http://schemas.microsoft.com/office/drawing/2010/main">
+        <mc:Choice Requires="a14">
+          <p:sp>
+            <p:nvSpPr>
+              <p:cNvPr id="53" name="ZoneTexte 52">
+                <a:extLst>
+                  <a:ext uri="{FF2B5EF4-FFF2-40B4-BE49-F238E27FC236}">
+                    <a16:creationId xmlns:a16="http://schemas.microsoft.com/office/drawing/2014/main" id="{0AD6DBA7-2FDB-48CF-9BEC-333C904C90BB}"/>
+                  </a:ext>
+                </a:extLst>
+              </p:cNvPr>
+              <p:cNvSpPr txBox="1"/>
+              <p:nvPr/>
+            </p:nvSpPr>
+            <p:spPr>
+              <a:xfrm>
+                <a:off x="1757485" y="1233881"/>
+                <a:ext cx="458780" cy="276999"/>
+              </a:xfrm>
+              <a:prstGeom prst="rect">
+                <a:avLst/>
+              </a:prstGeom>
+              <a:noFill/>
+            </p:spPr>
+            <p:txBody>
+              <a:bodyPr wrap="none" rtlCol="0">
+                <a:spAutoFit/>
+              </a:bodyPr>
+              <a:lstStyle/>
+              <a:p>
+                <a:pPr/>
+                <a14:m>
+                  <m:oMathPara xmlns:m="http://schemas.openxmlformats.org/officeDocument/2006/math">
+                    <m:oMathParaPr>
+                      <m:jc m:val="centerGroup"/>
+                    </m:oMathParaPr>
+                    <m:oMath xmlns:m="http://schemas.openxmlformats.org/officeDocument/2006/math">
+                      <m:sSub>
+                        <m:sSubPr>
+                          <m:ctrlPr>
+                            <a:rPr lang="fr-FR" sz="1200" b="1" i="1" smtClean="0">
+                              <a:latin typeface="Cambria Math" panose="02040503050406030204" pitchFamily="18" charset="0"/>
+                            </a:rPr>
+                          </m:ctrlPr>
+                        </m:sSubPr>
+                        <m:e>
+                          <m:r>
+                            <a:rPr lang="fr-FR" sz="1200" b="1" i="1" smtClean="0">
+                              <a:latin typeface="Cambria Math" panose="02040503050406030204" pitchFamily="18" charset="0"/>
+                            </a:rPr>
+                            <m:t>𝒁</m:t>
+                          </m:r>
+                        </m:e>
+                        <m:sub>
+                          <m:r>
+                            <a:rPr lang="fr-FR" sz="1200" b="1" i="1" smtClean="0">
+                              <a:latin typeface="Cambria Math" panose="02040503050406030204" pitchFamily="18" charset="0"/>
+                            </a:rPr>
+                            <m:t>𝟐𝟏</m:t>
+                          </m:r>
+                        </m:sub>
+                      </m:sSub>
+                    </m:oMath>
+                  </m:oMathPara>
+                </a14:m>
+                <a:endParaRPr lang="fr-FR" sz="1200" b="1" dirty="0"/>
+              </a:p>
+            </p:txBody>
+          </p:sp>
+        </mc:Choice>
+        <mc:Fallback xmlns="">
+          <p:sp>
+            <p:nvSpPr>
+              <p:cNvPr id="53" name="ZoneTexte 52">
+                <a:extLst>
+                  <a:ext uri="{FF2B5EF4-FFF2-40B4-BE49-F238E27FC236}">
+                    <a16:creationId xmlns:a16="http://schemas.microsoft.com/office/drawing/2014/main" id="{0AD6DBA7-2FDB-48CF-9BEC-333C904C90BB}"/>
+                  </a:ext>
+                </a:extLst>
+              </p:cNvPr>
+              <p:cNvSpPr txBox="1">
+                <a:spLocks noRot="1" noChangeAspect="1" noMove="1" noResize="1" noEditPoints="1" noAdjustHandles="1" noChangeArrowheads="1" noChangeShapeType="1" noTextEdit="1"/>
+              </p:cNvSpPr>
+              <p:nvPr/>
+            </p:nvSpPr>
+            <p:spPr>
+              <a:xfrm>
+                <a:off x="1757485" y="1233881"/>
+                <a:ext cx="458780" cy="276999"/>
+              </a:xfrm>
+              <a:prstGeom prst="rect">
+                <a:avLst/>
+              </a:prstGeom>
+              <a:blipFill>
                 <a:blip r:embed="rId5"/>
                 <a:stretch>
                   <a:fillRect/>
@@ -5875,14 +7299,20 @@
         <mc:Choice Requires="a14">
           <p:sp>
             <p:nvSpPr>
-              <p:cNvPr id="45" name="ZoneTexte 44"/>
+              <p:cNvPr id="57" name="ZoneTexte 56">
+                <a:extLst>
+                  <a:ext uri="{FF2B5EF4-FFF2-40B4-BE49-F238E27FC236}">
+                    <a16:creationId xmlns:a16="http://schemas.microsoft.com/office/drawing/2014/main" id="{43E9CEAB-97B0-472A-A1C2-75793CB79644}"/>
+                  </a:ext>
+                </a:extLst>
+              </p:cNvPr>
               <p:cNvSpPr txBox="1"/>
               <p:nvPr/>
             </p:nvSpPr>
             <p:spPr>
               <a:xfrm>
-                <a:off x="1285745" y="645639"/>
-                <a:ext cx="330540" cy="276999"/>
+                <a:off x="2891817" y="1590945"/>
+                <a:ext cx="458780" cy="276999"/>
               </a:xfrm>
               <a:prstGeom prst="rect">
                 <a:avLst/>
@@ -5902,12 +7332,31 @@
                       <m:jc m:val="centerGroup"/>
                     </m:oMathParaPr>
                     <m:oMath xmlns:m="http://schemas.openxmlformats.org/officeDocument/2006/math">
-                      <m:r>
-                        <a:rPr lang="fr-FR" sz="1200" b="1" i="1" smtClean="0">
-                          <a:latin typeface="Cambria Math"/>
-                        </a:rPr>
-                        <m:t>𝑩</m:t>
-                      </m:r>
+                      <m:sSub>
+                        <m:sSubPr>
+                          <m:ctrlPr>
+                            <a:rPr lang="fr-FR" sz="1200" b="1" i="1" smtClean="0">
+                              <a:latin typeface="Cambria Math" panose="02040503050406030204" pitchFamily="18" charset="0"/>
+                            </a:rPr>
+                          </m:ctrlPr>
+                        </m:sSubPr>
+                        <m:e>
+                          <m:r>
+                            <a:rPr lang="fr-FR" sz="1200" b="1" i="1" smtClean="0">
+                              <a:latin typeface="Cambria Math" panose="02040503050406030204" pitchFamily="18" charset="0"/>
+                            </a:rPr>
+                            <m:t>𝒁</m:t>
+                          </m:r>
+                        </m:e>
+                        <m:sub>
+                          <m:r>
+                            <a:rPr lang="fr-FR" sz="1200" b="1" i="1" smtClean="0">
+                              <a:latin typeface="Cambria Math" panose="02040503050406030204" pitchFamily="18" charset="0"/>
+                            </a:rPr>
+                            <m:t>𝟐𝟐</m:t>
+                          </m:r>
+                        </m:sub>
+                      </m:sSub>
                     </m:oMath>
                   </m:oMathPara>
                 </a14:m>
@@ -5919,7 +7368,13 @@
         <mc:Fallback xmlns="">
           <p:sp>
             <p:nvSpPr>
-              <p:cNvPr id="45" name="ZoneTexte 44"/>
+              <p:cNvPr id="57" name="ZoneTexte 56">
+                <a:extLst>
+                  <a:ext uri="{FF2B5EF4-FFF2-40B4-BE49-F238E27FC236}">
+                    <a16:creationId xmlns:a16="http://schemas.microsoft.com/office/drawing/2014/main" id="{43E9CEAB-97B0-472A-A1C2-75793CB79644}"/>
+                  </a:ext>
+                </a:extLst>
+              </p:cNvPr>
               <p:cNvSpPr txBox="1">
                 <a:spLocks noRot="1" noChangeAspect="1" noMove="1" noResize="1" noEditPoints="1" noAdjustHandles="1" noChangeArrowheads="1" noChangeShapeType="1" noTextEdit="1"/>
               </p:cNvSpPr>
@@ -5927,13 +7382,13 @@
             </p:nvSpPr>
             <p:spPr>
               <a:xfrm>
-                <a:off x="1285745" y="645639"/>
-                <a:ext cx="330540" cy="276999"/>
+                <a:off x="2891817" y="1590945"/>
+                <a:ext cx="458780" cy="276999"/>
               </a:xfrm>
               <a:prstGeom prst="rect">
                 <a:avLst/>
               </a:prstGeom>
-              <a:blipFill rotWithShape="1">
+              <a:blipFill>
                 <a:blip r:embed="rId6"/>
                 <a:stretch>
                   <a:fillRect/>
@@ -5955,10 +7410,351 @@
           </p:sp>
         </mc:Fallback>
       </mc:AlternateContent>
+      <mc:AlternateContent xmlns:mc="http://schemas.openxmlformats.org/markup-compatibility/2006" xmlns:a14="http://schemas.microsoft.com/office/drawing/2010/main">
+        <mc:Choice Requires="a14">
+          <p:sp>
+            <p:nvSpPr>
+              <p:cNvPr id="58" name="ZoneTexte 57">
+                <a:extLst>
+                  <a:ext uri="{FF2B5EF4-FFF2-40B4-BE49-F238E27FC236}">
+                    <a16:creationId xmlns:a16="http://schemas.microsoft.com/office/drawing/2014/main" id="{30C83D1B-712F-4166-97F2-C5664A16A5CB}"/>
+                  </a:ext>
+                </a:extLst>
+              </p:cNvPr>
+              <p:cNvSpPr txBox="1"/>
+              <p:nvPr/>
+            </p:nvSpPr>
+            <p:spPr>
+              <a:xfrm>
+                <a:off x="2930827" y="3621904"/>
+                <a:ext cx="391453" cy="276999"/>
+              </a:xfrm>
+              <a:prstGeom prst="rect">
+                <a:avLst/>
+              </a:prstGeom>
+              <a:noFill/>
+            </p:spPr>
+            <p:txBody>
+              <a:bodyPr wrap="none" rtlCol="0">
+                <a:spAutoFit/>
+              </a:bodyPr>
+              <a:lstStyle/>
+              <a:p>
+                <a:pPr/>
+                <a14:m>
+                  <m:oMathPara xmlns:m="http://schemas.openxmlformats.org/officeDocument/2006/math">
+                    <m:oMathParaPr>
+                      <m:jc m:val="centerGroup"/>
+                    </m:oMathParaPr>
+                    <m:oMath xmlns:m="http://schemas.openxmlformats.org/officeDocument/2006/math">
+                      <m:sSub>
+                        <m:sSubPr>
+                          <m:ctrlPr>
+                            <a:rPr lang="fr-FR" sz="1200" b="1" i="1" smtClean="0">
+                              <a:latin typeface="Cambria Math" panose="02040503050406030204" pitchFamily="18" charset="0"/>
+                            </a:rPr>
+                          </m:ctrlPr>
+                        </m:sSubPr>
+                        <m:e>
+                          <m:r>
+                            <a:rPr lang="fr-FR" sz="1200" b="1" i="1" smtClean="0">
+                              <a:latin typeface="Cambria Math" panose="02040503050406030204" pitchFamily="18" charset="0"/>
+                            </a:rPr>
+                            <m:t>𝒁</m:t>
+                          </m:r>
+                        </m:e>
+                        <m:sub>
+                          <m:r>
+                            <a:rPr lang="fr-FR" sz="1200" b="1" i="1" smtClean="0">
+                              <a:latin typeface="Cambria Math" panose="02040503050406030204" pitchFamily="18" charset="0"/>
+                            </a:rPr>
+                            <m:t>𝟒</m:t>
+                          </m:r>
+                        </m:sub>
+                      </m:sSub>
+                    </m:oMath>
+                  </m:oMathPara>
+                </a14:m>
+                <a:endParaRPr lang="fr-FR" sz="1200" b="1" dirty="0"/>
+              </a:p>
+            </p:txBody>
+          </p:sp>
+        </mc:Choice>
+        <mc:Fallback xmlns="">
+          <p:sp>
+            <p:nvSpPr>
+              <p:cNvPr id="58" name="ZoneTexte 57">
+                <a:extLst>
+                  <a:ext uri="{FF2B5EF4-FFF2-40B4-BE49-F238E27FC236}">
+                    <a16:creationId xmlns:a16="http://schemas.microsoft.com/office/drawing/2014/main" id="{30C83D1B-712F-4166-97F2-C5664A16A5CB}"/>
+                  </a:ext>
+                </a:extLst>
+              </p:cNvPr>
+              <p:cNvSpPr txBox="1">
+                <a:spLocks noRot="1" noChangeAspect="1" noMove="1" noResize="1" noEditPoints="1" noAdjustHandles="1" noChangeArrowheads="1" noChangeShapeType="1" noTextEdit="1"/>
+              </p:cNvSpPr>
+              <p:nvPr/>
+            </p:nvSpPr>
+            <p:spPr>
+              <a:xfrm>
+                <a:off x="2930827" y="3621904"/>
+                <a:ext cx="391453" cy="276999"/>
+              </a:xfrm>
+              <a:prstGeom prst="rect">
+                <a:avLst/>
+              </a:prstGeom>
+              <a:blipFill>
+                <a:blip r:embed="rId7"/>
+                <a:stretch>
+                  <a:fillRect/>
+                </a:stretch>
+              </a:blipFill>
+            </p:spPr>
+            <p:txBody>
+              <a:bodyPr/>
+              <a:lstStyle/>
+              <a:p>
+                <a:r>
+                  <a:rPr lang="fr-FR">
+                    <a:noFill/>
+                  </a:rPr>
+                  <a:t> </a:t>
+                </a:r>
+              </a:p>
+            </p:txBody>
+          </p:sp>
+        </mc:Fallback>
+      </mc:AlternateContent>
+      <p:cxnSp>
+        <p:nvCxnSpPr>
+          <p:cNvPr id="59" name="Connecteur droit 58">
+            <a:extLst>
+              <a:ext uri="{FF2B5EF4-FFF2-40B4-BE49-F238E27FC236}">
+                <a16:creationId xmlns:a16="http://schemas.microsoft.com/office/drawing/2014/main" id="{D7999C58-028D-4C8A-B256-2F099D420B7B}"/>
+              </a:ext>
+            </a:extLst>
+          </p:cNvPr>
+          <p:cNvCxnSpPr/>
+          <p:nvPr/>
+        </p:nvCxnSpPr>
+        <p:spPr>
+          <a:xfrm>
+            <a:off x="1886684" y="1268760"/>
+            <a:ext cx="168666" cy="0"/>
+          </a:xfrm>
+          <a:prstGeom prst="line">
+            <a:avLst/>
+          </a:prstGeom>
+          <a:noFill/>
+          <a:ln w="28575">
+            <a:solidFill>
+              <a:srgbClr val="C00000"/>
+            </a:solidFill>
+          </a:ln>
+        </p:spPr>
+        <p:style>
+          <a:lnRef idx="2">
+            <a:schemeClr val="accent1">
+              <a:shade val="50000"/>
+            </a:schemeClr>
+          </a:lnRef>
+          <a:fillRef idx="1">
+            <a:schemeClr val="accent1"/>
+          </a:fillRef>
+          <a:effectRef idx="0">
+            <a:schemeClr val="accent1"/>
+          </a:effectRef>
+          <a:fontRef idx="minor">
+            <a:schemeClr val="lt1"/>
+          </a:fontRef>
+        </p:style>
+      </p:cxnSp>
+      <p:cxnSp>
+        <p:nvCxnSpPr>
+          <p:cNvPr id="60" name="Connecteur droit 59">
+            <a:extLst>
+              <a:ext uri="{FF2B5EF4-FFF2-40B4-BE49-F238E27FC236}">
+                <a16:creationId xmlns:a16="http://schemas.microsoft.com/office/drawing/2014/main" id="{764C6B44-957A-4849-BF08-3C2F3B508C48}"/>
+              </a:ext>
+            </a:extLst>
+          </p:cNvPr>
+          <p:cNvCxnSpPr>
+            <a:cxnSpLocks/>
+          </p:cNvCxnSpPr>
+          <p:nvPr/>
+        </p:nvCxnSpPr>
+        <p:spPr>
+          <a:xfrm>
+            <a:off x="1979712" y="107118"/>
+            <a:ext cx="0" cy="215028"/>
+          </a:xfrm>
+          <a:prstGeom prst="line">
+            <a:avLst/>
+          </a:prstGeom>
+          <a:noFill/>
+          <a:ln w="28575">
+            <a:solidFill>
+              <a:srgbClr val="7030A0"/>
+            </a:solidFill>
+          </a:ln>
+        </p:spPr>
+        <p:style>
+          <a:lnRef idx="2">
+            <a:schemeClr val="accent1">
+              <a:shade val="50000"/>
+            </a:schemeClr>
+          </a:lnRef>
+          <a:fillRef idx="1">
+            <a:schemeClr val="accent1"/>
+          </a:fillRef>
+          <a:effectRef idx="0">
+            <a:schemeClr val="accent1"/>
+          </a:effectRef>
+          <a:fontRef idx="minor">
+            <a:schemeClr val="lt1"/>
+          </a:fontRef>
+        </p:style>
+      </p:cxnSp>
+      <p:cxnSp>
+        <p:nvCxnSpPr>
+          <p:cNvPr id="61" name="Connecteur droit 60">
+            <a:extLst>
+              <a:ext uri="{FF2B5EF4-FFF2-40B4-BE49-F238E27FC236}">
+                <a16:creationId xmlns:a16="http://schemas.microsoft.com/office/drawing/2014/main" id="{68CD96C3-29F5-4889-8B5D-371702811C5C}"/>
+              </a:ext>
+            </a:extLst>
+          </p:cNvPr>
+          <p:cNvCxnSpPr>
+            <a:cxnSpLocks/>
+          </p:cNvCxnSpPr>
+          <p:nvPr/>
+        </p:nvCxnSpPr>
+        <p:spPr>
+          <a:xfrm>
+            <a:off x="1322945" y="3869155"/>
+            <a:ext cx="648072" cy="0"/>
+          </a:xfrm>
+          <a:prstGeom prst="line">
+            <a:avLst/>
+          </a:prstGeom>
+          <a:noFill/>
+          <a:ln w="28575">
+            <a:solidFill>
+              <a:srgbClr val="7030A0"/>
+            </a:solidFill>
+          </a:ln>
+        </p:spPr>
+        <p:style>
+          <a:lnRef idx="2">
+            <a:schemeClr val="accent1">
+              <a:shade val="50000"/>
+            </a:schemeClr>
+          </a:lnRef>
+          <a:fillRef idx="1">
+            <a:schemeClr val="accent1"/>
+          </a:fillRef>
+          <a:effectRef idx="0">
+            <a:schemeClr val="accent1"/>
+          </a:effectRef>
+          <a:fontRef idx="minor">
+            <a:schemeClr val="lt1"/>
+          </a:fontRef>
+        </p:style>
+      </p:cxnSp>
+      <p:cxnSp>
+        <p:nvCxnSpPr>
+          <p:cNvPr id="62" name="Connecteur droit 61">
+            <a:extLst>
+              <a:ext uri="{FF2B5EF4-FFF2-40B4-BE49-F238E27FC236}">
+                <a16:creationId xmlns:a16="http://schemas.microsoft.com/office/drawing/2014/main" id="{E3AE3BDD-1D55-4907-BE7D-92AA9BA3E68A}"/>
+              </a:ext>
+            </a:extLst>
+          </p:cNvPr>
+          <p:cNvCxnSpPr>
+            <a:cxnSpLocks/>
+          </p:cNvCxnSpPr>
+          <p:nvPr/>
+        </p:nvCxnSpPr>
+        <p:spPr>
+          <a:xfrm>
+            <a:off x="1971017" y="3665315"/>
+            <a:ext cx="0" cy="215028"/>
+          </a:xfrm>
+          <a:prstGeom prst="line">
+            <a:avLst/>
+          </a:prstGeom>
+          <a:noFill/>
+          <a:ln w="28575">
+            <a:solidFill>
+              <a:srgbClr val="7030A0"/>
+            </a:solidFill>
+          </a:ln>
+        </p:spPr>
+        <p:style>
+          <a:lnRef idx="2">
+            <a:schemeClr val="accent1">
+              <a:shade val="50000"/>
+            </a:schemeClr>
+          </a:lnRef>
+          <a:fillRef idx="1">
+            <a:schemeClr val="accent1"/>
+          </a:fillRef>
+          <a:effectRef idx="0">
+            <a:schemeClr val="accent1"/>
+          </a:effectRef>
+          <a:fontRef idx="minor">
+            <a:schemeClr val="lt1"/>
+          </a:fontRef>
+        </p:style>
+      </p:cxnSp>
+      <p:cxnSp>
+        <p:nvCxnSpPr>
+          <p:cNvPr id="63" name="Connecteur droit 62">
+            <a:extLst>
+              <a:ext uri="{FF2B5EF4-FFF2-40B4-BE49-F238E27FC236}">
+                <a16:creationId xmlns:a16="http://schemas.microsoft.com/office/drawing/2014/main" id="{65F14455-C89B-4074-8BA5-F8E66F61D22A}"/>
+              </a:ext>
+            </a:extLst>
+          </p:cNvPr>
+          <p:cNvCxnSpPr/>
+          <p:nvPr/>
+        </p:nvCxnSpPr>
+        <p:spPr>
+          <a:xfrm>
+            <a:off x="1893564" y="3675825"/>
+            <a:ext cx="168666" cy="0"/>
+          </a:xfrm>
+          <a:prstGeom prst="line">
+            <a:avLst/>
+          </a:prstGeom>
+          <a:noFill/>
+          <a:ln w="28575">
+            <a:solidFill>
+              <a:srgbClr val="7030A0"/>
+            </a:solidFill>
+          </a:ln>
+        </p:spPr>
+        <p:style>
+          <a:lnRef idx="2">
+            <a:schemeClr val="accent1">
+              <a:shade val="50000"/>
+            </a:schemeClr>
+          </a:lnRef>
+          <a:fillRef idx="1">
+            <a:schemeClr val="accent1"/>
+          </a:fillRef>
+          <a:effectRef idx="0">
+            <a:schemeClr val="accent1"/>
+          </a:effectRef>
+          <a:fontRef idx="minor">
+            <a:schemeClr val="lt1"/>
+          </a:fontRef>
+        </p:style>
+      </p:cxnSp>
     </p:spTree>
     <p:extLst>
       <p:ext uri="{BB962C8B-B14F-4D97-AF65-F5344CB8AC3E}">
-        <p14:creationId xmlns:p14="http://schemas.microsoft.com/office/powerpoint/2010/main" val="3936555467"/>
+        <p14:creationId xmlns:p14="http://schemas.microsoft.com/office/powerpoint/2010/main" val="1309971588"/>
       </p:ext>
     </p:extLst>
   </p:cSld>
@@ -5968,7 +7764,7 @@
 </p:sld>
 </file>
 
-<file path=ppt/slides/slide10.xml><?xml version="1.0" encoding="utf-8"?>
+<file path=ppt/slides/slide11.xml><?xml version="1.0" encoding="utf-8"?>
 <p:sld xmlns:a="http://schemas.openxmlformats.org/drawingml/2006/main" xmlns:r="http://schemas.openxmlformats.org/officeDocument/2006/relationships" xmlns:p="http://schemas.openxmlformats.org/presentationml/2006/main">
   <p:cSld>
     <p:spTree>
@@ -8807,7 +10603,7 @@
 </p:sld>
 </file>
 
-<file path=ppt/slides/slide11.xml><?xml version="1.0" encoding="utf-8"?>
+<file path=ppt/slides/slide12.xml><?xml version="1.0" encoding="utf-8"?>
 <p:sld xmlns:a="http://schemas.openxmlformats.org/drawingml/2006/main" xmlns:r="http://schemas.openxmlformats.org/officeDocument/2006/relationships" xmlns:p="http://schemas.openxmlformats.org/presentationml/2006/main">
   <p:cSld>
     <p:spTree>
@@ -13553,6 +15349,2242 @@
     </p:spTree>
     <p:extLst>
       <p:ext uri="{BB962C8B-B14F-4D97-AF65-F5344CB8AC3E}">
+        <p14:creationId xmlns:p14="http://schemas.microsoft.com/office/powerpoint/2010/main" val="3936555467"/>
+      </p:ext>
+    </p:extLst>
+  </p:cSld>
+  <p:clrMapOvr>
+    <a:masterClrMapping/>
+  </p:clrMapOvr>
+</p:sld>
+</file>
+
+<file path=ppt/slides/slide3.xml><?xml version="1.0" encoding="utf-8"?>
+<p:sld xmlns:a="http://schemas.openxmlformats.org/drawingml/2006/main" xmlns:r="http://schemas.openxmlformats.org/officeDocument/2006/relationships" xmlns:p="http://schemas.openxmlformats.org/presentationml/2006/main">
+  <p:cSld>
+    <p:spTree>
+      <p:nvGrpSpPr>
+        <p:cNvPr id="1" name=""/>
+        <p:cNvGrpSpPr/>
+        <p:nvPr/>
+      </p:nvGrpSpPr>
+      <p:grpSpPr>
+        <a:xfrm>
+          <a:off x="0" y="0"/>
+          <a:ext cx="0" cy="0"/>
+          <a:chOff x="0" y="0"/>
+          <a:chExt cx="0" cy="0"/>
+        </a:xfrm>
+      </p:grpSpPr>
+      <p:sp>
+        <p:nvSpPr>
+          <p:cNvPr id="16" name="Forme libre 15"/>
+          <p:cNvSpPr/>
+          <p:nvPr/>
+        </p:nvSpPr>
+        <p:spPr>
+          <a:xfrm>
+            <a:off x="971600" y="2312876"/>
+            <a:ext cx="576064" cy="140596"/>
+          </a:xfrm>
+          <a:custGeom>
+            <a:avLst/>
+            <a:gdLst>
+              <a:gd name="connsiteX0" fmla="*/ 0 w 729276"/>
+              <a:gd name="connsiteY0" fmla="*/ 0 h 152951"/>
+              <a:gd name="connsiteX1" fmla="*/ 168294 w 729276"/>
+              <a:gd name="connsiteY1" fmla="*/ 134635 h 152951"/>
+              <a:gd name="connsiteX2" fmla="*/ 381467 w 729276"/>
+              <a:gd name="connsiteY2" fmla="*/ 84147 h 152951"/>
+              <a:gd name="connsiteX3" fmla="*/ 594640 w 729276"/>
+              <a:gd name="connsiteY3" fmla="*/ 151465 h 152951"/>
+              <a:gd name="connsiteX4" fmla="*/ 729276 w 729276"/>
+              <a:gd name="connsiteY4" fmla="*/ 5610 h 152951"/>
+              <a:gd name="connsiteX0" fmla="*/ 0 w 732876"/>
+              <a:gd name="connsiteY0" fmla="*/ 7459 h 160523"/>
+              <a:gd name="connsiteX1" fmla="*/ 168294 w 732876"/>
+              <a:gd name="connsiteY1" fmla="*/ 142094 h 160523"/>
+              <a:gd name="connsiteX2" fmla="*/ 381467 w 732876"/>
+              <a:gd name="connsiteY2" fmla="*/ 91606 h 160523"/>
+              <a:gd name="connsiteX3" fmla="*/ 594640 w 732876"/>
+              <a:gd name="connsiteY3" fmla="*/ 158924 h 160523"/>
+              <a:gd name="connsiteX4" fmla="*/ 719996 w 732876"/>
+              <a:gd name="connsiteY4" fmla="*/ 9693 h 160523"/>
+              <a:gd name="connsiteX5" fmla="*/ 729276 w 732876"/>
+              <a:gd name="connsiteY5" fmla="*/ 13069 h 160523"/>
+              <a:gd name="connsiteX0" fmla="*/ 0 w 732876"/>
+              <a:gd name="connsiteY0" fmla="*/ 7459 h 144116"/>
+              <a:gd name="connsiteX1" fmla="*/ 168294 w 732876"/>
+              <a:gd name="connsiteY1" fmla="*/ 142094 h 144116"/>
+              <a:gd name="connsiteX2" fmla="*/ 381467 w 732876"/>
+              <a:gd name="connsiteY2" fmla="*/ 91606 h 144116"/>
+              <a:gd name="connsiteX3" fmla="*/ 589488 w 732876"/>
+              <a:gd name="connsiteY3" fmla="*/ 135742 h 144116"/>
+              <a:gd name="connsiteX4" fmla="*/ 719996 w 732876"/>
+              <a:gd name="connsiteY4" fmla="*/ 9693 h 144116"/>
+              <a:gd name="connsiteX5" fmla="*/ 729276 w 732876"/>
+              <a:gd name="connsiteY5" fmla="*/ 13069 h 144116"/>
+              <a:gd name="connsiteX0" fmla="*/ 0 w 731506"/>
+              <a:gd name="connsiteY0" fmla="*/ 0 h 136657"/>
+              <a:gd name="connsiteX1" fmla="*/ 168294 w 731506"/>
+              <a:gd name="connsiteY1" fmla="*/ 134635 h 136657"/>
+              <a:gd name="connsiteX2" fmla="*/ 381467 w 731506"/>
+              <a:gd name="connsiteY2" fmla="*/ 84147 h 136657"/>
+              <a:gd name="connsiteX3" fmla="*/ 589488 w 731506"/>
+              <a:gd name="connsiteY3" fmla="*/ 128283 h 136657"/>
+              <a:gd name="connsiteX4" fmla="*/ 717420 w 731506"/>
+              <a:gd name="connsiteY4" fmla="*/ 35719 h 136657"/>
+              <a:gd name="connsiteX5" fmla="*/ 729276 w 731506"/>
+              <a:gd name="connsiteY5" fmla="*/ 5610 h 136657"/>
+              <a:gd name="connsiteX0" fmla="*/ 0 w 729276"/>
+              <a:gd name="connsiteY0" fmla="*/ 0 h 136657"/>
+              <a:gd name="connsiteX1" fmla="*/ 168294 w 729276"/>
+              <a:gd name="connsiteY1" fmla="*/ 134635 h 136657"/>
+              <a:gd name="connsiteX2" fmla="*/ 381467 w 729276"/>
+              <a:gd name="connsiteY2" fmla="*/ 84147 h 136657"/>
+              <a:gd name="connsiteX3" fmla="*/ 589488 w 729276"/>
+              <a:gd name="connsiteY3" fmla="*/ 128283 h 136657"/>
+              <a:gd name="connsiteX4" fmla="*/ 631695 w 729276"/>
+              <a:gd name="connsiteY4" fmla="*/ 59532 h 136657"/>
+              <a:gd name="connsiteX5" fmla="*/ 729276 w 729276"/>
+              <a:gd name="connsiteY5" fmla="*/ 5610 h 136657"/>
+              <a:gd name="connsiteX0" fmla="*/ 0 w 729276"/>
+              <a:gd name="connsiteY0" fmla="*/ 0 h 136657"/>
+              <a:gd name="connsiteX1" fmla="*/ 168294 w 729276"/>
+              <a:gd name="connsiteY1" fmla="*/ 134635 h 136657"/>
+              <a:gd name="connsiteX2" fmla="*/ 381467 w 729276"/>
+              <a:gd name="connsiteY2" fmla="*/ 84147 h 136657"/>
+              <a:gd name="connsiteX3" fmla="*/ 589488 w 729276"/>
+              <a:gd name="connsiteY3" fmla="*/ 128283 h 136657"/>
+              <a:gd name="connsiteX4" fmla="*/ 729276 w 729276"/>
+              <a:gd name="connsiteY4" fmla="*/ 5610 h 136657"/>
+              <a:gd name="connsiteX0" fmla="*/ 0 w 729276"/>
+              <a:gd name="connsiteY0" fmla="*/ 0 h 136657"/>
+              <a:gd name="connsiteX1" fmla="*/ 168294 w 729276"/>
+              <a:gd name="connsiteY1" fmla="*/ 134635 h 136657"/>
+              <a:gd name="connsiteX2" fmla="*/ 381467 w 729276"/>
+              <a:gd name="connsiteY2" fmla="*/ 84147 h 136657"/>
+              <a:gd name="connsiteX3" fmla="*/ 589488 w 729276"/>
+              <a:gd name="connsiteY3" fmla="*/ 128283 h 136657"/>
+              <a:gd name="connsiteX4" fmla="*/ 729276 w 729276"/>
+              <a:gd name="connsiteY4" fmla="*/ 5610 h 136657"/>
+              <a:gd name="connsiteX0" fmla="*/ 0 w 729276"/>
+              <a:gd name="connsiteY0" fmla="*/ 0 h 141857"/>
+              <a:gd name="connsiteX1" fmla="*/ 168294 w 729276"/>
+              <a:gd name="connsiteY1" fmla="*/ 134635 h 141857"/>
+              <a:gd name="connsiteX2" fmla="*/ 381467 w 729276"/>
+              <a:gd name="connsiteY2" fmla="*/ 84147 h 141857"/>
+              <a:gd name="connsiteX3" fmla="*/ 577581 w 729276"/>
+              <a:gd name="connsiteY3" fmla="*/ 140189 h 141857"/>
+              <a:gd name="connsiteX4" fmla="*/ 729276 w 729276"/>
+              <a:gd name="connsiteY4" fmla="*/ 5610 h 141857"/>
+              <a:gd name="connsiteX0" fmla="*/ 0 w 729276"/>
+              <a:gd name="connsiteY0" fmla="*/ 0 h 140596"/>
+              <a:gd name="connsiteX1" fmla="*/ 168294 w 729276"/>
+              <a:gd name="connsiteY1" fmla="*/ 134635 h 140596"/>
+              <a:gd name="connsiteX2" fmla="*/ 381467 w 729276"/>
+              <a:gd name="connsiteY2" fmla="*/ 84147 h 140596"/>
+              <a:gd name="connsiteX3" fmla="*/ 577581 w 729276"/>
+              <a:gd name="connsiteY3" fmla="*/ 140189 h 140596"/>
+              <a:gd name="connsiteX4" fmla="*/ 729276 w 729276"/>
+              <a:gd name="connsiteY4" fmla="*/ 5610 h 140596"/>
+            </a:gdLst>
+            <a:ahLst/>
+            <a:cxnLst>
+              <a:cxn ang="0">
+                <a:pos x="connsiteX0" y="connsiteY0"/>
+              </a:cxn>
+              <a:cxn ang="0">
+                <a:pos x="connsiteX1" y="connsiteY1"/>
+              </a:cxn>
+              <a:cxn ang="0">
+                <a:pos x="connsiteX2" y="connsiteY2"/>
+              </a:cxn>
+              <a:cxn ang="0">
+                <a:pos x="connsiteX3" y="connsiteY3"/>
+              </a:cxn>
+              <a:cxn ang="0">
+                <a:pos x="connsiteX4" y="connsiteY4"/>
+              </a:cxn>
+            </a:cxnLst>
+            <a:rect l="l" t="t" r="r" b="b"/>
+            <a:pathLst>
+              <a:path w="729276" h="140596">
+                <a:moveTo>
+                  <a:pt x="0" y="0"/>
+                </a:moveTo>
+                <a:cubicBezTo>
+                  <a:pt x="52358" y="60305"/>
+                  <a:pt x="104716" y="120611"/>
+                  <a:pt x="168294" y="134635"/>
+                </a:cubicBezTo>
+                <a:cubicBezTo>
+                  <a:pt x="231872" y="148659"/>
+                  <a:pt x="313253" y="83221"/>
+                  <a:pt x="381467" y="84147"/>
+                </a:cubicBezTo>
+                <a:cubicBezTo>
+                  <a:pt x="449681" y="85073"/>
+                  <a:pt x="526757" y="146134"/>
+                  <a:pt x="577581" y="140189"/>
+                </a:cubicBezTo>
+                <a:cubicBezTo>
+                  <a:pt x="628405" y="134244"/>
+                  <a:pt x="673961" y="78792"/>
+                  <a:pt x="729276" y="5610"/>
+                </a:cubicBezTo>
+              </a:path>
+            </a:pathLst>
+          </a:custGeom>
+          <a:solidFill>
+            <a:schemeClr val="bg1">
+              <a:lumMod val="85000"/>
+            </a:schemeClr>
+          </a:solidFill>
+          <a:ln w="12700">
+            <a:solidFill>
+              <a:schemeClr val="tx1"/>
+            </a:solidFill>
+          </a:ln>
+        </p:spPr>
+        <p:style>
+          <a:lnRef idx="1">
+            <a:schemeClr val="accent1"/>
+          </a:lnRef>
+          <a:fillRef idx="0">
+            <a:schemeClr val="accent1"/>
+          </a:fillRef>
+          <a:effectRef idx="0">
+            <a:schemeClr val="accent1"/>
+          </a:effectRef>
+          <a:fontRef idx="minor">
+            <a:schemeClr val="tx1"/>
+          </a:fontRef>
+        </p:style>
+        <p:txBody>
+          <a:bodyPr rtlCol="0" anchor="ctr"/>
+          <a:lstStyle/>
+          <a:p>
+            <a:pPr algn="ctr"/>
+            <a:endParaRPr lang="fr-FR"/>
+          </a:p>
+        </p:txBody>
+      </p:sp>
+      <p:cxnSp>
+        <p:nvCxnSpPr>
+          <p:cNvPr id="5" name="Connecteur droit 4"/>
+          <p:cNvCxnSpPr/>
+          <p:nvPr/>
+        </p:nvCxnSpPr>
+        <p:spPr>
+          <a:xfrm>
+            <a:off x="899592" y="1988840"/>
+            <a:ext cx="1080120" cy="0"/>
+          </a:xfrm>
+          <a:prstGeom prst="line">
+            <a:avLst/>
+          </a:prstGeom>
+          <a:noFill/>
+          <a:ln w="28575">
+            <a:solidFill>
+              <a:srgbClr val="7030A0"/>
+            </a:solidFill>
+          </a:ln>
+        </p:spPr>
+        <p:style>
+          <a:lnRef idx="2">
+            <a:schemeClr val="accent1">
+              <a:shade val="50000"/>
+            </a:schemeClr>
+          </a:lnRef>
+          <a:fillRef idx="1">
+            <a:schemeClr val="accent1"/>
+          </a:fillRef>
+          <a:effectRef idx="0">
+            <a:schemeClr val="accent1"/>
+          </a:effectRef>
+          <a:fontRef idx="minor">
+            <a:schemeClr val="lt1"/>
+          </a:fontRef>
+        </p:style>
+      </p:cxnSp>
+      <p:sp>
+        <p:nvSpPr>
+          <p:cNvPr id="6" name="Rectangle 5"/>
+          <p:cNvSpPr/>
+          <p:nvPr/>
+        </p:nvSpPr>
+        <p:spPr>
+          <a:xfrm>
+            <a:off x="1043608" y="1880828"/>
+            <a:ext cx="432048" cy="216024"/>
+          </a:xfrm>
+          <a:prstGeom prst="rect">
+            <a:avLst/>
+          </a:prstGeom>
+          <a:noFill/>
+          <a:ln w="28575">
+            <a:solidFill>
+              <a:schemeClr val="tx1"/>
+            </a:solidFill>
+          </a:ln>
+        </p:spPr>
+        <p:style>
+          <a:lnRef idx="2">
+            <a:schemeClr val="accent1">
+              <a:shade val="50000"/>
+            </a:schemeClr>
+          </a:lnRef>
+          <a:fillRef idx="1">
+            <a:schemeClr val="accent1"/>
+          </a:fillRef>
+          <a:effectRef idx="0">
+            <a:schemeClr val="accent1"/>
+          </a:effectRef>
+          <a:fontRef idx="minor">
+            <a:schemeClr val="lt1"/>
+          </a:fontRef>
+        </p:style>
+        <p:txBody>
+          <a:bodyPr rtlCol="0" anchor="ctr"/>
+          <a:lstStyle/>
+          <a:p>
+            <a:pPr algn="ctr"/>
+            <a:endParaRPr lang="fr-FR"/>
+          </a:p>
+        </p:txBody>
+      </p:sp>
+      <p:cxnSp>
+        <p:nvCxnSpPr>
+          <p:cNvPr id="8" name="Connecteur droit 7"/>
+          <p:cNvCxnSpPr/>
+          <p:nvPr/>
+        </p:nvCxnSpPr>
+        <p:spPr>
+          <a:xfrm>
+            <a:off x="971600" y="1880828"/>
+            <a:ext cx="0" cy="216024"/>
+          </a:xfrm>
+          <a:prstGeom prst="line">
+            <a:avLst/>
+          </a:prstGeom>
+          <a:noFill/>
+          <a:ln w="28575">
+            <a:solidFill>
+              <a:srgbClr val="7030A0"/>
+            </a:solidFill>
+          </a:ln>
+        </p:spPr>
+        <p:style>
+          <a:lnRef idx="2">
+            <a:schemeClr val="accent1">
+              <a:shade val="50000"/>
+            </a:schemeClr>
+          </a:lnRef>
+          <a:fillRef idx="1">
+            <a:schemeClr val="accent1"/>
+          </a:fillRef>
+          <a:effectRef idx="0">
+            <a:schemeClr val="accent1"/>
+          </a:effectRef>
+          <a:fontRef idx="minor">
+            <a:schemeClr val="lt1"/>
+          </a:fontRef>
+        </p:style>
+      </p:cxnSp>
+      <p:cxnSp>
+        <p:nvCxnSpPr>
+          <p:cNvPr id="12" name="Connecteur droit 11"/>
+          <p:cNvCxnSpPr/>
+          <p:nvPr/>
+        </p:nvCxnSpPr>
+        <p:spPr>
+          <a:xfrm>
+            <a:off x="1547664" y="1880828"/>
+            <a:ext cx="0" cy="216024"/>
+          </a:xfrm>
+          <a:prstGeom prst="line">
+            <a:avLst/>
+          </a:prstGeom>
+          <a:noFill/>
+          <a:ln w="28575">
+            <a:solidFill>
+              <a:srgbClr val="7030A0"/>
+            </a:solidFill>
+          </a:ln>
+        </p:spPr>
+        <p:style>
+          <a:lnRef idx="2">
+            <a:schemeClr val="accent1">
+              <a:shade val="50000"/>
+            </a:schemeClr>
+          </a:lnRef>
+          <a:fillRef idx="1">
+            <a:schemeClr val="accent1"/>
+          </a:fillRef>
+          <a:effectRef idx="0">
+            <a:schemeClr val="accent1"/>
+          </a:effectRef>
+          <a:fontRef idx="minor">
+            <a:schemeClr val="lt1"/>
+          </a:fontRef>
+        </p:style>
+      </p:cxnSp>
+      <p:cxnSp>
+        <p:nvCxnSpPr>
+          <p:cNvPr id="13" name="Connecteur droit 12"/>
+          <p:cNvCxnSpPr/>
+          <p:nvPr/>
+        </p:nvCxnSpPr>
+        <p:spPr>
+          <a:xfrm>
+            <a:off x="1259632" y="2096852"/>
+            <a:ext cx="0" cy="216024"/>
+          </a:xfrm>
+          <a:prstGeom prst="line">
+            <a:avLst/>
+          </a:prstGeom>
+          <a:noFill/>
+          <a:ln w="28575">
+            <a:solidFill>
+              <a:schemeClr val="tx1"/>
+            </a:solidFill>
+          </a:ln>
+        </p:spPr>
+        <p:style>
+          <a:lnRef idx="2">
+            <a:schemeClr val="accent1">
+              <a:shade val="50000"/>
+            </a:schemeClr>
+          </a:lnRef>
+          <a:fillRef idx="1">
+            <a:schemeClr val="accent1"/>
+          </a:fillRef>
+          <a:effectRef idx="0">
+            <a:schemeClr val="accent1"/>
+          </a:effectRef>
+          <a:fontRef idx="minor">
+            <a:schemeClr val="lt1"/>
+          </a:fontRef>
+        </p:style>
+      </p:cxnSp>
+      <p:cxnSp>
+        <p:nvCxnSpPr>
+          <p:cNvPr id="14" name="Connecteur droit 13"/>
+          <p:cNvCxnSpPr/>
+          <p:nvPr/>
+        </p:nvCxnSpPr>
+        <p:spPr>
+          <a:xfrm>
+            <a:off x="971600" y="2312876"/>
+            <a:ext cx="576064" cy="0"/>
+          </a:xfrm>
+          <a:prstGeom prst="line">
+            <a:avLst/>
+          </a:prstGeom>
+          <a:noFill/>
+          <a:ln w="28575">
+            <a:solidFill>
+              <a:schemeClr val="tx1"/>
+            </a:solidFill>
+          </a:ln>
+        </p:spPr>
+        <p:style>
+          <a:lnRef idx="2">
+            <a:schemeClr val="accent1">
+              <a:shade val="50000"/>
+            </a:schemeClr>
+          </a:lnRef>
+          <a:fillRef idx="1">
+            <a:schemeClr val="accent1"/>
+          </a:fillRef>
+          <a:effectRef idx="0">
+            <a:schemeClr val="accent1"/>
+          </a:effectRef>
+          <a:fontRef idx="minor">
+            <a:schemeClr val="lt1"/>
+          </a:fontRef>
+        </p:style>
+      </p:cxnSp>
+      <p:cxnSp>
+        <p:nvCxnSpPr>
+          <p:cNvPr id="17" name="Connecteur droit 16"/>
+          <p:cNvCxnSpPr/>
+          <p:nvPr/>
+        </p:nvCxnSpPr>
+        <p:spPr>
+          <a:xfrm>
+            <a:off x="1979712" y="1268760"/>
+            <a:ext cx="0" cy="1440160"/>
+          </a:xfrm>
+          <a:prstGeom prst="line">
+            <a:avLst/>
+          </a:prstGeom>
+          <a:noFill/>
+          <a:ln w="28575">
+            <a:solidFill>
+              <a:srgbClr val="7030A0"/>
+            </a:solidFill>
+          </a:ln>
+        </p:spPr>
+        <p:style>
+          <a:lnRef idx="2">
+            <a:schemeClr val="accent1">
+              <a:shade val="50000"/>
+            </a:schemeClr>
+          </a:lnRef>
+          <a:fillRef idx="1">
+            <a:schemeClr val="accent1"/>
+          </a:fillRef>
+          <a:effectRef idx="0">
+            <a:schemeClr val="accent1"/>
+          </a:effectRef>
+          <a:fontRef idx="minor">
+            <a:schemeClr val="lt1"/>
+          </a:fontRef>
+        </p:style>
+      </p:cxnSp>
+      <p:sp>
+        <p:nvSpPr>
+          <p:cNvPr id="21" name="Rectangle 20"/>
+          <p:cNvSpPr/>
+          <p:nvPr/>
+        </p:nvSpPr>
+        <p:spPr>
+          <a:xfrm>
+            <a:off x="1763688" y="692696"/>
+            <a:ext cx="432048" cy="216024"/>
+          </a:xfrm>
+          <a:prstGeom prst="rect">
+            <a:avLst/>
+          </a:prstGeom>
+          <a:noFill/>
+          <a:ln w="28575">
+            <a:solidFill>
+              <a:srgbClr val="C00000"/>
+            </a:solidFill>
+          </a:ln>
+        </p:spPr>
+        <p:style>
+          <a:lnRef idx="2">
+            <a:schemeClr val="accent1">
+              <a:shade val="50000"/>
+            </a:schemeClr>
+          </a:lnRef>
+          <a:fillRef idx="1">
+            <a:schemeClr val="accent1"/>
+          </a:fillRef>
+          <a:effectRef idx="0">
+            <a:schemeClr val="accent1"/>
+          </a:effectRef>
+          <a:fontRef idx="minor">
+            <a:schemeClr val="lt1"/>
+          </a:fontRef>
+        </p:style>
+        <p:txBody>
+          <a:bodyPr rtlCol="0" anchor="ctr"/>
+          <a:lstStyle/>
+          <a:p>
+            <a:pPr algn="ctr"/>
+            <a:endParaRPr lang="fr-FR"/>
+          </a:p>
+        </p:txBody>
+      </p:sp>
+      <p:cxnSp>
+        <p:nvCxnSpPr>
+          <p:cNvPr id="22" name="Connecteur droit 21"/>
+          <p:cNvCxnSpPr/>
+          <p:nvPr/>
+        </p:nvCxnSpPr>
+        <p:spPr>
+          <a:xfrm>
+            <a:off x="1691680" y="692696"/>
+            <a:ext cx="0" cy="216024"/>
+          </a:xfrm>
+          <a:prstGeom prst="line">
+            <a:avLst/>
+          </a:prstGeom>
+          <a:noFill/>
+          <a:ln w="28575">
+            <a:solidFill>
+              <a:schemeClr val="accent5">
+                <a:lumMod val="50000"/>
+              </a:schemeClr>
+            </a:solidFill>
+          </a:ln>
+        </p:spPr>
+        <p:style>
+          <a:lnRef idx="2">
+            <a:schemeClr val="accent1">
+              <a:shade val="50000"/>
+            </a:schemeClr>
+          </a:lnRef>
+          <a:fillRef idx="1">
+            <a:schemeClr val="accent1"/>
+          </a:fillRef>
+          <a:effectRef idx="0">
+            <a:schemeClr val="accent1"/>
+          </a:effectRef>
+          <a:fontRef idx="minor">
+            <a:schemeClr val="lt1"/>
+          </a:fontRef>
+        </p:style>
+      </p:cxnSp>
+      <p:cxnSp>
+        <p:nvCxnSpPr>
+          <p:cNvPr id="23" name="Connecteur droit 22"/>
+          <p:cNvCxnSpPr/>
+          <p:nvPr/>
+        </p:nvCxnSpPr>
+        <p:spPr>
+          <a:xfrm>
+            <a:off x="2267744" y="692696"/>
+            <a:ext cx="0" cy="216024"/>
+          </a:xfrm>
+          <a:prstGeom prst="line">
+            <a:avLst/>
+          </a:prstGeom>
+          <a:noFill/>
+          <a:ln w="28575">
+            <a:solidFill>
+              <a:schemeClr val="accent5">
+                <a:lumMod val="50000"/>
+              </a:schemeClr>
+            </a:solidFill>
+          </a:ln>
+        </p:spPr>
+        <p:style>
+          <a:lnRef idx="2">
+            <a:schemeClr val="accent1">
+              <a:shade val="50000"/>
+            </a:schemeClr>
+          </a:lnRef>
+          <a:fillRef idx="1">
+            <a:schemeClr val="accent1"/>
+          </a:fillRef>
+          <a:effectRef idx="0">
+            <a:schemeClr val="accent1"/>
+          </a:effectRef>
+          <a:fontRef idx="minor">
+            <a:schemeClr val="lt1"/>
+          </a:fontRef>
+        </p:style>
+      </p:cxnSp>
+      <p:cxnSp>
+        <p:nvCxnSpPr>
+          <p:cNvPr id="24" name="Connecteur droit 23"/>
+          <p:cNvCxnSpPr/>
+          <p:nvPr/>
+        </p:nvCxnSpPr>
+        <p:spPr>
+          <a:xfrm>
+            <a:off x="1979712" y="908720"/>
+            <a:ext cx="0" cy="360040"/>
+          </a:xfrm>
+          <a:prstGeom prst="line">
+            <a:avLst/>
+          </a:prstGeom>
+          <a:noFill/>
+          <a:ln w="28575">
+            <a:solidFill>
+              <a:srgbClr val="C00000"/>
+            </a:solidFill>
+          </a:ln>
+        </p:spPr>
+        <p:style>
+          <a:lnRef idx="2">
+            <a:schemeClr val="accent1">
+              <a:shade val="50000"/>
+            </a:schemeClr>
+          </a:lnRef>
+          <a:fillRef idx="1">
+            <a:schemeClr val="accent1"/>
+          </a:fillRef>
+          <a:effectRef idx="0">
+            <a:schemeClr val="accent1"/>
+          </a:effectRef>
+          <a:fontRef idx="minor">
+            <a:schemeClr val="lt1"/>
+          </a:fontRef>
+        </p:style>
+      </p:cxnSp>
+      <p:cxnSp>
+        <p:nvCxnSpPr>
+          <p:cNvPr id="26" name="Connecteur droit 25"/>
+          <p:cNvCxnSpPr/>
+          <p:nvPr/>
+        </p:nvCxnSpPr>
+        <p:spPr>
+          <a:xfrm>
+            <a:off x="1979712" y="332656"/>
+            <a:ext cx="0" cy="360040"/>
+          </a:xfrm>
+          <a:prstGeom prst="line">
+            <a:avLst/>
+          </a:prstGeom>
+          <a:noFill/>
+          <a:ln w="28575">
+            <a:solidFill>
+              <a:srgbClr val="C00000"/>
+            </a:solidFill>
+          </a:ln>
+        </p:spPr>
+        <p:style>
+          <a:lnRef idx="2">
+            <a:schemeClr val="accent1">
+              <a:shade val="50000"/>
+            </a:schemeClr>
+          </a:lnRef>
+          <a:fillRef idx="1">
+            <a:schemeClr val="accent1"/>
+          </a:fillRef>
+          <a:effectRef idx="0">
+            <a:schemeClr val="accent1"/>
+          </a:effectRef>
+          <a:fontRef idx="minor">
+            <a:schemeClr val="lt1"/>
+          </a:fontRef>
+        </p:style>
+      </p:cxnSp>
+      <p:cxnSp>
+        <p:nvCxnSpPr>
+          <p:cNvPr id="27" name="Connecteur droit 26"/>
+          <p:cNvCxnSpPr/>
+          <p:nvPr/>
+        </p:nvCxnSpPr>
+        <p:spPr>
+          <a:xfrm>
+            <a:off x="1592052" y="806586"/>
+            <a:ext cx="819708" cy="0"/>
+          </a:xfrm>
+          <a:prstGeom prst="line">
+            <a:avLst/>
+          </a:prstGeom>
+          <a:noFill/>
+          <a:ln w="28575">
+            <a:solidFill>
+              <a:schemeClr val="accent5">
+                <a:lumMod val="50000"/>
+              </a:schemeClr>
+            </a:solidFill>
+          </a:ln>
+        </p:spPr>
+        <p:style>
+          <a:lnRef idx="2">
+            <a:schemeClr val="accent1">
+              <a:shade val="50000"/>
+            </a:schemeClr>
+          </a:lnRef>
+          <a:fillRef idx="1">
+            <a:schemeClr val="accent1"/>
+          </a:fillRef>
+          <a:effectRef idx="0">
+            <a:schemeClr val="accent1"/>
+          </a:effectRef>
+          <a:fontRef idx="minor">
+            <a:schemeClr val="lt1"/>
+          </a:fontRef>
+        </p:style>
+      </p:cxnSp>
+      <p:cxnSp>
+        <p:nvCxnSpPr>
+          <p:cNvPr id="35" name="Connecteur droit 34"/>
+          <p:cNvCxnSpPr/>
+          <p:nvPr/>
+        </p:nvCxnSpPr>
+        <p:spPr>
+          <a:xfrm>
+            <a:off x="1895379" y="1268760"/>
+            <a:ext cx="168666" cy="0"/>
+          </a:xfrm>
+          <a:prstGeom prst="line">
+            <a:avLst/>
+          </a:prstGeom>
+          <a:noFill/>
+          <a:ln w="28575">
+            <a:solidFill>
+              <a:srgbClr val="7030A0"/>
+            </a:solidFill>
+          </a:ln>
+        </p:spPr>
+        <p:style>
+          <a:lnRef idx="2">
+            <a:schemeClr val="accent1">
+              <a:shade val="50000"/>
+            </a:schemeClr>
+          </a:lnRef>
+          <a:fillRef idx="1">
+            <a:schemeClr val="accent1"/>
+          </a:fillRef>
+          <a:effectRef idx="0">
+            <a:schemeClr val="accent1"/>
+          </a:effectRef>
+          <a:fontRef idx="minor">
+            <a:schemeClr val="lt1"/>
+          </a:fontRef>
+        </p:style>
+      </p:cxnSp>
+      <p:cxnSp>
+        <p:nvCxnSpPr>
+          <p:cNvPr id="36" name="Connecteur droit 35"/>
+          <p:cNvCxnSpPr/>
+          <p:nvPr/>
+        </p:nvCxnSpPr>
+        <p:spPr>
+          <a:xfrm>
+            <a:off x="1979712" y="188640"/>
+            <a:ext cx="0" cy="144016"/>
+          </a:xfrm>
+          <a:prstGeom prst="line">
+            <a:avLst/>
+          </a:prstGeom>
+          <a:noFill/>
+          <a:ln w="28575">
+            <a:solidFill>
+              <a:schemeClr val="tx1"/>
+            </a:solidFill>
+          </a:ln>
+        </p:spPr>
+        <p:style>
+          <a:lnRef idx="2">
+            <a:schemeClr val="accent1">
+              <a:shade val="50000"/>
+            </a:schemeClr>
+          </a:lnRef>
+          <a:fillRef idx="1">
+            <a:schemeClr val="accent1"/>
+          </a:fillRef>
+          <a:effectRef idx="0">
+            <a:schemeClr val="accent1"/>
+          </a:effectRef>
+          <a:fontRef idx="minor">
+            <a:schemeClr val="lt1"/>
+          </a:fontRef>
+        </p:style>
+      </p:cxnSp>
+      <p:cxnSp>
+        <p:nvCxnSpPr>
+          <p:cNvPr id="38" name="Connecteur droit 37"/>
+          <p:cNvCxnSpPr/>
+          <p:nvPr/>
+        </p:nvCxnSpPr>
+        <p:spPr>
+          <a:xfrm flipH="1">
+            <a:off x="1259632" y="188640"/>
+            <a:ext cx="1872208" cy="0"/>
+          </a:xfrm>
+          <a:prstGeom prst="line">
+            <a:avLst/>
+          </a:prstGeom>
+          <a:noFill/>
+          <a:ln w="28575">
+            <a:solidFill>
+              <a:schemeClr val="tx1"/>
+            </a:solidFill>
+          </a:ln>
+        </p:spPr>
+        <p:style>
+          <a:lnRef idx="2">
+            <a:schemeClr val="accent1">
+              <a:shade val="50000"/>
+            </a:schemeClr>
+          </a:lnRef>
+          <a:fillRef idx="1">
+            <a:schemeClr val="accent1"/>
+          </a:fillRef>
+          <a:effectRef idx="0">
+            <a:schemeClr val="accent1"/>
+          </a:effectRef>
+          <a:fontRef idx="minor">
+            <a:schemeClr val="lt1"/>
+          </a:fontRef>
+        </p:style>
+      </p:cxnSp>
+      <p:cxnSp>
+        <p:nvCxnSpPr>
+          <p:cNvPr id="41" name="Connecteur droit 40"/>
+          <p:cNvCxnSpPr>
+            <a:endCxn id="46" idx="0"/>
+          </p:cNvCxnSpPr>
+          <p:nvPr/>
+        </p:nvCxnSpPr>
+        <p:spPr>
+          <a:xfrm>
+            <a:off x="3131840" y="188640"/>
+            <a:ext cx="0" cy="1692188"/>
+          </a:xfrm>
+          <a:prstGeom prst="line">
+            <a:avLst/>
+          </a:prstGeom>
+          <a:noFill/>
+          <a:ln w="28575">
+            <a:solidFill>
+              <a:schemeClr val="tx1"/>
+            </a:solidFill>
+          </a:ln>
+        </p:spPr>
+        <p:style>
+          <a:lnRef idx="2">
+            <a:schemeClr val="accent1">
+              <a:shade val="50000"/>
+            </a:schemeClr>
+          </a:lnRef>
+          <a:fillRef idx="1">
+            <a:schemeClr val="accent1"/>
+          </a:fillRef>
+          <a:effectRef idx="0">
+            <a:schemeClr val="accent1"/>
+          </a:effectRef>
+          <a:fontRef idx="minor">
+            <a:schemeClr val="lt1"/>
+          </a:fontRef>
+        </p:style>
+      </p:cxnSp>
+      <p:cxnSp>
+        <p:nvCxnSpPr>
+          <p:cNvPr id="28" name="Connecteur droit 27"/>
+          <p:cNvCxnSpPr/>
+          <p:nvPr/>
+        </p:nvCxnSpPr>
+        <p:spPr>
+          <a:xfrm>
+            <a:off x="1895379" y="332656"/>
+            <a:ext cx="168666" cy="0"/>
+          </a:xfrm>
+          <a:prstGeom prst="line">
+            <a:avLst/>
+          </a:prstGeom>
+          <a:noFill/>
+          <a:ln w="28575">
+            <a:solidFill>
+              <a:srgbClr val="C00000"/>
+            </a:solidFill>
+          </a:ln>
+        </p:spPr>
+        <p:style>
+          <a:lnRef idx="2">
+            <a:schemeClr val="accent1">
+              <a:shade val="50000"/>
+            </a:schemeClr>
+          </a:lnRef>
+          <a:fillRef idx="1">
+            <a:schemeClr val="accent1"/>
+          </a:fillRef>
+          <a:effectRef idx="0">
+            <a:schemeClr val="accent1"/>
+          </a:effectRef>
+          <a:fontRef idx="minor">
+            <a:schemeClr val="lt1"/>
+          </a:fontRef>
+        </p:style>
+      </p:cxnSp>
+      <p:sp>
+        <p:nvSpPr>
+          <p:cNvPr id="46" name="Rectangle 45"/>
+          <p:cNvSpPr/>
+          <p:nvPr/>
+        </p:nvSpPr>
+        <p:spPr>
+          <a:xfrm>
+            <a:off x="2915816" y="1880828"/>
+            <a:ext cx="432048" cy="216024"/>
+          </a:xfrm>
+          <a:prstGeom prst="rect">
+            <a:avLst/>
+          </a:prstGeom>
+          <a:noFill/>
+          <a:ln w="28575">
+            <a:solidFill>
+              <a:schemeClr val="tx1"/>
+            </a:solidFill>
+          </a:ln>
+        </p:spPr>
+        <p:style>
+          <a:lnRef idx="2">
+            <a:schemeClr val="accent1">
+              <a:shade val="50000"/>
+            </a:schemeClr>
+          </a:lnRef>
+          <a:fillRef idx="1">
+            <a:schemeClr val="accent1"/>
+          </a:fillRef>
+          <a:effectRef idx="0">
+            <a:schemeClr val="accent1"/>
+          </a:effectRef>
+          <a:fontRef idx="minor">
+            <a:schemeClr val="lt1"/>
+          </a:fontRef>
+        </p:style>
+        <p:txBody>
+          <a:bodyPr rtlCol="0" anchor="ctr"/>
+          <a:lstStyle/>
+          <a:p>
+            <a:pPr algn="ctr"/>
+            <a:endParaRPr lang="fr-FR"/>
+          </a:p>
+        </p:txBody>
+      </p:sp>
+      <p:cxnSp>
+        <p:nvCxnSpPr>
+          <p:cNvPr id="48" name="Connecteur droit 47"/>
+          <p:cNvCxnSpPr/>
+          <p:nvPr/>
+        </p:nvCxnSpPr>
+        <p:spPr>
+          <a:xfrm>
+            <a:off x="3131840" y="2096852"/>
+            <a:ext cx="0" cy="1692188"/>
+          </a:xfrm>
+          <a:prstGeom prst="line">
+            <a:avLst/>
+          </a:prstGeom>
+          <a:noFill/>
+          <a:ln w="28575">
+            <a:solidFill>
+              <a:schemeClr val="tx1"/>
+            </a:solidFill>
+          </a:ln>
+        </p:spPr>
+        <p:style>
+          <a:lnRef idx="2">
+            <a:schemeClr val="accent1">
+              <a:shade val="50000"/>
+            </a:schemeClr>
+          </a:lnRef>
+          <a:fillRef idx="1">
+            <a:schemeClr val="accent1"/>
+          </a:fillRef>
+          <a:effectRef idx="0">
+            <a:schemeClr val="accent1"/>
+          </a:effectRef>
+          <a:fontRef idx="minor">
+            <a:schemeClr val="lt1"/>
+          </a:fontRef>
+        </p:style>
+      </p:cxnSp>
+      <p:cxnSp>
+        <p:nvCxnSpPr>
+          <p:cNvPr id="49" name="Connecteur droit 48"/>
+          <p:cNvCxnSpPr/>
+          <p:nvPr/>
+        </p:nvCxnSpPr>
+        <p:spPr>
+          <a:xfrm>
+            <a:off x="1979712" y="3637218"/>
+            <a:ext cx="0" cy="144016"/>
+          </a:xfrm>
+          <a:prstGeom prst="line">
+            <a:avLst/>
+          </a:prstGeom>
+          <a:noFill/>
+          <a:ln w="28575">
+            <a:solidFill>
+              <a:schemeClr val="tx1"/>
+            </a:solidFill>
+          </a:ln>
+        </p:spPr>
+        <p:style>
+          <a:lnRef idx="2">
+            <a:schemeClr val="accent1">
+              <a:shade val="50000"/>
+            </a:schemeClr>
+          </a:lnRef>
+          <a:fillRef idx="1">
+            <a:schemeClr val="accent1"/>
+          </a:fillRef>
+          <a:effectRef idx="0">
+            <a:schemeClr val="accent1"/>
+          </a:effectRef>
+          <a:fontRef idx="minor">
+            <a:schemeClr val="lt1"/>
+          </a:fontRef>
+        </p:style>
+      </p:cxnSp>
+      <p:cxnSp>
+        <p:nvCxnSpPr>
+          <p:cNvPr id="50" name="Connecteur droit 49"/>
+          <p:cNvCxnSpPr/>
+          <p:nvPr/>
+        </p:nvCxnSpPr>
+        <p:spPr>
+          <a:xfrm flipH="1">
+            <a:off x="1979712" y="3781234"/>
+            <a:ext cx="1152128" cy="0"/>
+          </a:xfrm>
+          <a:prstGeom prst="line">
+            <a:avLst/>
+          </a:prstGeom>
+          <a:noFill/>
+          <a:ln w="28575">
+            <a:solidFill>
+              <a:schemeClr val="tx1"/>
+            </a:solidFill>
+          </a:ln>
+        </p:spPr>
+        <p:style>
+          <a:lnRef idx="2">
+            <a:schemeClr val="accent1">
+              <a:shade val="50000"/>
+            </a:schemeClr>
+          </a:lnRef>
+          <a:fillRef idx="1">
+            <a:schemeClr val="accent1"/>
+          </a:fillRef>
+          <a:effectRef idx="0">
+            <a:schemeClr val="accent1"/>
+          </a:effectRef>
+          <a:fontRef idx="minor">
+            <a:schemeClr val="lt1"/>
+          </a:fontRef>
+        </p:style>
+      </p:cxnSp>
+      <p:cxnSp>
+        <p:nvCxnSpPr>
+          <p:cNvPr id="51" name="Connecteur droit 50"/>
+          <p:cNvCxnSpPr/>
+          <p:nvPr/>
+        </p:nvCxnSpPr>
+        <p:spPr>
+          <a:xfrm>
+            <a:off x="1895379" y="3637218"/>
+            <a:ext cx="168666" cy="0"/>
+          </a:xfrm>
+          <a:prstGeom prst="line">
+            <a:avLst/>
+          </a:prstGeom>
+          <a:noFill/>
+          <a:ln w="28575">
+            <a:solidFill>
+              <a:schemeClr val="tx1"/>
+            </a:solidFill>
+          </a:ln>
+        </p:spPr>
+        <p:style>
+          <a:lnRef idx="2">
+            <a:schemeClr val="accent1">
+              <a:shade val="50000"/>
+            </a:schemeClr>
+          </a:lnRef>
+          <a:fillRef idx="1">
+            <a:schemeClr val="accent1"/>
+          </a:fillRef>
+          <a:effectRef idx="0">
+            <a:schemeClr val="accent1"/>
+          </a:effectRef>
+          <a:fontRef idx="minor">
+            <a:schemeClr val="lt1"/>
+          </a:fontRef>
+        </p:style>
+      </p:cxnSp>
+      <p:cxnSp>
+        <p:nvCxnSpPr>
+          <p:cNvPr id="52" name="Connecteur droit 51"/>
+          <p:cNvCxnSpPr/>
+          <p:nvPr/>
+        </p:nvCxnSpPr>
+        <p:spPr>
+          <a:xfrm>
+            <a:off x="1895379" y="2702982"/>
+            <a:ext cx="168666" cy="0"/>
+          </a:xfrm>
+          <a:prstGeom prst="line">
+            <a:avLst/>
+          </a:prstGeom>
+          <a:noFill/>
+          <a:ln w="28575">
+            <a:solidFill>
+              <a:srgbClr val="7030A0"/>
+            </a:solidFill>
+          </a:ln>
+        </p:spPr>
+        <p:style>
+          <a:lnRef idx="2">
+            <a:schemeClr val="accent1">
+              <a:shade val="50000"/>
+            </a:schemeClr>
+          </a:lnRef>
+          <a:fillRef idx="1">
+            <a:schemeClr val="accent1"/>
+          </a:fillRef>
+          <a:effectRef idx="0">
+            <a:schemeClr val="accent1"/>
+          </a:effectRef>
+          <a:fontRef idx="minor">
+            <a:schemeClr val="lt1"/>
+          </a:fontRef>
+        </p:style>
+      </p:cxnSp>
+      <p:cxnSp>
+        <p:nvCxnSpPr>
+          <p:cNvPr id="54" name="Connecteur droit 53"/>
+          <p:cNvCxnSpPr/>
+          <p:nvPr/>
+        </p:nvCxnSpPr>
+        <p:spPr>
+          <a:xfrm>
+            <a:off x="2845845" y="1874950"/>
+            <a:ext cx="0" cy="216024"/>
+          </a:xfrm>
+          <a:prstGeom prst="line">
+            <a:avLst/>
+          </a:prstGeom>
+          <a:noFill/>
+          <a:ln w="28575">
+            <a:solidFill>
+              <a:schemeClr val="accent5">
+                <a:lumMod val="50000"/>
+              </a:schemeClr>
+            </a:solidFill>
+          </a:ln>
+        </p:spPr>
+        <p:style>
+          <a:lnRef idx="2">
+            <a:schemeClr val="accent1">
+              <a:shade val="50000"/>
+            </a:schemeClr>
+          </a:lnRef>
+          <a:fillRef idx="1">
+            <a:schemeClr val="accent1"/>
+          </a:fillRef>
+          <a:effectRef idx="0">
+            <a:schemeClr val="accent1"/>
+          </a:effectRef>
+          <a:fontRef idx="minor">
+            <a:schemeClr val="lt1"/>
+          </a:fontRef>
+        </p:style>
+      </p:cxnSp>
+      <p:cxnSp>
+        <p:nvCxnSpPr>
+          <p:cNvPr id="55" name="Connecteur droit 54"/>
+          <p:cNvCxnSpPr/>
+          <p:nvPr/>
+        </p:nvCxnSpPr>
+        <p:spPr>
+          <a:xfrm>
+            <a:off x="3421909" y="1874950"/>
+            <a:ext cx="0" cy="216024"/>
+          </a:xfrm>
+          <a:prstGeom prst="line">
+            <a:avLst/>
+          </a:prstGeom>
+          <a:noFill/>
+          <a:ln w="28575">
+            <a:solidFill>
+              <a:schemeClr val="accent5">
+                <a:lumMod val="50000"/>
+              </a:schemeClr>
+            </a:solidFill>
+          </a:ln>
+        </p:spPr>
+        <p:style>
+          <a:lnRef idx="2">
+            <a:schemeClr val="accent1">
+              <a:shade val="50000"/>
+            </a:schemeClr>
+          </a:lnRef>
+          <a:fillRef idx="1">
+            <a:schemeClr val="accent1"/>
+          </a:fillRef>
+          <a:effectRef idx="0">
+            <a:schemeClr val="accent1"/>
+          </a:effectRef>
+          <a:fontRef idx="minor">
+            <a:schemeClr val="lt1"/>
+          </a:fontRef>
+        </p:style>
+      </p:cxnSp>
+      <p:cxnSp>
+        <p:nvCxnSpPr>
+          <p:cNvPr id="56" name="Connecteur droit 55"/>
+          <p:cNvCxnSpPr/>
+          <p:nvPr/>
+        </p:nvCxnSpPr>
+        <p:spPr>
+          <a:xfrm>
+            <a:off x="2411760" y="1982962"/>
+            <a:ext cx="1154165" cy="0"/>
+          </a:xfrm>
+          <a:prstGeom prst="line">
+            <a:avLst/>
+          </a:prstGeom>
+          <a:noFill/>
+          <a:ln w="28575">
+            <a:solidFill>
+              <a:schemeClr val="accent5">
+                <a:lumMod val="50000"/>
+              </a:schemeClr>
+            </a:solidFill>
+          </a:ln>
+        </p:spPr>
+        <p:style>
+          <a:lnRef idx="2">
+            <a:schemeClr val="accent1">
+              <a:shade val="50000"/>
+            </a:schemeClr>
+          </a:lnRef>
+          <a:fillRef idx="1">
+            <a:schemeClr val="accent1"/>
+          </a:fillRef>
+          <a:effectRef idx="0">
+            <a:schemeClr val="accent1"/>
+          </a:effectRef>
+          <a:fontRef idx="minor">
+            <a:schemeClr val="lt1"/>
+          </a:fontRef>
+        </p:style>
+      </p:cxnSp>
+      <p:cxnSp>
+        <p:nvCxnSpPr>
+          <p:cNvPr id="57" name="Connecteur droit 56"/>
+          <p:cNvCxnSpPr/>
+          <p:nvPr/>
+        </p:nvCxnSpPr>
+        <p:spPr>
+          <a:xfrm>
+            <a:off x="2400551" y="800708"/>
+            <a:ext cx="0" cy="1188132"/>
+          </a:xfrm>
+          <a:prstGeom prst="line">
+            <a:avLst/>
+          </a:prstGeom>
+          <a:noFill/>
+          <a:ln w="28575">
+            <a:solidFill>
+              <a:schemeClr val="accent5">
+                <a:lumMod val="50000"/>
+              </a:schemeClr>
+            </a:solidFill>
+          </a:ln>
+        </p:spPr>
+        <p:style>
+          <a:lnRef idx="2">
+            <a:schemeClr val="accent1">
+              <a:shade val="50000"/>
+            </a:schemeClr>
+          </a:lnRef>
+          <a:fillRef idx="1">
+            <a:schemeClr val="accent1"/>
+          </a:fillRef>
+          <a:effectRef idx="0">
+            <a:schemeClr val="accent1"/>
+          </a:effectRef>
+          <a:fontRef idx="minor">
+            <a:schemeClr val="lt1"/>
+          </a:fontRef>
+        </p:style>
+      </p:cxnSp>
+      <p:cxnSp>
+        <p:nvCxnSpPr>
+          <p:cNvPr id="60" name="Connecteur droit 59"/>
+          <p:cNvCxnSpPr/>
+          <p:nvPr/>
+        </p:nvCxnSpPr>
+        <p:spPr>
+          <a:xfrm>
+            <a:off x="3851920" y="1982962"/>
+            <a:ext cx="720080" cy="0"/>
+          </a:xfrm>
+          <a:prstGeom prst="line">
+            <a:avLst/>
+          </a:prstGeom>
+          <a:noFill/>
+          <a:ln w="28575">
+            <a:solidFill>
+              <a:schemeClr val="tx1"/>
+            </a:solidFill>
+            <a:tailEnd type="stealth" w="med" len="lg"/>
+          </a:ln>
+        </p:spPr>
+        <p:style>
+          <a:lnRef idx="2">
+            <a:schemeClr val="accent1">
+              <a:shade val="50000"/>
+            </a:schemeClr>
+          </a:lnRef>
+          <a:fillRef idx="1">
+            <a:schemeClr val="accent1"/>
+          </a:fillRef>
+          <a:effectRef idx="0">
+            <a:schemeClr val="accent1"/>
+          </a:effectRef>
+          <a:fontRef idx="minor">
+            <a:schemeClr val="lt1"/>
+          </a:fontRef>
+        </p:style>
+      </p:cxnSp>
+      <p:cxnSp>
+        <p:nvCxnSpPr>
+          <p:cNvPr id="63" name="Connecteur droit 62"/>
+          <p:cNvCxnSpPr/>
+          <p:nvPr/>
+        </p:nvCxnSpPr>
+        <p:spPr>
+          <a:xfrm rot="16200000">
+            <a:off x="3491880" y="1628800"/>
+            <a:ext cx="720080" cy="0"/>
+          </a:xfrm>
+          <a:prstGeom prst="line">
+            <a:avLst/>
+          </a:prstGeom>
+          <a:noFill/>
+          <a:ln w="28575">
+            <a:solidFill>
+              <a:schemeClr val="tx1"/>
+            </a:solidFill>
+            <a:tailEnd type="stealth" w="med" len="lg"/>
+          </a:ln>
+        </p:spPr>
+        <p:style>
+          <a:lnRef idx="2">
+            <a:schemeClr val="accent1">
+              <a:shade val="50000"/>
+            </a:schemeClr>
+          </a:lnRef>
+          <a:fillRef idx="1">
+            <a:schemeClr val="accent1"/>
+          </a:fillRef>
+          <a:effectRef idx="0">
+            <a:schemeClr val="accent1"/>
+          </a:effectRef>
+          <a:fontRef idx="minor">
+            <a:schemeClr val="lt1"/>
+          </a:fontRef>
+        </p:style>
+      </p:cxnSp>
+      <mc:AlternateContent xmlns:mc="http://schemas.openxmlformats.org/markup-compatibility/2006" xmlns:a14="http://schemas.microsoft.com/office/drawing/2010/main">
+        <mc:Choice Requires="a14">
+          <p:sp>
+            <p:nvSpPr>
+              <p:cNvPr id="64" name="ZoneTexte 63"/>
+              <p:cNvSpPr txBox="1"/>
+              <p:nvPr/>
+            </p:nvSpPr>
+            <p:spPr>
+              <a:xfrm>
+                <a:off x="4309357" y="1705963"/>
+                <a:ext cx="362022" cy="276999"/>
+              </a:xfrm>
+              <a:prstGeom prst="rect">
+                <a:avLst/>
+              </a:prstGeom>
+              <a:noFill/>
+            </p:spPr>
+            <p:txBody>
+              <a:bodyPr wrap="none" rtlCol="0">
+                <a:spAutoFit/>
+              </a:bodyPr>
+              <a:lstStyle/>
+              <a:p>
+                <a:pPr/>
+                <a14:m>
+                  <m:oMathPara xmlns:m="http://schemas.openxmlformats.org/officeDocument/2006/math">
+                    <m:oMathParaPr>
+                      <m:jc m:val="centerGroup"/>
+                    </m:oMathParaPr>
+                    <m:oMath xmlns:m="http://schemas.openxmlformats.org/officeDocument/2006/math">
+                      <m:acc>
+                        <m:accPr>
+                          <m:chr m:val="⃗"/>
+                          <m:ctrlPr>
+                            <a:rPr lang="fr-FR" sz="1200" i="1" smtClean="0">
+                              <a:latin typeface="Cambria Math" panose="02040503050406030204" pitchFamily="18" charset="0"/>
+                            </a:rPr>
+                          </m:ctrlPr>
+                        </m:accPr>
+                        <m:e>
+                          <m:sSub>
+                            <m:sSubPr>
+                              <m:ctrlPr>
+                                <a:rPr lang="fr-FR" sz="1200" b="0" i="1" smtClean="0">
+                                  <a:latin typeface="Cambria Math" panose="02040503050406030204" pitchFamily="18" charset="0"/>
+                                </a:rPr>
+                              </m:ctrlPr>
+                            </m:sSubPr>
+                            <m:e>
+                              <m:r>
+                                <a:rPr lang="fr-FR" sz="1200" b="0" i="1" smtClean="0">
+                                  <a:latin typeface="Cambria Math"/>
+                                </a:rPr>
+                                <m:t>𝑧</m:t>
+                              </m:r>
+                            </m:e>
+                            <m:sub>
+                              <m:r>
+                                <a:rPr lang="fr-FR" sz="1200" b="0" i="1" smtClean="0">
+                                  <a:latin typeface="Cambria Math"/>
+                                </a:rPr>
+                                <m:t>0</m:t>
+                              </m:r>
+                            </m:sub>
+                          </m:sSub>
+                        </m:e>
+                      </m:acc>
+                    </m:oMath>
+                  </m:oMathPara>
+                </a14:m>
+                <a:endParaRPr lang="fr-FR" sz="1200" dirty="0"/>
+              </a:p>
+            </p:txBody>
+          </p:sp>
+        </mc:Choice>
+        <mc:Fallback xmlns="">
+          <p:sp>
+            <p:nvSpPr>
+              <p:cNvPr id="64" name="ZoneTexte 63"/>
+              <p:cNvSpPr txBox="1">
+                <a:spLocks noRot="1" noChangeAspect="1" noMove="1" noResize="1" noEditPoints="1" noAdjustHandles="1" noChangeArrowheads="1" noChangeShapeType="1" noTextEdit="1"/>
+              </p:cNvSpPr>
+              <p:nvPr/>
+            </p:nvSpPr>
+            <p:spPr>
+              <a:xfrm>
+                <a:off x="4309357" y="1705963"/>
+                <a:ext cx="362022" cy="276999"/>
+              </a:xfrm>
+              <a:prstGeom prst="rect">
+                <a:avLst/>
+              </a:prstGeom>
+              <a:blipFill rotWithShape="1">
+                <a:blip r:embed="rId2"/>
+                <a:stretch>
+                  <a:fillRect/>
+                </a:stretch>
+              </a:blipFill>
+            </p:spPr>
+            <p:txBody>
+              <a:bodyPr/>
+              <a:lstStyle/>
+              <a:p>
+                <a:r>
+                  <a:rPr lang="fr-FR">
+                    <a:noFill/>
+                  </a:rPr>
+                  <a:t> </a:t>
+                </a:r>
+              </a:p>
+            </p:txBody>
+          </p:sp>
+        </mc:Fallback>
+      </mc:AlternateContent>
+      <mc:AlternateContent xmlns:mc="http://schemas.openxmlformats.org/markup-compatibility/2006" xmlns:a14="http://schemas.microsoft.com/office/drawing/2010/main">
+        <mc:Choice Requires="a14">
+          <p:sp>
+            <p:nvSpPr>
+              <p:cNvPr id="65" name="ZoneTexte 64"/>
+              <p:cNvSpPr txBox="1"/>
+              <p:nvPr/>
+            </p:nvSpPr>
+            <p:spPr>
+              <a:xfrm>
+                <a:off x="3779912" y="1130260"/>
+                <a:ext cx="372346" cy="276999"/>
+              </a:xfrm>
+              <a:prstGeom prst="rect">
+                <a:avLst/>
+              </a:prstGeom>
+              <a:noFill/>
+            </p:spPr>
+            <p:txBody>
+              <a:bodyPr wrap="none" rtlCol="0">
+                <a:spAutoFit/>
+              </a:bodyPr>
+              <a:lstStyle/>
+              <a:p>
+                <a:pPr/>
+                <a14:m>
+                  <m:oMathPara xmlns:m="http://schemas.openxmlformats.org/officeDocument/2006/math">
+                    <m:oMathParaPr>
+                      <m:jc m:val="centerGroup"/>
+                    </m:oMathParaPr>
+                    <m:oMath xmlns:m="http://schemas.openxmlformats.org/officeDocument/2006/math">
+                      <m:acc>
+                        <m:accPr>
+                          <m:chr m:val="⃗"/>
+                          <m:ctrlPr>
+                            <a:rPr lang="fr-FR" sz="1200" i="1" smtClean="0">
+                              <a:latin typeface="Cambria Math" panose="02040503050406030204" pitchFamily="18" charset="0"/>
+                            </a:rPr>
+                          </m:ctrlPr>
+                        </m:accPr>
+                        <m:e>
+                          <m:sSub>
+                            <m:sSubPr>
+                              <m:ctrlPr>
+                                <a:rPr lang="fr-FR" sz="1200" b="0" i="1" smtClean="0">
+                                  <a:latin typeface="Cambria Math" panose="02040503050406030204" pitchFamily="18" charset="0"/>
+                                </a:rPr>
+                              </m:ctrlPr>
+                            </m:sSubPr>
+                            <m:e>
+                              <m:r>
+                                <a:rPr lang="fr-FR" sz="1200" b="0" i="1" smtClean="0">
+                                  <a:latin typeface="Cambria Math"/>
+                                </a:rPr>
+                                <m:t>𝑥</m:t>
+                              </m:r>
+                            </m:e>
+                            <m:sub>
+                              <m:r>
+                                <a:rPr lang="fr-FR" sz="1200" b="0" i="1" smtClean="0">
+                                  <a:latin typeface="Cambria Math"/>
+                                </a:rPr>
+                                <m:t>0</m:t>
+                              </m:r>
+                            </m:sub>
+                          </m:sSub>
+                        </m:e>
+                      </m:acc>
+                    </m:oMath>
+                  </m:oMathPara>
+                </a14:m>
+                <a:endParaRPr lang="fr-FR" sz="1200" dirty="0"/>
+              </a:p>
+            </p:txBody>
+          </p:sp>
+        </mc:Choice>
+        <mc:Fallback xmlns="">
+          <p:sp>
+            <p:nvSpPr>
+              <p:cNvPr id="65" name="ZoneTexte 64"/>
+              <p:cNvSpPr txBox="1">
+                <a:spLocks noRot="1" noChangeAspect="1" noMove="1" noResize="1" noEditPoints="1" noAdjustHandles="1" noChangeArrowheads="1" noChangeShapeType="1" noTextEdit="1"/>
+              </p:cNvSpPr>
+              <p:nvPr/>
+            </p:nvSpPr>
+            <p:spPr>
+              <a:xfrm>
+                <a:off x="3779912" y="1130260"/>
+                <a:ext cx="372346" cy="276999"/>
+              </a:xfrm>
+              <a:prstGeom prst="rect">
+                <a:avLst/>
+              </a:prstGeom>
+              <a:blipFill rotWithShape="1">
+                <a:blip r:embed="rId3"/>
+                <a:stretch>
+                  <a:fillRect/>
+                </a:stretch>
+              </a:blipFill>
+            </p:spPr>
+            <p:txBody>
+              <a:bodyPr/>
+              <a:lstStyle/>
+              <a:p>
+                <a:r>
+                  <a:rPr lang="fr-FR">
+                    <a:noFill/>
+                  </a:rPr>
+                  <a:t> </a:t>
+                </a:r>
+              </a:p>
+            </p:txBody>
+          </p:sp>
+        </mc:Fallback>
+      </mc:AlternateContent>
+      <p:sp>
+        <p:nvSpPr>
+          <p:cNvPr id="66" name="Ellipse 65"/>
+          <p:cNvSpPr/>
+          <p:nvPr/>
+        </p:nvSpPr>
+        <p:spPr>
+          <a:xfrm>
+            <a:off x="1666176" y="1680136"/>
+            <a:ext cx="276999" cy="276999"/>
+          </a:xfrm>
+          <a:prstGeom prst="ellipse">
+            <a:avLst/>
+          </a:prstGeom>
+          <a:noFill/>
+          <a:ln w="28575">
+            <a:solidFill>
+              <a:srgbClr val="7030A0"/>
+            </a:solidFill>
+          </a:ln>
+        </p:spPr>
+        <p:style>
+          <a:lnRef idx="2">
+            <a:schemeClr val="accent1">
+              <a:shade val="50000"/>
+            </a:schemeClr>
+          </a:lnRef>
+          <a:fillRef idx="1">
+            <a:schemeClr val="accent1"/>
+          </a:fillRef>
+          <a:effectRef idx="0">
+            <a:schemeClr val="accent1"/>
+          </a:effectRef>
+          <a:fontRef idx="minor">
+            <a:schemeClr val="lt1"/>
+          </a:fontRef>
+        </p:style>
+        <p:txBody>
+          <a:bodyPr lIns="0" tIns="0" rIns="0" bIns="0" rtlCol="0" anchor="ctr"/>
+          <a:lstStyle/>
+          <a:p>
+            <a:pPr algn="ctr"/>
+            <a:r>
+              <a:rPr lang="fr-FR" sz="1400" dirty="0">
+                <a:ln>
+                  <a:solidFill>
+                    <a:srgbClr val="7030A0"/>
+                  </a:solidFill>
+                </a:ln>
+                <a:solidFill>
+                  <a:srgbClr val="7030A0"/>
+                </a:solidFill>
+              </a:rPr>
+              <a:t>1</a:t>
+            </a:r>
+          </a:p>
+        </p:txBody>
+      </p:sp>
+      <p:sp>
+        <p:nvSpPr>
+          <p:cNvPr id="67" name="Ellipse 66"/>
+          <p:cNvSpPr/>
+          <p:nvPr/>
+        </p:nvSpPr>
+        <p:spPr>
+          <a:xfrm>
+            <a:off x="2057236" y="374176"/>
+            <a:ext cx="276999" cy="276999"/>
+          </a:xfrm>
+          <a:prstGeom prst="ellipse">
+            <a:avLst/>
+          </a:prstGeom>
+          <a:noFill/>
+          <a:ln w="28575">
+            <a:solidFill>
+              <a:srgbClr val="C00000"/>
+            </a:solidFill>
+          </a:ln>
+        </p:spPr>
+        <p:style>
+          <a:lnRef idx="2">
+            <a:schemeClr val="accent1">
+              <a:shade val="50000"/>
+            </a:schemeClr>
+          </a:lnRef>
+          <a:fillRef idx="1">
+            <a:schemeClr val="accent1"/>
+          </a:fillRef>
+          <a:effectRef idx="0">
+            <a:schemeClr val="accent1"/>
+          </a:effectRef>
+          <a:fontRef idx="minor">
+            <a:schemeClr val="lt1"/>
+          </a:fontRef>
+        </p:style>
+        <p:txBody>
+          <a:bodyPr lIns="0" tIns="0" rIns="0" bIns="0" rtlCol="0" anchor="ctr"/>
+          <a:lstStyle/>
+          <a:p>
+            <a:pPr algn="ctr"/>
+            <a:r>
+              <a:rPr lang="fr-FR" sz="1400" dirty="0">
+                <a:ln>
+                  <a:solidFill>
+                    <a:srgbClr val="C00000"/>
+                  </a:solidFill>
+                </a:ln>
+                <a:solidFill>
+                  <a:srgbClr val="C00000"/>
+                </a:solidFill>
+              </a:rPr>
+              <a:t>2</a:t>
+            </a:r>
+          </a:p>
+        </p:txBody>
+      </p:sp>
+      <p:sp>
+        <p:nvSpPr>
+          <p:cNvPr id="68" name="Ellipse 67"/>
+          <p:cNvSpPr/>
+          <p:nvPr/>
+        </p:nvSpPr>
+        <p:spPr>
+          <a:xfrm>
+            <a:off x="2434691" y="1668296"/>
+            <a:ext cx="276999" cy="276999"/>
+          </a:xfrm>
+          <a:prstGeom prst="ellipse">
+            <a:avLst/>
+          </a:prstGeom>
+          <a:noFill/>
+          <a:ln w="28575">
+            <a:solidFill>
+              <a:schemeClr val="accent5">
+                <a:lumMod val="50000"/>
+              </a:schemeClr>
+            </a:solidFill>
+          </a:ln>
+        </p:spPr>
+        <p:style>
+          <a:lnRef idx="2">
+            <a:schemeClr val="accent1">
+              <a:shade val="50000"/>
+            </a:schemeClr>
+          </a:lnRef>
+          <a:fillRef idx="1">
+            <a:schemeClr val="accent1"/>
+          </a:fillRef>
+          <a:effectRef idx="0">
+            <a:schemeClr val="accent1"/>
+          </a:effectRef>
+          <a:fontRef idx="minor">
+            <a:schemeClr val="lt1"/>
+          </a:fontRef>
+        </p:style>
+        <p:txBody>
+          <a:bodyPr lIns="0" tIns="0" rIns="0" bIns="0" rtlCol="0" anchor="ctr"/>
+          <a:lstStyle/>
+          <a:p>
+            <a:pPr algn="ctr"/>
+            <a:r>
+              <a:rPr lang="fr-FR" sz="1400" dirty="0">
+                <a:ln>
+                  <a:solidFill>
+                    <a:schemeClr val="accent5">
+                      <a:lumMod val="50000"/>
+                    </a:schemeClr>
+                  </a:solidFill>
+                </a:ln>
+                <a:solidFill>
+                  <a:schemeClr val="accent5">
+                    <a:lumMod val="50000"/>
+                  </a:schemeClr>
+                </a:solidFill>
+              </a:rPr>
+              <a:t>3</a:t>
+            </a:r>
+          </a:p>
+        </p:txBody>
+      </p:sp>
+      <p:cxnSp>
+        <p:nvCxnSpPr>
+          <p:cNvPr id="69" name="Connecteur droit 68"/>
+          <p:cNvCxnSpPr/>
+          <p:nvPr/>
+        </p:nvCxnSpPr>
+        <p:spPr>
+          <a:xfrm rot="16200000">
+            <a:off x="2040511" y="908720"/>
+            <a:ext cx="720080" cy="0"/>
+          </a:xfrm>
+          <a:prstGeom prst="line">
+            <a:avLst/>
+          </a:prstGeom>
+          <a:noFill/>
+          <a:ln w="28575">
+            <a:solidFill>
+              <a:schemeClr val="accent5">
+                <a:lumMod val="50000"/>
+              </a:schemeClr>
+            </a:solidFill>
+            <a:tailEnd type="stealth" w="med" len="lg"/>
+          </a:ln>
+        </p:spPr>
+        <p:style>
+          <a:lnRef idx="2">
+            <a:schemeClr val="accent1">
+              <a:shade val="50000"/>
+            </a:schemeClr>
+          </a:lnRef>
+          <a:fillRef idx="1">
+            <a:schemeClr val="accent1"/>
+          </a:fillRef>
+          <a:effectRef idx="0">
+            <a:schemeClr val="accent1"/>
+          </a:effectRef>
+          <a:fontRef idx="minor">
+            <a:schemeClr val="lt1"/>
+          </a:fontRef>
+        </p:style>
+      </p:cxnSp>
+      <mc:AlternateContent xmlns:mc="http://schemas.openxmlformats.org/markup-compatibility/2006" xmlns:a14="http://schemas.microsoft.com/office/drawing/2010/main">
+        <mc:Choice Requires="a14">
+          <p:sp>
+            <p:nvSpPr>
+              <p:cNvPr id="70" name="ZoneTexte 69"/>
+              <p:cNvSpPr txBox="1"/>
+              <p:nvPr/>
+            </p:nvSpPr>
+            <p:spPr>
+              <a:xfrm>
+                <a:off x="2434691" y="662208"/>
+                <a:ext cx="372345" cy="276999"/>
+              </a:xfrm>
+              <a:prstGeom prst="rect">
+                <a:avLst/>
+              </a:prstGeom>
+              <a:noFill/>
+            </p:spPr>
+            <p:txBody>
+              <a:bodyPr wrap="none" rtlCol="0">
+                <a:spAutoFit/>
+              </a:bodyPr>
+              <a:lstStyle/>
+              <a:p>
+                <a:pPr/>
+                <a14:m>
+                  <m:oMathPara xmlns:m="http://schemas.openxmlformats.org/officeDocument/2006/math">
+                    <m:oMathParaPr>
+                      <m:jc m:val="centerGroup"/>
+                    </m:oMathParaPr>
+                    <m:oMath xmlns:m="http://schemas.openxmlformats.org/officeDocument/2006/math">
+                      <m:acc>
+                        <m:accPr>
+                          <m:chr m:val="⃗"/>
+                          <m:ctrlPr>
+                            <a:rPr lang="fr-FR" sz="1200" i="1" smtClean="0">
+                              <a:latin typeface="Cambria Math" panose="02040503050406030204" pitchFamily="18" charset="0"/>
+                            </a:rPr>
+                          </m:ctrlPr>
+                        </m:accPr>
+                        <m:e>
+                          <m:sSub>
+                            <m:sSubPr>
+                              <m:ctrlPr>
+                                <a:rPr lang="fr-FR" sz="1200" b="0" i="1" smtClean="0">
+                                  <a:latin typeface="Cambria Math" panose="02040503050406030204" pitchFamily="18" charset="0"/>
+                                </a:rPr>
+                              </m:ctrlPr>
+                            </m:sSubPr>
+                            <m:e>
+                              <m:r>
+                                <a:rPr lang="fr-FR" sz="1200" b="0" i="1" smtClean="0">
+                                  <a:latin typeface="Cambria Math"/>
+                                </a:rPr>
+                                <m:t>𝑥</m:t>
+                              </m:r>
+                            </m:e>
+                            <m:sub>
+                              <m:r>
+                                <a:rPr lang="fr-FR" sz="1200" b="0" i="1" smtClean="0">
+                                  <a:latin typeface="Cambria Math"/>
+                                </a:rPr>
+                                <m:t>2</m:t>
+                              </m:r>
+                            </m:sub>
+                          </m:sSub>
+                        </m:e>
+                      </m:acc>
+                    </m:oMath>
+                  </m:oMathPara>
+                </a14:m>
+                <a:endParaRPr lang="fr-FR" sz="1200" dirty="0"/>
+              </a:p>
+            </p:txBody>
+          </p:sp>
+        </mc:Choice>
+        <mc:Fallback xmlns="">
+          <p:sp>
+            <p:nvSpPr>
+              <p:cNvPr id="70" name="ZoneTexte 69"/>
+              <p:cNvSpPr txBox="1">
+                <a:spLocks noRot="1" noChangeAspect="1" noMove="1" noResize="1" noEditPoints="1" noAdjustHandles="1" noChangeArrowheads="1" noChangeShapeType="1" noTextEdit="1"/>
+              </p:cNvSpPr>
+              <p:nvPr/>
+            </p:nvSpPr>
+            <p:spPr>
+              <a:xfrm>
+                <a:off x="2434691" y="662208"/>
+                <a:ext cx="372345" cy="276999"/>
+              </a:xfrm>
+              <a:prstGeom prst="rect">
+                <a:avLst/>
+              </a:prstGeom>
+              <a:blipFill rotWithShape="1">
+                <a:blip r:embed="rId4"/>
+                <a:stretch>
+                  <a:fillRect/>
+                </a:stretch>
+              </a:blipFill>
+            </p:spPr>
+            <p:txBody>
+              <a:bodyPr/>
+              <a:lstStyle/>
+              <a:p>
+                <a:r>
+                  <a:rPr lang="fr-FR">
+                    <a:noFill/>
+                  </a:rPr>
+                  <a:t> </a:t>
+                </a:r>
+              </a:p>
+            </p:txBody>
+          </p:sp>
+        </mc:Fallback>
+      </mc:AlternateContent>
+      <p:sp>
+        <p:nvSpPr>
+          <p:cNvPr id="40" name="Ellipse 39"/>
+          <p:cNvSpPr/>
+          <p:nvPr/>
+        </p:nvSpPr>
+        <p:spPr>
+          <a:xfrm>
+            <a:off x="2777316" y="3483405"/>
+            <a:ext cx="276999" cy="276999"/>
+          </a:xfrm>
+          <a:prstGeom prst="ellipse">
+            <a:avLst/>
+          </a:prstGeom>
+          <a:noFill/>
+          <a:ln w="28575">
+            <a:solidFill>
+              <a:schemeClr val="tx1"/>
+            </a:solidFill>
+          </a:ln>
+        </p:spPr>
+        <p:style>
+          <a:lnRef idx="2">
+            <a:schemeClr val="accent1">
+              <a:shade val="50000"/>
+            </a:schemeClr>
+          </a:lnRef>
+          <a:fillRef idx="1">
+            <a:schemeClr val="accent1"/>
+          </a:fillRef>
+          <a:effectRef idx="0">
+            <a:schemeClr val="accent1"/>
+          </a:effectRef>
+          <a:fontRef idx="minor">
+            <a:schemeClr val="lt1"/>
+          </a:fontRef>
+        </p:style>
+        <p:txBody>
+          <a:bodyPr lIns="0" tIns="0" rIns="0" bIns="0" rtlCol="0" anchor="ctr"/>
+          <a:lstStyle/>
+          <a:p>
+            <a:pPr algn="ctr"/>
+            <a:r>
+              <a:rPr lang="fr-FR" sz="1400" dirty="0">
+                <a:ln>
+                  <a:solidFill>
+                    <a:sysClr val="windowText" lastClr="000000"/>
+                  </a:solidFill>
+                </a:ln>
+                <a:solidFill>
+                  <a:schemeClr val="tx1"/>
+                </a:solidFill>
+              </a:rPr>
+              <a:t>0</a:t>
+            </a:r>
+          </a:p>
+        </p:txBody>
+      </p:sp>
+      <p:cxnSp>
+        <p:nvCxnSpPr>
+          <p:cNvPr id="42" name="Connecteur droit 41"/>
+          <p:cNvCxnSpPr/>
+          <p:nvPr/>
+        </p:nvCxnSpPr>
+        <p:spPr>
+          <a:xfrm>
+            <a:off x="1259632" y="188640"/>
+            <a:ext cx="0" cy="1686310"/>
+          </a:xfrm>
+          <a:prstGeom prst="line">
+            <a:avLst/>
+          </a:prstGeom>
+          <a:noFill/>
+          <a:ln w="28575">
+            <a:solidFill>
+              <a:schemeClr val="tx1"/>
+            </a:solidFill>
+          </a:ln>
+        </p:spPr>
+        <p:style>
+          <a:lnRef idx="2">
+            <a:schemeClr val="accent1">
+              <a:shade val="50000"/>
+            </a:schemeClr>
+          </a:lnRef>
+          <a:fillRef idx="1">
+            <a:schemeClr val="accent1"/>
+          </a:fillRef>
+          <a:effectRef idx="0">
+            <a:schemeClr val="accent1"/>
+          </a:effectRef>
+          <a:fontRef idx="minor">
+            <a:schemeClr val="lt1"/>
+          </a:fontRef>
+        </p:style>
+      </p:cxnSp>
+      <mc:AlternateContent xmlns:mc="http://schemas.openxmlformats.org/markup-compatibility/2006" xmlns:a14="http://schemas.microsoft.com/office/drawing/2010/main">
+        <mc:Choice Requires="a14">
+          <p:sp>
+            <p:nvSpPr>
+              <p:cNvPr id="44" name="ZoneTexte 43"/>
+              <p:cNvSpPr txBox="1"/>
+              <p:nvPr/>
+            </p:nvSpPr>
+            <p:spPr>
+              <a:xfrm>
+                <a:off x="2021480" y="1850340"/>
+                <a:ext cx="322524" cy="276999"/>
+              </a:xfrm>
+              <a:prstGeom prst="rect">
+                <a:avLst/>
+              </a:prstGeom>
+              <a:noFill/>
+            </p:spPr>
+            <p:txBody>
+              <a:bodyPr wrap="none" rtlCol="0">
+                <a:spAutoFit/>
+              </a:bodyPr>
+              <a:lstStyle/>
+              <a:p>
+                <a:pPr/>
+                <a14:m>
+                  <m:oMathPara xmlns:m="http://schemas.openxmlformats.org/officeDocument/2006/math">
+                    <m:oMathParaPr>
+                      <m:jc m:val="centerGroup"/>
+                    </m:oMathParaPr>
+                    <m:oMath xmlns:m="http://schemas.openxmlformats.org/officeDocument/2006/math">
+                      <m:r>
+                        <a:rPr lang="fr-FR" sz="1200" b="1" i="1" smtClean="0">
+                          <a:latin typeface="Cambria Math"/>
+                        </a:rPr>
+                        <m:t>𝑨</m:t>
+                      </m:r>
+                    </m:oMath>
+                  </m:oMathPara>
+                </a14:m>
+                <a:endParaRPr lang="fr-FR" sz="1200" b="1" dirty="0"/>
+              </a:p>
+            </p:txBody>
+          </p:sp>
+        </mc:Choice>
+        <mc:Fallback xmlns="">
+          <p:sp>
+            <p:nvSpPr>
+              <p:cNvPr id="44" name="ZoneTexte 43"/>
+              <p:cNvSpPr txBox="1">
+                <a:spLocks noRot="1" noChangeAspect="1" noMove="1" noResize="1" noEditPoints="1" noAdjustHandles="1" noChangeArrowheads="1" noChangeShapeType="1" noTextEdit="1"/>
+              </p:cNvSpPr>
+              <p:nvPr/>
+            </p:nvSpPr>
+            <p:spPr>
+              <a:xfrm>
+                <a:off x="2021480" y="1850340"/>
+                <a:ext cx="322524" cy="276999"/>
+              </a:xfrm>
+              <a:prstGeom prst="rect">
+                <a:avLst/>
+              </a:prstGeom>
+              <a:blipFill rotWithShape="1">
+                <a:blip r:embed="rId5"/>
+                <a:stretch>
+                  <a:fillRect/>
+                </a:stretch>
+              </a:blipFill>
+            </p:spPr>
+            <p:txBody>
+              <a:bodyPr/>
+              <a:lstStyle/>
+              <a:p>
+                <a:r>
+                  <a:rPr lang="fr-FR">
+                    <a:noFill/>
+                  </a:rPr>
+                  <a:t> </a:t>
+                </a:r>
+              </a:p>
+            </p:txBody>
+          </p:sp>
+        </mc:Fallback>
+      </mc:AlternateContent>
+      <mc:AlternateContent xmlns:mc="http://schemas.openxmlformats.org/markup-compatibility/2006" xmlns:a14="http://schemas.microsoft.com/office/drawing/2010/main">
+        <mc:Choice Requires="a14">
+          <p:sp>
+            <p:nvSpPr>
+              <p:cNvPr id="45" name="ZoneTexte 44"/>
+              <p:cNvSpPr txBox="1"/>
+              <p:nvPr/>
+            </p:nvSpPr>
+            <p:spPr>
+              <a:xfrm>
+                <a:off x="1285745" y="645639"/>
+                <a:ext cx="330540" cy="276999"/>
+              </a:xfrm>
+              <a:prstGeom prst="rect">
+                <a:avLst/>
+              </a:prstGeom>
+              <a:noFill/>
+            </p:spPr>
+            <p:txBody>
+              <a:bodyPr wrap="none" rtlCol="0">
+                <a:spAutoFit/>
+              </a:bodyPr>
+              <a:lstStyle/>
+              <a:p>
+                <a:pPr/>
+                <a14:m>
+                  <m:oMathPara xmlns:m="http://schemas.openxmlformats.org/officeDocument/2006/math">
+                    <m:oMathParaPr>
+                      <m:jc m:val="centerGroup"/>
+                    </m:oMathParaPr>
+                    <m:oMath xmlns:m="http://schemas.openxmlformats.org/officeDocument/2006/math">
+                      <m:r>
+                        <a:rPr lang="fr-FR" sz="1200" b="1" i="1" smtClean="0">
+                          <a:latin typeface="Cambria Math"/>
+                        </a:rPr>
+                        <m:t>𝑩</m:t>
+                      </m:r>
+                    </m:oMath>
+                  </m:oMathPara>
+                </a14:m>
+                <a:endParaRPr lang="fr-FR" sz="1200" b="1" dirty="0"/>
+              </a:p>
+            </p:txBody>
+          </p:sp>
+        </mc:Choice>
+        <mc:Fallback xmlns="">
+          <p:sp>
+            <p:nvSpPr>
+              <p:cNvPr id="45" name="ZoneTexte 44"/>
+              <p:cNvSpPr txBox="1">
+                <a:spLocks noRot="1" noChangeAspect="1" noMove="1" noResize="1" noEditPoints="1" noAdjustHandles="1" noChangeArrowheads="1" noChangeShapeType="1" noTextEdit="1"/>
+              </p:cNvSpPr>
+              <p:nvPr/>
+            </p:nvSpPr>
+            <p:spPr>
+              <a:xfrm>
+                <a:off x="1285745" y="645639"/>
+                <a:ext cx="330540" cy="276999"/>
+              </a:xfrm>
+              <a:prstGeom prst="rect">
+                <a:avLst/>
+              </a:prstGeom>
+              <a:blipFill rotWithShape="1">
+                <a:blip r:embed="rId6"/>
+                <a:stretch>
+                  <a:fillRect/>
+                </a:stretch>
+              </a:blipFill>
+            </p:spPr>
+            <p:txBody>
+              <a:bodyPr/>
+              <a:lstStyle/>
+              <a:p>
+                <a:r>
+                  <a:rPr lang="fr-FR">
+                    <a:noFill/>
+                  </a:rPr>
+                  <a:t> </a:t>
+                </a:r>
+              </a:p>
+            </p:txBody>
+          </p:sp>
+        </mc:Fallback>
+      </mc:AlternateContent>
+    </p:spTree>
+    <p:extLst>
+      <p:ext uri="{BB962C8B-B14F-4D97-AF65-F5344CB8AC3E}">
         <p14:creationId xmlns:p14="http://schemas.microsoft.com/office/powerpoint/2010/main" val="850116019"/>
       </p:ext>
     </p:extLst>
@@ -13563,7 +17595,7 @@
 </p:sld>
 </file>
 
-<file path=ppt/slides/slide3.xml><?xml version="1.0" encoding="utf-8"?>
+<file path=ppt/slides/slide4.xml><?xml version="1.0" encoding="utf-8"?>
 <p:sld xmlns:a="http://schemas.openxmlformats.org/drawingml/2006/main" xmlns:r="http://schemas.openxmlformats.org/officeDocument/2006/relationships" xmlns:p="http://schemas.openxmlformats.org/presentationml/2006/main">
   <p:cSld>
     <p:spTree>
@@ -16076,7 +20108,7 @@
 </p:sld>
 </file>
 
-<file path=ppt/slides/slide4.xml><?xml version="1.0" encoding="utf-8"?>
+<file path=ppt/slides/slide5.xml><?xml version="1.0" encoding="utf-8"?>
 <p:sld xmlns:a="http://schemas.openxmlformats.org/drawingml/2006/main" xmlns:r="http://schemas.openxmlformats.org/officeDocument/2006/relationships" xmlns:p="http://schemas.openxmlformats.org/presentationml/2006/main">
   <p:cSld>
     <p:spTree>
@@ -17469,8 +21501,8 @@
           </a:fontRef>
         </p:style>
       </p:cxnSp>
-      <mc:AlternateContent xmlns:mc="http://schemas.openxmlformats.org/markup-compatibility/2006">
-        <mc:Choice xmlns:a14="http://schemas.microsoft.com/office/drawing/2010/main" Requires="a14">
+      <mc:AlternateContent xmlns:mc="http://schemas.openxmlformats.org/markup-compatibility/2006" xmlns:a14="http://schemas.microsoft.com/office/drawing/2010/main">
+        <mc:Choice Requires="a14">
           <p:sp>
             <p:nvSpPr>
               <p:cNvPr id="64" name="ZoneTexte 63"/>
@@ -17545,7 +21577,7 @@
             </p:txBody>
           </p:sp>
         </mc:Choice>
-        <mc:Fallback>
+        <mc:Fallback xmlns="">
           <p:sp>
             <p:nvSpPr>
               <p:cNvPr id="64" name="ZoneTexte 63"/>
@@ -17584,8 +21616,8 @@
           </p:sp>
         </mc:Fallback>
       </mc:AlternateContent>
-      <mc:AlternateContent xmlns:mc="http://schemas.openxmlformats.org/markup-compatibility/2006">
-        <mc:Choice xmlns:a14="http://schemas.microsoft.com/office/drawing/2010/main" Requires="a14">
+      <mc:AlternateContent xmlns:mc="http://schemas.openxmlformats.org/markup-compatibility/2006" xmlns:a14="http://schemas.microsoft.com/office/drawing/2010/main">
+        <mc:Choice Requires="a14">
           <p:sp>
             <p:nvSpPr>
               <p:cNvPr id="65" name="ZoneTexte 64"/>
@@ -17660,7 +21692,7 @@
             </p:txBody>
           </p:sp>
         </mc:Choice>
-        <mc:Fallback>
+        <mc:Fallback xmlns="">
           <p:sp>
             <p:nvSpPr>
               <p:cNvPr id="65" name="ZoneTexte 64"/>
@@ -18348,7 +22380,7 @@
 </p:sld>
 </file>
 
-<file path=ppt/slides/slide5.xml><?xml version="1.0" encoding="utf-8"?>
+<file path=ppt/slides/slide6.xml><?xml version="1.0" encoding="utf-8"?>
 <p:sld xmlns:a="http://schemas.openxmlformats.org/drawingml/2006/main" xmlns:r="http://schemas.openxmlformats.org/officeDocument/2006/relationships" xmlns:p="http://schemas.openxmlformats.org/presentationml/2006/main">
   <p:cSld>
     <p:spTree>
@@ -20620,7 +24652,7 @@
 </p:sld>
 </file>
 
-<file path=ppt/slides/slide6.xml><?xml version="1.0" encoding="utf-8"?>
+<file path=ppt/slides/slide7.xml><?xml version="1.0" encoding="utf-8"?>
 <p:sld xmlns:a="http://schemas.openxmlformats.org/drawingml/2006/main" xmlns:r="http://schemas.openxmlformats.org/officeDocument/2006/relationships" xmlns:p="http://schemas.openxmlformats.org/presentationml/2006/main">
   <p:cSld>
     <p:spTree>
@@ -23611,7 +27643,7 @@
 </p:sld>
 </file>
 
-<file path=ppt/slides/slide7.xml><?xml version="1.0" encoding="utf-8"?>
+<file path=ppt/slides/slide8.xml><?xml version="1.0" encoding="utf-8"?>
 <p:sld xmlns:a="http://schemas.openxmlformats.org/drawingml/2006/main" xmlns:r="http://schemas.openxmlformats.org/officeDocument/2006/relationships" xmlns:p="http://schemas.openxmlformats.org/presentationml/2006/main">
   <p:cSld>
     <p:spTree>
@@ -26340,7 +30372,7 @@
 </p:sld>
 </file>
 
-<file path=ppt/slides/slide8.xml><?xml version="1.0" encoding="utf-8"?>
+<file path=ppt/slides/slide9.xml><?xml version="1.0" encoding="utf-8"?>
 <p:sld xmlns:a="http://schemas.openxmlformats.org/drawingml/2006/main" xmlns:r="http://schemas.openxmlformats.org/officeDocument/2006/relationships" xmlns:p="http://schemas.openxmlformats.org/presentationml/2006/main">
   <p:cSld>
     <p:spTree>
@@ -29559,2927 +33591,6 @@
 </p:sld>
 </file>
 
-<file path=ppt/slides/slide9.xml><?xml version="1.0" encoding="utf-8"?>
-<p:sld xmlns:a="http://schemas.openxmlformats.org/drawingml/2006/main" xmlns:r="http://schemas.openxmlformats.org/officeDocument/2006/relationships" xmlns:p="http://schemas.openxmlformats.org/presentationml/2006/main">
-  <p:cSld>
-    <p:spTree>
-      <p:nvGrpSpPr>
-        <p:cNvPr id="1" name=""/>
-        <p:cNvGrpSpPr/>
-        <p:nvPr/>
-      </p:nvGrpSpPr>
-      <p:grpSpPr>
-        <a:xfrm>
-          <a:off x="0" y="0"/>
-          <a:ext cx="0" cy="0"/>
-          <a:chOff x="0" y="0"/>
-          <a:chExt cx="0" cy="0"/>
-        </a:xfrm>
-      </p:grpSpPr>
-      <p:sp>
-        <p:nvSpPr>
-          <p:cNvPr id="16" name="Forme libre 15"/>
-          <p:cNvSpPr/>
-          <p:nvPr/>
-        </p:nvSpPr>
-        <p:spPr>
-          <a:xfrm>
-            <a:off x="323528" y="2312876"/>
-            <a:ext cx="576064" cy="140596"/>
-          </a:xfrm>
-          <a:custGeom>
-            <a:avLst/>
-            <a:gdLst>
-              <a:gd name="connsiteX0" fmla="*/ 0 w 729276"/>
-              <a:gd name="connsiteY0" fmla="*/ 0 h 152951"/>
-              <a:gd name="connsiteX1" fmla="*/ 168294 w 729276"/>
-              <a:gd name="connsiteY1" fmla="*/ 134635 h 152951"/>
-              <a:gd name="connsiteX2" fmla="*/ 381467 w 729276"/>
-              <a:gd name="connsiteY2" fmla="*/ 84147 h 152951"/>
-              <a:gd name="connsiteX3" fmla="*/ 594640 w 729276"/>
-              <a:gd name="connsiteY3" fmla="*/ 151465 h 152951"/>
-              <a:gd name="connsiteX4" fmla="*/ 729276 w 729276"/>
-              <a:gd name="connsiteY4" fmla="*/ 5610 h 152951"/>
-              <a:gd name="connsiteX0" fmla="*/ 0 w 732876"/>
-              <a:gd name="connsiteY0" fmla="*/ 7459 h 160523"/>
-              <a:gd name="connsiteX1" fmla="*/ 168294 w 732876"/>
-              <a:gd name="connsiteY1" fmla="*/ 142094 h 160523"/>
-              <a:gd name="connsiteX2" fmla="*/ 381467 w 732876"/>
-              <a:gd name="connsiteY2" fmla="*/ 91606 h 160523"/>
-              <a:gd name="connsiteX3" fmla="*/ 594640 w 732876"/>
-              <a:gd name="connsiteY3" fmla="*/ 158924 h 160523"/>
-              <a:gd name="connsiteX4" fmla="*/ 719996 w 732876"/>
-              <a:gd name="connsiteY4" fmla="*/ 9693 h 160523"/>
-              <a:gd name="connsiteX5" fmla="*/ 729276 w 732876"/>
-              <a:gd name="connsiteY5" fmla="*/ 13069 h 160523"/>
-              <a:gd name="connsiteX0" fmla="*/ 0 w 732876"/>
-              <a:gd name="connsiteY0" fmla="*/ 7459 h 144116"/>
-              <a:gd name="connsiteX1" fmla="*/ 168294 w 732876"/>
-              <a:gd name="connsiteY1" fmla="*/ 142094 h 144116"/>
-              <a:gd name="connsiteX2" fmla="*/ 381467 w 732876"/>
-              <a:gd name="connsiteY2" fmla="*/ 91606 h 144116"/>
-              <a:gd name="connsiteX3" fmla="*/ 589488 w 732876"/>
-              <a:gd name="connsiteY3" fmla="*/ 135742 h 144116"/>
-              <a:gd name="connsiteX4" fmla="*/ 719996 w 732876"/>
-              <a:gd name="connsiteY4" fmla="*/ 9693 h 144116"/>
-              <a:gd name="connsiteX5" fmla="*/ 729276 w 732876"/>
-              <a:gd name="connsiteY5" fmla="*/ 13069 h 144116"/>
-              <a:gd name="connsiteX0" fmla="*/ 0 w 731506"/>
-              <a:gd name="connsiteY0" fmla="*/ 0 h 136657"/>
-              <a:gd name="connsiteX1" fmla="*/ 168294 w 731506"/>
-              <a:gd name="connsiteY1" fmla="*/ 134635 h 136657"/>
-              <a:gd name="connsiteX2" fmla="*/ 381467 w 731506"/>
-              <a:gd name="connsiteY2" fmla="*/ 84147 h 136657"/>
-              <a:gd name="connsiteX3" fmla="*/ 589488 w 731506"/>
-              <a:gd name="connsiteY3" fmla="*/ 128283 h 136657"/>
-              <a:gd name="connsiteX4" fmla="*/ 717420 w 731506"/>
-              <a:gd name="connsiteY4" fmla="*/ 35719 h 136657"/>
-              <a:gd name="connsiteX5" fmla="*/ 729276 w 731506"/>
-              <a:gd name="connsiteY5" fmla="*/ 5610 h 136657"/>
-              <a:gd name="connsiteX0" fmla="*/ 0 w 729276"/>
-              <a:gd name="connsiteY0" fmla="*/ 0 h 136657"/>
-              <a:gd name="connsiteX1" fmla="*/ 168294 w 729276"/>
-              <a:gd name="connsiteY1" fmla="*/ 134635 h 136657"/>
-              <a:gd name="connsiteX2" fmla="*/ 381467 w 729276"/>
-              <a:gd name="connsiteY2" fmla="*/ 84147 h 136657"/>
-              <a:gd name="connsiteX3" fmla="*/ 589488 w 729276"/>
-              <a:gd name="connsiteY3" fmla="*/ 128283 h 136657"/>
-              <a:gd name="connsiteX4" fmla="*/ 631695 w 729276"/>
-              <a:gd name="connsiteY4" fmla="*/ 59532 h 136657"/>
-              <a:gd name="connsiteX5" fmla="*/ 729276 w 729276"/>
-              <a:gd name="connsiteY5" fmla="*/ 5610 h 136657"/>
-              <a:gd name="connsiteX0" fmla="*/ 0 w 729276"/>
-              <a:gd name="connsiteY0" fmla="*/ 0 h 136657"/>
-              <a:gd name="connsiteX1" fmla="*/ 168294 w 729276"/>
-              <a:gd name="connsiteY1" fmla="*/ 134635 h 136657"/>
-              <a:gd name="connsiteX2" fmla="*/ 381467 w 729276"/>
-              <a:gd name="connsiteY2" fmla="*/ 84147 h 136657"/>
-              <a:gd name="connsiteX3" fmla="*/ 589488 w 729276"/>
-              <a:gd name="connsiteY3" fmla="*/ 128283 h 136657"/>
-              <a:gd name="connsiteX4" fmla="*/ 729276 w 729276"/>
-              <a:gd name="connsiteY4" fmla="*/ 5610 h 136657"/>
-              <a:gd name="connsiteX0" fmla="*/ 0 w 729276"/>
-              <a:gd name="connsiteY0" fmla="*/ 0 h 136657"/>
-              <a:gd name="connsiteX1" fmla="*/ 168294 w 729276"/>
-              <a:gd name="connsiteY1" fmla="*/ 134635 h 136657"/>
-              <a:gd name="connsiteX2" fmla="*/ 381467 w 729276"/>
-              <a:gd name="connsiteY2" fmla="*/ 84147 h 136657"/>
-              <a:gd name="connsiteX3" fmla="*/ 589488 w 729276"/>
-              <a:gd name="connsiteY3" fmla="*/ 128283 h 136657"/>
-              <a:gd name="connsiteX4" fmla="*/ 729276 w 729276"/>
-              <a:gd name="connsiteY4" fmla="*/ 5610 h 136657"/>
-              <a:gd name="connsiteX0" fmla="*/ 0 w 729276"/>
-              <a:gd name="connsiteY0" fmla="*/ 0 h 141857"/>
-              <a:gd name="connsiteX1" fmla="*/ 168294 w 729276"/>
-              <a:gd name="connsiteY1" fmla="*/ 134635 h 141857"/>
-              <a:gd name="connsiteX2" fmla="*/ 381467 w 729276"/>
-              <a:gd name="connsiteY2" fmla="*/ 84147 h 141857"/>
-              <a:gd name="connsiteX3" fmla="*/ 577581 w 729276"/>
-              <a:gd name="connsiteY3" fmla="*/ 140189 h 141857"/>
-              <a:gd name="connsiteX4" fmla="*/ 729276 w 729276"/>
-              <a:gd name="connsiteY4" fmla="*/ 5610 h 141857"/>
-              <a:gd name="connsiteX0" fmla="*/ 0 w 729276"/>
-              <a:gd name="connsiteY0" fmla="*/ 0 h 140596"/>
-              <a:gd name="connsiteX1" fmla="*/ 168294 w 729276"/>
-              <a:gd name="connsiteY1" fmla="*/ 134635 h 140596"/>
-              <a:gd name="connsiteX2" fmla="*/ 381467 w 729276"/>
-              <a:gd name="connsiteY2" fmla="*/ 84147 h 140596"/>
-              <a:gd name="connsiteX3" fmla="*/ 577581 w 729276"/>
-              <a:gd name="connsiteY3" fmla="*/ 140189 h 140596"/>
-              <a:gd name="connsiteX4" fmla="*/ 729276 w 729276"/>
-              <a:gd name="connsiteY4" fmla="*/ 5610 h 140596"/>
-            </a:gdLst>
-            <a:ahLst/>
-            <a:cxnLst>
-              <a:cxn ang="0">
-                <a:pos x="connsiteX0" y="connsiteY0"/>
-              </a:cxn>
-              <a:cxn ang="0">
-                <a:pos x="connsiteX1" y="connsiteY1"/>
-              </a:cxn>
-              <a:cxn ang="0">
-                <a:pos x="connsiteX2" y="connsiteY2"/>
-              </a:cxn>
-              <a:cxn ang="0">
-                <a:pos x="connsiteX3" y="connsiteY3"/>
-              </a:cxn>
-              <a:cxn ang="0">
-                <a:pos x="connsiteX4" y="connsiteY4"/>
-              </a:cxn>
-            </a:cxnLst>
-            <a:rect l="l" t="t" r="r" b="b"/>
-            <a:pathLst>
-              <a:path w="729276" h="140596">
-                <a:moveTo>
-                  <a:pt x="0" y="0"/>
-                </a:moveTo>
-                <a:cubicBezTo>
-                  <a:pt x="52358" y="60305"/>
-                  <a:pt x="104716" y="120611"/>
-                  <a:pt x="168294" y="134635"/>
-                </a:cubicBezTo>
-                <a:cubicBezTo>
-                  <a:pt x="231872" y="148659"/>
-                  <a:pt x="313253" y="83221"/>
-                  <a:pt x="381467" y="84147"/>
-                </a:cubicBezTo>
-                <a:cubicBezTo>
-                  <a:pt x="449681" y="85073"/>
-                  <a:pt x="526757" y="146134"/>
-                  <a:pt x="577581" y="140189"/>
-                </a:cubicBezTo>
-                <a:cubicBezTo>
-                  <a:pt x="628405" y="134244"/>
-                  <a:pt x="673961" y="78792"/>
-                  <a:pt x="729276" y="5610"/>
-                </a:cubicBezTo>
-              </a:path>
-            </a:pathLst>
-          </a:custGeom>
-          <a:solidFill>
-            <a:schemeClr val="bg1">
-              <a:lumMod val="85000"/>
-            </a:schemeClr>
-          </a:solidFill>
-          <a:ln w="12700">
-            <a:solidFill>
-              <a:schemeClr val="tx1"/>
-            </a:solidFill>
-          </a:ln>
-        </p:spPr>
-        <p:style>
-          <a:lnRef idx="1">
-            <a:schemeClr val="accent1"/>
-          </a:lnRef>
-          <a:fillRef idx="0">
-            <a:schemeClr val="accent1"/>
-          </a:fillRef>
-          <a:effectRef idx="0">
-            <a:schemeClr val="accent1"/>
-          </a:effectRef>
-          <a:fontRef idx="minor">
-            <a:schemeClr val="tx1"/>
-          </a:fontRef>
-        </p:style>
-        <p:txBody>
-          <a:bodyPr rtlCol="0" anchor="ctr"/>
-          <a:lstStyle/>
-          <a:p>
-            <a:pPr algn="ctr"/>
-            <a:endParaRPr lang="fr-FR"/>
-          </a:p>
-        </p:txBody>
-      </p:sp>
-      <p:cxnSp>
-        <p:nvCxnSpPr>
-          <p:cNvPr id="5" name="Connecteur droit 4"/>
-          <p:cNvCxnSpPr/>
-          <p:nvPr/>
-        </p:nvCxnSpPr>
-        <p:spPr>
-          <a:xfrm>
-            <a:off x="251520" y="1988840"/>
-            <a:ext cx="1080120" cy="0"/>
-          </a:xfrm>
-          <a:prstGeom prst="line">
-            <a:avLst/>
-          </a:prstGeom>
-          <a:noFill/>
-          <a:ln w="28575">
-            <a:solidFill>
-              <a:srgbClr val="7030A0"/>
-            </a:solidFill>
-          </a:ln>
-        </p:spPr>
-        <p:style>
-          <a:lnRef idx="2">
-            <a:schemeClr val="accent1">
-              <a:shade val="50000"/>
-            </a:schemeClr>
-          </a:lnRef>
-          <a:fillRef idx="1">
-            <a:schemeClr val="accent1"/>
-          </a:fillRef>
-          <a:effectRef idx="0">
-            <a:schemeClr val="accent1"/>
-          </a:effectRef>
-          <a:fontRef idx="minor">
-            <a:schemeClr val="lt1"/>
-          </a:fontRef>
-        </p:style>
-      </p:cxnSp>
-      <p:sp>
-        <p:nvSpPr>
-          <p:cNvPr id="6" name="Rectangle 5"/>
-          <p:cNvSpPr/>
-          <p:nvPr/>
-        </p:nvSpPr>
-        <p:spPr>
-          <a:xfrm>
-            <a:off x="395536" y="1880828"/>
-            <a:ext cx="432048" cy="216024"/>
-          </a:xfrm>
-          <a:prstGeom prst="rect">
-            <a:avLst/>
-          </a:prstGeom>
-          <a:noFill/>
-          <a:ln w="28575">
-            <a:solidFill>
-              <a:schemeClr val="tx1"/>
-            </a:solidFill>
-          </a:ln>
-        </p:spPr>
-        <p:style>
-          <a:lnRef idx="2">
-            <a:schemeClr val="accent1">
-              <a:shade val="50000"/>
-            </a:schemeClr>
-          </a:lnRef>
-          <a:fillRef idx="1">
-            <a:schemeClr val="accent1"/>
-          </a:fillRef>
-          <a:effectRef idx="0">
-            <a:schemeClr val="accent1"/>
-          </a:effectRef>
-          <a:fontRef idx="minor">
-            <a:schemeClr val="lt1"/>
-          </a:fontRef>
-        </p:style>
-        <p:txBody>
-          <a:bodyPr rtlCol="0" anchor="ctr"/>
-          <a:lstStyle/>
-          <a:p>
-            <a:pPr algn="ctr"/>
-            <a:endParaRPr lang="fr-FR"/>
-          </a:p>
-        </p:txBody>
-      </p:sp>
-      <p:cxnSp>
-        <p:nvCxnSpPr>
-          <p:cNvPr id="8" name="Connecteur droit 7"/>
-          <p:cNvCxnSpPr/>
-          <p:nvPr/>
-        </p:nvCxnSpPr>
-        <p:spPr>
-          <a:xfrm>
-            <a:off x="323528" y="1880828"/>
-            <a:ext cx="0" cy="216024"/>
-          </a:xfrm>
-          <a:prstGeom prst="line">
-            <a:avLst/>
-          </a:prstGeom>
-          <a:noFill/>
-          <a:ln w="28575">
-            <a:solidFill>
-              <a:srgbClr val="7030A0"/>
-            </a:solidFill>
-          </a:ln>
-        </p:spPr>
-        <p:style>
-          <a:lnRef idx="2">
-            <a:schemeClr val="accent1">
-              <a:shade val="50000"/>
-            </a:schemeClr>
-          </a:lnRef>
-          <a:fillRef idx="1">
-            <a:schemeClr val="accent1"/>
-          </a:fillRef>
-          <a:effectRef idx="0">
-            <a:schemeClr val="accent1"/>
-          </a:effectRef>
-          <a:fontRef idx="minor">
-            <a:schemeClr val="lt1"/>
-          </a:fontRef>
-        </p:style>
-      </p:cxnSp>
-      <p:cxnSp>
-        <p:nvCxnSpPr>
-          <p:cNvPr id="12" name="Connecteur droit 11"/>
-          <p:cNvCxnSpPr/>
-          <p:nvPr/>
-        </p:nvCxnSpPr>
-        <p:spPr>
-          <a:xfrm>
-            <a:off x="899592" y="1880828"/>
-            <a:ext cx="0" cy="216024"/>
-          </a:xfrm>
-          <a:prstGeom prst="line">
-            <a:avLst/>
-          </a:prstGeom>
-          <a:noFill/>
-          <a:ln w="28575">
-            <a:solidFill>
-              <a:srgbClr val="7030A0"/>
-            </a:solidFill>
-          </a:ln>
-        </p:spPr>
-        <p:style>
-          <a:lnRef idx="2">
-            <a:schemeClr val="accent1">
-              <a:shade val="50000"/>
-            </a:schemeClr>
-          </a:lnRef>
-          <a:fillRef idx="1">
-            <a:schemeClr val="accent1"/>
-          </a:fillRef>
-          <a:effectRef idx="0">
-            <a:schemeClr val="accent1"/>
-          </a:effectRef>
-          <a:fontRef idx="minor">
-            <a:schemeClr val="lt1"/>
-          </a:fontRef>
-        </p:style>
-      </p:cxnSp>
-      <p:cxnSp>
-        <p:nvCxnSpPr>
-          <p:cNvPr id="13" name="Connecteur droit 12"/>
-          <p:cNvCxnSpPr/>
-          <p:nvPr/>
-        </p:nvCxnSpPr>
-        <p:spPr>
-          <a:xfrm>
-            <a:off x="611560" y="2096852"/>
-            <a:ext cx="0" cy="216024"/>
-          </a:xfrm>
-          <a:prstGeom prst="line">
-            <a:avLst/>
-          </a:prstGeom>
-          <a:noFill/>
-          <a:ln w="28575">
-            <a:solidFill>
-              <a:schemeClr val="tx1"/>
-            </a:solidFill>
-          </a:ln>
-        </p:spPr>
-        <p:style>
-          <a:lnRef idx="2">
-            <a:schemeClr val="accent1">
-              <a:shade val="50000"/>
-            </a:schemeClr>
-          </a:lnRef>
-          <a:fillRef idx="1">
-            <a:schemeClr val="accent1"/>
-          </a:fillRef>
-          <a:effectRef idx="0">
-            <a:schemeClr val="accent1"/>
-          </a:effectRef>
-          <a:fontRef idx="minor">
-            <a:schemeClr val="lt1"/>
-          </a:fontRef>
-        </p:style>
-      </p:cxnSp>
-      <p:cxnSp>
-        <p:nvCxnSpPr>
-          <p:cNvPr id="14" name="Connecteur droit 13"/>
-          <p:cNvCxnSpPr/>
-          <p:nvPr/>
-        </p:nvCxnSpPr>
-        <p:spPr>
-          <a:xfrm>
-            <a:off x="323528" y="2312876"/>
-            <a:ext cx="576064" cy="0"/>
-          </a:xfrm>
-          <a:prstGeom prst="line">
-            <a:avLst/>
-          </a:prstGeom>
-          <a:noFill/>
-          <a:ln w="28575">
-            <a:solidFill>
-              <a:schemeClr val="tx1"/>
-            </a:solidFill>
-          </a:ln>
-        </p:spPr>
-        <p:style>
-          <a:lnRef idx="2">
-            <a:schemeClr val="accent1">
-              <a:shade val="50000"/>
-            </a:schemeClr>
-          </a:lnRef>
-          <a:fillRef idx="1">
-            <a:schemeClr val="accent1"/>
-          </a:fillRef>
-          <a:effectRef idx="0">
-            <a:schemeClr val="accent1"/>
-          </a:effectRef>
-          <a:fontRef idx="minor">
-            <a:schemeClr val="lt1"/>
-          </a:fontRef>
-        </p:style>
-      </p:cxnSp>
-      <p:cxnSp>
-        <p:nvCxnSpPr>
-          <p:cNvPr id="17" name="Connecteur droit 16"/>
-          <p:cNvCxnSpPr>
-            <a:cxnSpLocks/>
-          </p:cNvCxnSpPr>
-          <p:nvPr/>
-        </p:nvCxnSpPr>
-        <p:spPr>
-          <a:xfrm>
-            <a:off x="1331640" y="97177"/>
-            <a:ext cx="0" cy="3771464"/>
-          </a:xfrm>
-          <a:prstGeom prst="line">
-            <a:avLst/>
-          </a:prstGeom>
-          <a:noFill/>
-          <a:ln w="28575">
-            <a:solidFill>
-              <a:srgbClr val="7030A0"/>
-            </a:solidFill>
-          </a:ln>
-        </p:spPr>
-        <p:style>
-          <a:lnRef idx="2">
-            <a:schemeClr val="accent1">
-              <a:shade val="50000"/>
-            </a:schemeClr>
-          </a:lnRef>
-          <a:fillRef idx="1">
-            <a:schemeClr val="accent1"/>
-          </a:fillRef>
-          <a:effectRef idx="0">
-            <a:schemeClr val="accent1"/>
-          </a:effectRef>
-          <a:fontRef idx="minor">
-            <a:schemeClr val="lt1"/>
-          </a:fontRef>
-        </p:style>
-      </p:cxnSp>
-      <p:sp>
-        <p:nvSpPr>
-          <p:cNvPr id="21" name="Rectangle 20"/>
-          <p:cNvSpPr/>
-          <p:nvPr/>
-        </p:nvSpPr>
-        <p:spPr>
-          <a:xfrm>
-            <a:off x="2339752" y="692696"/>
-            <a:ext cx="432048" cy="216024"/>
-          </a:xfrm>
-          <a:prstGeom prst="rect">
-            <a:avLst/>
-          </a:prstGeom>
-          <a:noFill/>
-          <a:ln w="28575">
-            <a:solidFill>
-              <a:schemeClr val="tx1"/>
-            </a:solidFill>
-          </a:ln>
-        </p:spPr>
-        <p:style>
-          <a:lnRef idx="2">
-            <a:schemeClr val="accent1">
-              <a:shade val="50000"/>
-            </a:schemeClr>
-          </a:lnRef>
-          <a:fillRef idx="1">
-            <a:schemeClr val="accent1"/>
-          </a:fillRef>
-          <a:effectRef idx="0">
-            <a:schemeClr val="accent1"/>
-          </a:effectRef>
-          <a:fontRef idx="minor">
-            <a:schemeClr val="lt1"/>
-          </a:fontRef>
-        </p:style>
-        <p:txBody>
-          <a:bodyPr rtlCol="0" anchor="ctr"/>
-          <a:lstStyle/>
-          <a:p>
-            <a:pPr algn="ctr"/>
-            <a:endParaRPr lang="fr-FR"/>
-          </a:p>
-        </p:txBody>
-      </p:sp>
-      <p:cxnSp>
-        <p:nvCxnSpPr>
-          <p:cNvPr id="22" name="Connecteur droit 21"/>
-          <p:cNvCxnSpPr/>
-          <p:nvPr/>
-        </p:nvCxnSpPr>
-        <p:spPr>
-          <a:xfrm>
-            <a:off x="2267744" y="692696"/>
-            <a:ext cx="0" cy="216024"/>
-          </a:xfrm>
-          <a:prstGeom prst="line">
-            <a:avLst/>
-          </a:prstGeom>
-          <a:noFill/>
-          <a:ln w="28575">
-            <a:solidFill>
-              <a:srgbClr val="C00000"/>
-            </a:solidFill>
-          </a:ln>
-        </p:spPr>
-        <p:style>
-          <a:lnRef idx="2">
-            <a:schemeClr val="accent1">
-              <a:shade val="50000"/>
-            </a:schemeClr>
-          </a:lnRef>
-          <a:fillRef idx="1">
-            <a:schemeClr val="accent1"/>
-          </a:fillRef>
-          <a:effectRef idx="0">
-            <a:schemeClr val="accent1"/>
-          </a:effectRef>
-          <a:fontRef idx="minor">
-            <a:schemeClr val="lt1"/>
-          </a:fontRef>
-        </p:style>
-      </p:cxnSp>
-      <p:cxnSp>
-        <p:nvCxnSpPr>
-          <p:cNvPr id="23" name="Connecteur droit 22"/>
-          <p:cNvCxnSpPr/>
-          <p:nvPr/>
-        </p:nvCxnSpPr>
-        <p:spPr>
-          <a:xfrm>
-            <a:off x="2843808" y="692696"/>
-            <a:ext cx="0" cy="216024"/>
-          </a:xfrm>
-          <a:prstGeom prst="line">
-            <a:avLst/>
-          </a:prstGeom>
-          <a:noFill/>
-          <a:ln w="28575">
-            <a:solidFill>
-              <a:srgbClr val="C00000"/>
-            </a:solidFill>
-          </a:ln>
-        </p:spPr>
-        <p:style>
-          <a:lnRef idx="2">
-            <a:schemeClr val="accent1">
-              <a:shade val="50000"/>
-            </a:schemeClr>
-          </a:lnRef>
-          <a:fillRef idx="1">
-            <a:schemeClr val="accent1"/>
-          </a:fillRef>
-          <a:effectRef idx="0">
-            <a:schemeClr val="accent1"/>
-          </a:effectRef>
-          <a:fontRef idx="minor">
-            <a:schemeClr val="lt1"/>
-          </a:fontRef>
-        </p:style>
-      </p:cxnSp>
-      <p:cxnSp>
-        <p:nvCxnSpPr>
-          <p:cNvPr id="26" name="Connecteur droit 25"/>
-          <p:cNvCxnSpPr>
-            <a:cxnSpLocks/>
-          </p:cNvCxnSpPr>
-          <p:nvPr/>
-        </p:nvCxnSpPr>
-        <p:spPr>
-          <a:xfrm>
-            <a:off x="1979712" y="332656"/>
-            <a:ext cx="0" cy="936104"/>
-          </a:xfrm>
-          <a:prstGeom prst="line">
-            <a:avLst/>
-          </a:prstGeom>
-          <a:noFill/>
-          <a:ln w="28575">
-            <a:solidFill>
-              <a:srgbClr val="C00000"/>
-            </a:solidFill>
-          </a:ln>
-        </p:spPr>
-        <p:style>
-          <a:lnRef idx="2">
-            <a:schemeClr val="accent1">
-              <a:shade val="50000"/>
-            </a:schemeClr>
-          </a:lnRef>
-          <a:fillRef idx="1">
-            <a:schemeClr val="accent1"/>
-          </a:fillRef>
-          <a:effectRef idx="0">
-            <a:schemeClr val="accent1"/>
-          </a:effectRef>
-          <a:fontRef idx="minor">
-            <a:schemeClr val="lt1"/>
-          </a:fontRef>
-        </p:style>
-      </p:cxnSp>
-      <p:cxnSp>
-        <p:nvCxnSpPr>
-          <p:cNvPr id="27" name="Connecteur droit 26"/>
-          <p:cNvCxnSpPr>
-            <a:cxnSpLocks/>
-          </p:cNvCxnSpPr>
-          <p:nvPr/>
-        </p:nvCxnSpPr>
-        <p:spPr>
-          <a:xfrm>
-            <a:off x="1979712" y="806586"/>
-            <a:ext cx="1152128" cy="0"/>
-          </a:xfrm>
-          <a:prstGeom prst="line">
-            <a:avLst/>
-          </a:prstGeom>
-          <a:noFill/>
-          <a:ln w="28575">
-            <a:solidFill>
-              <a:srgbClr val="C00000"/>
-            </a:solidFill>
-          </a:ln>
-        </p:spPr>
-        <p:style>
-          <a:lnRef idx="2">
-            <a:schemeClr val="accent1">
-              <a:shade val="50000"/>
-            </a:schemeClr>
-          </a:lnRef>
-          <a:fillRef idx="1">
-            <a:schemeClr val="accent1"/>
-          </a:fillRef>
-          <a:effectRef idx="0">
-            <a:schemeClr val="accent1"/>
-          </a:effectRef>
-          <a:fontRef idx="minor">
-            <a:schemeClr val="lt1"/>
-          </a:fontRef>
-        </p:style>
-      </p:cxnSp>
-      <p:cxnSp>
-        <p:nvCxnSpPr>
-          <p:cNvPr id="35" name="Connecteur droit 34"/>
-          <p:cNvCxnSpPr>
-            <a:cxnSpLocks/>
-          </p:cNvCxnSpPr>
-          <p:nvPr/>
-        </p:nvCxnSpPr>
-        <p:spPr>
-          <a:xfrm>
-            <a:off x="1331640" y="97177"/>
-            <a:ext cx="648072" cy="0"/>
-          </a:xfrm>
-          <a:prstGeom prst="line">
-            <a:avLst/>
-          </a:prstGeom>
-          <a:noFill/>
-          <a:ln w="28575">
-            <a:solidFill>
-              <a:srgbClr val="7030A0"/>
-            </a:solidFill>
-          </a:ln>
-        </p:spPr>
-        <p:style>
-          <a:lnRef idx="2">
-            <a:schemeClr val="accent1">
-              <a:shade val="50000"/>
-            </a:schemeClr>
-          </a:lnRef>
-          <a:fillRef idx="1">
-            <a:schemeClr val="accent1"/>
-          </a:fillRef>
-          <a:effectRef idx="0">
-            <a:schemeClr val="accent1"/>
-          </a:effectRef>
-          <a:fontRef idx="minor">
-            <a:schemeClr val="lt1"/>
-          </a:fontRef>
-        </p:style>
-      </p:cxnSp>
-      <p:cxnSp>
-        <p:nvCxnSpPr>
-          <p:cNvPr id="28" name="Connecteur droit 27"/>
-          <p:cNvCxnSpPr/>
-          <p:nvPr/>
-        </p:nvCxnSpPr>
-        <p:spPr>
-          <a:xfrm>
-            <a:off x="1895379" y="332656"/>
-            <a:ext cx="168666" cy="0"/>
-          </a:xfrm>
-          <a:prstGeom prst="line">
-            <a:avLst/>
-          </a:prstGeom>
-          <a:noFill/>
-          <a:ln w="28575">
-            <a:solidFill>
-              <a:srgbClr val="C00000"/>
-            </a:solidFill>
-          </a:ln>
-        </p:spPr>
-        <p:style>
-          <a:lnRef idx="2">
-            <a:schemeClr val="accent1">
-              <a:shade val="50000"/>
-            </a:schemeClr>
-          </a:lnRef>
-          <a:fillRef idx="1">
-            <a:schemeClr val="accent1"/>
-          </a:fillRef>
-          <a:effectRef idx="0">
-            <a:schemeClr val="accent1"/>
-          </a:effectRef>
-          <a:fontRef idx="minor">
-            <a:schemeClr val="lt1"/>
-          </a:fontRef>
-        </p:style>
-      </p:cxnSp>
-      <p:sp>
-        <p:nvSpPr>
-          <p:cNvPr id="66" name="Ellipse 65"/>
-          <p:cNvSpPr/>
-          <p:nvPr/>
-        </p:nvSpPr>
-        <p:spPr>
-          <a:xfrm>
-            <a:off x="1018104" y="1680136"/>
-            <a:ext cx="276999" cy="276999"/>
-          </a:xfrm>
-          <a:prstGeom prst="ellipse">
-            <a:avLst/>
-          </a:prstGeom>
-          <a:noFill/>
-          <a:ln w="28575">
-            <a:solidFill>
-              <a:srgbClr val="7030A0"/>
-            </a:solidFill>
-          </a:ln>
-        </p:spPr>
-        <p:style>
-          <a:lnRef idx="2">
-            <a:schemeClr val="accent1">
-              <a:shade val="50000"/>
-            </a:schemeClr>
-          </a:lnRef>
-          <a:fillRef idx="1">
-            <a:schemeClr val="accent1"/>
-          </a:fillRef>
-          <a:effectRef idx="0">
-            <a:schemeClr val="accent1"/>
-          </a:effectRef>
-          <a:fontRef idx="minor">
-            <a:schemeClr val="lt1"/>
-          </a:fontRef>
-        </p:style>
-        <p:txBody>
-          <a:bodyPr lIns="0" tIns="0" rIns="0" bIns="0" rtlCol="0" anchor="ctr"/>
-          <a:lstStyle/>
-          <a:p>
-            <a:pPr algn="ctr"/>
-            <a:r>
-              <a:rPr lang="fr-FR" sz="1400" dirty="0">
-                <a:ln>
-                  <a:solidFill>
-                    <a:srgbClr val="7030A0"/>
-                  </a:solidFill>
-                </a:ln>
-                <a:solidFill>
-                  <a:srgbClr val="7030A0"/>
-                </a:solidFill>
-              </a:rPr>
-              <a:t>1</a:t>
-            </a:r>
-          </a:p>
-        </p:txBody>
-      </p:sp>
-      <p:sp>
-        <p:nvSpPr>
-          <p:cNvPr id="67" name="Ellipse 66"/>
-          <p:cNvSpPr/>
-          <p:nvPr/>
-        </p:nvSpPr>
-        <p:spPr>
-          <a:xfrm>
-            <a:off x="2057236" y="374176"/>
-            <a:ext cx="276999" cy="276999"/>
-          </a:xfrm>
-          <a:prstGeom prst="ellipse">
-            <a:avLst/>
-          </a:prstGeom>
-          <a:noFill/>
-          <a:ln w="28575">
-            <a:solidFill>
-              <a:srgbClr val="C00000"/>
-            </a:solidFill>
-          </a:ln>
-        </p:spPr>
-        <p:style>
-          <a:lnRef idx="2">
-            <a:schemeClr val="accent1">
-              <a:shade val="50000"/>
-            </a:schemeClr>
-          </a:lnRef>
-          <a:fillRef idx="1">
-            <a:schemeClr val="accent1"/>
-          </a:fillRef>
-          <a:effectRef idx="0">
-            <a:schemeClr val="accent1"/>
-          </a:effectRef>
-          <a:fontRef idx="minor">
-            <a:schemeClr val="lt1"/>
-          </a:fontRef>
-        </p:style>
-        <p:txBody>
-          <a:bodyPr lIns="0" tIns="0" rIns="0" bIns="0" rtlCol="0" anchor="ctr"/>
-          <a:lstStyle/>
-          <a:p>
-            <a:pPr algn="ctr"/>
-            <a:r>
-              <a:rPr lang="fr-FR" sz="1400" dirty="0">
-                <a:ln>
-                  <a:solidFill>
-                    <a:srgbClr val="C00000"/>
-                  </a:solidFill>
-                </a:ln>
-                <a:solidFill>
-                  <a:srgbClr val="C00000"/>
-                </a:solidFill>
-              </a:rPr>
-              <a:t>2</a:t>
-            </a:r>
-          </a:p>
-        </p:txBody>
-      </p:sp>
-      <p:cxnSp>
-        <p:nvCxnSpPr>
-          <p:cNvPr id="75" name="Connecteur droit 74">
-            <a:extLst>
-              <a:ext uri="{FF2B5EF4-FFF2-40B4-BE49-F238E27FC236}">
-                <a16:creationId xmlns:a16="http://schemas.microsoft.com/office/drawing/2014/main" id="{3F8967EB-105C-409D-96E8-BC462C29694E}"/>
-              </a:ext>
-            </a:extLst>
-          </p:cNvPr>
-          <p:cNvCxnSpPr/>
-          <p:nvPr/>
-        </p:nvCxnSpPr>
-        <p:spPr>
-          <a:xfrm>
-            <a:off x="3131840" y="-99392"/>
-            <a:ext cx="0" cy="144016"/>
-          </a:xfrm>
-          <a:prstGeom prst="line">
-            <a:avLst/>
-          </a:prstGeom>
-          <a:noFill/>
-          <a:ln w="28575">
-            <a:solidFill>
-              <a:schemeClr val="accent6">
-                <a:lumMod val="75000"/>
-              </a:schemeClr>
-            </a:solidFill>
-          </a:ln>
-        </p:spPr>
-        <p:style>
-          <a:lnRef idx="2">
-            <a:schemeClr val="accent1">
-              <a:shade val="50000"/>
-            </a:schemeClr>
-          </a:lnRef>
-          <a:fillRef idx="1">
-            <a:schemeClr val="accent1"/>
-          </a:fillRef>
-          <a:effectRef idx="0">
-            <a:schemeClr val="accent1"/>
-          </a:effectRef>
-          <a:fontRef idx="minor">
-            <a:schemeClr val="lt1"/>
-          </a:fontRef>
-        </p:style>
-      </p:cxnSp>
-      <p:cxnSp>
-        <p:nvCxnSpPr>
-          <p:cNvPr id="76" name="Connecteur droit 75">
-            <a:extLst>
-              <a:ext uri="{FF2B5EF4-FFF2-40B4-BE49-F238E27FC236}">
-                <a16:creationId xmlns:a16="http://schemas.microsoft.com/office/drawing/2014/main" id="{9AF9A335-E1BF-4CDC-BE59-D93351626F54}"/>
-              </a:ext>
-            </a:extLst>
-          </p:cNvPr>
-          <p:cNvCxnSpPr>
-            <a:cxnSpLocks/>
-          </p:cNvCxnSpPr>
-          <p:nvPr/>
-        </p:nvCxnSpPr>
-        <p:spPr>
-          <a:xfrm flipH="1">
-            <a:off x="3131840" y="-99392"/>
-            <a:ext cx="842247" cy="0"/>
-          </a:xfrm>
-          <a:prstGeom prst="line">
-            <a:avLst/>
-          </a:prstGeom>
-          <a:noFill/>
-          <a:ln w="28575">
-            <a:solidFill>
-              <a:schemeClr val="accent6">
-                <a:lumMod val="75000"/>
-              </a:schemeClr>
-            </a:solidFill>
-          </a:ln>
-        </p:spPr>
-        <p:style>
-          <a:lnRef idx="2">
-            <a:schemeClr val="accent1">
-              <a:shade val="50000"/>
-            </a:schemeClr>
-          </a:lnRef>
-          <a:fillRef idx="1">
-            <a:schemeClr val="accent1"/>
-          </a:fillRef>
-          <a:effectRef idx="0">
-            <a:schemeClr val="accent1"/>
-          </a:effectRef>
-          <a:fontRef idx="minor">
-            <a:schemeClr val="lt1"/>
-          </a:fontRef>
-        </p:style>
-      </p:cxnSp>
-      <p:cxnSp>
-        <p:nvCxnSpPr>
-          <p:cNvPr id="77" name="Connecteur droit 76">
-            <a:extLst>
-              <a:ext uri="{FF2B5EF4-FFF2-40B4-BE49-F238E27FC236}">
-                <a16:creationId xmlns:a16="http://schemas.microsoft.com/office/drawing/2014/main" id="{184EEF88-87F6-4980-94B9-16876CFE36F6}"/>
-              </a:ext>
-            </a:extLst>
-          </p:cNvPr>
-          <p:cNvCxnSpPr>
-            <a:cxnSpLocks/>
-          </p:cNvCxnSpPr>
-          <p:nvPr/>
-        </p:nvCxnSpPr>
-        <p:spPr>
-          <a:xfrm>
-            <a:off x="3974087" y="-99392"/>
-            <a:ext cx="0" cy="4180617"/>
-          </a:xfrm>
-          <a:prstGeom prst="line">
-            <a:avLst/>
-          </a:prstGeom>
-          <a:noFill/>
-          <a:ln w="28575">
-            <a:solidFill>
-              <a:schemeClr val="accent6">
-                <a:lumMod val="75000"/>
-              </a:schemeClr>
-            </a:solidFill>
-          </a:ln>
-        </p:spPr>
-        <p:style>
-          <a:lnRef idx="2">
-            <a:schemeClr val="accent1">
-              <a:shade val="50000"/>
-            </a:schemeClr>
-          </a:lnRef>
-          <a:fillRef idx="1">
-            <a:schemeClr val="accent1"/>
-          </a:fillRef>
-          <a:effectRef idx="0">
-            <a:schemeClr val="accent1"/>
-          </a:effectRef>
-          <a:fontRef idx="minor">
-            <a:schemeClr val="lt1"/>
-          </a:fontRef>
-        </p:style>
-      </p:cxnSp>
-      <p:cxnSp>
-        <p:nvCxnSpPr>
-          <p:cNvPr id="80" name="Connecteur droit 79">
-            <a:extLst>
-              <a:ext uri="{FF2B5EF4-FFF2-40B4-BE49-F238E27FC236}">
-                <a16:creationId xmlns:a16="http://schemas.microsoft.com/office/drawing/2014/main" id="{80ABA409-87F6-4A52-ADFC-6403C8404094}"/>
-              </a:ext>
-            </a:extLst>
-          </p:cNvPr>
-          <p:cNvCxnSpPr>
-            <a:cxnSpLocks/>
-          </p:cNvCxnSpPr>
-          <p:nvPr/>
-        </p:nvCxnSpPr>
-        <p:spPr>
-          <a:xfrm>
-            <a:off x="3993899" y="1986851"/>
-            <a:ext cx="970458" cy="0"/>
-          </a:xfrm>
-          <a:prstGeom prst="line">
-            <a:avLst/>
-          </a:prstGeom>
-          <a:noFill/>
-          <a:ln w="28575">
-            <a:solidFill>
-              <a:schemeClr val="accent6">
-                <a:lumMod val="75000"/>
-              </a:schemeClr>
-            </a:solidFill>
-          </a:ln>
-        </p:spPr>
-        <p:style>
-          <a:lnRef idx="2">
-            <a:schemeClr val="accent1">
-              <a:shade val="50000"/>
-            </a:schemeClr>
-          </a:lnRef>
-          <a:fillRef idx="1">
-            <a:schemeClr val="accent1"/>
-          </a:fillRef>
-          <a:effectRef idx="0">
-            <a:schemeClr val="accent1"/>
-          </a:effectRef>
-          <a:fontRef idx="minor">
-            <a:schemeClr val="lt1"/>
-          </a:fontRef>
-        </p:style>
-      </p:cxnSp>
-      <p:cxnSp>
-        <p:nvCxnSpPr>
-          <p:cNvPr id="81" name="Connecteur droit 80">
-            <a:extLst>
-              <a:ext uri="{FF2B5EF4-FFF2-40B4-BE49-F238E27FC236}">
-                <a16:creationId xmlns:a16="http://schemas.microsoft.com/office/drawing/2014/main" id="{CE17D896-B7AA-4928-96C2-AC195A77EF85}"/>
-              </a:ext>
-            </a:extLst>
-          </p:cNvPr>
-          <p:cNvCxnSpPr/>
-          <p:nvPr/>
-        </p:nvCxnSpPr>
-        <p:spPr>
-          <a:xfrm>
-            <a:off x="3133532" y="3933056"/>
-            <a:ext cx="0" cy="144016"/>
-          </a:xfrm>
-          <a:prstGeom prst="line">
-            <a:avLst/>
-          </a:prstGeom>
-          <a:noFill/>
-          <a:ln w="28575">
-            <a:solidFill>
-              <a:schemeClr val="accent6">
-                <a:lumMod val="75000"/>
-              </a:schemeClr>
-            </a:solidFill>
-          </a:ln>
-        </p:spPr>
-        <p:style>
-          <a:lnRef idx="2">
-            <a:schemeClr val="accent1">
-              <a:shade val="50000"/>
-            </a:schemeClr>
-          </a:lnRef>
-          <a:fillRef idx="1">
-            <a:schemeClr val="accent1"/>
-          </a:fillRef>
-          <a:effectRef idx="0">
-            <a:schemeClr val="accent1"/>
-          </a:effectRef>
-          <a:fontRef idx="minor">
-            <a:schemeClr val="lt1"/>
-          </a:fontRef>
-        </p:style>
-      </p:cxnSp>
-      <p:cxnSp>
-        <p:nvCxnSpPr>
-          <p:cNvPr id="83" name="Connecteur droit 82">
-            <a:extLst>
-              <a:ext uri="{FF2B5EF4-FFF2-40B4-BE49-F238E27FC236}">
-                <a16:creationId xmlns:a16="http://schemas.microsoft.com/office/drawing/2014/main" id="{CE6C03A5-8572-464F-B322-99C0F59C3643}"/>
-              </a:ext>
-            </a:extLst>
-          </p:cNvPr>
-          <p:cNvCxnSpPr/>
-          <p:nvPr/>
-        </p:nvCxnSpPr>
-        <p:spPr>
-          <a:xfrm>
-            <a:off x="3049199" y="3933056"/>
-            <a:ext cx="168666" cy="0"/>
-          </a:xfrm>
-          <a:prstGeom prst="line">
-            <a:avLst/>
-          </a:prstGeom>
-          <a:noFill/>
-          <a:ln w="28575">
-            <a:solidFill>
-              <a:schemeClr val="accent6">
-                <a:lumMod val="75000"/>
-              </a:schemeClr>
-            </a:solidFill>
-          </a:ln>
-        </p:spPr>
-        <p:style>
-          <a:lnRef idx="2">
-            <a:schemeClr val="accent1">
-              <a:shade val="50000"/>
-            </a:schemeClr>
-          </a:lnRef>
-          <a:fillRef idx="1">
-            <a:schemeClr val="accent1"/>
-          </a:fillRef>
-          <a:effectRef idx="0">
-            <a:schemeClr val="accent1"/>
-          </a:effectRef>
-          <a:fontRef idx="minor">
-            <a:schemeClr val="lt1"/>
-          </a:fontRef>
-        </p:style>
-      </p:cxnSp>
-      <p:cxnSp>
-        <p:nvCxnSpPr>
-          <p:cNvPr id="86" name="Connecteur droit 85">
-            <a:extLst>
-              <a:ext uri="{FF2B5EF4-FFF2-40B4-BE49-F238E27FC236}">
-                <a16:creationId xmlns:a16="http://schemas.microsoft.com/office/drawing/2014/main" id="{9C527A9F-C628-4EC6-860F-55B7698BB189}"/>
-              </a:ext>
-            </a:extLst>
-          </p:cNvPr>
-          <p:cNvCxnSpPr/>
-          <p:nvPr/>
-        </p:nvCxnSpPr>
-        <p:spPr>
-          <a:xfrm>
-            <a:off x="4283968" y="1884466"/>
-            <a:ext cx="0" cy="216024"/>
-          </a:xfrm>
-          <a:prstGeom prst="line">
-            <a:avLst/>
-          </a:prstGeom>
-          <a:noFill/>
-          <a:ln w="28575">
-            <a:solidFill>
-              <a:schemeClr val="accent6">
-                <a:lumMod val="75000"/>
-              </a:schemeClr>
-            </a:solidFill>
-          </a:ln>
-        </p:spPr>
-        <p:style>
-          <a:lnRef idx="2">
-            <a:schemeClr val="accent1">
-              <a:shade val="50000"/>
-            </a:schemeClr>
-          </a:lnRef>
-          <a:fillRef idx="1">
-            <a:schemeClr val="accent1"/>
-          </a:fillRef>
-          <a:effectRef idx="0">
-            <a:schemeClr val="accent1"/>
-          </a:effectRef>
-          <a:fontRef idx="minor">
-            <a:schemeClr val="lt1"/>
-          </a:fontRef>
-        </p:style>
-      </p:cxnSp>
-      <p:sp>
-        <p:nvSpPr>
-          <p:cNvPr id="94" name="Ellipse 93">
-            <a:extLst>
-              <a:ext uri="{FF2B5EF4-FFF2-40B4-BE49-F238E27FC236}">
-                <a16:creationId xmlns:a16="http://schemas.microsoft.com/office/drawing/2014/main" id="{B40A9982-5BF9-49B9-8E9E-736FB699A6BF}"/>
-              </a:ext>
-            </a:extLst>
-          </p:cNvPr>
-          <p:cNvSpPr/>
-          <p:nvPr/>
-        </p:nvSpPr>
-        <p:spPr>
-          <a:xfrm>
-            <a:off x="4687358" y="3483405"/>
-            <a:ext cx="276999" cy="276999"/>
-          </a:xfrm>
-          <a:prstGeom prst="ellipse">
-            <a:avLst/>
-          </a:prstGeom>
-          <a:noFill/>
-          <a:ln w="28575">
-            <a:solidFill>
-              <a:schemeClr val="tx1"/>
-            </a:solidFill>
-          </a:ln>
-        </p:spPr>
-        <p:style>
-          <a:lnRef idx="2">
-            <a:schemeClr val="accent1">
-              <a:shade val="50000"/>
-            </a:schemeClr>
-          </a:lnRef>
-          <a:fillRef idx="1">
-            <a:schemeClr val="accent1"/>
-          </a:fillRef>
-          <a:effectRef idx="0">
-            <a:schemeClr val="accent1"/>
-          </a:effectRef>
-          <a:fontRef idx="minor">
-            <a:schemeClr val="lt1"/>
-          </a:fontRef>
-        </p:style>
-        <p:txBody>
-          <a:bodyPr lIns="0" tIns="0" rIns="0" bIns="0" rtlCol="0" anchor="ctr"/>
-          <a:lstStyle/>
-          <a:p>
-            <a:pPr algn="ctr"/>
-            <a:r>
-              <a:rPr lang="fr-FR" sz="1400" dirty="0">
-                <a:ln>
-                  <a:solidFill>
-                    <a:sysClr val="windowText" lastClr="000000"/>
-                  </a:solidFill>
-                </a:ln>
-                <a:solidFill>
-                  <a:schemeClr val="tx1"/>
-                </a:solidFill>
-              </a:rPr>
-              <a:t>0</a:t>
-            </a:r>
-          </a:p>
-        </p:txBody>
-      </p:sp>
-      <p:cxnSp>
-        <p:nvCxnSpPr>
-          <p:cNvPr id="96" name="Connecteur droit 95">
-            <a:extLst>
-              <a:ext uri="{FF2B5EF4-FFF2-40B4-BE49-F238E27FC236}">
-                <a16:creationId xmlns:a16="http://schemas.microsoft.com/office/drawing/2014/main" id="{D626BD88-C594-4BF6-B9D0-D030C690CB36}"/>
-              </a:ext>
-            </a:extLst>
-          </p:cNvPr>
-          <p:cNvCxnSpPr>
-            <a:cxnSpLocks/>
-          </p:cNvCxnSpPr>
-          <p:nvPr/>
-        </p:nvCxnSpPr>
-        <p:spPr>
-          <a:xfrm>
-            <a:off x="3131840" y="44624"/>
-            <a:ext cx="0" cy="1512168"/>
-          </a:xfrm>
-          <a:prstGeom prst="line">
-            <a:avLst/>
-          </a:prstGeom>
-          <a:noFill/>
-          <a:ln w="28575">
-            <a:solidFill>
-              <a:srgbClr val="C00000"/>
-            </a:solidFill>
-          </a:ln>
-        </p:spPr>
-        <p:style>
-          <a:lnRef idx="2">
-            <a:schemeClr val="accent1">
-              <a:shade val="50000"/>
-            </a:schemeClr>
-          </a:lnRef>
-          <a:fillRef idx="1">
-            <a:schemeClr val="accent1"/>
-          </a:fillRef>
-          <a:effectRef idx="0">
-            <a:schemeClr val="accent1"/>
-          </a:effectRef>
-          <a:fontRef idx="minor">
-            <a:schemeClr val="lt1"/>
-          </a:fontRef>
-        </p:style>
-      </p:cxnSp>
-      <p:cxnSp>
-        <p:nvCxnSpPr>
-          <p:cNvPr id="98" name="Connecteur droit 97">
-            <a:extLst>
-              <a:ext uri="{FF2B5EF4-FFF2-40B4-BE49-F238E27FC236}">
-                <a16:creationId xmlns:a16="http://schemas.microsoft.com/office/drawing/2014/main" id="{04A19BE6-DF28-4819-9345-EC1A93EFBFBD}"/>
-              </a:ext>
-            </a:extLst>
-          </p:cNvPr>
-          <p:cNvCxnSpPr/>
-          <p:nvPr/>
-        </p:nvCxnSpPr>
-        <p:spPr>
-          <a:xfrm>
-            <a:off x="3047965" y="44624"/>
-            <a:ext cx="168666" cy="0"/>
-          </a:xfrm>
-          <a:prstGeom prst="line">
-            <a:avLst/>
-          </a:prstGeom>
-          <a:noFill/>
-          <a:ln w="28575">
-            <a:solidFill>
-              <a:srgbClr val="C00000"/>
-            </a:solidFill>
-          </a:ln>
-        </p:spPr>
-        <p:style>
-          <a:lnRef idx="2">
-            <a:schemeClr val="accent1">
-              <a:shade val="50000"/>
-            </a:schemeClr>
-          </a:lnRef>
-          <a:fillRef idx="1">
-            <a:schemeClr val="accent1"/>
-          </a:fillRef>
-          <a:effectRef idx="0">
-            <a:schemeClr val="accent1"/>
-          </a:effectRef>
-          <a:fontRef idx="minor">
-            <a:schemeClr val="lt1"/>
-          </a:fontRef>
-        </p:style>
-      </p:cxnSp>
-      <p:cxnSp>
-        <p:nvCxnSpPr>
-          <p:cNvPr id="99" name="Connecteur droit 98">
-            <a:extLst>
-              <a:ext uri="{FF2B5EF4-FFF2-40B4-BE49-F238E27FC236}">
-                <a16:creationId xmlns:a16="http://schemas.microsoft.com/office/drawing/2014/main" id="{330DCDE1-A8E4-4CC9-90B2-2901968C4C06}"/>
-              </a:ext>
-            </a:extLst>
-          </p:cNvPr>
-          <p:cNvCxnSpPr/>
-          <p:nvPr/>
-        </p:nvCxnSpPr>
-        <p:spPr>
-          <a:xfrm>
-            <a:off x="3047965" y="1556792"/>
-            <a:ext cx="168666" cy="0"/>
-          </a:xfrm>
-          <a:prstGeom prst="line">
-            <a:avLst/>
-          </a:prstGeom>
-          <a:noFill/>
-          <a:ln w="28575">
-            <a:solidFill>
-              <a:srgbClr val="C00000"/>
-            </a:solidFill>
-          </a:ln>
-        </p:spPr>
-        <p:style>
-          <a:lnRef idx="2">
-            <a:schemeClr val="accent1">
-              <a:shade val="50000"/>
-            </a:schemeClr>
-          </a:lnRef>
-          <a:fillRef idx="1">
-            <a:schemeClr val="accent1"/>
-          </a:fillRef>
-          <a:effectRef idx="0">
-            <a:schemeClr val="accent1"/>
-          </a:effectRef>
-          <a:fontRef idx="minor">
-            <a:schemeClr val="lt1"/>
-          </a:fontRef>
-        </p:style>
-      </p:cxnSp>
-      <p:cxnSp>
-        <p:nvCxnSpPr>
-          <p:cNvPr id="102" name="Connecteur droit 101">
-            <a:extLst>
-              <a:ext uri="{FF2B5EF4-FFF2-40B4-BE49-F238E27FC236}">
-                <a16:creationId xmlns:a16="http://schemas.microsoft.com/office/drawing/2014/main" id="{8FDB9439-E197-4C7B-9067-B894BAEE9439}"/>
-              </a:ext>
-            </a:extLst>
-          </p:cNvPr>
-          <p:cNvCxnSpPr>
-            <a:cxnSpLocks/>
-          </p:cNvCxnSpPr>
-          <p:nvPr/>
-        </p:nvCxnSpPr>
-        <p:spPr>
-          <a:xfrm flipH="1">
-            <a:off x="3121207" y="4081225"/>
-            <a:ext cx="862060" cy="0"/>
-          </a:xfrm>
-          <a:prstGeom prst="line">
-            <a:avLst/>
-          </a:prstGeom>
-          <a:noFill/>
-          <a:ln w="28575">
-            <a:solidFill>
-              <a:schemeClr val="accent6">
-                <a:lumMod val="75000"/>
-              </a:schemeClr>
-            </a:solidFill>
-          </a:ln>
-        </p:spPr>
-        <p:style>
-          <a:lnRef idx="2">
-            <a:schemeClr val="accent1">
-              <a:shade val="50000"/>
-            </a:schemeClr>
-          </a:lnRef>
-          <a:fillRef idx="1">
-            <a:schemeClr val="accent1"/>
-          </a:fillRef>
-          <a:effectRef idx="0">
-            <a:schemeClr val="accent1"/>
-          </a:effectRef>
-          <a:fontRef idx="minor">
-            <a:schemeClr val="lt1"/>
-          </a:fontRef>
-        </p:style>
-      </p:cxnSp>
-      <p:grpSp>
-        <p:nvGrpSpPr>
-          <p:cNvPr id="2" name="Groupe 1">
-            <a:extLst>
-              <a:ext uri="{FF2B5EF4-FFF2-40B4-BE49-F238E27FC236}">
-                <a16:creationId xmlns:a16="http://schemas.microsoft.com/office/drawing/2014/main" id="{4C184993-780B-49C5-A401-9486098A27BE}"/>
-              </a:ext>
-            </a:extLst>
-          </p:cNvPr>
-          <p:cNvGrpSpPr/>
-          <p:nvPr/>
-        </p:nvGrpSpPr>
-        <p:grpSpPr>
-          <a:xfrm>
-            <a:off x="2267744" y="908720"/>
-            <a:ext cx="576064" cy="356620"/>
-            <a:chOff x="2842378" y="2096852"/>
-            <a:chExt cx="576064" cy="356620"/>
-          </a:xfrm>
-        </p:grpSpPr>
-        <p:sp>
-          <p:nvSpPr>
-            <p:cNvPr id="103" name="Forme libre 15">
-              <a:extLst>
-                <a:ext uri="{FF2B5EF4-FFF2-40B4-BE49-F238E27FC236}">
-                  <a16:creationId xmlns:a16="http://schemas.microsoft.com/office/drawing/2014/main" id="{E6D51E83-7EAD-440C-AE9C-BA61911BB1D2}"/>
-                </a:ext>
-              </a:extLst>
-            </p:cNvPr>
-            <p:cNvSpPr/>
-            <p:nvPr/>
-          </p:nvSpPr>
-          <p:spPr>
-            <a:xfrm>
-              <a:off x="2842378" y="2312876"/>
-              <a:ext cx="576064" cy="140596"/>
-            </a:xfrm>
-            <a:custGeom>
-              <a:avLst/>
-              <a:gdLst>
-                <a:gd name="connsiteX0" fmla="*/ 0 w 729276"/>
-                <a:gd name="connsiteY0" fmla="*/ 0 h 152951"/>
-                <a:gd name="connsiteX1" fmla="*/ 168294 w 729276"/>
-                <a:gd name="connsiteY1" fmla="*/ 134635 h 152951"/>
-                <a:gd name="connsiteX2" fmla="*/ 381467 w 729276"/>
-                <a:gd name="connsiteY2" fmla="*/ 84147 h 152951"/>
-                <a:gd name="connsiteX3" fmla="*/ 594640 w 729276"/>
-                <a:gd name="connsiteY3" fmla="*/ 151465 h 152951"/>
-                <a:gd name="connsiteX4" fmla="*/ 729276 w 729276"/>
-                <a:gd name="connsiteY4" fmla="*/ 5610 h 152951"/>
-                <a:gd name="connsiteX0" fmla="*/ 0 w 732876"/>
-                <a:gd name="connsiteY0" fmla="*/ 7459 h 160523"/>
-                <a:gd name="connsiteX1" fmla="*/ 168294 w 732876"/>
-                <a:gd name="connsiteY1" fmla="*/ 142094 h 160523"/>
-                <a:gd name="connsiteX2" fmla="*/ 381467 w 732876"/>
-                <a:gd name="connsiteY2" fmla="*/ 91606 h 160523"/>
-                <a:gd name="connsiteX3" fmla="*/ 594640 w 732876"/>
-                <a:gd name="connsiteY3" fmla="*/ 158924 h 160523"/>
-                <a:gd name="connsiteX4" fmla="*/ 719996 w 732876"/>
-                <a:gd name="connsiteY4" fmla="*/ 9693 h 160523"/>
-                <a:gd name="connsiteX5" fmla="*/ 729276 w 732876"/>
-                <a:gd name="connsiteY5" fmla="*/ 13069 h 160523"/>
-                <a:gd name="connsiteX0" fmla="*/ 0 w 732876"/>
-                <a:gd name="connsiteY0" fmla="*/ 7459 h 144116"/>
-                <a:gd name="connsiteX1" fmla="*/ 168294 w 732876"/>
-                <a:gd name="connsiteY1" fmla="*/ 142094 h 144116"/>
-                <a:gd name="connsiteX2" fmla="*/ 381467 w 732876"/>
-                <a:gd name="connsiteY2" fmla="*/ 91606 h 144116"/>
-                <a:gd name="connsiteX3" fmla="*/ 589488 w 732876"/>
-                <a:gd name="connsiteY3" fmla="*/ 135742 h 144116"/>
-                <a:gd name="connsiteX4" fmla="*/ 719996 w 732876"/>
-                <a:gd name="connsiteY4" fmla="*/ 9693 h 144116"/>
-                <a:gd name="connsiteX5" fmla="*/ 729276 w 732876"/>
-                <a:gd name="connsiteY5" fmla="*/ 13069 h 144116"/>
-                <a:gd name="connsiteX0" fmla="*/ 0 w 731506"/>
-                <a:gd name="connsiteY0" fmla="*/ 0 h 136657"/>
-                <a:gd name="connsiteX1" fmla="*/ 168294 w 731506"/>
-                <a:gd name="connsiteY1" fmla="*/ 134635 h 136657"/>
-                <a:gd name="connsiteX2" fmla="*/ 381467 w 731506"/>
-                <a:gd name="connsiteY2" fmla="*/ 84147 h 136657"/>
-                <a:gd name="connsiteX3" fmla="*/ 589488 w 731506"/>
-                <a:gd name="connsiteY3" fmla="*/ 128283 h 136657"/>
-                <a:gd name="connsiteX4" fmla="*/ 717420 w 731506"/>
-                <a:gd name="connsiteY4" fmla="*/ 35719 h 136657"/>
-                <a:gd name="connsiteX5" fmla="*/ 729276 w 731506"/>
-                <a:gd name="connsiteY5" fmla="*/ 5610 h 136657"/>
-                <a:gd name="connsiteX0" fmla="*/ 0 w 729276"/>
-                <a:gd name="connsiteY0" fmla="*/ 0 h 136657"/>
-                <a:gd name="connsiteX1" fmla="*/ 168294 w 729276"/>
-                <a:gd name="connsiteY1" fmla="*/ 134635 h 136657"/>
-                <a:gd name="connsiteX2" fmla="*/ 381467 w 729276"/>
-                <a:gd name="connsiteY2" fmla="*/ 84147 h 136657"/>
-                <a:gd name="connsiteX3" fmla="*/ 589488 w 729276"/>
-                <a:gd name="connsiteY3" fmla="*/ 128283 h 136657"/>
-                <a:gd name="connsiteX4" fmla="*/ 631695 w 729276"/>
-                <a:gd name="connsiteY4" fmla="*/ 59532 h 136657"/>
-                <a:gd name="connsiteX5" fmla="*/ 729276 w 729276"/>
-                <a:gd name="connsiteY5" fmla="*/ 5610 h 136657"/>
-                <a:gd name="connsiteX0" fmla="*/ 0 w 729276"/>
-                <a:gd name="connsiteY0" fmla="*/ 0 h 136657"/>
-                <a:gd name="connsiteX1" fmla="*/ 168294 w 729276"/>
-                <a:gd name="connsiteY1" fmla="*/ 134635 h 136657"/>
-                <a:gd name="connsiteX2" fmla="*/ 381467 w 729276"/>
-                <a:gd name="connsiteY2" fmla="*/ 84147 h 136657"/>
-                <a:gd name="connsiteX3" fmla="*/ 589488 w 729276"/>
-                <a:gd name="connsiteY3" fmla="*/ 128283 h 136657"/>
-                <a:gd name="connsiteX4" fmla="*/ 729276 w 729276"/>
-                <a:gd name="connsiteY4" fmla="*/ 5610 h 136657"/>
-                <a:gd name="connsiteX0" fmla="*/ 0 w 729276"/>
-                <a:gd name="connsiteY0" fmla="*/ 0 h 136657"/>
-                <a:gd name="connsiteX1" fmla="*/ 168294 w 729276"/>
-                <a:gd name="connsiteY1" fmla="*/ 134635 h 136657"/>
-                <a:gd name="connsiteX2" fmla="*/ 381467 w 729276"/>
-                <a:gd name="connsiteY2" fmla="*/ 84147 h 136657"/>
-                <a:gd name="connsiteX3" fmla="*/ 589488 w 729276"/>
-                <a:gd name="connsiteY3" fmla="*/ 128283 h 136657"/>
-                <a:gd name="connsiteX4" fmla="*/ 729276 w 729276"/>
-                <a:gd name="connsiteY4" fmla="*/ 5610 h 136657"/>
-                <a:gd name="connsiteX0" fmla="*/ 0 w 729276"/>
-                <a:gd name="connsiteY0" fmla="*/ 0 h 141857"/>
-                <a:gd name="connsiteX1" fmla="*/ 168294 w 729276"/>
-                <a:gd name="connsiteY1" fmla="*/ 134635 h 141857"/>
-                <a:gd name="connsiteX2" fmla="*/ 381467 w 729276"/>
-                <a:gd name="connsiteY2" fmla="*/ 84147 h 141857"/>
-                <a:gd name="connsiteX3" fmla="*/ 577581 w 729276"/>
-                <a:gd name="connsiteY3" fmla="*/ 140189 h 141857"/>
-                <a:gd name="connsiteX4" fmla="*/ 729276 w 729276"/>
-                <a:gd name="connsiteY4" fmla="*/ 5610 h 141857"/>
-                <a:gd name="connsiteX0" fmla="*/ 0 w 729276"/>
-                <a:gd name="connsiteY0" fmla="*/ 0 h 140596"/>
-                <a:gd name="connsiteX1" fmla="*/ 168294 w 729276"/>
-                <a:gd name="connsiteY1" fmla="*/ 134635 h 140596"/>
-                <a:gd name="connsiteX2" fmla="*/ 381467 w 729276"/>
-                <a:gd name="connsiteY2" fmla="*/ 84147 h 140596"/>
-                <a:gd name="connsiteX3" fmla="*/ 577581 w 729276"/>
-                <a:gd name="connsiteY3" fmla="*/ 140189 h 140596"/>
-                <a:gd name="connsiteX4" fmla="*/ 729276 w 729276"/>
-                <a:gd name="connsiteY4" fmla="*/ 5610 h 140596"/>
-              </a:gdLst>
-              <a:ahLst/>
-              <a:cxnLst>
-                <a:cxn ang="0">
-                  <a:pos x="connsiteX0" y="connsiteY0"/>
-                </a:cxn>
-                <a:cxn ang="0">
-                  <a:pos x="connsiteX1" y="connsiteY1"/>
-                </a:cxn>
-                <a:cxn ang="0">
-                  <a:pos x="connsiteX2" y="connsiteY2"/>
-                </a:cxn>
-                <a:cxn ang="0">
-                  <a:pos x="connsiteX3" y="connsiteY3"/>
-                </a:cxn>
-                <a:cxn ang="0">
-                  <a:pos x="connsiteX4" y="connsiteY4"/>
-                </a:cxn>
-              </a:cxnLst>
-              <a:rect l="l" t="t" r="r" b="b"/>
-              <a:pathLst>
-                <a:path w="729276" h="140596">
-                  <a:moveTo>
-                    <a:pt x="0" y="0"/>
-                  </a:moveTo>
-                  <a:cubicBezTo>
-                    <a:pt x="52358" y="60305"/>
-                    <a:pt x="104716" y="120611"/>
-                    <a:pt x="168294" y="134635"/>
-                  </a:cubicBezTo>
-                  <a:cubicBezTo>
-                    <a:pt x="231872" y="148659"/>
-                    <a:pt x="313253" y="83221"/>
-                    <a:pt x="381467" y="84147"/>
-                  </a:cubicBezTo>
-                  <a:cubicBezTo>
-                    <a:pt x="449681" y="85073"/>
-                    <a:pt x="526757" y="146134"/>
-                    <a:pt x="577581" y="140189"/>
-                  </a:cubicBezTo>
-                  <a:cubicBezTo>
-                    <a:pt x="628405" y="134244"/>
-                    <a:pt x="673961" y="78792"/>
-                    <a:pt x="729276" y="5610"/>
-                  </a:cubicBezTo>
-                </a:path>
-              </a:pathLst>
-            </a:custGeom>
-            <a:solidFill>
-              <a:schemeClr val="bg1">
-                <a:lumMod val="85000"/>
-              </a:schemeClr>
-            </a:solidFill>
-            <a:ln w="12700">
-              <a:solidFill>
-                <a:schemeClr val="tx1"/>
-              </a:solidFill>
-            </a:ln>
-          </p:spPr>
-          <p:style>
-            <a:lnRef idx="1">
-              <a:schemeClr val="accent1"/>
-            </a:lnRef>
-            <a:fillRef idx="0">
-              <a:schemeClr val="accent1"/>
-            </a:fillRef>
-            <a:effectRef idx="0">
-              <a:schemeClr val="accent1"/>
-            </a:effectRef>
-            <a:fontRef idx="minor">
-              <a:schemeClr val="tx1"/>
-            </a:fontRef>
-          </p:style>
-          <p:txBody>
-            <a:bodyPr rtlCol="0" anchor="ctr"/>
-            <a:lstStyle/>
-            <a:p>
-              <a:pPr algn="ctr"/>
-              <a:endParaRPr lang="fr-FR"/>
-            </a:p>
-          </p:txBody>
-        </p:sp>
-        <p:cxnSp>
-          <p:nvCxnSpPr>
-            <p:cNvPr id="104" name="Connecteur droit 103">
-              <a:extLst>
-                <a:ext uri="{FF2B5EF4-FFF2-40B4-BE49-F238E27FC236}">
-                  <a16:creationId xmlns:a16="http://schemas.microsoft.com/office/drawing/2014/main" id="{3F508943-A7A2-42B5-84B0-CA948799282A}"/>
-                </a:ext>
-              </a:extLst>
-            </p:cNvPr>
-            <p:cNvCxnSpPr/>
-            <p:nvPr/>
-          </p:nvCxnSpPr>
-          <p:spPr>
-            <a:xfrm>
-              <a:off x="3130410" y="2096852"/>
-              <a:ext cx="0" cy="216024"/>
-            </a:xfrm>
-            <a:prstGeom prst="line">
-              <a:avLst/>
-            </a:prstGeom>
-            <a:noFill/>
-            <a:ln w="28575">
-              <a:solidFill>
-                <a:schemeClr val="tx1"/>
-              </a:solidFill>
-            </a:ln>
-          </p:spPr>
-          <p:style>
-            <a:lnRef idx="2">
-              <a:schemeClr val="accent1">
-                <a:shade val="50000"/>
-              </a:schemeClr>
-            </a:lnRef>
-            <a:fillRef idx="1">
-              <a:schemeClr val="accent1"/>
-            </a:fillRef>
-            <a:effectRef idx="0">
-              <a:schemeClr val="accent1"/>
-            </a:effectRef>
-            <a:fontRef idx="minor">
-              <a:schemeClr val="lt1"/>
-            </a:fontRef>
-          </p:style>
-        </p:cxnSp>
-        <p:cxnSp>
-          <p:nvCxnSpPr>
-            <p:cNvPr id="105" name="Connecteur droit 104">
-              <a:extLst>
-                <a:ext uri="{FF2B5EF4-FFF2-40B4-BE49-F238E27FC236}">
-                  <a16:creationId xmlns:a16="http://schemas.microsoft.com/office/drawing/2014/main" id="{C7B430BD-0825-4ED6-9C27-92E7003022CA}"/>
-                </a:ext>
-              </a:extLst>
-            </p:cNvPr>
-            <p:cNvCxnSpPr/>
-            <p:nvPr/>
-          </p:nvCxnSpPr>
-          <p:spPr>
-            <a:xfrm>
-              <a:off x="2842378" y="2312876"/>
-              <a:ext cx="576064" cy="0"/>
-            </a:xfrm>
-            <a:prstGeom prst="line">
-              <a:avLst/>
-            </a:prstGeom>
-            <a:noFill/>
-            <a:ln w="28575">
-              <a:solidFill>
-                <a:schemeClr val="tx1"/>
-              </a:solidFill>
-            </a:ln>
-          </p:spPr>
-          <p:style>
-            <a:lnRef idx="2">
-              <a:schemeClr val="accent1">
-                <a:shade val="50000"/>
-              </a:schemeClr>
-            </a:lnRef>
-            <a:fillRef idx="1">
-              <a:schemeClr val="accent1"/>
-            </a:fillRef>
-            <a:effectRef idx="0">
-              <a:schemeClr val="accent1"/>
-            </a:effectRef>
-            <a:fontRef idx="minor">
-              <a:schemeClr val="lt1"/>
-            </a:fontRef>
-          </p:style>
-        </p:cxnSp>
-      </p:grpSp>
-      <p:sp>
-        <p:nvSpPr>
-          <p:cNvPr id="106" name="Rectangle 105">
-            <a:extLst>
-              <a:ext uri="{FF2B5EF4-FFF2-40B4-BE49-F238E27FC236}">
-                <a16:creationId xmlns:a16="http://schemas.microsoft.com/office/drawing/2014/main" id="{CD5C1286-5B9E-4B23-BAC5-7598E3A493ED}"/>
-              </a:ext>
-            </a:extLst>
-          </p:cNvPr>
-          <p:cNvSpPr/>
-          <p:nvPr/>
-        </p:nvSpPr>
-        <p:spPr>
-          <a:xfrm>
-            <a:off x="4356035" y="1886078"/>
-            <a:ext cx="432048" cy="216024"/>
-          </a:xfrm>
-          <a:prstGeom prst="rect">
-            <a:avLst/>
-          </a:prstGeom>
-          <a:noFill/>
-          <a:ln w="28575">
-            <a:solidFill>
-              <a:schemeClr val="tx1"/>
-            </a:solidFill>
-          </a:ln>
-        </p:spPr>
-        <p:style>
-          <a:lnRef idx="2">
-            <a:schemeClr val="accent1">
-              <a:shade val="50000"/>
-            </a:schemeClr>
-          </a:lnRef>
-          <a:fillRef idx="1">
-            <a:schemeClr val="accent1"/>
-          </a:fillRef>
-          <a:effectRef idx="0">
-            <a:schemeClr val="accent1"/>
-          </a:effectRef>
-          <a:fontRef idx="minor">
-            <a:schemeClr val="lt1"/>
-          </a:fontRef>
-        </p:style>
-        <p:txBody>
-          <a:bodyPr rtlCol="0" anchor="ctr"/>
-          <a:lstStyle/>
-          <a:p>
-            <a:pPr algn="ctr"/>
-            <a:endParaRPr lang="fr-FR"/>
-          </a:p>
-        </p:txBody>
-      </p:sp>
-      <p:cxnSp>
-        <p:nvCxnSpPr>
-          <p:cNvPr id="108" name="Connecteur droit 107">
-            <a:extLst>
-              <a:ext uri="{FF2B5EF4-FFF2-40B4-BE49-F238E27FC236}">
-                <a16:creationId xmlns:a16="http://schemas.microsoft.com/office/drawing/2014/main" id="{36269014-04E4-4726-8E8F-7FE958D310B5}"/>
-              </a:ext>
-            </a:extLst>
-          </p:cNvPr>
-          <p:cNvCxnSpPr/>
-          <p:nvPr/>
-        </p:nvCxnSpPr>
-        <p:spPr>
-          <a:xfrm>
-            <a:off x="4860150" y="1883549"/>
-            <a:ext cx="0" cy="216024"/>
-          </a:xfrm>
-          <a:prstGeom prst="line">
-            <a:avLst/>
-          </a:prstGeom>
-          <a:noFill/>
-          <a:ln w="28575">
-            <a:solidFill>
-              <a:schemeClr val="accent6">
-                <a:lumMod val="75000"/>
-              </a:schemeClr>
-            </a:solidFill>
-          </a:ln>
-        </p:spPr>
-        <p:style>
-          <a:lnRef idx="2">
-            <a:schemeClr val="accent1">
-              <a:shade val="50000"/>
-            </a:schemeClr>
-          </a:lnRef>
-          <a:fillRef idx="1">
-            <a:schemeClr val="accent1"/>
-          </a:fillRef>
-          <a:effectRef idx="0">
-            <a:schemeClr val="accent1"/>
-          </a:effectRef>
-          <a:fontRef idx="minor">
-            <a:schemeClr val="lt1"/>
-          </a:fontRef>
-        </p:style>
-      </p:cxnSp>
-      <p:sp>
-        <p:nvSpPr>
-          <p:cNvPr id="109" name="Forme libre 15">
-            <a:extLst>
-              <a:ext uri="{FF2B5EF4-FFF2-40B4-BE49-F238E27FC236}">
-                <a16:creationId xmlns:a16="http://schemas.microsoft.com/office/drawing/2014/main" id="{3258170A-3F00-4CE1-9109-15F651C2C2FC}"/>
-              </a:ext>
-            </a:extLst>
-          </p:cNvPr>
-          <p:cNvSpPr/>
-          <p:nvPr/>
-        </p:nvSpPr>
-        <p:spPr>
-          <a:xfrm>
-            <a:off x="4283968" y="2318126"/>
-            <a:ext cx="576064" cy="140596"/>
-          </a:xfrm>
-          <a:custGeom>
-            <a:avLst/>
-            <a:gdLst>
-              <a:gd name="connsiteX0" fmla="*/ 0 w 729276"/>
-              <a:gd name="connsiteY0" fmla="*/ 0 h 152951"/>
-              <a:gd name="connsiteX1" fmla="*/ 168294 w 729276"/>
-              <a:gd name="connsiteY1" fmla="*/ 134635 h 152951"/>
-              <a:gd name="connsiteX2" fmla="*/ 381467 w 729276"/>
-              <a:gd name="connsiteY2" fmla="*/ 84147 h 152951"/>
-              <a:gd name="connsiteX3" fmla="*/ 594640 w 729276"/>
-              <a:gd name="connsiteY3" fmla="*/ 151465 h 152951"/>
-              <a:gd name="connsiteX4" fmla="*/ 729276 w 729276"/>
-              <a:gd name="connsiteY4" fmla="*/ 5610 h 152951"/>
-              <a:gd name="connsiteX0" fmla="*/ 0 w 732876"/>
-              <a:gd name="connsiteY0" fmla="*/ 7459 h 160523"/>
-              <a:gd name="connsiteX1" fmla="*/ 168294 w 732876"/>
-              <a:gd name="connsiteY1" fmla="*/ 142094 h 160523"/>
-              <a:gd name="connsiteX2" fmla="*/ 381467 w 732876"/>
-              <a:gd name="connsiteY2" fmla="*/ 91606 h 160523"/>
-              <a:gd name="connsiteX3" fmla="*/ 594640 w 732876"/>
-              <a:gd name="connsiteY3" fmla="*/ 158924 h 160523"/>
-              <a:gd name="connsiteX4" fmla="*/ 719996 w 732876"/>
-              <a:gd name="connsiteY4" fmla="*/ 9693 h 160523"/>
-              <a:gd name="connsiteX5" fmla="*/ 729276 w 732876"/>
-              <a:gd name="connsiteY5" fmla="*/ 13069 h 160523"/>
-              <a:gd name="connsiteX0" fmla="*/ 0 w 732876"/>
-              <a:gd name="connsiteY0" fmla="*/ 7459 h 144116"/>
-              <a:gd name="connsiteX1" fmla="*/ 168294 w 732876"/>
-              <a:gd name="connsiteY1" fmla="*/ 142094 h 144116"/>
-              <a:gd name="connsiteX2" fmla="*/ 381467 w 732876"/>
-              <a:gd name="connsiteY2" fmla="*/ 91606 h 144116"/>
-              <a:gd name="connsiteX3" fmla="*/ 589488 w 732876"/>
-              <a:gd name="connsiteY3" fmla="*/ 135742 h 144116"/>
-              <a:gd name="connsiteX4" fmla="*/ 719996 w 732876"/>
-              <a:gd name="connsiteY4" fmla="*/ 9693 h 144116"/>
-              <a:gd name="connsiteX5" fmla="*/ 729276 w 732876"/>
-              <a:gd name="connsiteY5" fmla="*/ 13069 h 144116"/>
-              <a:gd name="connsiteX0" fmla="*/ 0 w 731506"/>
-              <a:gd name="connsiteY0" fmla="*/ 0 h 136657"/>
-              <a:gd name="connsiteX1" fmla="*/ 168294 w 731506"/>
-              <a:gd name="connsiteY1" fmla="*/ 134635 h 136657"/>
-              <a:gd name="connsiteX2" fmla="*/ 381467 w 731506"/>
-              <a:gd name="connsiteY2" fmla="*/ 84147 h 136657"/>
-              <a:gd name="connsiteX3" fmla="*/ 589488 w 731506"/>
-              <a:gd name="connsiteY3" fmla="*/ 128283 h 136657"/>
-              <a:gd name="connsiteX4" fmla="*/ 717420 w 731506"/>
-              <a:gd name="connsiteY4" fmla="*/ 35719 h 136657"/>
-              <a:gd name="connsiteX5" fmla="*/ 729276 w 731506"/>
-              <a:gd name="connsiteY5" fmla="*/ 5610 h 136657"/>
-              <a:gd name="connsiteX0" fmla="*/ 0 w 729276"/>
-              <a:gd name="connsiteY0" fmla="*/ 0 h 136657"/>
-              <a:gd name="connsiteX1" fmla="*/ 168294 w 729276"/>
-              <a:gd name="connsiteY1" fmla="*/ 134635 h 136657"/>
-              <a:gd name="connsiteX2" fmla="*/ 381467 w 729276"/>
-              <a:gd name="connsiteY2" fmla="*/ 84147 h 136657"/>
-              <a:gd name="connsiteX3" fmla="*/ 589488 w 729276"/>
-              <a:gd name="connsiteY3" fmla="*/ 128283 h 136657"/>
-              <a:gd name="connsiteX4" fmla="*/ 631695 w 729276"/>
-              <a:gd name="connsiteY4" fmla="*/ 59532 h 136657"/>
-              <a:gd name="connsiteX5" fmla="*/ 729276 w 729276"/>
-              <a:gd name="connsiteY5" fmla="*/ 5610 h 136657"/>
-              <a:gd name="connsiteX0" fmla="*/ 0 w 729276"/>
-              <a:gd name="connsiteY0" fmla="*/ 0 h 136657"/>
-              <a:gd name="connsiteX1" fmla="*/ 168294 w 729276"/>
-              <a:gd name="connsiteY1" fmla="*/ 134635 h 136657"/>
-              <a:gd name="connsiteX2" fmla="*/ 381467 w 729276"/>
-              <a:gd name="connsiteY2" fmla="*/ 84147 h 136657"/>
-              <a:gd name="connsiteX3" fmla="*/ 589488 w 729276"/>
-              <a:gd name="connsiteY3" fmla="*/ 128283 h 136657"/>
-              <a:gd name="connsiteX4" fmla="*/ 729276 w 729276"/>
-              <a:gd name="connsiteY4" fmla="*/ 5610 h 136657"/>
-              <a:gd name="connsiteX0" fmla="*/ 0 w 729276"/>
-              <a:gd name="connsiteY0" fmla="*/ 0 h 136657"/>
-              <a:gd name="connsiteX1" fmla="*/ 168294 w 729276"/>
-              <a:gd name="connsiteY1" fmla="*/ 134635 h 136657"/>
-              <a:gd name="connsiteX2" fmla="*/ 381467 w 729276"/>
-              <a:gd name="connsiteY2" fmla="*/ 84147 h 136657"/>
-              <a:gd name="connsiteX3" fmla="*/ 589488 w 729276"/>
-              <a:gd name="connsiteY3" fmla="*/ 128283 h 136657"/>
-              <a:gd name="connsiteX4" fmla="*/ 729276 w 729276"/>
-              <a:gd name="connsiteY4" fmla="*/ 5610 h 136657"/>
-              <a:gd name="connsiteX0" fmla="*/ 0 w 729276"/>
-              <a:gd name="connsiteY0" fmla="*/ 0 h 141857"/>
-              <a:gd name="connsiteX1" fmla="*/ 168294 w 729276"/>
-              <a:gd name="connsiteY1" fmla="*/ 134635 h 141857"/>
-              <a:gd name="connsiteX2" fmla="*/ 381467 w 729276"/>
-              <a:gd name="connsiteY2" fmla="*/ 84147 h 141857"/>
-              <a:gd name="connsiteX3" fmla="*/ 577581 w 729276"/>
-              <a:gd name="connsiteY3" fmla="*/ 140189 h 141857"/>
-              <a:gd name="connsiteX4" fmla="*/ 729276 w 729276"/>
-              <a:gd name="connsiteY4" fmla="*/ 5610 h 141857"/>
-              <a:gd name="connsiteX0" fmla="*/ 0 w 729276"/>
-              <a:gd name="connsiteY0" fmla="*/ 0 h 140596"/>
-              <a:gd name="connsiteX1" fmla="*/ 168294 w 729276"/>
-              <a:gd name="connsiteY1" fmla="*/ 134635 h 140596"/>
-              <a:gd name="connsiteX2" fmla="*/ 381467 w 729276"/>
-              <a:gd name="connsiteY2" fmla="*/ 84147 h 140596"/>
-              <a:gd name="connsiteX3" fmla="*/ 577581 w 729276"/>
-              <a:gd name="connsiteY3" fmla="*/ 140189 h 140596"/>
-              <a:gd name="connsiteX4" fmla="*/ 729276 w 729276"/>
-              <a:gd name="connsiteY4" fmla="*/ 5610 h 140596"/>
-            </a:gdLst>
-            <a:ahLst/>
-            <a:cxnLst>
-              <a:cxn ang="0">
-                <a:pos x="connsiteX0" y="connsiteY0"/>
-              </a:cxn>
-              <a:cxn ang="0">
-                <a:pos x="connsiteX1" y="connsiteY1"/>
-              </a:cxn>
-              <a:cxn ang="0">
-                <a:pos x="connsiteX2" y="connsiteY2"/>
-              </a:cxn>
-              <a:cxn ang="0">
-                <a:pos x="connsiteX3" y="connsiteY3"/>
-              </a:cxn>
-              <a:cxn ang="0">
-                <a:pos x="connsiteX4" y="connsiteY4"/>
-              </a:cxn>
-            </a:cxnLst>
-            <a:rect l="l" t="t" r="r" b="b"/>
-            <a:pathLst>
-              <a:path w="729276" h="140596">
-                <a:moveTo>
-                  <a:pt x="0" y="0"/>
-                </a:moveTo>
-                <a:cubicBezTo>
-                  <a:pt x="52358" y="60305"/>
-                  <a:pt x="104716" y="120611"/>
-                  <a:pt x="168294" y="134635"/>
-                </a:cubicBezTo>
-                <a:cubicBezTo>
-                  <a:pt x="231872" y="148659"/>
-                  <a:pt x="313253" y="83221"/>
-                  <a:pt x="381467" y="84147"/>
-                </a:cubicBezTo>
-                <a:cubicBezTo>
-                  <a:pt x="449681" y="85073"/>
-                  <a:pt x="526757" y="146134"/>
-                  <a:pt x="577581" y="140189"/>
-                </a:cubicBezTo>
-                <a:cubicBezTo>
-                  <a:pt x="628405" y="134244"/>
-                  <a:pt x="673961" y="78792"/>
-                  <a:pt x="729276" y="5610"/>
-                </a:cubicBezTo>
-              </a:path>
-            </a:pathLst>
-          </a:custGeom>
-          <a:solidFill>
-            <a:schemeClr val="bg1">
-              <a:lumMod val="85000"/>
-            </a:schemeClr>
-          </a:solidFill>
-          <a:ln w="12700">
-            <a:solidFill>
-              <a:schemeClr val="tx1"/>
-            </a:solidFill>
-          </a:ln>
-        </p:spPr>
-        <p:style>
-          <a:lnRef idx="1">
-            <a:schemeClr val="accent1"/>
-          </a:lnRef>
-          <a:fillRef idx="0">
-            <a:schemeClr val="accent1"/>
-          </a:fillRef>
-          <a:effectRef idx="0">
-            <a:schemeClr val="accent1"/>
-          </a:effectRef>
-          <a:fontRef idx="minor">
-            <a:schemeClr val="tx1"/>
-          </a:fontRef>
-        </p:style>
-        <p:txBody>
-          <a:bodyPr rtlCol="0" anchor="ctr"/>
-          <a:lstStyle/>
-          <a:p>
-            <a:pPr algn="ctr"/>
-            <a:endParaRPr lang="fr-FR"/>
-          </a:p>
-        </p:txBody>
-      </p:sp>
-      <p:cxnSp>
-        <p:nvCxnSpPr>
-          <p:cNvPr id="110" name="Connecteur droit 109">
-            <a:extLst>
-              <a:ext uri="{FF2B5EF4-FFF2-40B4-BE49-F238E27FC236}">
-                <a16:creationId xmlns:a16="http://schemas.microsoft.com/office/drawing/2014/main" id="{7B1C8CA4-EDF0-45DE-A7E7-DD49B97320CF}"/>
-              </a:ext>
-            </a:extLst>
-          </p:cNvPr>
-          <p:cNvCxnSpPr/>
-          <p:nvPr/>
-        </p:nvCxnSpPr>
-        <p:spPr>
-          <a:xfrm>
-            <a:off x="4572000" y="2102102"/>
-            <a:ext cx="0" cy="216024"/>
-          </a:xfrm>
-          <a:prstGeom prst="line">
-            <a:avLst/>
-          </a:prstGeom>
-          <a:noFill/>
-          <a:ln w="28575">
-            <a:solidFill>
-              <a:schemeClr val="tx1"/>
-            </a:solidFill>
-          </a:ln>
-        </p:spPr>
-        <p:style>
-          <a:lnRef idx="2">
-            <a:schemeClr val="accent1">
-              <a:shade val="50000"/>
-            </a:schemeClr>
-          </a:lnRef>
-          <a:fillRef idx="1">
-            <a:schemeClr val="accent1"/>
-          </a:fillRef>
-          <a:effectRef idx="0">
-            <a:schemeClr val="accent1"/>
-          </a:effectRef>
-          <a:fontRef idx="minor">
-            <a:schemeClr val="lt1"/>
-          </a:fontRef>
-        </p:style>
-      </p:cxnSp>
-      <p:cxnSp>
-        <p:nvCxnSpPr>
-          <p:cNvPr id="111" name="Connecteur droit 110">
-            <a:extLst>
-              <a:ext uri="{FF2B5EF4-FFF2-40B4-BE49-F238E27FC236}">
-                <a16:creationId xmlns:a16="http://schemas.microsoft.com/office/drawing/2014/main" id="{A6A41C51-2B30-41AA-B976-717AB0919A64}"/>
-              </a:ext>
-            </a:extLst>
-          </p:cNvPr>
-          <p:cNvCxnSpPr/>
-          <p:nvPr/>
-        </p:nvCxnSpPr>
-        <p:spPr>
-          <a:xfrm>
-            <a:off x="4283968" y="2318126"/>
-            <a:ext cx="576064" cy="0"/>
-          </a:xfrm>
-          <a:prstGeom prst="line">
-            <a:avLst/>
-          </a:prstGeom>
-          <a:noFill/>
-          <a:ln w="28575">
-            <a:solidFill>
-              <a:schemeClr val="tx1"/>
-            </a:solidFill>
-          </a:ln>
-        </p:spPr>
-        <p:style>
-          <a:lnRef idx="2">
-            <a:schemeClr val="accent1">
-              <a:shade val="50000"/>
-            </a:schemeClr>
-          </a:lnRef>
-          <a:fillRef idx="1">
-            <a:schemeClr val="accent1"/>
-          </a:fillRef>
-          <a:effectRef idx="0">
-            <a:schemeClr val="accent1"/>
-          </a:effectRef>
-          <a:fontRef idx="minor">
-            <a:schemeClr val="lt1"/>
-          </a:fontRef>
-        </p:style>
-      </p:cxnSp>
-      <p:sp>
-        <p:nvSpPr>
-          <p:cNvPr id="113" name="Ellipse 112">
-            <a:extLst>
-              <a:ext uri="{FF2B5EF4-FFF2-40B4-BE49-F238E27FC236}">
-                <a16:creationId xmlns:a16="http://schemas.microsoft.com/office/drawing/2014/main" id="{479406BC-B134-4B34-8DBC-5930291CC0E7}"/>
-              </a:ext>
-            </a:extLst>
-          </p:cNvPr>
-          <p:cNvSpPr/>
-          <p:nvPr/>
-        </p:nvSpPr>
-        <p:spPr>
-          <a:xfrm>
-            <a:off x="3562142" y="3730142"/>
-            <a:ext cx="276999" cy="276999"/>
-          </a:xfrm>
-          <a:prstGeom prst="ellipse">
-            <a:avLst/>
-          </a:prstGeom>
-          <a:noFill/>
-          <a:ln w="28575">
-            <a:solidFill>
-              <a:schemeClr val="accent6">
-                <a:lumMod val="75000"/>
-              </a:schemeClr>
-            </a:solidFill>
-          </a:ln>
-        </p:spPr>
-        <p:style>
-          <a:lnRef idx="2">
-            <a:schemeClr val="accent1">
-              <a:shade val="50000"/>
-            </a:schemeClr>
-          </a:lnRef>
-          <a:fillRef idx="1">
-            <a:schemeClr val="accent1"/>
-          </a:fillRef>
-          <a:effectRef idx="0">
-            <a:schemeClr val="accent1"/>
-          </a:effectRef>
-          <a:fontRef idx="minor">
-            <a:schemeClr val="lt1"/>
-          </a:fontRef>
-        </p:style>
-        <p:txBody>
-          <a:bodyPr lIns="0" tIns="0" rIns="0" bIns="0" rtlCol="0" anchor="ctr"/>
-          <a:lstStyle/>
-          <a:p>
-            <a:pPr algn="ctr"/>
-            <a:r>
-              <a:rPr lang="fr-FR" sz="1400" dirty="0">
-                <a:ln>
-                  <a:solidFill>
-                    <a:schemeClr val="accent6">
-                      <a:lumMod val="75000"/>
-                    </a:schemeClr>
-                  </a:solidFill>
-                </a:ln>
-                <a:solidFill>
-                  <a:schemeClr val="accent6">
-                    <a:lumMod val="75000"/>
-                  </a:schemeClr>
-                </a:solidFill>
-              </a:rPr>
-              <a:t>4</a:t>
-            </a:r>
-          </a:p>
-        </p:txBody>
-      </p:sp>
-      <mc:AlternateContent xmlns:mc="http://schemas.openxmlformats.org/markup-compatibility/2006" xmlns:a14="http://schemas.microsoft.com/office/drawing/2010/main">
-        <mc:Choice Requires="a14">
-          <p:sp>
-            <p:nvSpPr>
-              <p:cNvPr id="51" name="ZoneTexte 50">
-                <a:extLst>
-                  <a:ext uri="{FF2B5EF4-FFF2-40B4-BE49-F238E27FC236}">
-                    <a16:creationId xmlns:a16="http://schemas.microsoft.com/office/drawing/2014/main" id="{12B7179E-29B0-4C3C-B4A3-DA7396DC0A73}"/>
-                  </a:ext>
-                </a:extLst>
-              </p:cNvPr>
-              <p:cNvSpPr txBox="1"/>
-              <p:nvPr/>
-            </p:nvSpPr>
-            <p:spPr>
-              <a:xfrm>
-                <a:off x="1792550" y="3356992"/>
-                <a:ext cx="391454" cy="276999"/>
-              </a:xfrm>
-              <a:prstGeom prst="rect">
-                <a:avLst/>
-              </a:prstGeom>
-              <a:noFill/>
-            </p:spPr>
-            <p:txBody>
-              <a:bodyPr wrap="none" rtlCol="0">
-                <a:spAutoFit/>
-              </a:bodyPr>
-              <a:lstStyle/>
-              <a:p>
-                <a:pPr/>
-                <a14:m>
-                  <m:oMathPara xmlns:m="http://schemas.openxmlformats.org/officeDocument/2006/math">
-                    <m:oMathParaPr>
-                      <m:jc m:val="centerGroup"/>
-                    </m:oMathParaPr>
-                    <m:oMath xmlns:m="http://schemas.openxmlformats.org/officeDocument/2006/math">
-                      <m:sSub>
-                        <m:sSubPr>
-                          <m:ctrlPr>
-                            <a:rPr lang="fr-FR" sz="1200" b="1" i="1" smtClean="0">
-                              <a:latin typeface="Cambria Math" panose="02040503050406030204" pitchFamily="18" charset="0"/>
-                            </a:rPr>
-                          </m:ctrlPr>
-                        </m:sSubPr>
-                        <m:e>
-                          <m:r>
-                            <a:rPr lang="fr-FR" sz="1200" b="1" i="1" smtClean="0">
-                              <a:latin typeface="Cambria Math" panose="02040503050406030204" pitchFamily="18" charset="0"/>
-                            </a:rPr>
-                            <m:t>𝒁</m:t>
-                          </m:r>
-                        </m:e>
-                        <m:sub>
-                          <m:r>
-                            <a:rPr lang="fr-FR" sz="1200" b="1" i="1" smtClean="0">
-                              <a:latin typeface="Cambria Math" panose="02040503050406030204" pitchFamily="18" charset="0"/>
-                            </a:rPr>
-                            <m:t>𝟏</m:t>
-                          </m:r>
-                        </m:sub>
-                      </m:sSub>
-                    </m:oMath>
-                  </m:oMathPara>
-                </a14:m>
-                <a:endParaRPr lang="fr-FR" sz="1200" b="1" dirty="0"/>
-              </a:p>
-            </p:txBody>
-          </p:sp>
-        </mc:Choice>
-        <mc:Fallback xmlns="">
-          <p:sp>
-            <p:nvSpPr>
-              <p:cNvPr id="51" name="ZoneTexte 50">
-                <a:extLst>
-                  <a:ext uri="{FF2B5EF4-FFF2-40B4-BE49-F238E27FC236}">
-                    <a16:creationId xmlns:a16="http://schemas.microsoft.com/office/drawing/2014/main" id="{12B7179E-29B0-4C3C-B4A3-DA7396DC0A73}"/>
-                  </a:ext>
-                </a:extLst>
-              </p:cNvPr>
-              <p:cNvSpPr txBox="1">
-                <a:spLocks noRot="1" noChangeAspect="1" noMove="1" noResize="1" noEditPoints="1" noAdjustHandles="1" noChangeArrowheads="1" noChangeShapeType="1" noTextEdit="1"/>
-              </p:cNvSpPr>
-              <p:nvPr/>
-            </p:nvSpPr>
-            <p:spPr>
-              <a:xfrm>
-                <a:off x="1792550" y="3356992"/>
-                <a:ext cx="391454" cy="276999"/>
-              </a:xfrm>
-              <a:prstGeom prst="rect">
-                <a:avLst/>
-              </a:prstGeom>
-              <a:blipFill>
-                <a:blip r:embed="rId4"/>
-                <a:stretch>
-                  <a:fillRect/>
-                </a:stretch>
-              </a:blipFill>
-            </p:spPr>
-            <p:txBody>
-              <a:bodyPr/>
-              <a:lstStyle/>
-              <a:p>
-                <a:r>
-                  <a:rPr lang="fr-FR">
-                    <a:noFill/>
-                  </a:rPr>
-                  <a:t> </a:t>
-                </a:r>
-              </a:p>
-            </p:txBody>
-          </p:sp>
-        </mc:Fallback>
-      </mc:AlternateContent>
-      <mc:AlternateContent xmlns:mc="http://schemas.openxmlformats.org/markup-compatibility/2006" xmlns:a14="http://schemas.microsoft.com/office/drawing/2010/main">
-        <mc:Choice Requires="a14">
-          <p:sp>
-            <p:nvSpPr>
-              <p:cNvPr id="53" name="ZoneTexte 52">
-                <a:extLst>
-                  <a:ext uri="{FF2B5EF4-FFF2-40B4-BE49-F238E27FC236}">
-                    <a16:creationId xmlns:a16="http://schemas.microsoft.com/office/drawing/2014/main" id="{0AD6DBA7-2FDB-48CF-9BEC-333C904C90BB}"/>
-                  </a:ext>
-                </a:extLst>
-              </p:cNvPr>
-              <p:cNvSpPr txBox="1"/>
-              <p:nvPr/>
-            </p:nvSpPr>
-            <p:spPr>
-              <a:xfrm>
-                <a:off x="1757485" y="1233881"/>
-                <a:ext cx="458780" cy="276999"/>
-              </a:xfrm>
-              <a:prstGeom prst="rect">
-                <a:avLst/>
-              </a:prstGeom>
-              <a:noFill/>
-            </p:spPr>
-            <p:txBody>
-              <a:bodyPr wrap="none" rtlCol="0">
-                <a:spAutoFit/>
-              </a:bodyPr>
-              <a:lstStyle/>
-              <a:p>
-                <a:pPr/>
-                <a14:m>
-                  <m:oMathPara xmlns:m="http://schemas.openxmlformats.org/officeDocument/2006/math">
-                    <m:oMathParaPr>
-                      <m:jc m:val="centerGroup"/>
-                    </m:oMathParaPr>
-                    <m:oMath xmlns:m="http://schemas.openxmlformats.org/officeDocument/2006/math">
-                      <m:sSub>
-                        <m:sSubPr>
-                          <m:ctrlPr>
-                            <a:rPr lang="fr-FR" sz="1200" b="1" i="1" smtClean="0">
-                              <a:latin typeface="Cambria Math" panose="02040503050406030204" pitchFamily="18" charset="0"/>
-                            </a:rPr>
-                          </m:ctrlPr>
-                        </m:sSubPr>
-                        <m:e>
-                          <m:r>
-                            <a:rPr lang="fr-FR" sz="1200" b="1" i="1" smtClean="0">
-                              <a:latin typeface="Cambria Math" panose="02040503050406030204" pitchFamily="18" charset="0"/>
-                            </a:rPr>
-                            <m:t>𝒁</m:t>
-                          </m:r>
-                        </m:e>
-                        <m:sub>
-                          <m:r>
-                            <a:rPr lang="fr-FR" sz="1200" b="1" i="1" smtClean="0">
-                              <a:latin typeface="Cambria Math" panose="02040503050406030204" pitchFamily="18" charset="0"/>
-                            </a:rPr>
-                            <m:t>𝟐𝟏</m:t>
-                          </m:r>
-                        </m:sub>
-                      </m:sSub>
-                    </m:oMath>
-                  </m:oMathPara>
-                </a14:m>
-                <a:endParaRPr lang="fr-FR" sz="1200" b="1" dirty="0"/>
-              </a:p>
-            </p:txBody>
-          </p:sp>
-        </mc:Choice>
-        <mc:Fallback xmlns="">
-          <p:sp>
-            <p:nvSpPr>
-              <p:cNvPr id="53" name="ZoneTexte 52">
-                <a:extLst>
-                  <a:ext uri="{FF2B5EF4-FFF2-40B4-BE49-F238E27FC236}">
-                    <a16:creationId xmlns:a16="http://schemas.microsoft.com/office/drawing/2014/main" id="{0AD6DBA7-2FDB-48CF-9BEC-333C904C90BB}"/>
-                  </a:ext>
-                </a:extLst>
-              </p:cNvPr>
-              <p:cNvSpPr txBox="1">
-                <a:spLocks noRot="1" noChangeAspect="1" noMove="1" noResize="1" noEditPoints="1" noAdjustHandles="1" noChangeArrowheads="1" noChangeShapeType="1" noTextEdit="1"/>
-              </p:cNvSpPr>
-              <p:nvPr/>
-            </p:nvSpPr>
-            <p:spPr>
-              <a:xfrm>
-                <a:off x="1757485" y="1233881"/>
-                <a:ext cx="458780" cy="276999"/>
-              </a:xfrm>
-              <a:prstGeom prst="rect">
-                <a:avLst/>
-              </a:prstGeom>
-              <a:blipFill>
-                <a:blip r:embed="rId5"/>
-                <a:stretch>
-                  <a:fillRect/>
-                </a:stretch>
-              </a:blipFill>
-            </p:spPr>
-            <p:txBody>
-              <a:bodyPr/>
-              <a:lstStyle/>
-              <a:p>
-                <a:r>
-                  <a:rPr lang="fr-FR">
-                    <a:noFill/>
-                  </a:rPr>
-                  <a:t> </a:t>
-                </a:r>
-              </a:p>
-            </p:txBody>
-          </p:sp>
-        </mc:Fallback>
-      </mc:AlternateContent>
-      <mc:AlternateContent xmlns:mc="http://schemas.openxmlformats.org/markup-compatibility/2006" xmlns:a14="http://schemas.microsoft.com/office/drawing/2010/main">
-        <mc:Choice Requires="a14">
-          <p:sp>
-            <p:nvSpPr>
-              <p:cNvPr id="57" name="ZoneTexte 56">
-                <a:extLst>
-                  <a:ext uri="{FF2B5EF4-FFF2-40B4-BE49-F238E27FC236}">
-                    <a16:creationId xmlns:a16="http://schemas.microsoft.com/office/drawing/2014/main" id="{43E9CEAB-97B0-472A-A1C2-75793CB79644}"/>
-                  </a:ext>
-                </a:extLst>
-              </p:cNvPr>
-              <p:cNvSpPr txBox="1"/>
-              <p:nvPr/>
-            </p:nvSpPr>
-            <p:spPr>
-              <a:xfrm>
-                <a:off x="2891817" y="1590945"/>
-                <a:ext cx="458780" cy="276999"/>
-              </a:xfrm>
-              <a:prstGeom prst="rect">
-                <a:avLst/>
-              </a:prstGeom>
-              <a:noFill/>
-            </p:spPr>
-            <p:txBody>
-              <a:bodyPr wrap="none" rtlCol="0">
-                <a:spAutoFit/>
-              </a:bodyPr>
-              <a:lstStyle/>
-              <a:p>
-                <a:pPr/>
-                <a14:m>
-                  <m:oMathPara xmlns:m="http://schemas.openxmlformats.org/officeDocument/2006/math">
-                    <m:oMathParaPr>
-                      <m:jc m:val="centerGroup"/>
-                    </m:oMathParaPr>
-                    <m:oMath xmlns:m="http://schemas.openxmlformats.org/officeDocument/2006/math">
-                      <m:sSub>
-                        <m:sSubPr>
-                          <m:ctrlPr>
-                            <a:rPr lang="fr-FR" sz="1200" b="1" i="1" smtClean="0">
-                              <a:latin typeface="Cambria Math" panose="02040503050406030204" pitchFamily="18" charset="0"/>
-                            </a:rPr>
-                          </m:ctrlPr>
-                        </m:sSubPr>
-                        <m:e>
-                          <m:r>
-                            <a:rPr lang="fr-FR" sz="1200" b="1" i="1" smtClean="0">
-                              <a:latin typeface="Cambria Math" panose="02040503050406030204" pitchFamily="18" charset="0"/>
-                            </a:rPr>
-                            <m:t>𝒁</m:t>
-                          </m:r>
-                        </m:e>
-                        <m:sub>
-                          <m:r>
-                            <a:rPr lang="fr-FR" sz="1200" b="1" i="1" smtClean="0">
-                              <a:latin typeface="Cambria Math" panose="02040503050406030204" pitchFamily="18" charset="0"/>
-                            </a:rPr>
-                            <m:t>𝟐𝟐</m:t>
-                          </m:r>
-                        </m:sub>
-                      </m:sSub>
-                    </m:oMath>
-                  </m:oMathPara>
-                </a14:m>
-                <a:endParaRPr lang="fr-FR" sz="1200" b="1" dirty="0"/>
-              </a:p>
-            </p:txBody>
-          </p:sp>
-        </mc:Choice>
-        <mc:Fallback xmlns="">
-          <p:sp>
-            <p:nvSpPr>
-              <p:cNvPr id="57" name="ZoneTexte 56">
-                <a:extLst>
-                  <a:ext uri="{FF2B5EF4-FFF2-40B4-BE49-F238E27FC236}">
-                    <a16:creationId xmlns:a16="http://schemas.microsoft.com/office/drawing/2014/main" id="{43E9CEAB-97B0-472A-A1C2-75793CB79644}"/>
-                  </a:ext>
-                </a:extLst>
-              </p:cNvPr>
-              <p:cNvSpPr txBox="1">
-                <a:spLocks noRot="1" noChangeAspect="1" noMove="1" noResize="1" noEditPoints="1" noAdjustHandles="1" noChangeArrowheads="1" noChangeShapeType="1" noTextEdit="1"/>
-              </p:cNvSpPr>
-              <p:nvPr/>
-            </p:nvSpPr>
-            <p:spPr>
-              <a:xfrm>
-                <a:off x="2891817" y="1590945"/>
-                <a:ext cx="458780" cy="276999"/>
-              </a:xfrm>
-              <a:prstGeom prst="rect">
-                <a:avLst/>
-              </a:prstGeom>
-              <a:blipFill>
-                <a:blip r:embed="rId6"/>
-                <a:stretch>
-                  <a:fillRect/>
-                </a:stretch>
-              </a:blipFill>
-            </p:spPr>
-            <p:txBody>
-              <a:bodyPr/>
-              <a:lstStyle/>
-              <a:p>
-                <a:r>
-                  <a:rPr lang="fr-FR">
-                    <a:noFill/>
-                  </a:rPr>
-                  <a:t> </a:t>
-                </a:r>
-              </a:p>
-            </p:txBody>
-          </p:sp>
-        </mc:Fallback>
-      </mc:AlternateContent>
-      <mc:AlternateContent xmlns:mc="http://schemas.openxmlformats.org/markup-compatibility/2006" xmlns:a14="http://schemas.microsoft.com/office/drawing/2010/main">
-        <mc:Choice Requires="a14">
-          <p:sp>
-            <p:nvSpPr>
-              <p:cNvPr id="58" name="ZoneTexte 57">
-                <a:extLst>
-                  <a:ext uri="{FF2B5EF4-FFF2-40B4-BE49-F238E27FC236}">
-                    <a16:creationId xmlns:a16="http://schemas.microsoft.com/office/drawing/2014/main" id="{30C83D1B-712F-4166-97F2-C5664A16A5CB}"/>
-                  </a:ext>
-                </a:extLst>
-              </p:cNvPr>
-              <p:cNvSpPr txBox="1"/>
-              <p:nvPr/>
-            </p:nvSpPr>
-            <p:spPr>
-              <a:xfrm>
-                <a:off x="2930827" y="3621904"/>
-                <a:ext cx="391453" cy="276999"/>
-              </a:xfrm>
-              <a:prstGeom prst="rect">
-                <a:avLst/>
-              </a:prstGeom>
-              <a:noFill/>
-            </p:spPr>
-            <p:txBody>
-              <a:bodyPr wrap="none" rtlCol="0">
-                <a:spAutoFit/>
-              </a:bodyPr>
-              <a:lstStyle/>
-              <a:p>
-                <a:pPr/>
-                <a14:m>
-                  <m:oMathPara xmlns:m="http://schemas.openxmlformats.org/officeDocument/2006/math">
-                    <m:oMathParaPr>
-                      <m:jc m:val="centerGroup"/>
-                    </m:oMathParaPr>
-                    <m:oMath xmlns:m="http://schemas.openxmlformats.org/officeDocument/2006/math">
-                      <m:sSub>
-                        <m:sSubPr>
-                          <m:ctrlPr>
-                            <a:rPr lang="fr-FR" sz="1200" b="1" i="1" smtClean="0">
-                              <a:latin typeface="Cambria Math" panose="02040503050406030204" pitchFamily="18" charset="0"/>
-                            </a:rPr>
-                          </m:ctrlPr>
-                        </m:sSubPr>
-                        <m:e>
-                          <m:r>
-                            <a:rPr lang="fr-FR" sz="1200" b="1" i="1" smtClean="0">
-                              <a:latin typeface="Cambria Math" panose="02040503050406030204" pitchFamily="18" charset="0"/>
-                            </a:rPr>
-                            <m:t>𝒁</m:t>
-                          </m:r>
-                        </m:e>
-                        <m:sub>
-                          <m:r>
-                            <a:rPr lang="fr-FR" sz="1200" b="1" i="1" smtClean="0">
-                              <a:latin typeface="Cambria Math" panose="02040503050406030204" pitchFamily="18" charset="0"/>
-                            </a:rPr>
-                            <m:t>𝟒</m:t>
-                          </m:r>
-                        </m:sub>
-                      </m:sSub>
-                    </m:oMath>
-                  </m:oMathPara>
-                </a14:m>
-                <a:endParaRPr lang="fr-FR" sz="1200" b="1" dirty="0"/>
-              </a:p>
-            </p:txBody>
-          </p:sp>
-        </mc:Choice>
-        <mc:Fallback xmlns="">
-          <p:sp>
-            <p:nvSpPr>
-              <p:cNvPr id="58" name="ZoneTexte 57">
-                <a:extLst>
-                  <a:ext uri="{FF2B5EF4-FFF2-40B4-BE49-F238E27FC236}">
-                    <a16:creationId xmlns:a16="http://schemas.microsoft.com/office/drawing/2014/main" id="{30C83D1B-712F-4166-97F2-C5664A16A5CB}"/>
-                  </a:ext>
-                </a:extLst>
-              </p:cNvPr>
-              <p:cNvSpPr txBox="1">
-                <a:spLocks noRot="1" noChangeAspect="1" noMove="1" noResize="1" noEditPoints="1" noAdjustHandles="1" noChangeArrowheads="1" noChangeShapeType="1" noTextEdit="1"/>
-              </p:cNvSpPr>
-              <p:nvPr/>
-            </p:nvSpPr>
-            <p:spPr>
-              <a:xfrm>
-                <a:off x="2930827" y="3621904"/>
-                <a:ext cx="391453" cy="276999"/>
-              </a:xfrm>
-              <a:prstGeom prst="rect">
-                <a:avLst/>
-              </a:prstGeom>
-              <a:blipFill>
-                <a:blip r:embed="rId7"/>
-                <a:stretch>
-                  <a:fillRect/>
-                </a:stretch>
-              </a:blipFill>
-            </p:spPr>
-            <p:txBody>
-              <a:bodyPr/>
-              <a:lstStyle/>
-              <a:p>
-                <a:r>
-                  <a:rPr lang="fr-FR">
-                    <a:noFill/>
-                  </a:rPr>
-                  <a:t> </a:t>
-                </a:r>
-              </a:p>
-            </p:txBody>
-          </p:sp>
-        </mc:Fallback>
-      </mc:AlternateContent>
-      <p:cxnSp>
-        <p:nvCxnSpPr>
-          <p:cNvPr id="59" name="Connecteur droit 58">
-            <a:extLst>
-              <a:ext uri="{FF2B5EF4-FFF2-40B4-BE49-F238E27FC236}">
-                <a16:creationId xmlns:a16="http://schemas.microsoft.com/office/drawing/2014/main" id="{D7999C58-028D-4C8A-B256-2F099D420B7B}"/>
-              </a:ext>
-            </a:extLst>
-          </p:cNvPr>
-          <p:cNvCxnSpPr/>
-          <p:nvPr/>
-        </p:nvCxnSpPr>
-        <p:spPr>
-          <a:xfrm>
-            <a:off x="1886684" y="1268760"/>
-            <a:ext cx="168666" cy="0"/>
-          </a:xfrm>
-          <a:prstGeom prst="line">
-            <a:avLst/>
-          </a:prstGeom>
-          <a:noFill/>
-          <a:ln w="28575">
-            <a:solidFill>
-              <a:srgbClr val="C00000"/>
-            </a:solidFill>
-          </a:ln>
-        </p:spPr>
-        <p:style>
-          <a:lnRef idx="2">
-            <a:schemeClr val="accent1">
-              <a:shade val="50000"/>
-            </a:schemeClr>
-          </a:lnRef>
-          <a:fillRef idx="1">
-            <a:schemeClr val="accent1"/>
-          </a:fillRef>
-          <a:effectRef idx="0">
-            <a:schemeClr val="accent1"/>
-          </a:effectRef>
-          <a:fontRef idx="minor">
-            <a:schemeClr val="lt1"/>
-          </a:fontRef>
-        </p:style>
-      </p:cxnSp>
-      <p:cxnSp>
-        <p:nvCxnSpPr>
-          <p:cNvPr id="60" name="Connecteur droit 59">
-            <a:extLst>
-              <a:ext uri="{FF2B5EF4-FFF2-40B4-BE49-F238E27FC236}">
-                <a16:creationId xmlns:a16="http://schemas.microsoft.com/office/drawing/2014/main" id="{764C6B44-957A-4849-BF08-3C2F3B508C48}"/>
-              </a:ext>
-            </a:extLst>
-          </p:cNvPr>
-          <p:cNvCxnSpPr>
-            <a:cxnSpLocks/>
-          </p:cNvCxnSpPr>
-          <p:nvPr/>
-        </p:nvCxnSpPr>
-        <p:spPr>
-          <a:xfrm>
-            <a:off x="1979712" y="107118"/>
-            <a:ext cx="0" cy="215028"/>
-          </a:xfrm>
-          <a:prstGeom prst="line">
-            <a:avLst/>
-          </a:prstGeom>
-          <a:noFill/>
-          <a:ln w="28575">
-            <a:solidFill>
-              <a:srgbClr val="7030A0"/>
-            </a:solidFill>
-          </a:ln>
-        </p:spPr>
-        <p:style>
-          <a:lnRef idx="2">
-            <a:schemeClr val="accent1">
-              <a:shade val="50000"/>
-            </a:schemeClr>
-          </a:lnRef>
-          <a:fillRef idx="1">
-            <a:schemeClr val="accent1"/>
-          </a:fillRef>
-          <a:effectRef idx="0">
-            <a:schemeClr val="accent1"/>
-          </a:effectRef>
-          <a:fontRef idx="minor">
-            <a:schemeClr val="lt1"/>
-          </a:fontRef>
-        </p:style>
-      </p:cxnSp>
-      <p:cxnSp>
-        <p:nvCxnSpPr>
-          <p:cNvPr id="61" name="Connecteur droit 60">
-            <a:extLst>
-              <a:ext uri="{FF2B5EF4-FFF2-40B4-BE49-F238E27FC236}">
-                <a16:creationId xmlns:a16="http://schemas.microsoft.com/office/drawing/2014/main" id="{68CD96C3-29F5-4889-8B5D-371702811C5C}"/>
-              </a:ext>
-            </a:extLst>
-          </p:cNvPr>
-          <p:cNvCxnSpPr>
-            <a:cxnSpLocks/>
-          </p:cNvCxnSpPr>
-          <p:nvPr/>
-        </p:nvCxnSpPr>
-        <p:spPr>
-          <a:xfrm>
-            <a:off x="1322945" y="3869155"/>
-            <a:ext cx="648072" cy="0"/>
-          </a:xfrm>
-          <a:prstGeom prst="line">
-            <a:avLst/>
-          </a:prstGeom>
-          <a:noFill/>
-          <a:ln w="28575">
-            <a:solidFill>
-              <a:srgbClr val="7030A0"/>
-            </a:solidFill>
-          </a:ln>
-        </p:spPr>
-        <p:style>
-          <a:lnRef idx="2">
-            <a:schemeClr val="accent1">
-              <a:shade val="50000"/>
-            </a:schemeClr>
-          </a:lnRef>
-          <a:fillRef idx="1">
-            <a:schemeClr val="accent1"/>
-          </a:fillRef>
-          <a:effectRef idx="0">
-            <a:schemeClr val="accent1"/>
-          </a:effectRef>
-          <a:fontRef idx="minor">
-            <a:schemeClr val="lt1"/>
-          </a:fontRef>
-        </p:style>
-      </p:cxnSp>
-      <p:cxnSp>
-        <p:nvCxnSpPr>
-          <p:cNvPr id="62" name="Connecteur droit 61">
-            <a:extLst>
-              <a:ext uri="{FF2B5EF4-FFF2-40B4-BE49-F238E27FC236}">
-                <a16:creationId xmlns:a16="http://schemas.microsoft.com/office/drawing/2014/main" id="{E3AE3BDD-1D55-4907-BE7D-92AA9BA3E68A}"/>
-              </a:ext>
-            </a:extLst>
-          </p:cNvPr>
-          <p:cNvCxnSpPr>
-            <a:cxnSpLocks/>
-          </p:cNvCxnSpPr>
-          <p:nvPr/>
-        </p:nvCxnSpPr>
-        <p:spPr>
-          <a:xfrm>
-            <a:off x="1971017" y="3665315"/>
-            <a:ext cx="0" cy="215028"/>
-          </a:xfrm>
-          <a:prstGeom prst="line">
-            <a:avLst/>
-          </a:prstGeom>
-          <a:noFill/>
-          <a:ln w="28575">
-            <a:solidFill>
-              <a:srgbClr val="7030A0"/>
-            </a:solidFill>
-          </a:ln>
-        </p:spPr>
-        <p:style>
-          <a:lnRef idx="2">
-            <a:schemeClr val="accent1">
-              <a:shade val="50000"/>
-            </a:schemeClr>
-          </a:lnRef>
-          <a:fillRef idx="1">
-            <a:schemeClr val="accent1"/>
-          </a:fillRef>
-          <a:effectRef idx="0">
-            <a:schemeClr val="accent1"/>
-          </a:effectRef>
-          <a:fontRef idx="minor">
-            <a:schemeClr val="lt1"/>
-          </a:fontRef>
-        </p:style>
-      </p:cxnSp>
-      <p:cxnSp>
-        <p:nvCxnSpPr>
-          <p:cNvPr id="63" name="Connecteur droit 62">
-            <a:extLst>
-              <a:ext uri="{FF2B5EF4-FFF2-40B4-BE49-F238E27FC236}">
-                <a16:creationId xmlns:a16="http://schemas.microsoft.com/office/drawing/2014/main" id="{65F14455-C89B-4074-8BA5-F8E66F61D22A}"/>
-              </a:ext>
-            </a:extLst>
-          </p:cNvPr>
-          <p:cNvCxnSpPr/>
-          <p:nvPr/>
-        </p:nvCxnSpPr>
-        <p:spPr>
-          <a:xfrm>
-            <a:off x="1893564" y="3675825"/>
-            <a:ext cx="168666" cy="0"/>
-          </a:xfrm>
-          <a:prstGeom prst="line">
-            <a:avLst/>
-          </a:prstGeom>
-          <a:noFill/>
-          <a:ln w="28575">
-            <a:solidFill>
-              <a:srgbClr val="7030A0"/>
-            </a:solidFill>
-          </a:ln>
-        </p:spPr>
-        <p:style>
-          <a:lnRef idx="2">
-            <a:schemeClr val="accent1">
-              <a:shade val="50000"/>
-            </a:schemeClr>
-          </a:lnRef>
-          <a:fillRef idx="1">
-            <a:schemeClr val="accent1"/>
-          </a:fillRef>
-          <a:effectRef idx="0">
-            <a:schemeClr val="accent1"/>
-          </a:effectRef>
-          <a:fontRef idx="minor">
-            <a:schemeClr val="lt1"/>
-          </a:fontRef>
-        </p:style>
-      </p:cxnSp>
-    </p:spTree>
-    <p:extLst>
-      <p:ext uri="{BB962C8B-B14F-4D97-AF65-F5344CB8AC3E}">
-        <p14:creationId xmlns:p14="http://schemas.microsoft.com/office/powerpoint/2010/main" val="1309971588"/>
-      </p:ext>
-    </p:extLst>
-  </p:cSld>
-  <p:clrMapOvr>
-    <a:masterClrMapping/>
-  </p:clrMapOvr>
-</p:sld>
-</file>
-
 <file path=ppt/theme/theme1.xml><?xml version="1.0" encoding="utf-8"?>
 <a:theme xmlns:a="http://schemas.openxmlformats.org/drawingml/2006/main" name="Thème Office">
   <a:themeElements>

--- a/Chapitre_01_Energetique/Révisions/TransmetteursPuissance/images/Figures.pptx
+++ b/Chapitre_01_Energetique/Révisions/TransmetteursPuissance/images/Figures.pptx
@@ -219,7 +219,7 @@
           <a:p>
             <a:fld id="{549FEEA7-4413-463C-9325-6E80A7BF54C3}" type="datetimeFigureOut">
               <a:rPr lang="fr-FR" smtClean="0"/>
-              <a:t>13/02/2019</a:t>
+              <a:t>18/03/2019</a:t>
             </a:fld>
             <a:endParaRPr lang="fr-FR"/>
           </a:p>
@@ -1003,7 +1003,7 @@
           <a:p>
             <a:fld id="{AA309A6D-C09C-4548-B29A-6CF363A7E532}" type="datetimeFigureOut">
               <a:rPr lang="fr-FR" smtClean="0"/>
-              <a:t>13/02/2019</a:t>
+              <a:t>18/03/2019</a:t>
             </a:fld>
             <a:endParaRPr lang="fr-BE"/>
           </a:p>
@@ -1168,7 +1168,7 @@
           <a:p>
             <a:fld id="{AA309A6D-C09C-4548-B29A-6CF363A7E532}" type="datetimeFigureOut">
               <a:rPr lang="fr-FR" smtClean="0"/>
-              <a:t>13/02/2019</a:t>
+              <a:t>18/03/2019</a:t>
             </a:fld>
             <a:endParaRPr lang="fr-BE"/>
           </a:p>
@@ -1343,7 +1343,7 @@
           <a:p>
             <a:fld id="{AA309A6D-C09C-4548-B29A-6CF363A7E532}" type="datetimeFigureOut">
               <a:rPr lang="fr-FR" smtClean="0"/>
-              <a:t>13/02/2019</a:t>
+              <a:t>18/03/2019</a:t>
             </a:fld>
             <a:endParaRPr lang="fr-BE"/>
           </a:p>
@@ -1508,7 +1508,7 @@
           <a:p>
             <a:fld id="{AA309A6D-C09C-4548-B29A-6CF363A7E532}" type="datetimeFigureOut">
               <a:rPr lang="fr-FR" smtClean="0"/>
-              <a:t>13/02/2019</a:t>
+              <a:t>18/03/2019</a:t>
             </a:fld>
             <a:endParaRPr lang="fr-BE"/>
           </a:p>
@@ -1749,7 +1749,7 @@
           <a:p>
             <a:fld id="{AA309A6D-C09C-4548-B29A-6CF363A7E532}" type="datetimeFigureOut">
               <a:rPr lang="fr-FR" smtClean="0"/>
-              <a:t>13/02/2019</a:t>
+              <a:t>18/03/2019</a:t>
             </a:fld>
             <a:endParaRPr lang="fr-BE"/>
           </a:p>
@@ -2032,7 +2032,7 @@
           <a:p>
             <a:fld id="{AA309A6D-C09C-4548-B29A-6CF363A7E532}" type="datetimeFigureOut">
               <a:rPr lang="fr-FR" smtClean="0"/>
-              <a:t>13/02/2019</a:t>
+              <a:t>18/03/2019</a:t>
             </a:fld>
             <a:endParaRPr lang="fr-BE"/>
           </a:p>
@@ -2449,7 +2449,7 @@
           <a:p>
             <a:fld id="{AA309A6D-C09C-4548-B29A-6CF363A7E532}" type="datetimeFigureOut">
               <a:rPr lang="fr-FR" smtClean="0"/>
-              <a:t>13/02/2019</a:t>
+              <a:t>18/03/2019</a:t>
             </a:fld>
             <a:endParaRPr lang="fr-BE"/>
           </a:p>
@@ -2562,7 +2562,7 @@
           <a:p>
             <a:fld id="{AA309A6D-C09C-4548-B29A-6CF363A7E532}" type="datetimeFigureOut">
               <a:rPr lang="fr-FR" smtClean="0"/>
-              <a:t>13/02/2019</a:t>
+              <a:t>18/03/2019</a:t>
             </a:fld>
             <a:endParaRPr lang="fr-BE"/>
           </a:p>
@@ -2652,7 +2652,7 @@
           <a:p>
             <a:fld id="{AA309A6D-C09C-4548-B29A-6CF363A7E532}" type="datetimeFigureOut">
               <a:rPr lang="fr-FR" smtClean="0"/>
-              <a:t>13/02/2019</a:t>
+              <a:t>18/03/2019</a:t>
             </a:fld>
             <a:endParaRPr lang="fr-BE"/>
           </a:p>
@@ -2924,7 +2924,7 @@
           <a:p>
             <a:fld id="{AA309A6D-C09C-4548-B29A-6CF363A7E532}" type="datetimeFigureOut">
               <a:rPr lang="fr-FR" smtClean="0"/>
-              <a:t>13/02/2019</a:t>
+              <a:t>18/03/2019</a:t>
             </a:fld>
             <a:endParaRPr lang="fr-BE"/>
           </a:p>
@@ -3172,7 +3172,7 @@
           <a:p>
             <a:fld id="{AA309A6D-C09C-4548-B29A-6CF363A7E532}" type="datetimeFigureOut">
               <a:rPr lang="fr-FR" smtClean="0"/>
-              <a:t>13/02/2019</a:t>
+              <a:t>18/03/2019</a:t>
             </a:fld>
             <a:endParaRPr lang="fr-BE"/>
           </a:p>
@@ -3380,7 +3380,7 @@
           <a:p>
             <a:fld id="{AA309A6D-C09C-4548-B29A-6CF363A7E532}" type="datetimeFigureOut">
               <a:rPr lang="fr-FR" smtClean="0"/>
-              <a:t>13/02/2019</a:t>
+              <a:t>18/03/2019</a:t>
             </a:fld>
             <a:endParaRPr lang="fr-BE"/>
           </a:p>
@@ -3858,8 +3858,8 @@
           </a:fontRef>
         </p:style>
       </p:cxnSp>
-      <mc:AlternateContent xmlns:mc="http://schemas.openxmlformats.org/markup-compatibility/2006">
-        <mc:Choice xmlns:a14="http://schemas.microsoft.com/office/drawing/2010/main" Requires="a14">
+      <mc:AlternateContent xmlns:mc="http://schemas.openxmlformats.org/markup-compatibility/2006" xmlns:a14="http://schemas.microsoft.com/office/drawing/2010/main">
+        <mc:Choice Requires="a14">
           <p:sp>
             <p:nvSpPr>
               <p:cNvPr id="7" name="ZoneTexte 6"/>
@@ -3934,7 +3934,7 @@
             </p:txBody>
           </p:sp>
         </mc:Choice>
-        <mc:Fallback>
+        <mc:Fallback xmlns="">
           <p:sp>
             <p:nvSpPr>
               <p:cNvPr id="7" name="ZoneTexte 6"/>
@@ -3973,8 +3973,8 @@
           </p:sp>
         </mc:Fallback>
       </mc:AlternateContent>
-      <mc:AlternateContent xmlns:mc="http://schemas.openxmlformats.org/markup-compatibility/2006">
-        <mc:Choice xmlns:a14="http://schemas.microsoft.com/office/drawing/2010/main" Requires="a14">
+      <mc:AlternateContent xmlns:mc="http://schemas.openxmlformats.org/markup-compatibility/2006" xmlns:a14="http://schemas.microsoft.com/office/drawing/2010/main">
+        <mc:Choice Requires="a14">
           <p:sp>
             <p:nvSpPr>
               <p:cNvPr id="8" name="ZoneTexte 7"/>
@@ -4049,7 +4049,7 @@
             </p:txBody>
           </p:sp>
         </mc:Choice>
-        <mc:Fallback>
+        <mc:Fallback xmlns="">
           <p:sp>
             <p:nvSpPr>
               <p:cNvPr id="8" name="ZoneTexte 7"/>
@@ -15326,6 +15326,351 @@
               </a:prstGeom>
               <a:blipFill rotWithShape="1">
                 <a:blip r:embed="rId6"/>
+                <a:stretch>
+                  <a:fillRect/>
+                </a:stretch>
+              </a:blipFill>
+            </p:spPr>
+            <p:txBody>
+              <a:bodyPr/>
+              <a:lstStyle/>
+              <a:p>
+                <a:r>
+                  <a:rPr lang="fr-FR">
+                    <a:noFill/>
+                  </a:rPr>
+                  <a:t> </a:t>
+                </a:r>
+              </a:p>
+            </p:txBody>
+          </p:sp>
+        </mc:Fallback>
+      </mc:AlternateContent>
+      <mc:AlternateContent xmlns:mc="http://schemas.openxmlformats.org/markup-compatibility/2006">
+        <mc:Choice xmlns:a14="http://schemas.microsoft.com/office/drawing/2010/main" Requires="a14">
+          <p:sp>
+            <p:nvSpPr>
+              <p:cNvPr id="47" name="ZoneTexte 46">
+                <a:extLst>
+                  <a:ext uri="{FF2B5EF4-FFF2-40B4-BE49-F238E27FC236}">
+                    <a16:creationId xmlns:a16="http://schemas.microsoft.com/office/drawing/2014/main" id="{9253A4D8-5244-4B63-A378-C4AF2BAEAACA}"/>
+                  </a:ext>
+                </a:extLst>
+              </p:cNvPr>
+              <p:cNvSpPr txBox="1"/>
+              <p:nvPr/>
+            </p:nvSpPr>
+            <p:spPr>
+              <a:xfrm>
+                <a:off x="1587869" y="2533387"/>
+                <a:ext cx="375359" cy="276999"/>
+              </a:xfrm>
+              <a:prstGeom prst="rect">
+                <a:avLst/>
+              </a:prstGeom>
+              <a:noFill/>
+            </p:spPr>
+            <p:txBody>
+              <a:bodyPr wrap="none" rtlCol="0">
+                <a:spAutoFit/>
+              </a:bodyPr>
+              <a:lstStyle/>
+              <a:p>
+                <a:pPr/>
+                <a14:m>
+                  <m:oMathPara xmlns:m="http://schemas.openxmlformats.org/officeDocument/2006/math">
+                    <m:oMathParaPr>
+                      <m:jc m:val="centerGroup"/>
+                    </m:oMathParaPr>
+                    <m:oMath xmlns:m="http://schemas.openxmlformats.org/officeDocument/2006/math">
+                      <m:sSub>
+                        <m:sSubPr>
+                          <m:ctrlPr>
+                            <a:rPr lang="fr-FR" sz="1200" b="0" i="1" smtClean="0">
+                              <a:latin typeface="Cambria Math" panose="02040503050406030204" pitchFamily="18" charset="0"/>
+                            </a:rPr>
+                          </m:ctrlPr>
+                        </m:sSubPr>
+                        <m:e>
+                          <m:r>
+                            <a:rPr lang="fr-FR" sz="1200" i="1" smtClean="0">
+                              <a:latin typeface="Cambria Math" panose="02040503050406030204" pitchFamily="18" charset="0"/>
+                            </a:rPr>
+                            <m:t>𝑍</m:t>
+                          </m:r>
+                        </m:e>
+                        <m:sub>
+                          <m:r>
+                            <a:rPr lang="fr-FR" sz="1200" b="0" i="1" smtClean="0">
+                              <a:latin typeface="Cambria Math" panose="02040503050406030204" pitchFamily="18" charset="0"/>
+                            </a:rPr>
+                            <m:t>1</m:t>
+                          </m:r>
+                        </m:sub>
+                      </m:sSub>
+                    </m:oMath>
+                  </m:oMathPara>
+                </a14:m>
+                <a:endParaRPr lang="fr-FR" sz="1200" dirty="0"/>
+              </a:p>
+            </p:txBody>
+          </p:sp>
+        </mc:Choice>
+        <mc:Fallback>
+          <p:sp>
+            <p:nvSpPr>
+              <p:cNvPr id="47" name="ZoneTexte 46">
+                <a:extLst>
+                  <a:ext uri="{FF2B5EF4-FFF2-40B4-BE49-F238E27FC236}">
+                    <a16:creationId xmlns:a16="http://schemas.microsoft.com/office/drawing/2014/main" id="{9253A4D8-5244-4B63-A378-C4AF2BAEAACA}"/>
+                  </a:ext>
+                </a:extLst>
+              </p:cNvPr>
+              <p:cNvSpPr txBox="1">
+                <a:spLocks noRot="1" noChangeAspect="1" noMove="1" noResize="1" noEditPoints="1" noAdjustHandles="1" noChangeArrowheads="1" noChangeShapeType="1" noTextEdit="1"/>
+              </p:cNvSpPr>
+              <p:nvPr/>
+            </p:nvSpPr>
+            <p:spPr>
+              <a:xfrm>
+                <a:off x="1587869" y="2533387"/>
+                <a:ext cx="375359" cy="276999"/>
+              </a:xfrm>
+              <a:prstGeom prst="rect">
+                <a:avLst/>
+              </a:prstGeom>
+              <a:blipFill>
+                <a:blip r:embed="rId7"/>
+                <a:stretch>
+                  <a:fillRect/>
+                </a:stretch>
+              </a:blipFill>
+            </p:spPr>
+            <p:txBody>
+              <a:bodyPr/>
+              <a:lstStyle/>
+              <a:p>
+                <a:r>
+                  <a:rPr lang="fr-FR">
+                    <a:noFill/>
+                  </a:rPr>
+                  <a:t> </a:t>
+                </a:r>
+              </a:p>
+            </p:txBody>
+          </p:sp>
+        </mc:Fallback>
+      </mc:AlternateContent>
+      <mc:AlternateContent xmlns:mc="http://schemas.openxmlformats.org/markup-compatibility/2006">
+        <mc:Choice xmlns:a14="http://schemas.microsoft.com/office/drawing/2010/main" Requires="a14">
+          <p:sp>
+            <p:nvSpPr>
+              <p:cNvPr id="53" name="ZoneTexte 52">
+                <a:extLst>
+                  <a:ext uri="{FF2B5EF4-FFF2-40B4-BE49-F238E27FC236}">
+                    <a16:creationId xmlns:a16="http://schemas.microsoft.com/office/drawing/2014/main" id="{00CA4098-3DEE-48D9-B053-7ECC0BC15EAA}"/>
+                  </a:ext>
+                </a:extLst>
+              </p:cNvPr>
+              <p:cNvSpPr txBox="1"/>
+              <p:nvPr/>
+            </p:nvSpPr>
+            <p:spPr>
+              <a:xfrm>
+                <a:off x="1514287" y="205095"/>
+                <a:ext cx="378950" cy="276999"/>
+              </a:xfrm>
+              <a:prstGeom prst="rect">
+                <a:avLst/>
+              </a:prstGeom>
+              <a:noFill/>
+            </p:spPr>
+            <p:txBody>
+              <a:bodyPr wrap="none" rtlCol="0">
+                <a:spAutoFit/>
+              </a:bodyPr>
+              <a:lstStyle/>
+              <a:p>
+                <a:pPr/>
+                <a14:m>
+                  <m:oMathPara xmlns:m="http://schemas.openxmlformats.org/officeDocument/2006/math">
+                    <m:oMathParaPr>
+                      <m:jc m:val="centerGroup"/>
+                    </m:oMathParaPr>
+                    <m:oMath xmlns:m="http://schemas.openxmlformats.org/officeDocument/2006/math">
+                      <m:sSub>
+                        <m:sSubPr>
+                          <m:ctrlPr>
+                            <a:rPr lang="fr-FR" sz="1200" b="0" i="1" smtClean="0">
+                              <a:latin typeface="Cambria Math" panose="02040503050406030204" pitchFamily="18" charset="0"/>
+                            </a:rPr>
+                          </m:ctrlPr>
+                        </m:sSubPr>
+                        <m:e>
+                          <m:r>
+                            <a:rPr lang="fr-FR" sz="1200" i="1" smtClean="0">
+                              <a:latin typeface="Cambria Math" panose="02040503050406030204" pitchFamily="18" charset="0"/>
+                            </a:rPr>
+                            <m:t>𝑍</m:t>
+                          </m:r>
+                        </m:e>
+                        <m:sub>
+                          <m:r>
+                            <a:rPr lang="fr-FR" sz="1200" b="0" i="1" smtClean="0">
+                              <a:latin typeface="Cambria Math" panose="02040503050406030204" pitchFamily="18" charset="0"/>
+                            </a:rPr>
+                            <m:t>2</m:t>
+                          </m:r>
+                        </m:sub>
+                      </m:sSub>
+                    </m:oMath>
+                  </m:oMathPara>
+                </a14:m>
+                <a:endParaRPr lang="fr-FR" sz="1200" dirty="0"/>
+              </a:p>
+            </p:txBody>
+          </p:sp>
+        </mc:Choice>
+        <mc:Fallback>
+          <p:sp>
+            <p:nvSpPr>
+              <p:cNvPr id="53" name="ZoneTexte 52">
+                <a:extLst>
+                  <a:ext uri="{FF2B5EF4-FFF2-40B4-BE49-F238E27FC236}">
+                    <a16:creationId xmlns:a16="http://schemas.microsoft.com/office/drawing/2014/main" id="{00CA4098-3DEE-48D9-B053-7ECC0BC15EAA}"/>
+                  </a:ext>
+                </a:extLst>
+              </p:cNvPr>
+              <p:cNvSpPr txBox="1">
+                <a:spLocks noRot="1" noChangeAspect="1" noMove="1" noResize="1" noEditPoints="1" noAdjustHandles="1" noChangeArrowheads="1" noChangeShapeType="1" noTextEdit="1"/>
+              </p:cNvSpPr>
+              <p:nvPr/>
+            </p:nvSpPr>
+            <p:spPr>
+              <a:xfrm>
+                <a:off x="1514287" y="205095"/>
+                <a:ext cx="378950" cy="276999"/>
+              </a:xfrm>
+              <a:prstGeom prst="rect">
+                <a:avLst/>
+              </a:prstGeom>
+              <a:blipFill>
+                <a:blip r:embed="rId8"/>
+                <a:stretch>
+                  <a:fillRect/>
+                </a:stretch>
+              </a:blipFill>
+            </p:spPr>
+            <p:txBody>
+              <a:bodyPr/>
+              <a:lstStyle/>
+              <a:p>
+                <a:r>
+                  <a:rPr lang="fr-FR">
+                    <a:noFill/>
+                  </a:rPr>
+                  <a:t> </a:t>
+                </a:r>
+              </a:p>
+            </p:txBody>
+          </p:sp>
+        </mc:Fallback>
+      </mc:AlternateContent>
+      <mc:AlternateContent xmlns:mc="http://schemas.openxmlformats.org/markup-compatibility/2006">
+        <mc:Choice xmlns:a14="http://schemas.microsoft.com/office/drawing/2010/main" Requires="a14">
+          <p:sp>
+            <p:nvSpPr>
+              <p:cNvPr id="58" name="ZoneTexte 57">
+                <a:extLst>
+                  <a:ext uri="{FF2B5EF4-FFF2-40B4-BE49-F238E27FC236}">
+                    <a16:creationId xmlns:a16="http://schemas.microsoft.com/office/drawing/2014/main" id="{70A6DCC6-D3BF-4A9A-AD39-7D7CD1716B30}"/>
+                  </a:ext>
+                </a:extLst>
+              </p:cNvPr>
+              <p:cNvSpPr txBox="1"/>
+              <p:nvPr/>
+            </p:nvSpPr>
+            <p:spPr>
+              <a:xfrm>
+                <a:off x="1790237" y="3386027"/>
+                <a:ext cx="378950" cy="276999"/>
+              </a:xfrm>
+              <a:prstGeom prst="rect">
+                <a:avLst/>
+              </a:prstGeom>
+              <a:noFill/>
+            </p:spPr>
+            <p:txBody>
+              <a:bodyPr wrap="none" rtlCol="0">
+                <a:spAutoFit/>
+              </a:bodyPr>
+              <a:lstStyle/>
+              <a:p>
+                <a:pPr/>
+                <a14:m>
+                  <m:oMathPara xmlns:m="http://schemas.openxmlformats.org/officeDocument/2006/math">
+                    <m:oMathParaPr>
+                      <m:jc m:val="centerGroup"/>
+                    </m:oMathParaPr>
+                    <m:oMath xmlns:m="http://schemas.openxmlformats.org/officeDocument/2006/math">
+                      <m:sSub>
+                        <m:sSubPr>
+                          <m:ctrlPr>
+                            <a:rPr lang="fr-FR" sz="1200" b="0" i="1" smtClean="0">
+                              <a:latin typeface="Cambria Math" panose="02040503050406030204" pitchFamily="18" charset="0"/>
+                            </a:rPr>
+                          </m:ctrlPr>
+                        </m:sSubPr>
+                        <m:e>
+                          <m:r>
+                            <a:rPr lang="fr-FR" sz="1200" i="1" smtClean="0">
+                              <a:latin typeface="Cambria Math" panose="02040503050406030204" pitchFamily="18" charset="0"/>
+                            </a:rPr>
+                            <m:t>𝑍</m:t>
+                          </m:r>
+                        </m:e>
+                        <m:sub>
+                          <m:r>
+                            <a:rPr lang="fr-FR" sz="1200" b="0" i="1" smtClean="0">
+                              <a:latin typeface="Cambria Math" panose="02040503050406030204" pitchFamily="18" charset="0"/>
+                            </a:rPr>
+                            <m:t>0</m:t>
+                          </m:r>
+                        </m:sub>
+                      </m:sSub>
+                    </m:oMath>
+                  </m:oMathPara>
+                </a14:m>
+                <a:endParaRPr lang="fr-FR" sz="1200" dirty="0"/>
+              </a:p>
+            </p:txBody>
+          </p:sp>
+        </mc:Choice>
+        <mc:Fallback>
+          <p:sp>
+            <p:nvSpPr>
+              <p:cNvPr id="58" name="ZoneTexte 57">
+                <a:extLst>
+                  <a:ext uri="{FF2B5EF4-FFF2-40B4-BE49-F238E27FC236}">
+                    <a16:creationId xmlns:a16="http://schemas.microsoft.com/office/drawing/2014/main" id="{70A6DCC6-D3BF-4A9A-AD39-7D7CD1716B30}"/>
+                  </a:ext>
+                </a:extLst>
+              </p:cNvPr>
+              <p:cNvSpPr txBox="1">
+                <a:spLocks noRot="1" noChangeAspect="1" noMove="1" noResize="1" noEditPoints="1" noAdjustHandles="1" noChangeArrowheads="1" noChangeShapeType="1" noTextEdit="1"/>
+              </p:cNvSpPr>
+              <p:nvPr/>
+            </p:nvSpPr>
+            <p:spPr>
+              <a:xfrm>
+                <a:off x="1790237" y="3386027"/>
+                <a:ext cx="378950" cy="276999"/>
+              </a:xfrm>
+              <a:prstGeom prst="rect">
+                <a:avLst/>
+              </a:prstGeom>
+              <a:blipFill>
+                <a:blip r:embed="rId9"/>
                 <a:stretch>
                   <a:fillRect/>
                 </a:stretch>
